--- a/框图.pptx
+++ b/框图.pptx
@@ -5,17 +5,18 @@
     <p:sldMasterId id="2147483648" r:id="rId1"/>
   </p:sldMasterIdLst>
   <p:notesMasterIdLst>
-    <p:notesMasterId r:id="rId10"/>
+    <p:notesMasterId r:id="rId11"/>
   </p:notesMasterIdLst>
   <p:sldIdLst>
     <p:sldId id="290" r:id="rId2"/>
     <p:sldId id="291" r:id="rId3"/>
     <p:sldId id="292" r:id="rId4"/>
-    <p:sldId id="263" r:id="rId5"/>
-    <p:sldId id="265" r:id="rId6"/>
-    <p:sldId id="266" r:id="rId7"/>
-    <p:sldId id="282" r:id="rId8"/>
-    <p:sldId id="278" r:id="rId9"/>
+    <p:sldId id="293" r:id="rId5"/>
+    <p:sldId id="263" r:id="rId6"/>
+    <p:sldId id="265" r:id="rId7"/>
+    <p:sldId id="266" r:id="rId8"/>
+    <p:sldId id="282" r:id="rId9"/>
+    <p:sldId id="278" r:id="rId10"/>
   </p:sldIdLst>
   <p:sldSz cx="12192000" cy="6858000"/>
   <p:notesSz cx="6858000" cy="9144000"/>
@@ -122,6 +123,7 @@
             <p14:sldId id="290"/>
             <p14:sldId id="291"/>
             <p14:sldId id="292"/>
+            <p14:sldId id="293"/>
           </p14:sldIdLst>
         </p14:section>
         <p14:section name="12.25" id="{0CFD213D-CF50-4C28-A3BA-299388D2C4BE}">
@@ -235,7 +237,7 @@
           <a:p>
             <a:fld id="{C773181F-8EFC-4289-A938-666904BF3F64}" type="datetimeFigureOut">
               <a:rPr lang="zh-CN" altLang="en-US" smtClean="0"/>
-              <a:t>2020/11/11</a:t>
+              <a:t>2020/11/14</a:t>
             </a:fld>
             <a:endParaRPr lang="zh-CN" altLang="en-US"/>
           </a:p>
@@ -649,7 +651,7 @@
           <a:p>
             <a:fld id="{5230440D-BA63-467C-878F-1C8A9502090C}" type="datetimeFigureOut">
               <a:rPr lang="zh-CN" altLang="en-US" smtClean="0"/>
-              <a:t>2020/11/11</a:t>
+              <a:t>2020/11/14</a:t>
             </a:fld>
             <a:endParaRPr lang="zh-CN" altLang="en-US"/>
           </a:p>
@@ -847,7 +849,7 @@
           <a:p>
             <a:fld id="{5230440D-BA63-467C-878F-1C8A9502090C}" type="datetimeFigureOut">
               <a:rPr lang="zh-CN" altLang="en-US" smtClean="0"/>
-              <a:t>2020/11/11</a:t>
+              <a:t>2020/11/14</a:t>
             </a:fld>
             <a:endParaRPr lang="zh-CN" altLang="en-US"/>
           </a:p>
@@ -1055,7 +1057,7 @@
           <a:p>
             <a:fld id="{5230440D-BA63-467C-878F-1C8A9502090C}" type="datetimeFigureOut">
               <a:rPr lang="zh-CN" altLang="en-US" smtClean="0"/>
-              <a:t>2020/11/11</a:t>
+              <a:t>2020/11/14</a:t>
             </a:fld>
             <a:endParaRPr lang="zh-CN" altLang="en-US"/>
           </a:p>
@@ -1253,7 +1255,7 @@
           <a:p>
             <a:fld id="{5230440D-BA63-467C-878F-1C8A9502090C}" type="datetimeFigureOut">
               <a:rPr lang="zh-CN" altLang="en-US" smtClean="0"/>
-              <a:t>2020/11/11</a:t>
+              <a:t>2020/11/14</a:t>
             </a:fld>
             <a:endParaRPr lang="zh-CN" altLang="en-US"/>
           </a:p>
@@ -1528,7 +1530,7 @@
           <a:p>
             <a:fld id="{5230440D-BA63-467C-878F-1C8A9502090C}" type="datetimeFigureOut">
               <a:rPr lang="zh-CN" altLang="en-US" smtClean="0"/>
-              <a:t>2020/11/11</a:t>
+              <a:t>2020/11/14</a:t>
             </a:fld>
             <a:endParaRPr lang="zh-CN" altLang="en-US"/>
           </a:p>
@@ -1793,7 +1795,7 @@
           <a:p>
             <a:fld id="{5230440D-BA63-467C-878F-1C8A9502090C}" type="datetimeFigureOut">
               <a:rPr lang="zh-CN" altLang="en-US" smtClean="0"/>
-              <a:t>2020/11/11</a:t>
+              <a:t>2020/11/14</a:t>
             </a:fld>
             <a:endParaRPr lang="zh-CN" altLang="en-US"/>
           </a:p>
@@ -2205,7 +2207,7 @@
           <a:p>
             <a:fld id="{5230440D-BA63-467C-878F-1C8A9502090C}" type="datetimeFigureOut">
               <a:rPr lang="zh-CN" altLang="en-US" smtClean="0"/>
-              <a:t>2020/11/11</a:t>
+              <a:t>2020/11/14</a:t>
             </a:fld>
             <a:endParaRPr lang="zh-CN" altLang="en-US"/>
           </a:p>
@@ -2346,7 +2348,7 @@
           <a:p>
             <a:fld id="{5230440D-BA63-467C-878F-1C8A9502090C}" type="datetimeFigureOut">
               <a:rPr lang="zh-CN" altLang="en-US" smtClean="0"/>
-              <a:t>2020/11/11</a:t>
+              <a:t>2020/11/14</a:t>
             </a:fld>
             <a:endParaRPr lang="zh-CN" altLang="en-US"/>
           </a:p>
@@ -2459,7 +2461,7 @@
           <a:p>
             <a:fld id="{5230440D-BA63-467C-878F-1C8A9502090C}" type="datetimeFigureOut">
               <a:rPr lang="zh-CN" altLang="en-US" smtClean="0"/>
-              <a:t>2020/11/11</a:t>
+              <a:t>2020/11/14</a:t>
             </a:fld>
             <a:endParaRPr lang="zh-CN" altLang="en-US"/>
           </a:p>
@@ -2770,7 +2772,7 @@
           <a:p>
             <a:fld id="{5230440D-BA63-467C-878F-1C8A9502090C}" type="datetimeFigureOut">
               <a:rPr lang="zh-CN" altLang="en-US" smtClean="0"/>
-              <a:t>2020/11/11</a:t>
+              <a:t>2020/11/14</a:t>
             </a:fld>
             <a:endParaRPr lang="zh-CN" altLang="en-US"/>
           </a:p>
@@ -3058,7 +3060,7 @@
           <a:p>
             <a:fld id="{5230440D-BA63-467C-878F-1C8A9502090C}" type="datetimeFigureOut">
               <a:rPr lang="zh-CN" altLang="en-US" smtClean="0"/>
-              <a:t>2020/11/11</a:t>
+              <a:t>2020/11/14</a:t>
             </a:fld>
             <a:endParaRPr lang="zh-CN" altLang="en-US"/>
           </a:p>
@@ -3299,7 +3301,7 @@
           <a:p>
             <a:fld id="{5230440D-BA63-467C-878F-1C8A9502090C}" type="datetimeFigureOut">
               <a:rPr lang="zh-CN" altLang="en-US" smtClean="0"/>
-              <a:t>2020/11/11</a:t>
+              <a:t>2020/11/14</a:t>
             </a:fld>
             <a:endParaRPr lang="zh-CN" altLang="en-US"/>
           </a:p>
@@ -5060,6 +5062,261 @@
           <a:chExt cx="0" cy="0"/>
         </a:xfrm>
       </p:grpSpPr>
+      <p:pic>
+        <p:nvPicPr>
+          <p:cNvPr id="5" name="图片 4">
+            <a:extLst>
+              <a:ext uri="{FF2B5EF4-FFF2-40B4-BE49-F238E27FC236}">
+                <a16:creationId xmlns:a16="http://schemas.microsoft.com/office/drawing/2014/main" id="{FDBC4464-CEF2-4B76-B7E8-FB050FF671FB}"/>
+              </a:ext>
+            </a:extLst>
+          </p:cNvPr>
+          <p:cNvPicPr>
+            <a:picLocks noChangeAspect="1"/>
+          </p:cNvPicPr>
+          <p:nvPr/>
+        </p:nvPicPr>
+        <p:blipFill>
+          <a:blip r:embed="rId2">
+            <a:extLst>
+              <a:ext uri="{28A0092B-C50C-407E-A947-70E740481C1C}">
+                <a14:useLocalDpi xmlns:a14="http://schemas.microsoft.com/office/drawing/2010/main" val="0"/>
+              </a:ext>
+            </a:extLst>
+          </a:blip>
+          <a:stretch>
+            <a:fillRect/>
+          </a:stretch>
+        </p:blipFill>
+        <p:spPr>
+          <a:xfrm>
+            <a:off x="3662680" y="622467"/>
+            <a:ext cx="6761482" cy="4538645"/>
+          </a:xfrm>
+          <a:prstGeom prst="rect">
+            <a:avLst/>
+          </a:prstGeom>
+        </p:spPr>
+      </p:pic>
+      <p:pic>
+        <p:nvPicPr>
+          <p:cNvPr id="7" name="图片 6">
+            <a:extLst>
+              <a:ext uri="{FF2B5EF4-FFF2-40B4-BE49-F238E27FC236}">
+                <a16:creationId xmlns:a16="http://schemas.microsoft.com/office/drawing/2014/main" id="{EF1DF2FD-14B6-480E-B6C4-B9A13255F2C7}"/>
+              </a:ext>
+            </a:extLst>
+          </p:cNvPr>
+          <p:cNvPicPr>
+            <a:picLocks noChangeAspect="1"/>
+          </p:cNvPicPr>
+          <p:nvPr/>
+        </p:nvPicPr>
+        <p:blipFill>
+          <a:blip r:embed="rId3">
+            <a:extLst>
+              <a:ext uri="{28A0092B-C50C-407E-A947-70E740481C1C}">
+                <a14:useLocalDpi xmlns:a14="http://schemas.microsoft.com/office/drawing/2010/main" val="0"/>
+              </a:ext>
+            </a:extLst>
+          </a:blip>
+          <a:stretch>
+            <a:fillRect/>
+          </a:stretch>
+        </p:blipFill>
+        <p:spPr>
+          <a:xfrm>
+            <a:off x="10561320" y="396240"/>
+            <a:ext cx="4678680" cy="4986260"/>
+          </a:xfrm>
+          <a:prstGeom prst="rect">
+            <a:avLst/>
+          </a:prstGeom>
+        </p:spPr>
+      </p:pic>
+      <p:pic>
+        <p:nvPicPr>
+          <p:cNvPr id="9" name="图片 8">
+            <a:extLst>
+              <a:ext uri="{FF2B5EF4-FFF2-40B4-BE49-F238E27FC236}">
+                <a16:creationId xmlns:a16="http://schemas.microsoft.com/office/drawing/2014/main" id="{93273F11-EAB3-42F1-B64E-173A8E4E103F}"/>
+              </a:ext>
+            </a:extLst>
+          </p:cNvPr>
+          <p:cNvPicPr>
+            <a:picLocks noChangeAspect="1"/>
+          </p:cNvPicPr>
+          <p:nvPr/>
+        </p:nvPicPr>
+        <p:blipFill>
+          <a:blip r:embed="rId4">
+            <a:extLst>
+              <a:ext uri="{28A0092B-C50C-407E-A947-70E740481C1C}">
+                <a14:useLocalDpi xmlns:a14="http://schemas.microsoft.com/office/drawing/2010/main" val="0"/>
+              </a:ext>
+            </a:extLst>
+          </a:blip>
+          <a:stretch>
+            <a:fillRect/>
+          </a:stretch>
+        </p:blipFill>
+        <p:spPr>
+          <a:xfrm>
+            <a:off x="-2687320" y="396240"/>
+            <a:ext cx="6350000" cy="4991100"/>
+          </a:xfrm>
+          <a:prstGeom prst="rect">
+            <a:avLst/>
+          </a:prstGeom>
+        </p:spPr>
+      </p:pic>
+      <p:sp>
+        <p:nvSpPr>
+          <p:cNvPr id="10" name="文本框 9">
+            <a:extLst>
+              <a:ext uri="{FF2B5EF4-FFF2-40B4-BE49-F238E27FC236}">
+                <a16:creationId xmlns:a16="http://schemas.microsoft.com/office/drawing/2014/main" id="{F8190976-C928-4D46-8BDD-D1114DB09718}"/>
+              </a:ext>
+            </a:extLst>
+          </p:cNvPr>
+          <p:cNvSpPr txBox="1"/>
+          <p:nvPr/>
+        </p:nvSpPr>
+        <p:spPr>
+          <a:xfrm>
+            <a:off x="-364612" y="5580464"/>
+            <a:ext cx="1705731" cy="400110"/>
+          </a:xfrm>
+          <a:prstGeom prst="rect">
+            <a:avLst/>
+          </a:prstGeom>
+          <a:noFill/>
+        </p:spPr>
+        <p:txBody>
+          <a:bodyPr wrap="square" rtlCol="0">
+            <a:spAutoFit/>
+          </a:bodyPr>
+          <a:lstStyle/>
+          <a:p>
+            <a:pPr algn="ctr"/>
+            <a:r>
+              <a:rPr lang="zh-CN" altLang="en-US" sz="2000" dirty="0">
+                <a:latin typeface="微软雅黑" panose="020B0503020204020204" pitchFamily="34" charset="-122"/>
+                <a:ea typeface="微软雅黑" panose="020B0503020204020204" pitchFamily="34" charset="-122"/>
+              </a:rPr>
+              <a:t>尺度地图</a:t>
+            </a:r>
+          </a:p>
+        </p:txBody>
+      </p:sp>
+      <p:sp>
+        <p:nvSpPr>
+          <p:cNvPr id="11" name="文本框 10">
+            <a:extLst>
+              <a:ext uri="{FF2B5EF4-FFF2-40B4-BE49-F238E27FC236}">
+                <a16:creationId xmlns:a16="http://schemas.microsoft.com/office/drawing/2014/main" id="{1421B438-425F-42C5-A899-0D5958AAE83C}"/>
+              </a:ext>
+            </a:extLst>
+          </p:cNvPr>
+          <p:cNvSpPr txBox="1"/>
+          <p:nvPr/>
+        </p:nvSpPr>
+        <p:spPr>
+          <a:xfrm>
+            <a:off x="3157795" y="5580464"/>
+            <a:ext cx="7771252" cy="400110"/>
+          </a:xfrm>
+          <a:prstGeom prst="rect">
+            <a:avLst/>
+          </a:prstGeom>
+          <a:noFill/>
+        </p:spPr>
+        <p:txBody>
+          <a:bodyPr wrap="square" rtlCol="0">
+            <a:spAutoFit/>
+          </a:bodyPr>
+          <a:lstStyle/>
+          <a:p>
+            <a:pPr algn="ctr"/>
+            <a:r>
+              <a:rPr lang="zh-CN" altLang="en-US" sz="2000" dirty="0">
+                <a:latin typeface="微软雅黑" panose="020B0503020204020204" pitchFamily="34" charset="-122"/>
+                <a:ea typeface="微软雅黑" panose="020B0503020204020204" pitchFamily="34" charset="-122"/>
+              </a:rPr>
+              <a:t>拓扑地图</a:t>
+            </a:r>
+          </a:p>
+        </p:txBody>
+      </p:sp>
+      <p:sp>
+        <p:nvSpPr>
+          <p:cNvPr id="12" name="文本框 11">
+            <a:extLst>
+              <a:ext uri="{FF2B5EF4-FFF2-40B4-BE49-F238E27FC236}">
+                <a16:creationId xmlns:a16="http://schemas.microsoft.com/office/drawing/2014/main" id="{A980D099-B754-48DB-B4E5-5853EE6BA05C}"/>
+              </a:ext>
+            </a:extLst>
+          </p:cNvPr>
+          <p:cNvSpPr txBox="1"/>
+          <p:nvPr/>
+        </p:nvSpPr>
+        <p:spPr>
+          <a:xfrm>
+            <a:off x="11628120" y="5382500"/>
+            <a:ext cx="2545080" cy="400110"/>
+          </a:xfrm>
+          <a:prstGeom prst="rect">
+            <a:avLst/>
+          </a:prstGeom>
+          <a:noFill/>
+        </p:spPr>
+        <p:txBody>
+          <a:bodyPr wrap="square" rtlCol="0">
+            <a:spAutoFit/>
+          </a:bodyPr>
+          <a:lstStyle/>
+          <a:p>
+            <a:pPr algn="ctr"/>
+            <a:r>
+              <a:rPr lang="zh-CN" altLang="en-US" sz="2000" dirty="0">
+                <a:latin typeface="微软雅黑" panose="020B0503020204020204" pitchFamily="34" charset="-122"/>
+                <a:ea typeface="微软雅黑" panose="020B0503020204020204" pitchFamily="34" charset="-122"/>
+              </a:rPr>
+              <a:t>语义地图</a:t>
+            </a:r>
+          </a:p>
+        </p:txBody>
+      </p:sp>
+    </p:spTree>
+    <p:extLst>
+      <p:ext uri="{BB962C8B-B14F-4D97-AF65-F5344CB8AC3E}">
+        <p14:creationId xmlns:p14="http://schemas.microsoft.com/office/powerpoint/2010/main" val="83434173"/>
+      </p:ext>
+    </p:extLst>
+  </p:cSld>
+  <p:clrMapOvr>
+    <a:masterClrMapping/>
+  </p:clrMapOvr>
+</p:sld>
+</file>
+
+<file path=ppt/slides/slide5.xml><?xml version="1.0" encoding="utf-8"?>
+<p:sld xmlns:a="http://schemas.openxmlformats.org/drawingml/2006/main" xmlns:r="http://schemas.openxmlformats.org/officeDocument/2006/relationships" xmlns:p="http://schemas.openxmlformats.org/presentationml/2006/main">
+  <p:cSld>
+    <p:spTree>
+      <p:nvGrpSpPr>
+        <p:cNvPr id="1" name=""/>
+        <p:cNvGrpSpPr/>
+        <p:nvPr/>
+      </p:nvGrpSpPr>
+      <p:grpSpPr>
+        <a:xfrm>
+          <a:off x="0" y="0"/>
+          <a:ext cx="0" cy="0"/>
+          <a:chOff x="0" y="0"/>
+          <a:chExt cx="0" cy="0"/>
+        </a:xfrm>
+      </p:grpSpPr>
       <p:sp>
         <p:nvSpPr>
           <p:cNvPr id="20" name="矩形 19">
@@ -6012,7 +6269,7 @@
 </p:sld>
 </file>
 
-<file path=ppt/slides/slide5.xml><?xml version="1.0" encoding="utf-8"?>
+<file path=ppt/slides/slide6.xml><?xml version="1.0" encoding="utf-8"?>
 <p:sld xmlns:a="http://schemas.openxmlformats.org/drawingml/2006/main" xmlns:r="http://schemas.openxmlformats.org/officeDocument/2006/relationships" xmlns:p="http://schemas.openxmlformats.org/presentationml/2006/main">
   <p:cSld>
     <p:spTree>
@@ -7718,7 +7975,7 @@
 </p:sld>
 </file>
 
-<file path=ppt/slides/slide6.xml><?xml version="1.0" encoding="utf-8"?>
+<file path=ppt/slides/slide7.xml><?xml version="1.0" encoding="utf-8"?>
 <p:sld xmlns:a="http://schemas.openxmlformats.org/drawingml/2006/main" xmlns:r="http://schemas.openxmlformats.org/officeDocument/2006/relationships" xmlns:p="http://schemas.openxmlformats.org/presentationml/2006/main">
   <p:cSld>
     <p:spTree>
@@ -9356,7 +9613,7 @@
 </p:sld>
 </file>
 
-<file path=ppt/slides/slide7.xml><?xml version="1.0" encoding="utf-8"?>
+<file path=ppt/slides/slide8.xml><?xml version="1.0" encoding="utf-8"?>
 <p:sld xmlns:a="http://schemas.openxmlformats.org/drawingml/2006/main" xmlns:r="http://schemas.openxmlformats.org/officeDocument/2006/relationships" xmlns:p="http://schemas.openxmlformats.org/presentationml/2006/main">
   <p:cSld>
     <p:spTree>
@@ -12438,7 +12695,7 @@
 </p:sld>
 </file>
 
-<file path=ppt/slides/slide8.xml><?xml version="1.0" encoding="utf-8"?>
+<file path=ppt/slides/slide9.xml><?xml version="1.0" encoding="utf-8"?>
 <p:sld xmlns:a="http://schemas.openxmlformats.org/drawingml/2006/main" xmlns:r="http://schemas.openxmlformats.org/officeDocument/2006/relationships" xmlns:p="http://schemas.openxmlformats.org/presentationml/2006/main">
   <p:cSld>
     <p:spTree>

--- a/框图.pptx
+++ b/框图.pptx
@@ -5,18 +5,19 @@
     <p:sldMasterId id="2147483648" r:id="rId1"/>
   </p:sldMasterIdLst>
   <p:notesMasterIdLst>
-    <p:notesMasterId r:id="rId11"/>
+    <p:notesMasterId r:id="rId12"/>
   </p:notesMasterIdLst>
   <p:sldIdLst>
     <p:sldId id="290" r:id="rId2"/>
     <p:sldId id="291" r:id="rId3"/>
     <p:sldId id="292" r:id="rId4"/>
     <p:sldId id="293" r:id="rId5"/>
-    <p:sldId id="263" r:id="rId6"/>
-    <p:sldId id="265" r:id="rId7"/>
-    <p:sldId id="266" r:id="rId8"/>
-    <p:sldId id="282" r:id="rId9"/>
-    <p:sldId id="278" r:id="rId10"/>
+    <p:sldId id="294" r:id="rId6"/>
+    <p:sldId id="263" r:id="rId7"/>
+    <p:sldId id="265" r:id="rId8"/>
+    <p:sldId id="266" r:id="rId9"/>
+    <p:sldId id="282" r:id="rId10"/>
+    <p:sldId id="278" r:id="rId11"/>
   </p:sldIdLst>
   <p:sldSz cx="12192000" cy="6858000"/>
   <p:notesSz cx="6858000" cy="9144000"/>
@@ -124,6 +125,7 @@
             <p14:sldId id="291"/>
             <p14:sldId id="292"/>
             <p14:sldId id="293"/>
+            <p14:sldId id="294"/>
           </p14:sldIdLst>
         </p14:section>
         <p14:section name="12.25" id="{0CFD213D-CF50-4C28-A3BA-299388D2C4BE}">
@@ -237,7 +239,7 @@
           <a:p>
             <a:fld id="{C773181F-8EFC-4289-A938-666904BF3F64}" type="datetimeFigureOut">
               <a:rPr lang="zh-CN" altLang="en-US" smtClean="0"/>
-              <a:t>2020/11/14</a:t>
+              <a:t>2020/11/15</a:t>
             </a:fld>
             <a:endParaRPr lang="zh-CN" altLang="en-US"/>
           </a:p>
@@ -651,7 +653,7 @@
           <a:p>
             <a:fld id="{5230440D-BA63-467C-878F-1C8A9502090C}" type="datetimeFigureOut">
               <a:rPr lang="zh-CN" altLang="en-US" smtClean="0"/>
-              <a:t>2020/11/14</a:t>
+              <a:t>2020/11/15</a:t>
             </a:fld>
             <a:endParaRPr lang="zh-CN" altLang="en-US"/>
           </a:p>
@@ -849,7 +851,7 @@
           <a:p>
             <a:fld id="{5230440D-BA63-467C-878F-1C8A9502090C}" type="datetimeFigureOut">
               <a:rPr lang="zh-CN" altLang="en-US" smtClean="0"/>
-              <a:t>2020/11/14</a:t>
+              <a:t>2020/11/15</a:t>
             </a:fld>
             <a:endParaRPr lang="zh-CN" altLang="en-US"/>
           </a:p>
@@ -1057,7 +1059,7 @@
           <a:p>
             <a:fld id="{5230440D-BA63-467C-878F-1C8A9502090C}" type="datetimeFigureOut">
               <a:rPr lang="zh-CN" altLang="en-US" smtClean="0"/>
-              <a:t>2020/11/14</a:t>
+              <a:t>2020/11/15</a:t>
             </a:fld>
             <a:endParaRPr lang="zh-CN" altLang="en-US"/>
           </a:p>
@@ -1255,7 +1257,7 @@
           <a:p>
             <a:fld id="{5230440D-BA63-467C-878F-1C8A9502090C}" type="datetimeFigureOut">
               <a:rPr lang="zh-CN" altLang="en-US" smtClean="0"/>
-              <a:t>2020/11/14</a:t>
+              <a:t>2020/11/15</a:t>
             </a:fld>
             <a:endParaRPr lang="zh-CN" altLang="en-US"/>
           </a:p>
@@ -1530,7 +1532,7 @@
           <a:p>
             <a:fld id="{5230440D-BA63-467C-878F-1C8A9502090C}" type="datetimeFigureOut">
               <a:rPr lang="zh-CN" altLang="en-US" smtClean="0"/>
-              <a:t>2020/11/14</a:t>
+              <a:t>2020/11/15</a:t>
             </a:fld>
             <a:endParaRPr lang="zh-CN" altLang="en-US"/>
           </a:p>
@@ -1795,7 +1797,7 @@
           <a:p>
             <a:fld id="{5230440D-BA63-467C-878F-1C8A9502090C}" type="datetimeFigureOut">
               <a:rPr lang="zh-CN" altLang="en-US" smtClean="0"/>
-              <a:t>2020/11/14</a:t>
+              <a:t>2020/11/15</a:t>
             </a:fld>
             <a:endParaRPr lang="zh-CN" altLang="en-US"/>
           </a:p>
@@ -2207,7 +2209,7 @@
           <a:p>
             <a:fld id="{5230440D-BA63-467C-878F-1C8A9502090C}" type="datetimeFigureOut">
               <a:rPr lang="zh-CN" altLang="en-US" smtClean="0"/>
-              <a:t>2020/11/14</a:t>
+              <a:t>2020/11/15</a:t>
             </a:fld>
             <a:endParaRPr lang="zh-CN" altLang="en-US"/>
           </a:p>
@@ -2348,7 +2350,7 @@
           <a:p>
             <a:fld id="{5230440D-BA63-467C-878F-1C8A9502090C}" type="datetimeFigureOut">
               <a:rPr lang="zh-CN" altLang="en-US" smtClean="0"/>
-              <a:t>2020/11/14</a:t>
+              <a:t>2020/11/15</a:t>
             </a:fld>
             <a:endParaRPr lang="zh-CN" altLang="en-US"/>
           </a:p>
@@ -2461,7 +2463,7 @@
           <a:p>
             <a:fld id="{5230440D-BA63-467C-878F-1C8A9502090C}" type="datetimeFigureOut">
               <a:rPr lang="zh-CN" altLang="en-US" smtClean="0"/>
-              <a:t>2020/11/14</a:t>
+              <a:t>2020/11/15</a:t>
             </a:fld>
             <a:endParaRPr lang="zh-CN" altLang="en-US"/>
           </a:p>
@@ -2772,7 +2774,7 @@
           <a:p>
             <a:fld id="{5230440D-BA63-467C-878F-1C8A9502090C}" type="datetimeFigureOut">
               <a:rPr lang="zh-CN" altLang="en-US" smtClean="0"/>
-              <a:t>2020/11/14</a:t>
+              <a:t>2020/11/15</a:t>
             </a:fld>
             <a:endParaRPr lang="zh-CN" altLang="en-US"/>
           </a:p>
@@ -3060,7 +3062,7 @@
           <a:p>
             <a:fld id="{5230440D-BA63-467C-878F-1C8A9502090C}" type="datetimeFigureOut">
               <a:rPr lang="zh-CN" altLang="en-US" smtClean="0"/>
-              <a:t>2020/11/14</a:t>
+              <a:t>2020/11/15</a:t>
             </a:fld>
             <a:endParaRPr lang="zh-CN" altLang="en-US"/>
           </a:p>
@@ -3301,7 +3303,7 @@
           <a:p>
             <a:fld id="{5230440D-BA63-467C-878F-1C8A9502090C}" type="datetimeFigureOut">
               <a:rPr lang="zh-CN" altLang="en-US" smtClean="0"/>
-              <a:t>2020/11/14</a:t>
+              <a:t>2020/11/15</a:t>
             </a:fld>
             <a:endParaRPr lang="zh-CN" altLang="en-US"/>
           </a:p>
@@ -4221,6 +4223,3736 @@
 </p:sld>
 </file>
 
+<file path=ppt/slides/slide10.xml><?xml version="1.0" encoding="utf-8"?>
+<p:sld xmlns:a="http://schemas.openxmlformats.org/drawingml/2006/main" xmlns:r="http://schemas.openxmlformats.org/officeDocument/2006/relationships" xmlns:p="http://schemas.openxmlformats.org/presentationml/2006/main">
+  <p:cSld>
+    <p:spTree>
+      <p:nvGrpSpPr>
+        <p:cNvPr id="1" name=""/>
+        <p:cNvGrpSpPr/>
+        <p:nvPr/>
+      </p:nvGrpSpPr>
+      <p:grpSpPr>
+        <a:xfrm>
+          <a:off x="0" y="0"/>
+          <a:ext cx="0" cy="0"/>
+          <a:chOff x="0" y="0"/>
+          <a:chExt cx="0" cy="0"/>
+        </a:xfrm>
+      </p:grpSpPr>
+      <p:sp>
+        <p:nvSpPr>
+          <p:cNvPr id="176" name="矩形 175">
+            <a:extLst>
+              <a:ext uri="{FF2B5EF4-FFF2-40B4-BE49-F238E27FC236}">
+                <a16:creationId xmlns:a16="http://schemas.microsoft.com/office/drawing/2014/main" id="{7D7EA5C9-3857-4EB3-B71E-EB845EB9746C}"/>
+              </a:ext>
+            </a:extLst>
+          </p:cNvPr>
+          <p:cNvSpPr/>
+          <p:nvPr/>
+        </p:nvSpPr>
+        <p:spPr>
+          <a:xfrm>
+            <a:off x="0" y="1"/>
+            <a:ext cx="12087445" cy="6387338"/>
+          </a:xfrm>
+          <a:prstGeom prst="rect">
+            <a:avLst/>
+          </a:prstGeom>
+          <a:solidFill>
+            <a:sysClr val="window" lastClr="FFFFFF"/>
+          </a:solidFill>
+          <a:ln w="12700" cap="flat" cmpd="sng" algn="ctr">
+            <a:noFill/>
+            <a:prstDash val="solid"/>
+            <a:miter lim="800000"/>
+          </a:ln>
+          <a:effectLst/>
+        </p:spPr>
+        <p:txBody>
+          <a:bodyPr rot="0" spcFirstLastPara="0" vertOverflow="overflow" horzOverflow="overflow" vert="horz" wrap="square" lIns="51435" tIns="25718" rIns="51435" bIns="25718" numCol="1" spcCol="0" rtlCol="0" fromWordArt="0" anchor="ctr" anchorCtr="0" forceAA="0" compatLnSpc="1">
+            <a:noAutofit/>
+          </a:bodyPr>
+          <a:lstStyle/>
+          <a:p>
+            <a:pPr marL="0" marR="0" lvl="0" indent="0" algn="ctr" defTabSz="457200" eaLnBrk="1" fontAlgn="auto" latinLnBrk="0" hangingPunct="1">
+              <a:lnSpc>
+                <a:spcPct val="100000"/>
+              </a:lnSpc>
+              <a:spcBef>
+                <a:spcPts val="0"/>
+              </a:spcBef>
+              <a:spcAft>
+                <a:spcPts val="0"/>
+              </a:spcAft>
+              <a:buClrTx/>
+              <a:buSzTx/>
+              <a:buFontTx/>
+              <a:buNone/>
+              <a:defRPr/>
+            </a:pPr>
+            <a:endParaRPr kumimoji="0" lang="zh-CN" altLang="en-US" sz="1100" i="0" u="none" strike="noStrike" kern="0" cap="none" spc="0" normalizeH="0" baseline="0" noProof="0" dirty="0">
+              <a:ln>
+                <a:noFill/>
+              </a:ln>
+              <a:solidFill>
+                <a:prstClr val="black"/>
+              </a:solidFill>
+              <a:effectLst/>
+              <a:uLnTx/>
+              <a:uFillTx/>
+              <a:latin typeface="宋体" panose="02010600030101010101" pitchFamily="2" charset="-122"/>
+              <a:ea typeface="宋体" panose="02010600030101010101" pitchFamily="2" charset="-122"/>
+            </a:endParaRPr>
+          </a:p>
+        </p:txBody>
+      </p:sp>
+      <p:sp>
+        <p:nvSpPr>
+          <p:cNvPr id="4" name="矩形 3">
+            <a:extLst>
+              <a:ext uri="{FF2B5EF4-FFF2-40B4-BE49-F238E27FC236}">
+                <a16:creationId xmlns:a16="http://schemas.microsoft.com/office/drawing/2014/main" id="{87801078-A4E4-40FC-83F9-171F915A4CE9}"/>
+              </a:ext>
+            </a:extLst>
+          </p:cNvPr>
+          <p:cNvSpPr/>
+          <p:nvPr/>
+        </p:nvSpPr>
+        <p:spPr>
+          <a:xfrm>
+            <a:off x="1648320" y="2616981"/>
+            <a:ext cx="1395272" cy="1107219"/>
+          </a:xfrm>
+          <a:prstGeom prst="rect">
+            <a:avLst/>
+          </a:prstGeom>
+          <a:ln>
+            <a:solidFill>
+              <a:schemeClr val="tx1"/>
+            </a:solidFill>
+          </a:ln>
+        </p:spPr>
+        <p:style>
+          <a:lnRef idx="2">
+            <a:schemeClr val="dk1"/>
+          </a:lnRef>
+          <a:fillRef idx="1">
+            <a:schemeClr val="lt1"/>
+          </a:fillRef>
+          <a:effectRef idx="0">
+            <a:schemeClr val="dk1"/>
+          </a:effectRef>
+          <a:fontRef idx="minor">
+            <a:schemeClr val="dk1"/>
+          </a:fontRef>
+        </p:style>
+        <p:txBody>
+          <a:bodyPr rtlCol="0" anchor="ctr"/>
+          <a:lstStyle/>
+          <a:p>
+            <a:pPr algn="ctr"/>
+            <a:r>
+              <a:rPr lang="zh-CN" altLang="en-US" dirty="0">
+                <a:latin typeface="宋体" panose="02010600030101010101" pitchFamily="2" charset="-122"/>
+                <a:ea typeface="宋体" panose="02010600030101010101" pitchFamily="2" charset="-122"/>
+              </a:rPr>
+              <a:t>角度环</a:t>
+            </a:r>
+            <a:r>
+              <a:rPr lang="en-US" altLang="zh-CN" dirty="0">
+                <a:latin typeface="宋体" panose="02010600030101010101" pitchFamily="2" charset="-122"/>
+                <a:ea typeface="宋体" panose="02010600030101010101" pitchFamily="2" charset="-122"/>
+              </a:rPr>
+              <a:t>PID</a:t>
+            </a:r>
+            <a:r>
+              <a:rPr lang="zh-CN" altLang="en-US" dirty="0">
+                <a:latin typeface="宋体" panose="02010600030101010101" pitchFamily="2" charset="-122"/>
+                <a:ea typeface="宋体" panose="02010600030101010101" pitchFamily="2" charset="-122"/>
+              </a:rPr>
+              <a:t>控制器</a:t>
+            </a:r>
+            <a:endParaRPr lang="en-US" altLang="zh-CN" dirty="0">
+              <a:latin typeface="宋体" panose="02010600030101010101" pitchFamily="2" charset="-122"/>
+              <a:ea typeface="宋体" panose="02010600030101010101" pitchFamily="2" charset="-122"/>
+            </a:endParaRPr>
+          </a:p>
+        </p:txBody>
+      </p:sp>
+      <p:sp>
+        <p:nvSpPr>
+          <p:cNvPr id="6" name="流程图: 汇总连接 5">
+            <a:extLst>
+              <a:ext uri="{FF2B5EF4-FFF2-40B4-BE49-F238E27FC236}">
+                <a16:creationId xmlns:a16="http://schemas.microsoft.com/office/drawing/2014/main" id="{EA6D7C68-1D38-4D7A-A31F-6D2EAD933D5A}"/>
+              </a:ext>
+            </a:extLst>
+          </p:cNvPr>
+          <p:cNvSpPr/>
+          <p:nvPr/>
+        </p:nvSpPr>
+        <p:spPr>
+          <a:xfrm>
+            <a:off x="4612057" y="3031224"/>
+            <a:ext cx="284456" cy="284456"/>
+          </a:xfrm>
+          <a:prstGeom prst="flowChartSummingJunction">
+            <a:avLst/>
+          </a:prstGeom>
+          <a:ln>
+            <a:solidFill>
+              <a:schemeClr val="tx1"/>
+            </a:solidFill>
+          </a:ln>
+        </p:spPr>
+        <p:style>
+          <a:lnRef idx="2">
+            <a:schemeClr val="dk1"/>
+          </a:lnRef>
+          <a:fillRef idx="1">
+            <a:schemeClr val="lt1"/>
+          </a:fillRef>
+          <a:effectRef idx="0">
+            <a:schemeClr val="dk1"/>
+          </a:effectRef>
+          <a:fontRef idx="minor">
+            <a:schemeClr val="dk1"/>
+          </a:fontRef>
+        </p:style>
+        <p:txBody>
+          <a:bodyPr rot="0" spcFirstLastPara="0" vertOverflow="overflow" horzOverflow="overflow" vert="horz" wrap="square" lIns="91440" tIns="45720" rIns="91440" bIns="45720" numCol="1" spcCol="0" rtlCol="0" fromWordArt="0" anchor="ctr" anchorCtr="0" forceAA="0" compatLnSpc="1">
+            <a:prstTxWarp prst="textNoShape">
+              <a:avLst/>
+            </a:prstTxWarp>
+            <a:noAutofit/>
+          </a:bodyPr>
+          <a:lstStyle/>
+          <a:p>
+            <a:pPr algn="ctr"/>
+            <a:endParaRPr lang="zh-CN" altLang="en-US" dirty="0">
+              <a:solidFill>
+                <a:schemeClr val="dk1"/>
+              </a:solidFill>
+              <a:latin typeface="宋体" panose="02010600030101010101" pitchFamily="2" charset="-122"/>
+              <a:ea typeface="宋体" panose="02010600030101010101" pitchFamily="2" charset="-122"/>
+            </a:endParaRPr>
+          </a:p>
+        </p:txBody>
+      </p:sp>
+      <p:sp>
+        <p:nvSpPr>
+          <p:cNvPr id="9" name="文本框 8">
+            <a:extLst>
+              <a:ext uri="{FF2B5EF4-FFF2-40B4-BE49-F238E27FC236}">
+                <a16:creationId xmlns:a16="http://schemas.microsoft.com/office/drawing/2014/main" id="{AA0CA2FD-5E20-44FE-AD50-6D928EC5D2B1}"/>
+              </a:ext>
+            </a:extLst>
+          </p:cNvPr>
+          <p:cNvSpPr txBox="1"/>
+          <p:nvPr/>
+        </p:nvSpPr>
+        <p:spPr>
+          <a:xfrm>
+            <a:off x="239263" y="1984533"/>
+            <a:ext cx="2022117" cy="584775"/>
+          </a:xfrm>
+          <a:prstGeom prst="rect">
+            <a:avLst/>
+          </a:prstGeom>
+          <a:noFill/>
+        </p:spPr>
+        <p:txBody>
+          <a:bodyPr wrap="square" rtlCol="0">
+            <a:spAutoFit/>
+          </a:bodyPr>
+          <a:lstStyle/>
+          <a:p>
+            <a:pPr algn="ctr"/>
+            <a:r>
+              <a:rPr lang="zh-CN" altLang="en-US" sz="1600" dirty="0">
+                <a:latin typeface="宋体" panose="02010600030101010101" pitchFamily="2" charset="-122"/>
+                <a:ea typeface="宋体" panose="02010600030101010101" pitchFamily="2" charset="-122"/>
+              </a:rPr>
+              <a:t>期望角度</a:t>
+            </a:r>
+            <a:endParaRPr lang="en-US" altLang="zh-CN" sz="1600" dirty="0">
+              <a:latin typeface="宋体" panose="02010600030101010101" pitchFamily="2" charset="-122"/>
+              <a:ea typeface="宋体" panose="02010600030101010101" pitchFamily="2" charset="-122"/>
+            </a:endParaRPr>
+          </a:p>
+          <a:p>
+            <a:pPr algn="ctr"/>
+            <a:r>
+              <a:rPr lang="zh-CN" altLang="en-US" sz="1600" dirty="0">
+                <a:latin typeface="宋体" panose="02010600030101010101" pitchFamily="2" charset="-122"/>
+                <a:ea typeface="宋体" panose="02010600030101010101" pitchFamily="2" charset="-122"/>
+              </a:rPr>
+              <a:t>（速度环</a:t>
+            </a:r>
+            <a:r>
+              <a:rPr lang="en-US" altLang="zh-CN" sz="1600" dirty="0">
+                <a:latin typeface="宋体" panose="02010600030101010101" pitchFamily="2" charset="-122"/>
+                <a:ea typeface="宋体" panose="02010600030101010101" pitchFamily="2" charset="-122"/>
+              </a:rPr>
+              <a:t>PID</a:t>
+            </a:r>
+            <a:r>
+              <a:rPr lang="zh-CN" altLang="en-US" sz="1600" dirty="0">
+                <a:latin typeface="宋体" panose="02010600030101010101" pitchFamily="2" charset="-122"/>
+                <a:ea typeface="宋体" panose="02010600030101010101" pitchFamily="2" charset="-122"/>
+              </a:rPr>
+              <a:t>输出）</a:t>
+            </a:r>
+          </a:p>
+        </p:txBody>
+      </p:sp>
+      <p:sp>
+        <p:nvSpPr>
+          <p:cNvPr id="17" name="矩形 16">
+            <a:extLst>
+              <a:ext uri="{FF2B5EF4-FFF2-40B4-BE49-F238E27FC236}">
+                <a16:creationId xmlns:a16="http://schemas.microsoft.com/office/drawing/2014/main" id="{44E93BB8-1788-402A-A625-D394DC96A27D}"/>
+              </a:ext>
+            </a:extLst>
+          </p:cNvPr>
+          <p:cNvSpPr/>
+          <p:nvPr/>
+        </p:nvSpPr>
+        <p:spPr>
+          <a:xfrm>
+            <a:off x="5552955" y="2616981"/>
+            <a:ext cx="1395272" cy="1107219"/>
+          </a:xfrm>
+          <a:prstGeom prst="rect">
+            <a:avLst/>
+          </a:prstGeom>
+          <a:ln>
+            <a:solidFill>
+              <a:schemeClr val="tx1"/>
+            </a:solidFill>
+          </a:ln>
+        </p:spPr>
+        <p:style>
+          <a:lnRef idx="2">
+            <a:schemeClr val="dk1"/>
+          </a:lnRef>
+          <a:fillRef idx="1">
+            <a:schemeClr val="lt1"/>
+          </a:fillRef>
+          <a:effectRef idx="0">
+            <a:schemeClr val="dk1"/>
+          </a:effectRef>
+          <a:fontRef idx="minor">
+            <a:schemeClr val="dk1"/>
+          </a:fontRef>
+        </p:style>
+        <p:txBody>
+          <a:bodyPr rtlCol="0" anchor="ctr"/>
+          <a:lstStyle/>
+          <a:p>
+            <a:pPr algn="ctr"/>
+            <a:r>
+              <a:rPr lang="zh-CN" altLang="en-US" dirty="0">
+                <a:latin typeface="宋体" panose="02010600030101010101" pitchFamily="2" charset="-122"/>
+                <a:ea typeface="宋体" panose="02010600030101010101" pitchFamily="2" charset="-122"/>
+              </a:rPr>
+              <a:t>角速度环</a:t>
+            </a:r>
+            <a:r>
+              <a:rPr lang="en-US" altLang="zh-CN" dirty="0">
+                <a:latin typeface="宋体" panose="02010600030101010101" pitchFamily="2" charset="-122"/>
+                <a:ea typeface="宋体" panose="02010600030101010101" pitchFamily="2" charset="-122"/>
+              </a:rPr>
+              <a:t>PID</a:t>
+            </a:r>
+            <a:r>
+              <a:rPr lang="zh-CN" altLang="en-US" dirty="0">
+                <a:latin typeface="宋体" panose="02010600030101010101" pitchFamily="2" charset="-122"/>
+                <a:ea typeface="宋体" panose="02010600030101010101" pitchFamily="2" charset="-122"/>
+              </a:rPr>
+              <a:t>控制器</a:t>
+            </a:r>
+            <a:endParaRPr lang="en-US" altLang="zh-CN" dirty="0">
+              <a:latin typeface="宋体" panose="02010600030101010101" pitchFamily="2" charset="-122"/>
+              <a:ea typeface="宋体" panose="02010600030101010101" pitchFamily="2" charset="-122"/>
+            </a:endParaRPr>
+          </a:p>
+        </p:txBody>
+      </p:sp>
+      <p:sp>
+        <p:nvSpPr>
+          <p:cNvPr id="19" name="矩形: 圆角 4">
+            <a:extLst>
+              <a:ext uri="{FF2B5EF4-FFF2-40B4-BE49-F238E27FC236}">
+                <a16:creationId xmlns:a16="http://schemas.microsoft.com/office/drawing/2014/main" id="{E4F3220C-7841-4AE5-8C88-C44A06273B85}"/>
+              </a:ext>
+            </a:extLst>
+          </p:cNvPr>
+          <p:cNvSpPr/>
+          <p:nvPr/>
+        </p:nvSpPr>
+        <p:spPr>
+          <a:xfrm>
+            <a:off x="8820553" y="703864"/>
+            <a:ext cx="2184346" cy="3449429"/>
+          </a:xfrm>
+          <a:prstGeom prst="roundRect">
+            <a:avLst/>
+          </a:prstGeom>
+          <a:solidFill>
+            <a:schemeClr val="bg1"/>
+          </a:solidFill>
+          <a:ln w="19050">
+            <a:solidFill>
+              <a:schemeClr val="tx1"/>
+            </a:solidFill>
+            <a:prstDash val="dash"/>
+          </a:ln>
+        </p:spPr>
+        <p:style>
+          <a:lnRef idx="2">
+            <a:schemeClr val="accent1">
+              <a:shade val="50000"/>
+            </a:schemeClr>
+          </a:lnRef>
+          <a:fillRef idx="1">
+            <a:schemeClr val="accent1"/>
+          </a:fillRef>
+          <a:effectRef idx="0">
+            <a:schemeClr val="accent1"/>
+          </a:effectRef>
+          <a:fontRef idx="minor">
+            <a:schemeClr val="lt1"/>
+          </a:fontRef>
+        </p:style>
+        <p:txBody>
+          <a:bodyPr vertOverflow="overflow" horzOverflow="overflow" vert="horz" wrap="square" numCol="1" spcCol="0" rtlCol="0" fromWordArt="0" anchor="ctr" anchorCtr="0" forceAA="0" compatLnSpc="1">
+            <a:noAutofit/>
+          </a:bodyPr>
+          <a:lstStyle/>
+          <a:p>
+            <a:pPr lvl="0" algn="ctr"/>
+            <a:endParaRPr lang="zh-CN" altLang="en-US" sz="1600" dirty="0">
+              <a:latin typeface="宋体" panose="02010600030101010101" pitchFamily="2" charset="-122"/>
+              <a:ea typeface="宋体" panose="02010600030101010101" pitchFamily="2" charset="-122"/>
+              <a:sym typeface="+mn-ea"/>
+            </a:endParaRPr>
+          </a:p>
+        </p:txBody>
+      </p:sp>
+      <p:sp>
+        <p:nvSpPr>
+          <p:cNvPr id="20" name="矩形 19">
+            <a:extLst>
+              <a:ext uri="{FF2B5EF4-FFF2-40B4-BE49-F238E27FC236}">
+                <a16:creationId xmlns:a16="http://schemas.microsoft.com/office/drawing/2014/main" id="{CE21E7BB-7ED3-4BEE-8A7D-9232D5D5B618}"/>
+              </a:ext>
+            </a:extLst>
+          </p:cNvPr>
+          <p:cNvSpPr/>
+          <p:nvPr/>
+        </p:nvSpPr>
+        <p:spPr>
+          <a:xfrm>
+            <a:off x="7698593" y="799293"/>
+            <a:ext cx="900651" cy="2924906"/>
+          </a:xfrm>
+          <a:prstGeom prst="rect">
+            <a:avLst/>
+          </a:prstGeom>
+          <a:ln>
+            <a:solidFill>
+              <a:schemeClr val="tx1"/>
+            </a:solidFill>
+          </a:ln>
+        </p:spPr>
+        <p:style>
+          <a:lnRef idx="2">
+            <a:schemeClr val="dk1"/>
+          </a:lnRef>
+          <a:fillRef idx="1">
+            <a:schemeClr val="lt1"/>
+          </a:fillRef>
+          <a:effectRef idx="0">
+            <a:schemeClr val="dk1"/>
+          </a:effectRef>
+          <a:fontRef idx="minor">
+            <a:schemeClr val="dk1"/>
+          </a:fontRef>
+        </p:style>
+        <p:txBody>
+          <a:bodyPr rtlCol="0" anchor="ctr"/>
+          <a:lstStyle/>
+          <a:p>
+            <a:pPr algn="ctr"/>
+            <a:r>
+              <a:rPr lang="zh-CN" altLang="en-US" dirty="0">
+                <a:latin typeface="宋体" panose="02010600030101010101" pitchFamily="2" charset="-122"/>
+                <a:ea typeface="宋体" panose="02010600030101010101" pitchFamily="2" charset="-122"/>
+              </a:rPr>
+              <a:t>控制</a:t>
+            </a:r>
+            <a:endParaRPr lang="en-US" altLang="zh-CN" dirty="0">
+              <a:latin typeface="宋体" panose="02010600030101010101" pitchFamily="2" charset="-122"/>
+              <a:ea typeface="宋体" panose="02010600030101010101" pitchFamily="2" charset="-122"/>
+            </a:endParaRPr>
+          </a:p>
+          <a:p>
+            <a:pPr algn="ctr"/>
+            <a:r>
+              <a:rPr lang="zh-CN" altLang="en-US" dirty="0">
+                <a:latin typeface="宋体" panose="02010600030101010101" pitchFamily="2" charset="-122"/>
+                <a:ea typeface="宋体" panose="02010600030101010101" pitchFamily="2" charset="-122"/>
+              </a:rPr>
+              <a:t>分配器</a:t>
+            </a:r>
+          </a:p>
+        </p:txBody>
+      </p:sp>
+      <p:sp>
+        <p:nvSpPr>
+          <p:cNvPr id="21" name="矩形 20">
+            <a:extLst>
+              <a:ext uri="{FF2B5EF4-FFF2-40B4-BE49-F238E27FC236}">
+                <a16:creationId xmlns:a16="http://schemas.microsoft.com/office/drawing/2014/main" id="{D86B2C2D-3980-4ADC-979A-92A0338698D9}"/>
+              </a:ext>
+            </a:extLst>
+          </p:cNvPr>
+          <p:cNvSpPr/>
+          <p:nvPr/>
+        </p:nvSpPr>
+        <p:spPr>
+          <a:xfrm>
+            <a:off x="10033659" y="2411940"/>
+            <a:ext cx="813523" cy="1311105"/>
+          </a:xfrm>
+          <a:prstGeom prst="rect">
+            <a:avLst/>
+          </a:prstGeom>
+          <a:ln>
+            <a:solidFill>
+              <a:schemeClr val="tx1"/>
+            </a:solidFill>
+          </a:ln>
+        </p:spPr>
+        <p:style>
+          <a:lnRef idx="2">
+            <a:schemeClr val="dk1"/>
+          </a:lnRef>
+          <a:fillRef idx="1">
+            <a:schemeClr val="lt1"/>
+          </a:fillRef>
+          <a:effectRef idx="0">
+            <a:schemeClr val="dk1"/>
+          </a:effectRef>
+          <a:fontRef idx="minor">
+            <a:schemeClr val="dk1"/>
+          </a:fontRef>
+        </p:style>
+        <p:txBody>
+          <a:bodyPr rtlCol="0" anchor="ctr"/>
+          <a:lstStyle/>
+          <a:p>
+            <a:pPr algn="ctr"/>
+            <a:r>
+              <a:rPr lang="zh-CN" altLang="en-US" dirty="0">
+                <a:latin typeface="宋体" panose="02010600030101010101" pitchFamily="2" charset="-122"/>
+                <a:ea typeface="宋体" panose="02010600030101010101" pitchFamily="2" charset="-122"/>
+              </a:rPr>
+              <a:t>姿态解算</a:t>
+            </a:r>
+          </a:p>
+        </p:txBody>
+      </p:sp>
+      <p:cxnSp>
+        <p:nvCxnSpPr>
+          <p:cNvPr id="23" name="直接箭头连接符 22">
+            <a:extLst>
+              <a:ext uri="{FF2B5EF4-FFF2-40B4-BE49-F238E27FC236}">
+                <a16:creationId xmlns:a16="http://schemas.microsoft.com/office/drawing/2014/main" id="{B8A789C6-9F54-4A0A-B343-9E71D4A3C874}"/>
+              </a:ext>
+            </a:extLst>
+          </p:cNvPr>
+          <p:cNvCxnSpPr>
+            <a:cxnSpLocks/>
+            <a:stCxn id="4" idx="3"/>
+            <a:endCxn id="6" idx="2"/>
+          </p:cNvCxnSpPr>
+          <p:nvPr/>
+        </p:nvCxnSpPr>
+        <p:spPr>
+          <a:xfrm>
+            <a:off x="3043592" y="3170591"/>
+            <a:ext cx="1568465" cy="2861"/>
+          </a:xfrm>
+          <a:prstGeom prst="straightConnector1">
+            <a:avLst/>
+          </a:prstGeom>
+          <a:ln>
+            <a:solidFill>
+              <a:schemeClr val="tx1"/>
+            </a:solidFill>
+            <a:tailEnd type="triangle"/>
+          </a:ln>
+        </p:spPr>
+        <p:style>
+          <a:lnRef idx="1">
+            <a:schemeClr val="accent1"/>
+          </a:lnRef>
+          <a:fillRef idx="0">
+            <a:schemeClr val="accent1"/>
+          </a:fillRef>
+          <a:effectRef idx="0">
+            <a:schemeClr val="accent1"/>
+          </a:effectRef>
+          <a:fontRef idx="minor">
+            <a:schemeClr val="tx1"/>
+          </a:fontRef>
+        </p:style>
+      </p:cxnSp>
+      <p:sp>
+        <p:nvSpPr>
+          <p:cNvPr id="27" name="文本框 26">
+            <a:extLst>
+              <a:ext uri="{FF2B5EF4-FFF2-40B4-BE49-F238E27FC236}">
+                <a16:creationId xmlns:a16="http://schemas.microsoft.com/office/drawing/2014/main" id="{F0911E38-FB77-4C31-AEEE-B2AE1EF8C6E4}"/>
+              </a:ext>
+            </a:extLst>
+          </p:cNvPr>
+          <p:cNvSpPr txBox="1"/>
+          <p:nvPr/>
+        </p:nvSpPr>
+        <p:spPr>
+          <a:xfrm>
+            <a:off x="3019295" y="2549284"/>
+            <a:ext cx="1759287" cy="584775"/>
+          </a:xfrm>
+          <a:prstGeom prst="rect">
+            <a:avLst/>
+          </a:prstGeom>
+          <a:noFill/>
+        </p:spPr>
+        <p:txBody>
+          <a:bodyPr wrap="square" rtlCol="0">
+            <a:spAutoFit/>
+          </a:bodyPr>
+          <a:lstStyle/>
+          <a:p>
+            <a:pPr algn="ctr"/>
+            <a:r>
+              <a:rPr lang="zh-CN" altLang="en-US" sz="1600" dirty="0">
+                <a:latin typeface="宋体" panose="02010600030101010101" pitchFamily="2" charset="-122"/>
+                <a:ea typeface="宋体" panose="02010600030101010101" pitchFamily="2" charset="-122"/>
+              </a:rPr>
+              <a:t>期望角速度</a:t>
+            </a:r>
+            <a:endParaRPr lang="en-US" altLang="zh-CN" sz="1600" dirty="0">
+              <a:latin typeface="宋体" panose="02010600030101010101" pitchFamily="2" charset="-122"/>
+              <a:ea typeface="宋体" panose="02010600030101010101" pitchFamily="2" charset="-122"/>
+            </a:endParaRPr>
+          </a:p>
+          <a:p>
+            <a:pPr algn="ctr"/>
+            <a:r>
+              <a:rPr lang="zh-CN" altLang="en-US" sz="1600" dirty="0">
+                <a:latin typeface="宋体" panose="02010600030101010101" pitchFamily="2" charset="-122"/>
+                <a:ea typeface="宋体" panose="02010600030101010101" pitchFamily="2" charset="-122"/>
+              </a:rPr>
+              <a:t>（角度环</a:t>
+            </a:r>
+            <a:r>
+              <a:rPr lang="en-US" altLang="zh-CN" sz="1600" dirty="0">
+                <a:latin typeface="宋体" panose="02010600030101010101" pitchFamily="2" charset="-122"/>
+                <a:ea typeface="宋体" panose="02010600030101010101" pitchFamily="2" charset="-122"/>
+              </a:rPr>
+              <a:t>PID</a:t>
+            </a:r>
+            <a:r>
+              <a:rPr lang="zh-CN" altLang="en-US" sz="1600" dirty="0">
+                <a:latin typeface="宋体" panose="02010600030101010101" pitchFamily="2" charset="-122"/>
+                <a:ea typeface="宋体" panose="02010600030101010101" pitchFamily="2" charset="-122"/>
+              </a:rPr>
+              <a:t>输出）</a:t>
+            </a:r>
+          </a:p>
+        </p:txBody>
+      </p:sp>
+      <p:sp>
+        <p:nvSpPr>
+          <p:cNvPr id="36" name="文本框 35">
+            <a:extLst>
+              <a:ext uri="{FF2B5EF4-FFF2-40B4-BE49-F238E27FC236}">
+                <a16:creationId xmlns:a16="http://schemas.microsoft.com/office/drawing/2014/main" id="{A1CF8DB0-E511-4B4C-BE50-A169F6403B01}"/>
+              </a:ext>
+            </a:extLst>
+          </p:cNvPr>
+          <p:cNvSpPr txBox="1"/>
+          <p:nvPr/>
+        </p:nvSpPr>
+        <p:spPr>
+          <a:xfrm>
+            <a:off x="4532492" y="3925110"/>
+            <a:ext cx="2317153" cy="338554"/>
+          </a:xfrm>
+          <a:prstGeom prst="rect">
+            <a:avLst/>
+          </a:prstGeom>
+          <a:noFill/>
+        </p:spPr>
+        <p:txBody>
+          <a:bodyPr wrap="square" rtlCol="0">
+            <a:spAutoFit/>
+          </a:bodyPr>
+          <a:lstStyle/>
+          <a:p>
+            <a:pPr algn="ctr"/>
+            <a:r>
+              <a:rPr lang="zh-CN" altLang="en-US" sz="1600" dirty="0">
+                <a:latin typeface="宋体" panose="02010600030101010101" pitchFamily="2" charset="-122"/>
+                <a:ea typeface="宋体" panose="02010600030101010101" pitchFamily="2" charset="-122"/>
+              </a:rPr>
+              <a:t>反馈</a:t>
+            </a:r>
+            <a:r>
+              <a:rPr lang="en-US" altLang="zh-CN" sz="1600" dirty="0">
+                <a:latin typeface="宋体" panose="02010600030101010101" pitchFamily="2" charset="-122"/>
+                <a:ea typeface="宋体" panose="02010600030101010101" pitchFamily="2" charset="-122"/>
+              </a:rPr>
+              <a:t>X</a:t>
+            </a:r>
+            <a:r>
+              <a:rPr lang="zh-CN" altLang="en-US" sz="1600" dirty="0">
+                <a:latin typeface="宋体" panose="02010600030101010101" pitchFamily="2" charset="-122"/>
+                <a:ea typeface="宋体" panose="02010600030101010101" pitchFamily="2" charset="-122"/>
+              </a:rPr>
+              <a:t>、</a:t>
+            </a:r>
+            <a:r>
+              <a:rPr lang="en-US" altLang="zh-CN" sz="1600" dirty="0">
+                <a:latin typeface="宋体" panose="02010600030101010101" pitchFamily="2" charset="-122"/>
+                <a:ea typeface="宋体" panose="02010600030101010101" pitchFamily="2" charset="-122"/>
+              </a:rPr>
+              <a:t>Y</a:t>
+            </a:r>
+            <a:r>
+              <a:rPr lang="zh-CN" altLang="en-US" sz="1600" dirty="0">
+                <a:latin typeface="宋体" panose="02010600030101010101" pitchFamily="2" charset="-122"/>
+                <a:ea typeface="宋体" panose="02010600030101010101" pitchFamily="2" charset="-122"/>
+              </a:rPr>
+              <a:t>轴角速度</a:t>
+            </a:r>
+          </a:p>
+        </p:txBody>
+      </p:sp>
+      <p:cxnSp>
+        <p:nvCxnSpPr>
+          <p:cNvPr id="39" name="连接符: 肘形 38">
+            <a:extLst>
+              <a:ext uri="{FF2B5EF4-FFF2-40B4-BE49-F238E27FC236}">
+                <a16:creationId xmlns:a16="http://schemas.microsoft.com/office/drawing/2014/main" id="{0E8CA821-58D3-4082-9B3C-507101D6E835}"/>
+              </a:ext>
+            </a:extLst>
+          </p:cNvPr>
+          <p:cNvCxnSpPr>
+            <a:cxnSpLocks/>
+            <a:stCxn id="21" idx="3"/>
+            <a:endCxn id="43" idx="4"/>
+          </p:cNvCxnSpPr>
+          <p:nvPr/>
+        </p:nvCxnSpPr>
+        <p:spPr>
+          <a:xfrm flipH="1">
+            <a:off x="1188097" y="3067493"/>
+            <a:ext cx="9659085" cy="248187"/>
+          </a:xfrm>
+          <a:prstGeom prst="bentConnector4">
+            <a:avLst>
+              <a:gd name="adj1" fmla="val -2367"/>
+              <a:gd name="adj2" fmla="val 503617"/>
+            </a:avLst>
+          </a:prstGeom>
+          <a:ln>
+            <a:solidFill>
+              <a:schemeClr val="tx1"/>
+            </a:solidFill>
+            <a:tailEnd type="triangle"/>
+          </a:ln>
+        </p:spPr>
+        <p:style>
+          <a:lnRef idx="1">
+            <a:schemeClr val="accent1"/>
+          </a:lnRef>
+          <a:fillRef idx="0">
+            <a:schemeClr val="accent1"/>
+          </a:fillRef>
+          <a:effectRef idx="0">
+            <a:schemeClr val="accent1"/>
+          </a:effectRef>
+          <a:fontRef idx="minor">
+            <a:schemeClr val="tx1"/>
+          </a:fontRef>
+        </p:style>
+      </p:cxnSp>
+      <p:sp>
+        <p:nvSpPr>
+          <p:cNvPr id="43" name="流程图: 汇总连接 42">
+            <a:extLst>
+              <a:ext uri="{FF2B5EF4-FFF2-40B4-BE49-F238E27FC236}">
+                <a16:creationId xmlns:a16="http://schemas.microsoft.com/office/drawing/2014/main" id="{EADB6137-2D53-4F65-8675-8316983DBEC7}"/>
+              </a:ext>
+            </a:extLst>
+          </p:cNvPr>
+          <p:cNvSpPr/>
+          <p:nvPr/>
+        </p:nvSpPr>
+        <p:spPr>
+          <a:xfrm>
+            <a:off x="1045869" y="3031224"/>
+            <a:ext cx="284456" cy="284456"/>
+          </a:xfrm>
+          <a:prstGeom prst="flowChartSummingJunction">
+            <a:avLst/>
+          </a:prstGeom>
+          <a:ln>
+            <a:solidFill>
+              <a:schemeClr val="tx1"/>
+            </a:solidFill>
+          </a:ln>
+        </p:spPr>
+        <p:style>
+          <a:lnRef idx="2">
+            <a:schemeClr val="dk1"/>
+          </a:lnRef>
+          <a:fillRef idx="1">
+            <a:schemeClr val="lt1"/>
+          </a:fillRef>
+          <a:effectRef idx="0">
+            <a:schemeClr val="dk1"/>
+          </a:effectRef>
+          <a:fontRef idx="minor">
+            <a:schemeClr val="dk1"/>
+          </a:fontRef>
+        </p:style>
+        <p:txBody>
+          <a:bodyPr rot="0" spcFirstLastPara="0" vertOverflow="overflow" horzOverflow="overflow" vert="horz" wrap="square" lIns="91440" tIns="45720" rIns="91440" bIns="45720" numCol="1" spcCol="0" rtlCol="0" fromWordArt="0" anchor="ctr" anchorCtr="0" forceAA="0" compatLnSpc="1">
+            <a:prstTxWarp prst="textNoShape">
+              <a:avLst/>
+            </a:prstTxWarp>
+            <a:noAutofit/>
+          </a:bodyPr>
+          <a:lstStyle/>
+          <a:p>
+            <a:pPr algn="ctr"/>
+            <a:endParaRPr lang="zh-CN" altLang="en-US" dirty="0">
+              <a:solidFill>
+                <a:schemeClr val="dk1"/>
+              </a:solidFill>
+              <a:latin typeface="宋体" panose="02010600030101010101" pitchFamily="2" charset="-122"/>
+              <a:ea typeface="宋体" panose="02010600030101010101" pitchFamily="2" charset="-122"/>
+            </a:endParaRPr>
+          </a:p>
+        </p:txBody>
+      </p:sp>
+      <p:cxnSp>
+        <p:nvCxnSpPr>
+          <p:cNvPr id="45" name="直接箭头连接符 44">
+            <a:extLst>
+              <a:ext uri="{FF2B5EF4-FFF2-40B4-BE49-F238E27FC236}">
+                <a16:creationId xmlns:a16="http://schemas.microsoft.com/office/drawing/2014/main" id="{530775E2-F437-4EC2-93F4-87650070E012}"/>
+              </a:ext>
+            </a:extLst>
+          </p:cNvPr>
+          <p:cNvCxnSpPr>
+            <a:cxnSpLocks/>
+            <a:stCxn id="43" idx="6"/>
+            <a:endCxn id="4" idx="1"/>
+          </p:cNvCxnSpPr>
+          <p:nvPr/>
+        </p:nvCxnSpPr>
+        <p:spPr>
+          <a:xfrm flipV="1">
+            <a:off x="1330325" y="3170591"/>
+            <a:ext cx="317995" cy="2861"/>
+          </a:xfrm>
+          <a:prstGeom prst="straightConnector1">
+            <a:avLst/>
+          </a:prstGeom>
+          <a:ln>
+            <a:solidFill>
+              <a:schemeClr val="tx1"/>
+            </a:solidFill>
+            <a:tailEnd type="triangle"/>
+          </a:ln>
+        </p:spPr>
+        <p:style>
+          <a:lnRef idx="1">
+            <a:schemeClr val="accent1"/>
+          </a:lnRef>
+          <a:fillRef idx="0">
+            <a:schemeClr val="accent1"/>
+          </a:fillRef>
+          <a:effectRef idx="0">
+            <a:schemeClr val="accent1"/>
+          </a:effectRef>
+          <a:fontRef idx="minor">
+            <a:schemeClr val="tx1"/>
+          </a:fontRef>
+        </p:style>
+      </p:cxnSp>
+      <p:cxnSp>
+        <p:nvCxnSpPr>
+          <p:cNvPr id="61" name="直接箭头连接符 60">
+            <a:extLst>
+              <a:ext uri="{FF2B5EF4-FFF2-40B4-BE49-F238E27FC236}">
+                <a16:creationId xmlns:a16="http://schemas.microsoft.com/office/drawing/2014/main" id="{25F6066D-A42B-406C-95E3-58BEFC350275}"/>
+              </a:ext>
+            </a:extLst>
+          </p:cNvPr>
+          <p:cNvCxnSpPr>
+            <a:cxnSpLocks/>
+            <a:stCxn id="6" idx="6"/>
+            <a:endCxn id="17" idx="1"/>
+          </p:cNvCxnSpPr>
+          <p:nvPr/>
+        </p:nvCxnSpPr>
+        <p:spPr>
+          <a:xfrm flipV="1">
+            <a:off x="4896513" y="3170591"/>
+            <a:ext cx="656442" cy="2861"/>
+          </a:xfrm>
+          <a:prstGeom prst="straightConnector1">
+            <a:avLst/>
+          </a:prstGeom>
+          <a:ln>
+            <a:solidFill>
+              <a:schemeClr val="tx1"/>
+            </a:solidFill>
+            <a:tailEnd type="triangle"/>
+          </a:ln>
+        </p:spPr>
+        <p:style>
+          <a:lnRef idx="1">
+            <a:schemeClr val="accent1"/>
+          </a:lnRef>
+          <a:fillRef idx="0">
+            <a:schemeClr val="accent1"/>
+          </a:fillRef>
+          <a:effectRef idx="0">
+            <a:schemeClr val="accent1"/>
+          </a:effectRef>
+          <a:fontRef idx="minor">
+            <a:schemeClr val="tx1"/>
+          </a:fontRef>
+        </p:style>
+      </p:cxnSp>
+      <p:sp>
+        <p:nvSpPr>
+          <p:cNvPr id="68" name="文本框 67">
+            <a:extLst>
+              <a:ext uri="{FF2B5EF4-FFF2-40B4-BE49-F238E27FC236}">
+                <a16:creationId xmlns:a16="http://schemas.microsoft.com/office/drawing/2014/main" id="{1D7FEBED-E6C1-4C23-AFF6-D50727832C7F}"/>
+              </a:ext>
+            </a:extLst>
+          </p:cNvPr>
+          <p:cNvSpPr txBox="1"/>
+          <p:nvPr/>
+        </p:nvSpPr>
+        <p:spPr>
+          <a:xfrm>
+            <a:off x="1156427" y="3938009"/>
+            <a:ext cx="2669038" cy="338554"/>
+          </a:xfrm>
+          <a:prstGeom prst="rect">
+            <a:avLst/>
+          </a:prstGeom>
+          <a:noFill/>
+        </p:spPr>
+        <p:txBody>
+          <a:bodyPr wrap="square" rtlCol="0">
+            <a:spAutoFit/>
+          </a:bodyPr>
+          <a:lstStyle/>
+          <a:p>
+            <a:pPr algn="ctr"/>
+            <a:r>
+              <a:rPr lang="zh-CN" altLang="en-US" sz="1600" dirty="0">
+                <a:latin typeface="宋体" panose="02010600030101010101" pitchFamily="2" charset="-122"/>
+                <a:ea typeface="宋体" panose="02010600030101010101" pitchFamily="2" charset="-122"/>
+              </a:rPr>
+              <a:t>反馈当前横滚角、俯仰角</a:t>
+            </a:r>
+          </a:p>
+        </p:txBody>
+      </p:sp>
+      <p:sp>
+        <p:nvSpPr>
+          <p:cNvPr id="69" name="矩形 68">
+            <a:extLst>
+              <a:ext uri="{FF2B5EF4-FFF2-40B4-BE49-F238E27FC236}">
+                <a16:creationId xmlns:a16="http://schemas.microsoft.com/office/drawing/2014/main" id="{2F6CCF93-A0C5-45C2-ACCA-041A547E4A03}"/>
+              </a:ext>
+            </a:extLst>
+          </p:cNvPr>
+          <p:cNvSpPr/>
+          <p:nvPr/>
+        </p:nvSpPr>
+        <p:spPr>
+          <a:xfrm>
+            <a:off x="4879947" y="3343139"/>
+            <a:ext cx="249501" cy="233039"/>
+          </a:xfrm>
+          <a:prstGeom prst="rect">
+            <a:avLst/>
+          </a:prstGeom>
+          <a:ln>
+            <a:solidFill>
+              <a:schemeClr val="bg1"/>
+            </a:solidFill>
+          </a:ln>
+        </p:spPr>
+        <p:style>
+          <a:lnRef idx="2">
+            <a:schemeClr val="dk1"/>
+          </a:lnRef>
+          <a:fillRef idx="1">
+            <a:schemeClr val="lt1"/>
+          </a:fillRef>
+          <a:effectRef idx="0">
+            <a:schemeClr val="dk1"/>
+          </a:effectRef>
+          <a:fontRef idx="minor">
+            <a:schemeClr val="dk1"/>
+          </a:fontRef>
+        </p:style>
+        <p:txBody>
+          <a:bodyPr rtlCol="0" anchor="ctr"/>
+          <a:lstStyle/>
+          <a:p>
+            <a:pPr algn="ctr"/>
+            <a:r>
+              <a:rPr lang="en-US" altLang="zh-CN" dirty="0">
+                <a:latin typeface="宋体" panose="02010600030101010101" pitchFamily="2" charset="-122"/>
+                <a:ea typeface="宋体" panose="02010600030101010101" pitchFamily="2" charset="-122"/>
+              </a:rPr>
+              <a:t>-</a:t>
+            </a:r>
+            <a:endParaRPr lang="zh-CN" altLang="en-US" dirty="0">
+              <a:latin typeface="宋体" panose="02010600030101010101" pitchFamily="2" charset="-122"/>
+              <a:ea typeface="宋体" panose="02010600030101010101" pitchFamily="2" charset="-122"/>
+            </a:endParaRPr>
+          </a:p>
+        </p:txBody>
+      </p:sp>
+      <p:sp>
+        <p:nvSpPr>
+          <p:cNvPr id="70" name="矩形 69">
+            <a:extLst>
+              <a:ext uri="{FF2B5EF4-FFF2-40B4-BE49-F238E27FC236}">
+                <a16:creationId xmlns:a16="http://schemas.microsoft.com/office/drawing/2014/main" id="{9CC73B75-1032-4C0A-B483-24CCF1CF5B64}"/>
+              </a:ext>
+            </a:extLst>
+          </p:cNvPr>
+          <p:cNvSpPr/>
+          <p:nvPr/>
+        </p:nvSpPr>
+        <p:spPr>
+          <a:xfrm>
+            <a:off x="1263025" y="3400805"/>
+            <a:ext cx="249501" cy="233039"/>
+          </a:xfrm>
+          <a:prstGeom prst="rect">
+            <a:avLst/>
+          </a:prstGeom>
+          <a:ln>
+            <a:solidFill>
+              <a:schemeClr val="bg1"/>
+            </a:solidFill>
+          </a:ln>
+        </p:spPr>
+        <p:style>
+          <a:lnRef idx="2">
+            <a:schemeClr val="dk1"/>
+          </a:lnRef>
+          <a:fillRef idx="1">
+            <a:schemeClr val="lt1"/>
+          </a:fillRef>
+          <a:effectRef idx="0">
+            <a:schemeClr val="dk1"/>
+          </a:effectRef>
+          <a:fontRef idx="minor">
+            <a:schemeClr val="dk1"/>
+          </a:fontRef>
+        </p:style>
+        <p:txBody>
+          <a:bodyPr rtlCol="0" anchor="ctr"/>
+          <a:lstStyle/>
+          <a:p>
+            <a:pPr algn="ctr"/>
+            <a:r>
+              <a:rPr lang="en-US" altLang="zh-CN" dirty="0">
+                <a:latin typeface="宋体" panose="02010600030101010101" pitchFamily="2" charset="-122"/>
+                <a:ea typeface="宋体" panose="02010600030101010101" pitchFamily="2" charset="-122"/>
+              </a:rPr>
+              <a:t>-</a:t>
+            </a:r>
+            <a:endParaRPr lang="zh-CN" altLang="en-US" dirty="0">
+              <a:latin typeface="宋体" panose="02010600030101010101" pitchFamily="2" charset="-122"/>
+              <a:ea typeface="宋体" panose="02010600030101010101" pitchFamily="2" charset="-122"/>
+            </a:endParaRPr>
+          </a:p>
+        </p:txBody>
+      </p:sp>
+      <p:cxnSp>
+        <p:nvCxnSpPr>
+          <p:cNvPr id="78" name="直接箭头连接符 77">
+            <a:extLst>
+              <a:ext uri="{FF2B5EF4-FFF2-40B4-BE49-F238E27FC236}">
+                <a16:creationId xmlns:a16="http://schemas.microsoft.com/office/drawing/2014/main" id="{6C2B98DE-7CA9-452E-8C7B-84FDA885B2A4}"/>
+              </a:ext>
+            </a:extLst>
+          </p:cNvPr>
+          <p:cNvCxnSpPr>
+            <a:cxnSpLocks/>
+            <a:stCxn id="21" idx="3"/>
+          </p:cNvCxnSpPr>
+          <p:nvPr/>
+        </p:nvCxnSpPr>
+        <p:spPr>
+          <a:xfrm>
+            <a:off x="10847182" y="3067493"/>
+            <a:ext cx="1000337" cy="0"/>
+          </a:xfrm>
+          <a:prstGeom prst="straightConnector1">
+            <a:avLst/>
+          </a:prstGeom>
+          <a:ln>
+            <a:solidFill>
+              <a:schemeClr val="tx1"/>
+            </a:solidFill>
+            <a:tailEnd type="triangle"/>
+          </a:ln>
+        </p:spPr>
+        <p:style>
+          <a:lnRef idx="1">
+            <a:schemeClr val="accent1"/>
+          </a:lnRef>
+          <a:fillRef idx="0">
+            <a:schemeClr val="accent1"/>
+          </a:fillRef>
+          <a:effectRef idx="0">
+            <a:schemeClr val="accent1"/>
+          </a:effectRef>
+          <a:fontRef idx="minor">
+            <a:schemeClr val="tx1"/>
+          </a:fontRef>
+        </p:style>
+      </p:cxnSp>
+      <p:sp>
+        <p:nvSpPr>
+          <p:cNvPr id="81" name="文本框 80">
+            <a:extLst>
+              <a:ext uri="{FF2B5EF4-FFF2-40B4-BE49-F238E27FC236}">
+                <a16:creationId xmlns:a16="http://schemas.microsoft.com/office/drawing/2014/main" id="{66441C7C-807E-49B5-853D-D9A4DE87FFEE}"/>
+              </a:ext>
+            </a:extLst>
+          </p:cNvPr>
+          <p:cNvSpPr txBox="1"/>
+          <p:nvPr/>
+        </p:nvSpPr>
+        <p:spPr>
+          <a:xfrm>
+            <a:off x="10988074" y="2719800"/>
+            <a:ext cx="1000337" cy="338554"/>
+          </a:xfrm>
+          <a:prstGeom prst="rect">
+            <a:avLst/>
+          </a:prstGeom>
+          <a:noFill/>
+        </p:spPr>
+        <p:txBody>
+          <a:bodyPr wrap="square" rtlCol="0">
+            <a:spAutoFit/>
+          </a:bodyPr>
+          <a:lstStyle/>
+          <a:p>
+            <a:pPr algn="ctr"/>
+            <a:r>
+              <a:rPr lang="zh-CN" altLang="en-US" sz="1600" dirty="0">
+                <a:latin typeface="宋体" panose="02010600030101010101" pitchFamily="2" charset="-122"/>
+                <a:ea typeface="宋体" panose="02010600030101010101" pitchFamily="2" charset="-122"/>
+              </a:rPr>
+              <a:t>姿态输出</a:t>
+            </a:r>
+          </a:p>
+        </p:txBody>
+      </p:sp>
+      <p:sp>
+        <p:nvSpPr>
+          <p:cNvPr id="86" name="矩形 85">
+            <a:extLst>
+              <a:ext uri="{FF2B5EF4-FFF2-40B4-BE49-F238E27FC236}">
+                <a16:creationId xmlns:a16="http://schemas.microsoft.com/office/drawing/2014/main" id="{371F1133-CCE4-4774-8A6B-E916B2684B14}"/>
+              </a:ext>
+            </a:extLst>
+          </p:cNvPr>
+          <p:cNvSpPr/>
+          <p:nvPr/>
+        </p:nvSpPr>
+        <p:spPr>
+          <a:xfrm>
+            <a:off x="1648320" y="799292"/>
+            <a:ext cx="1395272" cy="1107219"/>
+          </a:xfrm>
+          <a:prstGeom prst="rect">
+            <a:avLst/>
+          </a:prstGeom>
+          <a:ln>
+            <a:solidFill>
+              <a:schemeClr val="tx1"/>
+            </a:solidFill>
+          </a:ln>
+        </p:spPr>
+        <p:style>
+          <a:lnRef idx="2">
+            <a:schemeClr val="dk1"/>
+          </a:lnRef>
+          <a:fillRef idx="1">
+            <a:schemeClr val="lt1"/>
+          </a:fillRef>
+          <a:effectRef idx="0">
+            <a:schemeClr val="dk1"/>
+          </a:effectRef>
+          <a:fontRef idx="minor">
+            <a:schemeClr val="dk1"/>
+          </a:fontRef>
+        </p:style>
+        <p:txBody>
+          <a:bodyPr rtlCol="0" anchor="ctr"/>
+          <a:lstStyle/>
+          <a:p>
+            <a:pPr algn="ctr"/>
+            <a:r>
+              <a:rPr lang="zh-CN" altLang="en-US" dirty="0">
+                <a:latin typeface="宋体" panose="02010600030101010101" pitchFamily="2" charset="-122"/>
+                <a:ea typeface="宋体" panose="02010600030101010101" pitchFamily="2" charset="-122"/>
+              </a:rPr>
+              <a:t>位置</a:t>
+            </a:r>
+            <a:r>
+              <a:rPr lang="en-US" altLang="zh-CN" dirty="0">
+                <a:latin typeface="宋体" panose="02010600030101010101" pitchFamily="2" charset="-122"/>
+                <a:ea typeface="宋体" panose="02010600030101010101" pitchFamily="2" charset="-122"/>
+              </a:rPr>
+              <a:t>PID</a:t>
+            </a:r>
+          </a:p>
+          <a:p>
+            <a:pPr algn="ctr"/>
+            <a:r>
+              <a:rPr lang="zh-CN" altLang="en-US" dirty="0">
+                <a:latin typeface="宋体" panose="02010600030101010101" pitchFamily="2" charset="-122"/>
+                <a:ea typeface="宋体" panose="02010600030101010101" pitchFamily="2" charset="-122"/>
+              </a:rPr>
+              <a:t>控制器</a:t>
+            </a:r>
+            <a:endParaRPr lang="en-US" altLang="zh-CN" dirty="0">
+              <a:latin typeface="宋体" panose="02010600030101010101" pitchFamily="2" charset="-122"/>
+              <a:ea typeface="宋体" panose="02010600030101010101" pitchFamily="2" charset="-122"/>
+            </a:endParaRPr>
+          </a:p>
+        </p:txBody>
+      </p:sp>
+      <p:cxnSp>
+        <p:nvCxnSpPr>
+          <p:cNvPr id="87" name="直接箭头连接符 86">
+            <a:extLst>
+              <a:ext uri="{FF2B5EF4-FFF2-40B4-BE49-F238E27FC236}">
+                <a16:creationId xmlns:a16="http://schemas.microsoft.com/office/drawing/2014/main" id="{FAEAF43B-44CE-4431-9B7C-3C1BC786E1A1}"/>
+              </a:ext>
+            </a:extLst>
+          </p:cNvPr>
+          <p:cNvCxnSpPr>
+            <a:cxnSpLocks/>
+            <a:endCxn id="89" idx="2"/>
+          </p:cNvCxnSpPr>
+          <p:nvPr/>
+        </p:nvCxnSpPr>
+        <p:spPr>
+          <a:xfrm>
+            <a:off x="239263" y="1346083"/>
+            <a:ext cx="806606" cy="2862"/>
+          </a:xfrm>
+          <a:prstGeom prst="straightConnector1">
+            <a:avLst/>
+          </a:prstGeom>
+          <a:ln>
+            <a:solidFill>
+              <a:schemeClr val="tx1"/>
+            </a:solidFill>
+            <a:tailEnd type="triangle"/>
+          </a:ln>
+        </p:spPr>
+        <p:style>
+          <a:lnRef idx="1">
+            <a:schemeClr val="accent1"/>
+          </a:lnRef>
+          <a:fillRef idx="0">
+            <a:schemeClr val="accent1"/>
+          </a:fillRef>
+          <a:effectRef idx="0">
+            <a:schemeClr val="accent1"/>
+          </a:effectRef>
+          <a:fontRef idx="minor">
+            <a:schemeClr val="tx1"/>
+          </a:fontRef>
+        </p:style>
+      </p:cxnSp>
+      <p:sp>
+        <p:nvSpPr>
+          <p:cNvPr id="88" name="文本框 87">
+            <a:extLst>
+              <a:ext uri="{FF2B5EF4-FFF2-40B4-BE49-F238E27FC236}">
+                <a16:creationId xmlns:a16="http://schemas.microsoft.com/office/drawing/2014/main" id="{F3E07A47-BDCF-4311-9BAE-6F27EAFB79EA}"/>
+              </a:ext>
+            </a:extLst>
+          </p:cNvPr>
+          <p:cNvSpPr txBox="1"/>
+          <p:nvPr/>
+        </p:nvSpPr>
+        <p:spPr>
+          <a:xfrm>
+            <a:off x="100301" y="912237"/>
+            <a:ext cx="1041059" cy="348721"/>
+          </a:xfrm>
+          <a:prstGeom prst="rect">
+            <a:avLst/>
+          </a:prstGeom>
+          <a:noFill/>
+        </p:spPr>
+        <p:txBody>
+          <a:bodyPr wrap="square" rtlCol="0">
+            <a:spAutoFit/>
+          </a:bodyPr>
+          <a:lstStyle/>
+          <a:p>
+            <a:pPr algn="ctr"/>
+            <a:r>
+              <a:rPr lang="zh-CN" altLang="en-US" sz="1600" dirty="0">
+                <a:latin typeface="宋体" panose="02010600030101010101" pitchFamily="2" charset="-122"/>
+                <a:ea typeface="宋体" panose="02010600030101010101" pitchFamily="2" charset="-122"/>
+              </a:rPr>
+              <a:t>期望位置</a:t>
+            </a:r>
+          </a:p>
+        </p:txBody>
+      </p:sp>
+      <p:sp>
+        <p:nvSpPr>
+          <p:cNvPr id="89" name="流程图: 汇总连接 88">
+            <a:extLst>
+              <a:ext uri="{FF2B5EF4-FFF2-40B4-BE49-F238E27FC236}">
+                <a16:creationId xmlns:a16="http://schemas.microsoft.com/office/drawing/2014/main" id="{8735D49E-F359-4556-8104-3FEAADBD95D0}"/>
+              </a:ext>
+            </a:extLst>
+          </p:cNvPr>
+          <p:cNvSpPr/>
+          <p:nvPr/>
+        </p:nvSpPr>
+        <p:spPr>
+          <a:xfrm>
+            <a:off x="1045869" y="1206717"/>
+            <a:ext cx="284456" cy="284456"/>
+          </a:xfrm>
+          <a:prstGeom prst="flowChartSummingJunction">
+            <a:avLst/>
+          </a:prstGeom>
+          <a:ln>
+            <a:solidFill>
+              <a:schemeClr val="tx1"/>
+            </a:solidFill>
+          </a:ln>
+        </p:spPr>
+        <p:style>
+          <a:lnRef idx="2">
+            <a:schemeClr val="dk1"/>
+          </a:lnRef>
+          <a:fillRef idx="1">
+            <a:schemeClr val="lt1"/>
+          </a:fillRef>
+          <a:effectRef idx="0">
+            <a:schemeClr val="dk1"/>
+          </a:effectRef>
+          <a:fontRef idx="minor">
+            <a:schemeClr val="dk1"/>
+          </a:fontRef>
+        </p:style>
+        <p:txBody>
+          <a:bodyPr rot="0" spcFirstLastPara="0" vertOverflow="overflow" horzOverflow="overflow" vert="horz" wrap="square" lIns="91440" tIns="45720" rIns="91440" bIns="45720" numCol="1" spcCol="0" rtlCol="0" fromWordArt="0" anchor="ctr" anchorCtr="0" forceAA="0" compatLnSpc="1">
+            <a:prstTxWarp prst="textNoShape">
+              <a:avLst/>
+            </a:prstTxWarp>
+            <a:noAutofit/>
+          </a:bodyPr>
+          <a:lstStyle/>
+          <a:p>
+            <a:pPr algn="ctr"/>
+            <a:endParaRPr lang="zh-CN" altLang="en-US" dirty="0">
+              <a:solidFill>
+                <a:schemeClr val="dk1"/>
+              </a:solidFill>
+              <a:latin typeface="宋体" panose="02010600030101010101" pitchFamily="2" charset="-122"/>
+              <a:ea typeface="宋体" panose="02010600030101010101" pitchFamily="2" charset="-122"/>
+            </a:endParaRPr>
+          </a:p>
+        </p:txBody>
+      </p:sp>
+      <p:cxnSp>
+        <p:nvCxnSpPr>
+          <p:cNvPr id="90" name="直接箭头连接符 89">
+            <a:extLst>
+              <a:ext uri="{FF2B5EF4-FFF2-40B4-BE49-F238E27FC236}">
+                <a16:creationId xmlns:a16="http://schemas.microsoft.com/office/drawing/2014/main" id="{AAB4C62A-EE24-48E5-9DFA-506E7CE0FCD3}"/>
+              </a:ext>
+            </a:extLst>
+          </p:cNvPr>
+          <p:cNvCxnSpPr>
+            <a:cxnSpLocks/>
+            <a:stCxn id="89" idx="6"/>
+            <a:endCxn id="86" idx="1"/>
+          </p:cNvCxnSpPr>
+          <p:nvPr/>
+        </p:nvCxnSpPr>
+        <p:spPr>
+          <a:xfrm>
+            <a:off x="1330325" y="1348945"/>
+            <a:ext cx="317995" cy="3957"/>
+          </a:xfrm>
+          <a:prstGeom prst="straightConnector1">
+            <a:avLst/>
+          </a:prstGeom>
+          <a:ln>
+            <a:solidFill>
+              <a:schemeClr val="tx1"/>
+            </a:solidFill>
+            <a:tailEnd type="triangle"/>
+          </a:ln>
+        </p:spPr>
+        <p:style>
+          <a:lnRef idx="1">
+            <a:schemeClr val="accent1"/>
+          </a:lnRef>
+          <a:fillRef idx="0">
+            <a:schemeClr val="accent1"/>
+          </a:fillRef>
+          <a:effectRef idx="0">
+            <a:schemeClr val="accent1"/>
+          </a:effectRef>
+          <a:fontRef idx="minor">
+            <a:schemeClr val="tx1"/>
+          </a:fontRef>
+        </p:style>
+      </p:cxnSp>
+      <p:sp>
+        <p:nvSpPr>
+          <p:cNvPr id="91" name="矩形 90">
+            <a:extLst>
+              <a:ext uri="{FF2B5EF4-FFF2-40B4-BE49-F238E27FC236}">
+                <a16:creationId xmlns:a16="http://schemas.microsoft.com/office/drawing/2014/main" id="{87F27BAA-510A-4664-AB71-DA2F091546E6}"/>
+              </a:ext>
+            </a:extLst>
+          </p:cNvPr>
+          <p:cNvSpPr/>
+          <p:nvPr/>
+        </p:nvSpPr>
+        <p:spPr>
+          <a:xfrm>
+            <a:off x="1156428" y="895743"/>
+            <a:ext cx="249501" cy="233039"/>
+          </a:xfrm>
+          <a:prstGeom prst="rect">
+            <a:avLst/>
+          </a:prstGeom>
+          <a:ln>
+            <a:solidFill>
+              <a:schemeClr val="bg1"/>
+            </a:solidFill>
+          </a:ln>
+        </p:spPr>
+        <p:style>
+          <a:lnRef idx="2">
+            <a:schemeClr val="dk1"/>
+          </a:lnRef>
+          <a:fillRef idx="1">
+            <a:schemeClr val="lt1"/>
+          </a:fillRef>
+          <a:effectRef idx="0">
+            <a:schemeClr val="dk1"/>
+          </a:effectRef>
+          <a:fontRef idx="minor">
+            <a:schemeClr val="dk1"/>
+          </a:fontRef>
+        </p:style>
+        <p:txBody>
+          <a:bodyPr rtlCol="0" anchor="ctr"/>
+          <a:lstStyle/>
+          <a:p>
+            <a:pPr algn="ctr"/>
+            <a:r>
+              <a:rPr lang="en-US" altLang="zh-CN" dirty="0">
+                <a:latin typeface="宋体" panose="02010600030101010101" pitchFamily="2" charset="-122"/>
+                <a:ea typeface="宋体" panose="02010600030101010101" pitchFamily="2" charset="-122"/>
+              </a:rPr>
+              <a:t>-</a:t>
+            </a:r>
+            <a:endParaRPr lang="zh-CN" altLang="en-US" dirty="0">
+              <a:latin typeface="宋体" panose="02010600030101010101" pitchFamily="2" charset="-122"/>
+              <a:ea typeface="宋体" panose="02010600030101010101" pitchFamily="2" charset="-122"/>
+            </a:endParaRPr>
+          </a:p>
+        </p:txBody>
+      </p:sp>
+      <p:sp>
+        <p:nvSpPr>
+          <p:cNvPr id="92" name="矩形 91">
+            <a:extLst>
+              <a:ext uri="{FF2B5EF4-FFF2-40B4-BE49-F238E27FC236}">
+                <a16:creationId xmlns:a16="http://schemas.microsoft.com/office/drawing/2014/main" id="{F4C5812D-54B9-49C7-BD2D-FC66E5CFC63E}"/>
+              </a:ext>
+            </a:extLst>
+          </p:cNvPr>
+          <p:cNvSpPr/>
+          <p:nvPr/>
+        </p:nvSpPr>
+        <p:spPr>
+          <a:xfrm>
+            <a:off x="5552955" y="792473"/>
+            <a:ext cx="1395272" cy="1107219"/>
+          </a:xfrm>
+          <a:prstGeom prst="rect">
+            <a:avLst/>
+          </a:prstGeom>
+          <a:ln>
+            <a:solidFill>
+              <a:schemeClr val="tx1"/>
+            </a:solidFill>
+          </a:ln>
+        </p:spPr>
+        <p:style>
+          <a:lnRef idx="2">
+            <a:schemeClr val="dk1"/>
+          </a:lnRef>
+          <a:fillRef idx="1">
+            <a:schemeClr val="lt1"/>
+          </a:fillRef>
+          <a:effectRef idx="0">
+            <a:schemeClr val="dk1"/>
+          </a:effectRef>
+          <a:fontRef idx="minor">
+            <a:schemeClr val="dk1"/>
+          </a:fontRef>
+        </p:style>
+        <p:txBody>
+          <a:bodyPr rtlCol="0" anchor="ctr"/>
+          <a:lstStyle/>
+          <a:p>
+            <a:pPr algn="ctr"/>
+            <a:r>
+              <a:rPr lang="zh-CN" altLang="en-US" dirty="0">
+                <a:latin typeface="宋体" panose="02010600030101010101" pitchFamily="2" charset="-122"/>
+                <a:ea typeface="宋体" panose="02010600030101010101" pitchFamily="2" charset="-122"/>
+              </a:rPr>
+              <a:t>速度</a:t>
+            </a:r>
+            <a:r>
+              <a:rPr lang="en-US" altLang="zh-CN" dirty="0">
+                <a:latin typeface="宋体" panose="02010600030101010101" pitchFamily="2" charset="-122"/>
+                <a:ea typeface="宋体" panose="02010600030101010101" pitchFamily="2" charset="-122"/>
+              </a:rPr>
+              <a:t>PID</a:t>
+            </a:r>
+          </a:p>
+          <a:p>
+            <a:pPr algn="ctr"/>
+            <a:r>
+              <a:rPr lang="zh-CN" altLang="en-US" dirty="0">
+                <a:latin typeface="宋体" panose="02010600030101010101" pitchFamily="2" charset="-122"/>
+                <a:ea typeface="宋体" panose="02010600030101010101" pitchFamily="2" charset="-122"/>
+              </a:rPr>
+              <a:t>控制器</a:t>
+            </a:r>
+            <a:endParaRPr lang="en-US" altLang="zh-CN" dirty="0">
+              <a:latin typeface="宋体" panose="02010600030101010101" pitchFamily="2" charset="-122"/>
+              <a:ea typeface="宋体" panose="02010600030101010101" pitchFamily="2" charset="-122"/>
+            </a:endParaRPr>
+          </a:p>
+        </p:txBody>
+      </p:sp>
+      <p:cxnSp>
+        <p:nvCxnSpPr>
+          <p:cNvPr id="93" name="直接箭头连接符 92">
+            <a:extLst>
+              <a:ext uri="{FF2B5EF4-FFF2-40B4-BE49-F238E27FC236}">
+                <a16:creationId xmlns:a16="http://schemas.microsoft.com/office/drawing/2014/main" id="{286AD512-0C3A-460E-AED9-3D4674320CCF}"/>
+              </a:ext>
+            </a:extLst>
+          </p:cNvPr>
+          <p:cNvCxnSpPr>
+            <a:cxnSpLocks/>
+            <a:stCxn id="86" idx="3"/>
+            <a:endCxn id="107" idx="2"/>
+          </p:cNvCxnSpPr>
+          <p:nvPr/>
+        </p:nvCxnSpPr>
+        <p:spPr>
+          <a:xfrm flipV="1">
+            <a:off x="3043592" y="1348945"/>
+            <a:ext cx="1561779" cy="3957"/>
+          </a:xfrm>
+          <a:prstGeom prst="straightConnector1">
+            <a:avLst/>
+          </a:prstGeom>
+          <a:ln>
+            <a:solidFill>
+              <a:schemeClr val="tx1"/>
+            </a:solidFill>
+            <a:tailEnd type="triangle"/>
+          </a:ln>
+        </p:spPr>
+        <p:style>
+          <a:lnRef idx="1">
+            <a:schemeClr val="accent1"/>
+          </a:lnRef>
+          <a:fillRef idx="0">
+            <a:schemeClr val="accent1"/>
+          </a:fillRef>
+          <a:effectRef idx="0">
+            <a:schemeClr val="accent1"/>
+          </a:effectRef>
+          <a:fontRef idx="minor">
+            <a:schemeClr val="tx1"/>
+          </a:fontRef>
+        </p:style>
+      </p:cxnSp>
+      <p:cxnSp>
+        <p:nvCxnSpPr>
+          <p:cNvPr id="98" name="连接符: 肘形 97">
+            <a:extLst>
+              <a:ext uri="{FF2B5EF4-FFF2-40B4-BE49-F238E27FC236}">
+                <a16:creationId xmlns:a16="http://schemas.microsoft.com/office/drawing/2014/main" id="{01500292-B9AA-4A51-8211-1BD825A7D9F6}"/>
+              </a:ext>
+            </a:extLst>
+          </p:cNvPr>
+          <p:cNvCxnSpPr>
+            <a:cxnSpLocks/>
+            <a:stCxn id="92" idx="3"/>
+            <a:endCxn id="43" idx="2"/>
+          </p:cNvCxnSpPr>
+          <p:nvPr/>
+        </p:nvCxnSpPr>
+        <p:spPr>
+          <a:xfrm flipH="1">
+            <a:off x="1045869" y="1346083"/>
+            <a:ext cx="5902358" cy="1827369"/>
+          </a:xfrm>
+          <a:prstGeom prst="bentConnector5">
+            <a:avLst>
+              <a:gd name="adj1" fmla="val -6882"/>
+              <a:gd name="adj2" fmla="val 50512"/>
+              <a:gd name="adj3" fmla="val 111521"/>
+            </a:avLst>
+          </a:prstGeom>
+          <a:ln>
+            <a:solidFill>
+              <a:schemeClr val="tx1"/>
+            </a:solidFill>
+            <a:tailEnd type="triangle"/>
+          </a:ln>
+        </p:spPr>
+        <p:style>
+          <a:lnRef idx="1">
+            <a:schemeClr val="accent1"/>
+          </a:lnRef>
+          <a:fillRef idx="0">
+            <a:schemeClr val="accent1"/>
+          </a:fillRef>
+          <a:effectRef idx="0">
+            <a:schemeClr val="accent1"/>
+          </a:effectRef>
+          <a:fontRef idx="minor">
+            <a:schemeClr val="tx1"/>
+          </a:fontRef>
+        </p:style>
+      </p:cxnSp>
+      <p:sp>
+        <p:nvSpPr>
+          <p:cNvPr id="107" name="流程图: 汇总连接 106">
+            <a:extLst>
+              <a:ext uri="{FF2B5EF4-FFF2-40B4-BE49-F238E27FC236}">
+                <a16:creationId xmlns:a16="http://schemas.microsoft.com/office/drawing/2014/main" id="{3B304BC9-818F-4E2D-AF2F-87ACB164F7F3}"/>
+              </a:ext>
+            </a:extLst>
+          </p:cNvPr>
+          <p:cNvSpPr/>
+          <p:nvPr/>
+        </p:nvSpPr>
+        <p:spPr>
+          <a:xfrm>
+            <a:off x="4605371" y="1206717"/>
+            <a:ext cx="284456" cy="284456"/>
+          </a:xfrm>
+          <a:prstGeom prst="flowChartSummingJunction">
+            <a:avLst/>
+          </a:prstGeom>
+          <a:ln>
+            <a:solidFill>
+              <a:schemeClr val="tx1"/>
+            </a:solidFill>
+          </a:ln>
+        </p:spPr>
+        <p:style>
+          <a:lnRef idx="2">
+            <a:schemeClr val="dk1"/>
+          </a:lnRef>
+          <a:fillRef idx="1">
+            <a:schemeClr val="lt1"/>
+          </a:fillRef>
+          <a:effectRef idx="0">
+            <a:schemeClr val="dk1"/>
+          </a:effectRef>
+          <a:fontRef idx="minor">
+            <a:schemeClr val="dk1"/>
+          </a:fontRef>
+        </p:style>
+        <p:txBody>
+          <a:bodyPr rot="0" spcFirstLastPara="0" vertOverflow="overflow" horzOverflow="overflow" vert="horz" wrap="square" lIns="91440" tIns="45720" rIns="91440" bIns="45720" numCol="1" spcCol="0" rtlCol="0" fromWordArt="0" anchor="ctr" anchorCtr="0" forceAA="0" compatLnSpc="1">
+            <a:prstTxWarp prst="textNoShape">
+              <a:avLst/>
+            </a:prstTxWarp>
+            <a:noAutofit/>
+          </a:bodyPr>
+          <a:lstStyle/>
+          <a:p>
+            <a:pPr algn="ctr"/>
+            <a:endParaRPr lang="zh-CN" altLang="en-US" dirty="0">
+              <a:solidFill>
+                <a:schemeClr val="dk1"/>
+              </a:solidFill>
+              <a:latin typeface="宋体" panose="02010600030101010101" pitchFamily="2" charset="-122"/>
+              <a:ea typeface="宋体" panose="02010600030101010101" pitchFamily="2" charset="-122"/>
+            </a:endParaRPr>
+          </a:p>
+        </p:txBody>
+      </p:sp>
+      <p:cxnSp>
+        <p:nvCxnSpPr>
+          <p:cNvPr id="110" name="直接箭头连接符 109">
+            <a:extLst>
+              <a:ext uri="{FF2B5EF4-FFF2-40B4-BE49-F238E27FC236}">
+                <a16:creationId xmlns:a16="http://schemas.microsoft.com/office/drawing/2014/main" id="{45ED2225-E4BC-4A33-B739-781BECD0754A}"/>
+              </a:ext>
+            </a:extLst>
+          </p:cNvPr>
+          <p:cNvCxnSpPr>
+            <a:cxnSpLocks/>
+            <a:stCxn id="107" idx="6"/>
+            <a:endCxn id="92" idx="1"/>
+          </p:cNvCxnSpPr>
+          <p:nvPr/>
+        </p:nvCxnSpPr>
+        <p:spPr>
+          <a:xfrm flipV="1">
+            <a:off x="4889827" y="1346083"/>
+            <a:ext cx="663128" cy="2862"/>
+          </a:xfrm>
+          <a:prstGeom prst="straightConnector1">
+            <a:avLst/>
+          </a:prstGeom>
+          <a:ln>
+            <a:solidFill>
+              <a:schemeClr val="tx1"/>
+            </a:solidFill>
+            <a:tailEnd type="triangle"/>
+          </a:ln>
+        </p:spPr>
+        <p:style>
+          <a:lnRef idx="1">
+            <a:schemeClr val="accent1"/>
+          </a:lnRef>
+          <a:fillRef idx="0">
+            <a:schemeClr val="accent1"/>
+          </a:fillRef>
+          <a:effectRef idx="0">
+            <a:schemeClr val="accent1"/>
+          </a:effectRef>
+          <a:fontRef idx="minor">
+            <a:schemeClr val="tx1"/>
+          </a:fontRef>
+        </p:style>
+      </p:cxnSp>
+      <p:sp>
+        <p:nvSpPr>
+          <p:cNvPr id="123" name="矩形 122">
+            <a:extLst>
+              <a:ext uri="{FF2B5EF4-FFF2-40B4-BE49-F238E27FC236}">
+                <a16:creationId xmlns:a16="http://schemas.microsoft.com/office/drawing/2014/main" id="{0CFBA613-6B71-4D25-8599-72AD68BCCC55}"/>
+              </a:ext>
+            </a:extLst>
+          </p:cNvPr>
+          <p:cNvSpPr/>
+          <p:nvPr/>
+        </p:nvSpPr>
+        <p:spPr>
+          <a:xfrm>
+            <a:off x="10025641" y="792473"/>
+            <a:ext cx="813523" cy="1311105"/>
+          </a:xfrm>
+          <a:prstGeom prst="rect">
+            <a:avLst/>
+          </a:prstGeom>
+          <a:ln>
+            <a:solidFill>
+              <a:schemeClr val="tx1"/>
+            </a:solidFill>
+          </a:ln>
+        </p:spPr>
+        <p:style>
+          <a:lnRef idx="2">
+            <a:schemeClr val="dk1"/>
+          </a:lnRef>
+          <a:fillRef idx="1">
+            <a:schemeClr val="lt1"/>
+          </a:fillRef>
+          <a:effectRef idx="0">
+            <a:schemeClr val="dk1"/>
+          </a:effectRef>
+          <a:fontRef idx="minor">
+            <a:schemeClr val="dk1"/>
+          </a:fontRef>
+        </p:style>
+        <p:txBody>
+          <a:bodyPr rtlCol="0" anchor="ctr"/>
+          <a:lstStyle/>
+          <a:p>
+            <a:pPr algn="ctr"/>
+            <a:r>
+              <a:rPr lang="zh-CN" altLang="en-US" dirty="0">
+                <a:latin typeface="宋体" panose="02010600030101010101" pitchFamily="2" charset="-122"/>
+                <a:ea typeface="宋体" panose="02010600030101010101" pitchFamily="2" charset="-122"/>
+              </a:rPr>
+              <a:t>惯导融合</a:t>
+            </a:r>
+          </a:p>
+        </p:txBody>
+      </p:sp>
+      <p:cxnSp>
+        <p:nvCxnSpPr>
+          <p:cNvPr id="127" name="连接符: 肘形 126">
+            <a:extLst>
+              <a:ext uri="{FF2B5EF4-FFF2-40B4-BE49-F238E27FC236}">
+                <a16:creationId xmlns:a16="http://schemas.microsoft.com/office/drawing/2014/main" id="{243D4705-8E55-4A0B-BA9A-4B12EA533797}"/>
+              </a:ext>
+            </a:extLst>
+          </p:cNvPr>
+          <p:cNvCxnSpPr>
+            <a:cxnSpLocks/>
+            <a:stCxn id="123" idx="3"/>
+            <a:endCxn id="89" idx="0"/>
+          </p:cNvCxnSpPr>
+          <p:nvPr/>
+        </p:nvCxnSpPr>
+        <p:spPr>
+          <a:xfrm flipH="1" flipV="1">
+            <a:off x="1188097" y="1206717"/>
+            <a:ext cx="9651067" cy="241309"/>
+          </a:xfrm>
+          <a:prstGeom prst="bentConnector4">
+            <a:avLst>
+              <a:gd name="adj1" fmla="val -2369"/>
+              <a:gd name="adj2" fmla="val 561279"/>
+            </a:avLst>
+          </a:prstGeom>
+          <a:ln>
+            <a:solidFill>
+              <a:schemeClr val="tx1"/>
+            </a:solidFill>
+            <a:tailEnd type="triangle"/>
+          </a:ln>
+        </p:spPr>
+        <p:style>
+          <a:lnRef idx="1">
+            <a:schemeClr val="accent1"/>
+          </a:lnRef>
+          <a:fillRef idx="0">
+            <a:schemeClr val="accent1"/>
+          </a:fillRef>
+          <a:effectRef idx="0">
+            <a:schemeClr val="accent1"/>
+          </a:effectRef>
+          <a:fontRef idx="minor">
+            <a:schemeClr val="tx1"/>
+          </a:fontRef>
+        </p:style>
+      </p:cxnSp>
+      <p:sp>
+        <p:nvSpPr>
+          <p:cNvPr id="134" name="矩形 133">
+            <a:extLst>
+              <a:ext uri="{FF2B5EF4-FFF2-40B4-BE49-F238E27FC236}">
+                <a16:creationId xmlns:a16="http://schemas.microsoft.com/office/drawing/2014/main" id="{A52D56F6-185B-4B46-A754-B4DEE0308E23}"/>
+              </a:ext>
+            </a:extLst>
+          </p:cNvPr>
+          <p:cNvSpPr/>
+          <p:nvPr/>
+        </p:nvSpPr>
+        <p:spPr>
+          <a:xfrm>
+            <a:off x="4847140" y="872543"/>
+            <a:ext cx="249501" cy="233039"/>
+          </a:xfrm>
+          <a:prstGeom prst="rect">
+            <a:avLst/>
+          </a:prstGeom>
+          <a:ln>
+            <a:solidFill>
+              <a:schemeClr val="bg1"/>
+            </a:solidFill>
+          </a:ln>
+        </p:spPr>
+        <p:style>
+          <a:lnRef idx="2">
+            <a:schemeClr val="dk1"/>
+          </a:lnRef>
+          <a:fillRef idx="1">
+            <a:schemeClr val="lt1"/>
+          </a:fillRef>
+          <a:effectRef idx="0">
+            <a:schemeClr val="dk1"/>
+          </a:effectRef>
+          <a:fontRef idx="minor">
+            <a:schemeClr val="dk1"/>
+          </a:fontRef>
+        </p:style>
+        <p:txBody>
+          <a:bodyPr rtlCol="0" anchor="ctr"/>
+          <a:lstStyle/>
+          <a:p>
+            <a:pPr algn="ctr"/>
+            <a:r>
+              <a:rPr lang="en-US" altLang="zh-CN" dirty="0">
+                <a:latin typeface="宋体" panose="02010600030101010101" pitchFamily="2" charset="-122"/>
+                <a:ea typeface="宋体" panose="02010600030101010101" pitchFamily="2" charset="-122"/>
+              </a:rPr>
+              <a:t>-</a:t>
+            </a:r>
+            <a:endParaRPr lang="zh-CN" altLang="en-US" dirty="0">
+              <a:latin typeface="宋体" panose="02010600030101010101" pitchFamily="2" charset="-122"/>
+              <a:ea typeface="宋体" panose="02010600030101010101" pitchFamily="2" charset="-122"/>
+            </a:endParaRPr>
+          </a:p>
+        </p:txBody>
+      </p:sp>
+      <p:sp>
+        <p:nvSpPr>
+          <p:cNvPr id="135" name="文本框 134">
+            <a:extLst>
+              <a:ext uri="{FF2B5EF4-FFF2-40B4-BE49-F238E27FC236}">
+                <a16:creationId xmlns:a16="http://schemas.microsoft.com/office/drawing/2014/main" id="{882BD57D-AE75-49FA-AB9C-5F911A7206E2}"/>
+              </a:ext>
+            </a:extLst>
+          </p:cNvPr>
+          <p:cNvSpPr txBox="1"/>
+          <p:nvPr/>
+        </p:nvSpPr>
+        <p:spPr>
+          <a:xfrm>
+            <a:off x="998864" y="153618"/>
+            <a:ext cx="1803535" cy="338554"/>
+          </a:xfrm>
+          <a:prstGeom prst="rect">
+            <a:avLst/>
+          </a:prstGeom>
+          <a:noFill/>
+        </p:spPr>
+        <p:txBody>
+          <a:bodyPr wrap="square" rtlCol="0">
+            <a:spAutoFit/>
+          </a:bodyPr>
+          <a:lstStyle/>
+          <a:p>
+            <a:pPr algn="ctr"/>
+            <a:r>
+              <a:rPr lang="zh-CN" altLang="en-US" sz="1600" dirty="0">
+                <a:latin typeface="宋体" panose="02010600030101010101" pitchFamily="2" charset="-122"/>
+                <a:ea typeface="宋体" panose="02010600030101010101" pitchFamily="2" charset="-122"/>
+              </a:rPr>
+              <a:t>反馈当前位置</a:t>
+            </a:r>
+          </a:p>
+        </p:txBody>
+      </p:sp>
+      <p:sp>
+        <p:nvSpPr>
+          <p:cNvPr id="136" name="文本框 135">
+            <a:extLst>
+              <a:ext uri="{FF2B5EF4-FFF2-40B4-BE49-F238E27FC236}">
+                <a16:creationId xmlns:a16="http://schemas.microsoft.com/office/drawing/2014/main" id="{6F92F08C-F6B1-4E8D-A336-A3FB1F2BEAFD}"/>
+              </a:ext>
+            </a:extLst>
+          </p:cNvPr>
+          <p:cNvSpPr txBox="1"/>
+          <p:nvPr/>
+        </p:nvSpPr>
+        <p:spPr>
+          <a:xfrm>
+            <a:off x="4605371" y="153358"/>
+            <a:ext cx="1738100" cy="338554"/>
+          </a:xfrm>
+          <a:prstGeom prst="rect">
+            <a:avLst/>
+          </a:prstGeom>
+          <a:noFill/>
+        </p:spPr>
+        <p:txBody>
+          <a:bodyPr wrap="square" rtlCol="0">
+            <a:spAutoFit/>
+          </a:bodyPr>
+          <a:lstStyle/>
+          <a:p>
+            <a:pPr algn="ctr"/>
+            <a:r>
+              <a:rPr lang="zh-CN" altLang="en-US" sz="1600" dirty="0">
+                <a:latin typeface="宋体" panose="02010600030101010101" pitchFamily="2" charset="-122"/>
+                <a:ea typeface="宋体" panose="02010600030101010101" pitchFamily="2" charset="-122"/>
+              </a:rPr>
+              <a:t>反馈当前速度</a:t>
+            </a:r>
+          </a:p>
+        </p:txBody>
+      </p:sp>
+      <p:sp>
+        <p:nvSpPr>
+          <p:cNvPr id="146" name="文本框 145">
+            <a:extLst>
+              <a:ext uri="{FF2B5EF4-FFF2-40B4-BE49-F238E27FC236}">
+                <a16:creationId xmlns:a16="http://schemas.microsoft.com/office/drawing/2014/main" id="{9033CCF7-0A75-43DF-8A2D-7EE7B14233A8}"/>
+              </a:ext>
+            </a:extLst>
+          </p:cNvPr>
+          <p:cNvSpPr txBox="1"/>
+          <p:nvPr/>
+        </p:nvSpPr>
+        <p:spPr>
+          <a:xfrm>
+            <a:off x="10933381" y="1504272"/>
+            <a:ext cx="1000337" cy="338554"/>
+          </a:xfrm>
+          <a:prstGeom prst="rect">
+            <a:avLst/>
+          </a:prstGeom>
+          <a:noFill/>
+        </p:spPr>
+        <p:txBody>
+          <a:bodyPr wrap="square" rtlCol="0">
+            <a:spAutoFit/>
+          </a:bodyPr>
+          <a:lstStyle/>
+          <a:p>
+            <a:pPr algn="ctr"/>
+            <a:r>
+              <a:rPr lang="zh-CN" altLang="en-US" sz="1600" dirty="0">
+                <a:latin typeface="宋体" panose="02010600030101010101" pitchFamily="2" charset="-122"/>
+                <a:ea typeface="宋体" panose="02010600030101010101" pitchFamily="2" charset="-122"/>
+              </a:rPr>
+              <a:t>位置输出</a:t>
+            </a:r>
+          </a:p>
+        </p:txBody>
+      </p:sp>
+      <p:cxnSp>
+        <p:nvCxnSpPr>
+          <p:cNvPr id="156" name="直接箭头连接符 155">
+            <a:extLst>
+              <a:ext uri="{FF2B5EF4-FFF2-40B4-BE49-F238E27FC236}">
+                <a16:creationId xmlns:a16="http://schemas.microsoft.com/office/drawing/2014/main" id="{ABDDA215-A8F5-43C4-BA03-6611F3471BB0}"/>
+              </a:ext>
+            </a:extLst>
+          </p:cNvPr>
+          <p:cNvCxnSpPr>
+            <a:cxnSpLocks/>
+            <a:stCxn id="123" idx="3"/>
+          </p:cNvCxnSpPr>
+          <p:nvPr/>
+        </p:nvCxnSpPr>
+        <p:spPr>
+          <a:xfrm>
+            <a:off x="10839164" y="1448026"/>
+            <a:ext cx="1008355" cy="0"/>
+          </a:xfrm>
+          <a:prstGeom prst="straightConnector1">
+            <a:avLst/>
+          </a:prstGeom>
+          <a:ln>
+            <a:solidFill>
+              <a:schemeClr val="tx1"/>
+            </a:solidFill>
+            <a:tailEnd type="triangle"/>
+          </a:ln>
+        </p:spPr>
+        <p:style>
+          <a:lnRef idx="1">
+            <a:schemeClr val="accent1"/>
+          </a:lnRef>
+          <a:fillRef idx="0">
+            <a:schemeClr val="accent1"/>
+          </a:fillRef>
+          <a:effectRef idx="0">
+            <a:schemeClr val="accent1"/>
+          </a:effectRef>
+          <a:fontRef idx="minor">
+            <a:schemeClr val="tx1"/>
+          </a:fontRef>
+        </p:style>
+      </p:cxnSp>
+      <p:cxnSp>
+        <p:nvCxnSpPr>
+          <p:cNvPr id="162" name="直接箭头连接符 161">
+            <a:extLst>
+              <a:ext uri="{FF2B5EF4-FFF2-40B4-BE49-F238E27FC236}">
+                <a16:creationId xmlns:a16="http://schemas.microsoft.com/office/drawing/2014/main" id="{18A0448F-199D-48BE-AE82-4AEAEC5EF23D}"/>
+              </a:ext>
+            </a:extLst>
+          </p:cNvPr>
+          <p:cNvCxnSpPr>
+            <a:cxnSpLocks/>
+            <a:endCxn id="107" idx="0"/>
+          </p:cNvCxnSpPr>
+          <p:nvPr/>
+        </p:nvCxnSpPr>
+        <p:spPr>
+          <a:xfrm>
+            <a:off x="4747599" y="96183"/>
+            <a:ext cx="0" cy="1110534"/>
+          </a:xfrm>
+          <a:prstGeom prst="straightConnector1">
+            <a:avLst/>
+          </a:prstGeom>
+          <a:ln>
+            <a:solidFill>
+              <a:schemeClr val="tx1"/>
+            </a:solidFill>
+            <a:tailEnd type="triangle"/>
+          </a:ln>
+        </p:spPr>
+        <p:style>
+          <a:lnRef idx="1">
+            <a:schemeClr val="accent1"/>
+          </a:lnRef>
+          <a:fillRef idx="0">
+            <a:schemeClr val="accent1"/>
+          </a:fillRef>
+          <a:effectRef idx="0">
+            <a:schemeClr val="accent1"/>
+          </a:effectRef>
+          <a:fontRef idx="minor">
+            <a:schemeClr val="tx1"/>
+          </a:fontRef>
+        </p:style>
+      </p:cxnSp>
+      <p:sp>
+        <p:nvSpPr>
+          <p:cNvPr id="168" name="文本框 167">
+            <a:extLst>
+              <a:ext uri="{FF2B5EF4-FFF2-40B4-BE49-F238E27FC236}">
+                <a16:creationId xmlns:a16="http://schemas.microsoft.com/office/drawing/2014/main" id="{CFE7994D-8140-4756-8052-9025EEF3992C}"/>
+              </a:ext>
+            </a:extLst>
+          </p:cNvPr>
+          <p:cNvSpPr txBox="1"/>
+          <p:nvPr/>
+        </p:nvSpPr>
+        <p:spPr>
+          <a:xfrm>
+            <a:off x="2975034" y="746524"/>
+            <a:ext cx="1803548" cy="584775"/>
+          </a:xfrm>
+          <a:prstGeom prst="rect">
+            <a:avLst/>
+          </a:prstGeom>
+          <a:noFill/>
+        </p:spPr>
+        <p:txBody>
+          <a:bodyPr wrap="square" rtlCol="0">
+            <a:spAutoFit/>
+          </a:bodyPr>
+          <a:lstStyle/>
+          <a:p>
+            <a:pPr algn="ctr"/>
+            <a:r>
+              <a:rPr lang="zh-CN" altLang="en-US" sz="1600" dirty="0">
+                <a:latin typeface="宋体" panose="02010600030101010101" pitchFamily="2" charset="-122"/>
+                <a:ea typeface="宋体" panose="02010600030101010101" pitchFamily="2" charset="-122"/>
+              </a:rPr>
+              <a:t>期望速度</a:t>
+            </a:r>
+            <a:endParaRPr lang="en-US" altLang="zh-CN" sz="1600" dirty="0">
+              <a:latin typeface="宋体" panose="02010600030101010101" pitchFamily="2" charset="-122"/>
+              <a:ea typeface="宋体" panose="02010600030101010101" pitchFamily="2" charset="-122"/>
+            </a:endParaRPr>
+          </a:p>
+          <a:p>
+            <a:pPr algn="ctr"/>
+            <a:r>
+              <a:rPr lang="zh-CN" altLang="en-US" sz="1600" dirty="0">
+                <a:latin typeface="宋体" panose="02010600030101010101" pitchFamily="2" charset="-122"/>
+                <a:ea typeface="宋体" panose="02010600030101010101" pitchFamily="2" charset="-122"/>
+              </a:rPr>
+              <a:t>（位置环</a:t>
+            </a:r>
+            <a:r>
+              <a:rPr lang="en-US" altLang="zh-CN" sz="1600" dirty="0">
+                <a:latin typeface="宋体" panose="02010600030101010101" pitchFamily="2" charset="-122"/>
+                <a:ea typeface="宋体" panose="02010600030101010101" pitchFamily="2" charset="-122"/>
+              </a:rPr>
+              <a:t>PID</a:t>
+            </a:r>
+            <a:r>
+              <a:rPr lang="zh-CN" altLang="en-US" sz="1600" dirty="0">
+                <a:latin typeface="宋体" panose="02010600030101010101" pitchFamily="2" charset="-122"/>
+                <a:ea typeface="宋体" panose="02010600030101010101" pitchFamily="2" charset="-122"/>
+              </a:rPr>
+              <a:t>输出）</a:t>
+            </a:r>
+          </a:p>
+        </p:txBody>
+      </p:sp>
+      <p:sp>
+        <p:nvSpPr>
+          <p:cNvPr id="62" name="矩形 61">
+            <a:extLst>
+              <a:ext uri="{FF2B5EF4-FFF2-40B4-BE49-F238E27FC236}">
+                <a16:creationId xmlns:a16="http://schemas.microsoft.com/office/drawing/2014/main" id="{EB57C79D-2839-4A74-BD86-445CA0177C73}"/>
+              </a:ext>
+            </a:extLst>
+          </p:cNvPr>
+          <p:cNvSpPr/>
+          <p:nvPr/>
+        </p:nvSpPr>
+        <p:spPr>
+          <a:xfrm>
+            <a:off x="9003873" y="792473"/>
+            <a:ext cx="741907" cy="2931726"/>
+          </a:xfrm>
+          <a:prstGeom prst="rect">
+            <a:avLst/>
+          </a:prstGeom>
+          <a:ln>
+            <a:solidFill>
+              <a:schemeClr val="tx1"/>
+            </a:solidFill>
+          </a:ln>
+        </p:spPr>
+        <p:style>
+          <a:lnRef idx="2">
+            <a:schemeClr val="dk1"/>
+          </a:lnRef>
+          <a:fillRef idx="1">
+            <a:schemeClr val="lt1"/>
+          </a:fillRef>
+          <a:effectRef idx="0">
+            <a:schemeClr val="dk1"/>
+          </a:effectRef>
+          <a:fontRef idx="minor">
+            <a:schemeClr val="dk1"/>
+          </a:fontRef>
+        </p:style>
+        <p:txBody>
+          <a:bodyPr rtlCol="0" anchor="ctr"/>
+          <a:lstStyle/>
+          <a:p>
+            <a:pPr algn="ctr"/>
+            <a:r>
+              <a:rPr lang="zh-CN" altLang="en-US" dirty="0">
+                <a:latin typeface="宋体" panose="02010600030101010101" pitchFamily="2" charset="-122"/>
+                <a:ea typeface="宋体" panose="02010600030101010101" pitchFamily="2" charset="-122"/>
+              </a:rPr>
+              <a:t>电</a:t>
+            </a:r>
+            <a:endParaRPr lang="en-US" altLang="zh-CN" dirty="0">
+              <a:latin typeface="宋体" panose="02010600030101010101" pitchFamily="2" charset="-122"/>
+              <a:ea typeface="宋体" panose="02010600030101010101" pitchFamily="2" charset="-122"/>
+            </a:endParaRPr>
+          </a:p>
+          <a:p>
+            <a:pPr algn="ctr"/>
+            <a:endParaRPr lang="en-US" altLang="zh-CN" dirty="0">
+              <a:latin typeface="宋体" panose="02010600030101010101" pitchFamily="2" charset="-122"/>
+              <a:ea typeface="宋体" panose="02010600030101010101" pitchFamily="2" charset="-122"/>
+            </a:endParaRPr>
+          </a:p>
+          <a:p>
+            <a:pPr algn="ctr"/>
+            <a:r>
+              <a:rPr lang="zh-CN" altLang="en-US" dirty="0">
+                <a:latin typeface="宋体" panose="02010600030101010101" pitchFamily="2" charset="-122"/>
+                <a:ea typeface="宋体" panose="02010600030101010101" pitchFamily="2" charset="-122"/>
+              </a:rPr>
+              <a:t>机</a:t>
+            </a:r>
+          </a:p>
+        </p:txBody>
+      </p:sp>
+      <p:sp>
+        <p:nvSpPr>
+          <p:cNvPr id="67" name="文本框 66">
+            <a:extLst>
+              <a:ext uri="{FF2B5EF4-FFF2-40B4-BE49-F238E27FC236}">
+                <a16:creationId xmlns:a16="http://schemas.microsoft.com/office/drawing/2014/main" id="{A4F27018-73BE-4D00-B8A9-AB2D683F0E0F}"/>
+              </a:ext>
+            </a:extLst>
+          </p:cNvPr>
+          <p:cNvSpPr txBox="1"/>
+          <p:nvPr/>
+        </p:nvSpPr>
+        <p:spPr>
+          <a:xfrm>
+            <a:off x="9213213" y="3763426"/>
+            <a:ext cx="1399026" cy="338554"/>
+          </a:xfrm>
+          <a:prstGeom prst="rect">
+            <a:avLst/>
+          </a:prstGeom>
+          <a:noFill/>
+        </p:spPr>
+        <p:txBody>
+          <a:bodyPr wrap="square" rtlCol="0">
+            <a:spAutoFit/>
+          </a:bodyPr>
+          <a:lstStyle/>
+          <a:p>
+            <a:pPr algn="ctr"/>
+            <a:r>
+              <a:rPr lang="zh-CN" altLang="en-US" sz="1600" dirty="0">
+                <a:latin typeface="宋体" panose="02010600030101010101" pitchFamily="2" charset="-122"/>
+                <a:ea typeface="宋体" panose="02010600030101010101" pitchFamily="2" charset="-122"/>
+              </a:rPr>
+              <a:t>四轴</a:t>
+            </a:r>
+          </a:p>
+        </p:txBody>
+      </p:sp>
+      <p:cxnSp>
+        <p:nvCxnSpPr>
+          <p:cNvPr id="71" name="直接箭头连接符 70">
+            <a:extLst>
+              <a:ext uri="{FF2B5EF4-FFF2-40B4-BE49-F238E27FC236}">
+                <a16:creationId xmlns:a16="http://schemas.microsoft.com/office/drawing/2014/main" id="{E9DA38BB-E609-47D1-8CF4-5C5CEF0F4E07}"/>
+              </a:ext>
+            </a:extLst>
+          </p:cNvPr>
+          <p:cNvCxnSpPr>
+            <a:cxnSpLocks/>
+            <a:stCxn id="20" idx="3"/>
+            <a:endCxn id="62" idx="1"/>
+          </p:cNvCxnSpPr>
+          <p:nvPr/>
+        </p:nvCxnSpPr>
+        <p:spPr>
+          <a:xfrm flipV="1">
+            <a:off x="8599244" y="2258336"/>
+            <a:ext cx="404629" cy="3410"/>
+          </a:xfrm>
+          <a:prstGeom prst="straightConnector1">
+            <a:avLst/>
+          </a:prstGeom>
+          <a:ln>
+            <a:solidFill>
+              <a:schemeClr val="tx1"/>
+            </a:solidFill>
+            <a:tailEnd type="triangle"/>
+          </a:ln>
+        </p:spPr>
+        <p:style>
+          <a:lnRef idx="1">
+            <a:schemeClr val="accent1"/>
+          </a:lnRef>
+          <a:fillRef idx="0">
+            <a:schemeClr val="accent1"/>
+          </a:fillRef>
+          <a:effectRef idx="0">
+            <a:schemeClr val="accent1"/>
+          </a:effectRef>
+          <a:fontRef idx="minor">
+            <a:schemeClr val="tx1"/>
+          </a:fontRef>
+        </p:style>
+      </p:cxnSp>
+      <p:sp>
+        <p:nvSpPr>
+          <p:cNvPr id="77" name="文本框 76">
+            <a:extLst>
+              <a:ext uri="{FF2B5EF4-FFF2-40B4-BE49-F238E27FC236}">
+                <a16:creationId xmlns:a16="http://schemas.microsoft.com/office/drawing/2014/main" id="{EDCB7A43-66E0-48CA-982A-3E5E9D0ED2AC}"/>
+              </a:ext>
+            </a:extLst>
+          </p:cNvPr>
+          <p:cNvSpPr txBox="1"/>
+          <p:nvPr/>
+        </p:nvSpPr>
+        <p:spPr>
+          <a:xfrm>
+            <a:off x="6855973" y="470646"/>
+            <a:ext cx="953481" cy="830997"/>
+          </a:xfrm>
+          <a:prstGeom prst="rect">
+            <a:avLst/>
+          </a:prstGeom>
+          <a:noFill/>
+        </p:spPr>
+        <p:txBody>
+          <a:bodyPr wrap="square" rtlCol="0">
+            <a:spAutoFit/>
+          </a:bodyPr>
+          <a:lstStyle/>
+          <a:p>
+            <a:pPr algn="ctr"/>
+            <a:r>
+              <a:rPr lang="zh-CN" altLang="en-US" sz="1600" dirty="0">
+                <a:latin typeface="宋体" panose="02010600030101010101" pitchFamily="2" charset="-122"/>
+                <a:ea typeface="宋体" panose="02010600030101010101" pitchFamily="2" charset="-122"/>
+              </a:rPr>
+              <a:t>高度方向控制量</a:t>
+            </a:r>
+          </a:p>
+        </p:txBody>
+      </p:sp>
+      <p:sp>
+        <p:nvSpPr>
+          <p:cNvPr id="79" name="文本框 78">
+            <a:extLst>
+              <a:ext uri="{FF2B5EF4-FFF2-40B4-BE49-F238E27FC236}">
+                <a16:creationId xmlns:a16="http://schemas.microsoft.com/office/drawing/2014/main" id="{3B44E7DE-96C3-4FAA-BD5D-97F2E5301B74}"/>
+              </a:ext>
+            </a:extLst>
+          </p:cNvPr>
+          <p:cNvSpPr txBox="1"/>
+          <p:nvPr/>
+        </p:nvSpPr>
+        <p:spPr>
+          <a:xfrm>
+            <a:off x="6905564" y="3178005"/>
+            <a:ext cx="821627" cy="830997"/>
+          </a:xfrm>
+          <a:prstGeom prst="rect">
+            <a:avLst/>
+          </a:prstGeom>
+          <a:noFill/>
+        </p:spPr>
+        <p:txBody>
+          <a:bodyPr wrap="square" rtlCol="0">
+            <a:spAutoFit/>
+          </a:bodyPr>
+          <a:lstStyle/>
+          <a:p>
+            <a:pPr algn="ctr"/>
+            <a:r>
+              <a:rPr lang="zh-CN" altLang="en-US" sz="1600" dirty="0">
+                <a:latin typeface="宋体" panose="02010600030101010101" pitchFamily="2" charset="-122"/>
+                <a:ea typeface="宋体" panose="02010600030101010101" pitchFamily="2" charset="-122"/>
+              </a:rPr>
+              <a:t>水平方向控制量</a:t>
+            </a:r>
+          </a:p>
+        </p:txBody>
+      </p:sp>
+      <p:sp>
+        <p:nvSpPr>
+          <p:cNvPr id="94" name="文本框 93">
+            <a:extLst>
+              <a:ext uri="{FF2B5EF4-FFF2-40B4-BE49-F238E27FC236}">
+                <a16:creationId xmlns:a16="http://schemas.microsoft.com/office/drawing/2014/main" id="{5D1DB17C-4751-44B8-BEFC-DC5D74590AFC}"/>
+              </a:ext>
+            </a:extLst>
+          </p:cNvPr>
+          <p:cNvSpPr txBox="1"/>
+          <p:nvPr/>
+        </p:nvSpPr>
+        <p:spPr>
+          <a:xfrm>
+            <a:off x="8504593" y="2471614"/>
+            <a:ext cx="534619" cy="338554"/>
+          </a:xfrm>
+          <a:prstGeom prst="rect">
+            <a:avLst/>
+          </a:prstGeom>
+          <a:noFill/>
+        </p:spPr>
+        <p:txBody>
+          <a:bodyPr wrap="square" rtlCol="0">
+            <a:spAutoFit/>
+          </a:bodyPr>
+          <a:lstStyle/>
+          <a:p>
+            <a:pPr algn="ctr"/>
+            <a:r>
+              <a:rPr lang="en-US" altLang="zh-CN" sz="1600" dirty="0">
+                <a:latin typeface="宋体" panose="02010600030101010101" pitchFamily="2" charset="-122"/>
+                <a:ea typeface="宋体" panose="02010600030101010101" pitchFamily="2" charset="-122"/>
+              </a:rPr>
+              <a:t>PWM</a:t>
+            </a:r>
+            <a:endParaRPr lang="zh-CN" altLang="en-US" sz="1600" dirty="0">
+              <a:latin typeface="宋体" panose="02010600030101010101" pitchFamily="2" charset="-122"/>
+              <a:ea typeface="宋体" panose="02010600030101010101" pitchFamily="2" charset="-122"/>
+            </a:endParaRPr>
+          </a:p>
+        </p:txBody>
+      </p:sp>
+      <p:cxnSp>
+        <p:nvCxnSpPr>
+          <p:cNvPr id="63" name="直接箭头连接符 62">
+            <a:extLst>
+              <a:ext uri="{FF2B5EF4-FFF2-40B4-BE49-F238E27FC236}">
+                <a16:creationId xmlns:a16="http://schemas.microsoft.com/office/drawing/2014/main" id="{F2D76369-952F-4A76-8A32-4AB27E54104D}"/>
+              </a:ext>
+            </a:extLst>
+          </p:cNvPr>
+          <p:cNvCxnSpPr>
+            <a:cxnSpLocks/>
+            <a:stCxn id="92" idx="3"/>
+          </p:cNvCxnSpPr>
+          <p:nvPr/>
+        </p:nvCxnSpPr>
+        <p:spPr>
+          <a:xfrm>
+            <a:off x="6948227" y="1346083"/>
+            <a:ext cx="750366" cy="0"/>
+          </a:xfrm>
+          <a:prstGeom prst="straightConnector1">
+            <a:avLst/>
+          </a:prstGeom>
+          <a:ln>
+            <a:solidFill>
+              <a:schemeClr val="tx1"/>
+            </a:solidFill>
+            <a:tailEnd type="triangle"/>
+          </a:ln>
+        </p:spPr>
+        <p:style>
+          <a:lnRef idx="1">
+            <a:schemeClr val="accent1"/>
+          </a:lnRef>
+          <a:fillRef idx="0">
+            <a:schemeClr val="accent1"/>
+          </a:fillRef>
+          <a:effectRef idx="0">
+            <a:schemeClr val="accent1"/>
+          </a:effectRef>
+          <a:fontRef idx="minor">
+            <a:schemeClr val="tx1"/>
+          </a:fontRef>
+        </p:style>
+      </p:cxnSp>
+      <p:cxnSp>
+        <p:nvCxnSpPr>
+          <p:cNvPr id="72" name="直接箭头连接符 71">
+            <a:extLst>
+              <a:ext uri="{FF2B5EF4-FFF2-40B4-BE49-F238E27FC236}">
+                <a16:creationId xmlns:a16="http://schemas.microsoft.com/office/drawing/2014/main" id="{E8F3A441-359E-450F-812A-15AD79B3A32C}"/>
+              </a:ext>
+            </a:extLst>
+          </p:cNvPr>
+          <p:cNvCxnSpPr>
+            <a:cxnSpLocks/>
+            <a:stCxn id="17" idx="3"/>
+          </p:cNvCxnSpPr>
+          <p:nvPr/>
+        </p:nvCxnSpPr>
+        <p:spPr>
+          <a:xfrm flipV="1">
+            <a:off x="6948227" y="3167857"/>
+            <a:ext cx="750366" cy="2734"/>
+          </a:xfrm>
+          <a:prstGeom prst="straightConnector1">
+            <a:avLst/>
+          </a:prstGeom>
+          <a:ln>
+            <a:solidFill>
+              <a:schemeClr val="tx1"/>
+            </a:solidFill>
+            <a:tailEnd type="triangle"/>
+          </a:ln>
+        </p:spPr>
+        <p:style>
+          <a:lnRef idx="1">
+            <a:schemeClr val="accent1"/>
+          </a:lnRef>
+          <a:fillRef idx="0">
+            <a:schemeClr val="accent1"/>
+          </a:fillRef>
+          <a:effectRef idx="0">
+            <a:schemeClr val="accent1"/>
+          </a:effectRef>
+          <a:fontRef idx="minor">
+            <a:schemeClr val="tx1"/>
+          </a:fontRef>
+        </p:style>
+      </p:cxnSp>
+      <p:cxnSp>
+        <p:nvCxnSpPr>
+          <p:cNvPr id="95" name="直接箭头连接符 94">
+            <a:extLst>
+              <a:ext uri="{FF2B5EF4-FFF2-40B4-BE49-F238E27FC236}">
+                <a16:creationId xmlns:a16="http://schemas.microsoft.com/office/drawing/2014/main" id="{E4CC1F9F-C7B3-401E-BE80-C37F75DCFED4}"/>
+              </a:ext>
+            </a:extLst>
+          </p:cNvPr>
+          <p:cNvCxnSpPr>
+            <a:cxnSpLocks/>
+            <a:endCxn id="6" idx="4"/>
+          </p:cNvCxnSpPr>
+          <p:nvPr/>
+        </p:nvCxnSpPr>
+        <p:spPr>
+          <a:xfrm flipV="1">
+            <a:off x="4754285" y="3315680"/>
+            <a:ext cx="0" cy="999145"/>
+          </a:xfrm>
+          <a:prstGeom prst="straightConnector1">
+            <a:avLst/>
+          </a:prstGeom>
+          <a:ln>
+            <a:solidFill>
+              <a:schemeClr val="tx1"/>
+            </a:solidFill>
+            <a:tailEnd type="triangle"/>
+          </a:ln>
+        </p:spPr>
+        <p:style>
+          <a:lnRef idx="1">
+            <a:schemeClr val="accent1"/>
+          </a:lnRef>
+          <a:fillRef idx="0">
+            <a:schemeClr val="accent1"/>
+          </a:fillRef>
+          <a:effectRef idx="0">
+            <a:schemeClr val="accent1"/>
+          </a:effectRef>
+          <a:fontRef idx="minor">
+            <a:schemeClr val="tx1"/>
+          </a:fontRef>
+        </p:style>
+      </p:cxnSp>
+      <p:sp>
+        <p:nvSpPr>
+          <p:cNvPr id="104" name="矩形 103">
+            <a:extLst>
+              <a:ext uri="{FF2B5EF4-FFF2-40B4-BE49-F238E27FC236}">
+                <a16:creationId xmlns:a16="http://schemas.microsoft.com/office/drawing/2014/main" id="{D878B5EB-F7F8-4E73-92F6-AEEC870A54B9}"/>
+              </a:ext>
+            </a:extLst>
+          </p:cNvPr>
+          <p:cNvSpPr/>
+          <p:nvPr/>
+        </p:nvSpPr>
+        <p:spPr>
+          <a:xfrm>
+            <a:off x="1648320" y="4563598"/>
+            <a:ext cx="1395272" cy="1107219"/>
+          </a:xfrm>
+          <a:prstGeom prst="rect">
+            <a:avLst/>
+          </a:prstGeom>
+          <a:ln>
+            <a:solidFill>
+              <a:schemeClr val="tx1"/>
+            </a:solidFill>
+          </a:ln>
+        </p:spPr>
+        <p:style>
+          <a:lnRef idx="2">
+            <a:schemeClr val="dk1"/>
+          </a:lnRef>
+          <a:fillRef idx="1">
+            <a:schemeClr val="lt1"/>
+          </a:fillRef>
+          <a:effectRef idx="0">
+            <a:schemeClr val="dk1"/>
+          </a:effectRef>
+          <a:fontRef idx="minor">
+            <a:schemeClr val="dk1"/>
+          </a:fontRef>
+        </p:style>
+        <p:txBody>
+          <a:bodyPr rtlCol="0" anchor="ctr"/>
+          <a:lstStyle/>
+          <a:p>
+            <a:pPr algn="ctr"/>
+            <a:r>
+              <a:rPr lang="zh-CN" altLang="en-US" dirty="0">
+                <a:latin typeface="宋体" panose="02010600030101010101" pitchFamily="2" charset="-122"/>
+                <a:ea typeface="宋体" panose="02010600030101010101" pitchFamily="2" charset="-122"/>
+              </a:rPr>
+              <a:t>角度环</a:t>
+            </a:r>
+            <a:r>
+              <a:rPr lang="en-US" altLang="zh-CN" dirty="0">
+                <a:latin typeface="宋体" panose="02010600030101010101" pitchFamily="2" charset="-122"/>
+                <a:ea typeface="宋体" panose="02010600030101010101" pitchFamily="2" charset="-122"/>
+              </a:rPr>
+              <a:t>PID</a:t>
+            </a:r>
+            <a:r>
+              <a:rPr lang="zh-CN" altLang="en-US" dirty="0">
+                <a:latin typeface="宋体" panose="02010600030101010101" pitchFamily="2" charset="-122"/>
+                <a:ea typeface="宋体" panose="02010600030101010101" pitchFamily="2" charset="-122"/>
+              </a:rPr>
+              <a:t>控制器</a:t>
+            </a:r>
+            <a:endParaRPr lang="en-US" altLang="zh-CN" dirty="0">
+              <a:latin typeface="宋体" panose="02010600030101010101" pitchFamily="2" charset="-122"/>
+              <a:ea typeface="宋体" panose="02010600030101010101" pitchFamily="2" charset="-122"/>
+            </a:endParaRPr>
+          </a:p>
+        </p:txBody>
+      </p:sp>
+      <p:sp>
+        <p:nvSpPr>
+          <p:cNvPr id="105" name="流程图: 汇总连接 104">
+            <a:extLst>
+              <a:ext uri="{FF2B5EF4-FFF2-40B4-BE49-F238E27FC236}">
+                <a16:creationId xmlns:a16="http://schemas.microsoft.com/office/drawing/2014/main" id="{1FA64755-26E4-4976-A026-4B1D8BC0E007}"/>
+              </a:ext>
+            </a:extLst>
+          </p:cNvPr>
+          <p:cNvSpPr/>
+          <p:nvPr/>
+        </p:nvSpPr>
+        <p:spPr>
+          <a:xfrm>
+            <a:off x="4600439" y="4977841"/>
+            <a:ext cx="284456" cy="284456"/>
+          </a:xfrm>
+          <a:prstGeom prst="flowChartSummingJunction">
+            <a:avLst/>
+          </a:prstGeom>
+          <a:ln>
+            <a:solidFill>
+              <a:schemeClr val="tx1"/>
+            </a:solidFill>
+          </a:ln>
+        </p:spPr>
+        <p:style>
+          <a:lnRef idx="2">
+            <a:schemeClr val="dk1"/>
+          </a:lnRef>
+          <a:fillRef idx="1">
+            <a:schemeClr val="lt1"/>
+          </a:fillRef>
+          <a:effectRef idx="0">
+            <a:schemeClr val="dk1"/>
+          </a:effectRef>
+          <a:fontRef idx="minor">
+            <a:schemeClr val="dk1"/>
+          </a:fontRef>
+        </p:style>
+        <p:txBody>
+          <a:bodyPr rot="0" spcFirstLastPara="0" vertOverflow="overflow" horzOverflow="overflow" vert="horz" wrap="square" lIns="91440" tIns="45720" rIns="91440" bIns="45720" numCol="1" spcCol="0" rtlCol="0" fromWordArt="0" anchor="ctr" anchorCtr="0" forceAA="0" compatLnSpc="1">
+            <a:prstTxWarp prst="textNoShape">
+              <a:avLst/>
+            </a:prstTxWarp>
+            <a:noAutofit/>
+          </a:bodyPr>
+          <a:lstStyle/>
+          <a:p>
+            <a:pPr algn="ctr"/>
+            <a:endParaRPr lang="zh-CN" altLang="en-US" dirty="0">
+              <a:solidFill>
+                <a:schemeClr val="dk1"/>
+              </a:solidFill>
+              <a:latin typeface="宋体" panose="02010600030101010101" pitchFamily="2" charset="-122"/>
+              <a:ea typeface="宋体" panose="02010600030101010101" pitchFamily="2" charset="-122"/>
+            </a:endParaRPr>
+          </a:p>
+        </p:txBody>
+      </p:sp>
+      <p:sp>
+        <p:nvSpPr>
+          <p:cNvPr id="106" name="矩形 105">
+            <a:extLst>
+              <a:ext uri="{FF2B5EF4-FFF2-40B4-BE49-F238E27FC236}">
+                <a16:creationId xmlns:a16="http://schemas.microsoft.com/office/drawing/2014/main" id="{D06CB8C4-2FD6-4F8C-B4EB-4ECC8BC995D0}"/>
+              </a:ext>
+            </a:extLst>
+          </p:cNvPr>
+          <p:cNvSpPr/>
+          <p:nvPr/>
+        </p:nvSpPr>
+        <p:spPr>
+          <a:xfrm>
+            <a:off x="5552955" y="4563598"/>
+            <a:ext cx="1395272" cy="1107219"/>
+          </a:xfrm>
+          <a:prstGeom prst="rect">
+            <a:avLst/>
+          </a:prstGeom>
+          <a:ln>
+            <a:solidFill>
+              <a:schemeClr val="tx1"/>
+            </a:solidFill>
+          </a:ln>
+        </p:spPr>
+        <p:style>
+          <a:lnRef idx="2">
+            <a:schemeClr val="dk1"/>
+          </a:lnRef>
+          <a:fillRef idx="1">
+            <a:schemeClr val="lt1"/>
+          </a:fillRef>
+          <a:effectRef idx="0">
+            <a:schemeClr val="dk1"/>
+          </a:effectRef>
+          <a:fontRef idx="minor">
+            <a:schemeClr val="dk1"/>
+          </a:fontRef>
+        </p:style>
+        <p:txBody>
+          <a:bodyPr rtlCol="0" anchor="ctr"/>
+          <a:lstStyle/>
+          <a:p>
+            <a:pPr algn="ctr"/>
+            <a:r>
+              <a:rPr lang="zh-CN" altLang="en-US" dirty="0">
+                <a:latin typeface="宋体" panose="02010600030101010101" pitchFamily="2" charset="-122"/>
+                <a:ea typeface="宋体" panose="02010600030101010101" pitchFamily="2" charset="-122"/>
+              </a:rPr>
+              <a:t>角速度环</a:t>
+            </a:r>
+            <a:r>
+              <a:rPr lang="en-US" altLang="zh-CN" dirty="0">
+                <a:latin typeface="宋体" panose="02010600030101010101" pitchFamily="2" charset="-122"/>
+                <a:ea typeface="宋体" panose="02010600030101010101" pitchFamily="2" charset="-122"/>
+              </a:rPr>
+              <a:t>PID</a:t>
+            </a:r>
+            <a:r>
+              <a:rPr lang="zh-CN" altLang="en-US" dirty="0">
+                <a:latin typeface="宋体" panose="02010600030101010101" pitchFamily="2" charset="-122"/>
+                <a:ea typeface="宋体" panose="02010600030101010101" pitchFamily="2" charset="-122"/>
+              </a:rPr>
+              <a:t>控制器</a:t>
+            </a:r>
+            <a:endParaRPr lang="en-US" altLang="zh-CN" dirty="0">
+              <a:latin typeface="宋体" panose="02010600030101010101" pitchFamily="2" charset="-122"/>
+              <a:ea typeface="宋体" panose="02010600030101010101" pitchFamily="2" charset="-122"/>
+            </a:endParaRPr>
+          </a:p>
+        </p:txBody>
+      </p:sp>
+      <p:cxnSp>
+        <p:nvCxnSpPr>
+          <p:cNvPr id="112" name="直接箭头连接符 111">
+            <a:extLst>
+              <a:ext uri="{FF2B5EF4-FFF2-40B4-BE49-F238E27FC236}">
+                <a16:creationId xmlns:a16="http://schemas.microsoft.com/office/drawing/2014/main" id="{1CA88680-E249-42B1-A2D8-DF0D4F3A0E40}"/>
+              </a:ext>
+            </a:extLst>
+          </p:cNvPr>
+          <p:cNvCxnSpPr>
+            <a:cxnSpLocks/>
+            <a:stCxn id="104" idx="3"/>
+            <a:endCxn id="105" idx="2"/>
+          </p:cNvCxnSpPr>
+          <p:nvPr/>
+        </p:nvCxnSpPr>
+        <p:spPr>
+          <a:xfrm>
+            <a:off x="3043592" y="5117208"/>
+            <a:ext cx="1556847" cy="2861"/>
+          </a:xfrm>
+          <a:prstGeom prst="straightConnector1">
+            <a:avLst/>
+          </a:prstGeom>
+          <a:ln>
+            <a:solidFill>
+              <a:schemeClr val="tx1"/>
+            </a:solidFill>
+            <a:tailEnd type="triangle"/>
+          </a:ln>
+        </p:spPr>
+        <p:style>
+          <a:lnRef idx="1">
+            <a:schemeClr val="accent1"/>
+          </a:lnRef>
+          <a:fillRef idx="0">
+            <a:schemeClr val="accent1"/>
+          </a:fillRef>
+          <a:effectRef idx="0">
+            <a:schemeClr val="accent1"/>
+          </a:effectRef>
+          <a:fontRef idx="minor">
+            <a:schemeClr val="tx1"/>
+          </a:fontRef>
+        </p:style>
+      </p:cxnSp>
+      <p:sp>
+        <p:nvSpPr>
+          <p:cNvPr id="113" name="文本框 112">
+            <a:extLst>
+              <a:ext uri="{FF2B5EF4-FFF2-40B4-BE49-F238E27FC236}">
+                <a16:creationId xmlns:a16="http://schemas.microsoft.com/office/drawing/2014/main" id="{CA9E8321-20FE-44E6-A0BB-394A28640B5A}"/>
+              </a:ext>
+            </a:extLst>
+          </p:cNvPr>
+          <p:cNvSpPr txBox="1"/>
+          <p:nvPr/>
+        </p:nvSpPr>
+        <p:spPr>
+          <a:xfrm>
+            <a:off x="3019295" y="4469602"/>
+            <a:ext cx="1759287" cy="584775"/>
+          </a:xfrm>
+          <a:prstGeom prst="rect">
+            <a:avLst/>
+          </a:prstGeom>
+          <a:noFill/>
+        </p:spPr>
+        <p:txBody>
+          <a:bodyPr wrap="square" rtlCol="0">
+            <a:spAutoFit/>
+          </a:bodyPr>
+          <a:lstStyle/>
+          <a:p>
+            <a:pPr algn="ctr"/>
+            <a:r>
+              <a:rPr lang="zh-CN" altLang="en-US" sz="1600" dirty="0">
+                <a:latin typeface="宋体" panose="02010600030101010101" pitchFamily="2" charset="-122"/>
+                <a:ea typeface="宋体" panose="02010600030101010101" pitchFamily="2" charset="-122"/>
+              </a:rPr>
+              <a:t>期望角速度</a:t>
+            </a:r>
+            <a:endParaRPr lang="en-US" altLang="zh-CN" sz="1600" dirty="0">
+              <a:latin typeface="宋体" panose="02010600030101010101" pitchFamily="2" charset="-122"/>
+              <a:ea typeface="宋体" panose="02010600030101010101" pitchFamily="2" charset="-122"/>
+            </a:endParaRPr>
+          </a:p>
+          <a:p>
+            <a:pPr algn="ctr"/>
+            <a:r>
+              <a:rPr lang="zh-CN" altLang="en-US" sz="1600" dirty="0">
+                <a:latin typeface="宋体" panose="02010600030101010101" pitchFamily="2" charset="-122"/>
+                <a:ea typeface="宋体" panose="02010600030101010101" pitchFamily="2" charset="-122"/>
+              </a:rPr>
+              <a:t>（角度环</a:t>
+            </a:r>
+            <a:r>
+              <a:rPr lang="en-US" altLang="zh-CN" sz="1600" dirty="0">
+                <a:latin typeface="宋体" panose="02010600030101010101" pitchFamily="2" charset="-122"/>
+                <a:ea typeface="宋体" panose="02010600030101010101" pitchFamily="2" charset="-122"/>
+              </a:rPr>
+              <a:t>PID</a:t>
+            </a:r>
+            <a:r>
+              <a:rPr lang="zh-CN" altLang="en-US" sz="1600" dirty="0">
+                <a:latin typeface="宋体" panose="02010600030101010101" pitchFamily="2" charset="-122"/>
+                <a:ea typeface="宋体" panose="02010600030101010101" pitchFamily="2" charset="-122"/>
+              </a:rPr>
+              <a:t>输出）</a:t>
+            </a:r>
+          </a:p>
+        </p:txBody>
+      </p:sp>
+      <p:sp>
+        <p:nvSpPr>
+          <p:cNvPr id="116" name="文本框 115">
+            <a:extLst>
+              <a:ext uri="{FF2B5EF4-FFF2-40B4-BE49-F238E27FC236}">
+                <a16:creationId xmlns:a16="http://schemas.microsoft.com/office/drawing/2014/main" id="{BAD0DF0F-FCFA-4863-9975-182E531E96FE}"/>
+              </a:ext>
+            </a:extLst>
+          </p:cNvPr>
+          <p:cNvSpPr txBox="1"/>
+          <p:nvPr/>
+        </p:nvSpPr>
+        <p:spPr>
+          <a:xfrm>
+            <a:off x="4474176" y="5814220"/>
+            <a:ext cx="2157557" cy="338554"/>
+          </a:xfrm>
+          <a:prstGeom prst="rect">
+            <a:avLst/>
+          </a:prstGeom>
+          <a:noFill/>
+        </p:spPr>
+        <p:txBody>
+          <a:bodyPr wrap="square" rtlCol="0">
+            <a:spAutoFit/>
+          </a:bodyPr>
+          <a:lstStyle/>
+          <a:p>
+            <a:pPr algn="ctr"/>
+            <a:r>
+              <a:rPr lang="zh-CN" altLang="en-US" sz="1600" dirty="0">
+                <a:latin typeface="宋体" panose="02010600030101010101" pitchFamily="2" charset="-122"/>
+                <a:ea typeface="宋体" panose="02010600030101010101" pitchFamily="2" charset="-122"/>
+              </a:rPr>
+              <a:t>反馈</a:t>
+            </a:r>
+            <a:r>
+              <a:rPr lang="en-US" altLang="zh-CN" sz="1600" dirty="0">
+                <a:latin typeface="宋体" panose="02010600030101010101" pitchFamily="2" charset="-122"/>
+                <a:ea typeface="宋体" panose="02010600030101010101" pitchFamily="2" charset="-122"/>
+              </a:rPr>
+              <a:t>Z</a:t>
+            </a:r>
+            <a:r>
+              <a:rPr lang="zh-CN" altLang="en-US" sz="1600" dirty="0">
+                <a:latin typeface="宋体" panose="02010600030101010101" pitchFamily="2" charset="-122"/>
+                <a:ea typeface="宋体" panose="02010600030101010101" pitchFamily="2" charset="-122"/>
+              </a:rPr>
+              <a:t>轴角速度</a:t>
+            </a:r>
+          </a:p>
+        </p:txBody>
+      </p:sp>
+      <p:cxnSp>
+        <p:nvCxnSpPr>
+          <p:cNvPr id="117" name="连接符: 肘形 116">
+            <a:extLst>
+              <a:ext uri="{FF2B5EF4-FFF2-40B4-BE49-F238E27FC236}">
+                <a16:creationId xmlns:a16="http://schemas.microsoft.com/office/drawing/2014/main" id="{211596A2-0453-40BB-A5AD-806C4683AAEA}"/>
+              </a:ext>
+            </a:extLst>
+          </p:cNvPr>
+          <p:cNvCxnSpPr>
+            <a:cxnSpLocks/>
+            <a:stCxn id="21" idx="3"/>
+            <a:endCxn id="118" idx="4"/>
+          </p:cNvCxnSpPr>
+          <p:nvPr/>
+        </p:nvCxnSpPr>
+        <p:spPr>
+          <a:xfrm flipH="1">
+            <a:off x="1188097" y="3067493"/>
+            <a:ext cx="9659085" cy="2194804"/>
+          </a:xfrm>
+          <a:prstGeom prst="bentConnector4">
+            <a:avLst>
+              <a:gd name="adj1" fmla="val -2367"/>
+              <a:gd name="adj2" fmla="val 143646"/>
+            </a:avLst>
+          </a:prstGeom>
+          <a:ln>
+            <a:solidFill>
+              <a:schemeClr val="tx1"/>
+            </a:solidFill>
+            <a:tailEnd type="triangle"/>
+          </a:ln>
+        </p:spPr>
+        <p:style>
+          <a:lnRef idx="1">
+            <a:schemeClr val="accent1"/>
+          </a:lnRef>
+          <a:fillRef idx="0">
+            <a:schemeClr val="accent1"/>
+          </a:fillRef>
+          <a:effectRef idx="0">
+            <a:schemeClr val="accent1"/>
+          </a:effectRef>
+          <a:fontRef idx="minor">
+            <a:schemeClr val="tx1"/>
+          </a:fontRef>
+        </p:style>
+      </p:cxnSp>
+      <p:sp>
+        <p:nvSpPr>
+          <p:cNvPr id="118" name="流程图: 汇总连接 117">
+            <a:extLst>
+              <a:ext uri="{FF2B5EF4-FFF2-40B4-BE49-F238E27FC236}">
+                <a16:creationId xmlns:a16="http://schemas.microsoft.com/office/drawing/2014/main" id="{2251AAFD-2998-494E-B833-C50311D7221C}"/>
+              </a:ext>
+            </a:extLst>
+          </p:cNvPr>
+          <p:cNvSpPr/>
+          <p:nvPr/>
+        </p:nvSpPr>
+        <p:spPr>
+          <a:xfrm>
+            <a:off x="1045869" y="4977841"/>
+            <a:ext cx="284456" cy="284456"/>
+          </a:xfrm>
+          <a:prstGeom prst="flowChartSummingJunction">
+            <a:avLst/>
+          </a:prstGeom>
+          <a:ln>
+            <a:solidFill>
+              <a:schemeClr val="tx1"/>
+            </a:solidFill>
+          </a:ln>
+        </p:spPr>
+        <p:style>
+          <a:lnRef idx="2">
+            <a:schemeClr val="dk1"/>
+          </a:lnRef>
+          <a:fillRef idx="1">
+            <a:schemeClr val="lt1"/>
+          </a:fillRef>
+          <a:effectRef idx="0">
+            <a:schemeClr val="dk1"/>
+          </a:effectRef>
+          <a:fontRef idx="minor">
+            <a:schemeClr val="dk1"/>
+          </a:fontRef>
+        </p:style>
+        <p:txBody>
+          <a:bodyPr rot="0" spcFirstLastPara="0" vertOverflow="overflow" horzOverflow="overflow" vert="horz" wrap="square" lIns="91440" tIns="45720" rIns="91440" bIns="45720" numCol="1" spcCol="0" rtlCol="0" fromWordArt="0" anchor="ctr" anchorCtr="0" forceAA="0" compatLnSpc="1">
+            <a:prstTxWarp prst="textNoShape">
+              <a:avLst/>
+            </a:prstTxWarp>
+            <a:noAutofit/>
+          </a:bodyPr>
+          <a:lstStyle/>
+          <a:p>
+            <a:pPr algn="ctr"/>
+            <a:endParaRPr lang="zh-CN" altLang="en-US" dirty="0">
+              <a:solidFill>
+                <a:schemeClr val="dk1"/>
+              </a:solidFill>
+              <a:latin typeface="宋体" panose="02010600030101010101" pitchFamily="2" charset="-122"/>
+              <a:ea typeface="宋体" panose="02010600030101010101" pitchFamily="2" charset="-122"/>
+            </a:endParaRPr>
+          </a:p>
+        </p:txBody>
+      </p:sp>
+      <p:cxnSp>
+        <p:nvCxnSpPr>
+          <p:cNvPr id="119" name="直接箭头连接符 118">
+            <a:extLst>
+              <a:ext uri="{FF2B5EF4-FFF2-40B4-BE49-F238E27FC236}">
+                <a16:creationId xmlns:a16="http://schemas.microsoft.com/office/drawing/2014/main" id="{6344FC0D-F6FF-44E2-A47B-D0E4EB58E5AA}"/>
+              </a:ext>
+            </a:extLst>
+          </p:cNvPr>
+          <p:cNvCxnSpPr>
+            <a:cxnSpLocks/>
+            <a:stCxn id="118" idx="6"/>
+            <a:endCxn id="104" idx="1"/>
+          </p:cNvCxnSpPr>
+          <p:nvPr/>
+        </p:nvCxnSpPr>
+        <p:spPr>
+          <a:xfrm flipV="1">
+            <a:off x="1330325" y="5117208"/>
+            <a:ext cx="317995" cy="2861"/>
+          </a:xfrm>
+          <a:prstGeom prst="straightConnector1">
+            <a:avLst/>
+          </a:prstGeom>
+          <a:ln>
+            <a:solidFill>
+              <a:schemeClr val="tx1"/>
+            </a:solidFill>
+            <a:tailEnd type="triangle"/>
+          </a:ln>
+        </p:spPr>
+        <p:style>
+          <a:lnRef idx="1">
+            <a:schemeClr val="accent1"/>
+          </a:lnRef>
+          <a:fillRef idx="0">
+            <a:schemeClr val="accent1"/>
+          </a:fillRef>
+          <a:effectRef idx="0">
+            <a:schemeClr val="accent1"/>
+          </a:effectRef>
+          <a:fontRef idx="minor">
+            <a:schemeClr val="tx1"/>
+          </a:fontRef>
+        </p:style>
+      </p:cxnSp>
+      <p:cxnSp>
+        <p:nvCxnSpPr>
+          <p:cNvPr id="120" name="直接箭头连接符 119">
+            <a:extLst>
+              <a:ext uri="{FF2B5EF4-FFF2-40B4-BE49-F238E27FC236}">
+                <a16:creationId xmlns:a16="http://schemas.microsoft.com/office/drawing/2014/main" id="{5385CD2C-12B8-4655-B2D2-487D55A3D448}"/>
+              </a:ext>
+            </a:extLst>
+          </p:cNvPr>
+          <p:cNvCxnSpPr>
+            <a:cxnSpLocks/>
+            <a:stCxn id="105" idx="6"/>
+            <a:endCxn id="106" idx="1"/>
+          </p:cNvCxnSpPr>
+          <p:nvPr/>
+        </p:nvCxnSpPr>
+        <p:spPr>
+          <a:xfrm flipV="1">
+            <a:off x="4884895" y="5117208"/>
+            <a:ext cx="668060" cy="2861"/>
+          </a:xfrm>
+          <a:prstGeom prst="straightConnector1">
+            <a:avLst/>
+          </a:prstGeom>
+          <a:ln>
+            <a:solidFill>
+              <a:schemeClr val="tx1"/>
+            </a:solidFill>
+            <a:tailEnd type="triangle"/>
+          </a:ln>
+        </p:spPr>
+        <p:style>
+          <a:lnRef idx="1">
+            <a:schemeClr val="accent1"/>
+          </a:lnRef>
+          <a:fillRef idx="0">
+            <a:schemeClr val="accent1"/>
+          </a:fillRef>
+          <a:effectRef idx="0">
+            <a:schemeClr val="accent1"/>
+          </a:effectRef>
+          <a:fontRef idx="minor">
+            <a:schemeClr val="tx1"/>
+          </a:fontRef>
+        </p:style>
+      </p:cxnSp>
+      <p:sp>
+        <p:nvSpPr>
+          <p:cNvPr id="121" name="文本框 120">
+            <a:extLst>
+              <a:ext uri="{FF2B5EF4-FFF2-40B4-BE49-F238E27FC236}">
+                <a16:creationId xmlns:a16="http://schemas.microsoft.com/office/drawing/2014/main" id="{1F957929-7C27-433C-ABCC-0EA128537F50}"/>
+              </a:ext>
+            </a:extLst>
+          </p:cNvPr>
+          <p:cNvSpPr txBox="1"/>
+          <p:nvPr/>
+        </p:nvSpPr>
+        <p:spPr>
+          <a:xfrm>
+            <a:off x="1070575" y="5844381"/>
+            <a:ext cx="1973426" cy="338554"/>
+          </a:xfrm>
+          <a:prstGeom prst="rect">
+            <a:avLst/>
+          </a:prstGeom>
+          <a:noFill/>
+        </p:spPr>
+        <p:txBody>
+          <a:bodyPr wrap="square" rtlCol="0">
+            <a:spAutoFit/>
+          </a:bodyPr>
+          <a:lstStyle/>
+          <a:p>
+            <a:pPr algn="ctr"/>
+            <a:r>
+              <a:rPr lang="zh-CN" altLang="en-US" sz="1600" dirty="0">
+                <a:latin typeface="宋体" panose="02010600030101010101" pitchFamily="2" charset="-122"/>
+                <a:ea typeface="宋体" panose="02010600030101010101" pitchFamily="2" charset="-122"/>
+              </a:rPr>
+              <a:t>反馈当前偏航角</a:t>
+            </a:r>
+          </a:p>
+        </p:txBody>
+      </p:sp>
+      <p:cxnSp>
+        <p:nvCxnSpPr>
+          <p:cNvPr id="128" name="直接箭头连接符 127">
+            <a:extLst>
+              <a:ext uri="{FF2B5EF4-FFF2-40B4-BE49-F238E27FC236}">
+                <a16:creationId xmlns:a16="http://schemas.microsoft.com/office/drawing/2014/main" id="{CF39499B-9D4B-4815-BA25-7A13B1701963}"/>
+              </a:ext>
+            </a:extLst>
+          </p:cNvPr>
+          <p:cNvCxnSpPr>
+            <a:cxnSpLocks/>
+            <a:endCxn id="118" idx="2"/>
+          </p:cNvCxnSpPr>
+          <p:nvPr/>
+        </p:nvCxnSpPr>
+        <p:spPr>
+          <a:xfrm>
+            <a:off x="253048" y="5120069"/>
+            <a:ext cx="792821" cy="0"/>
+          </a:xfrm>
+          <a:prstGeom prst="straightConnector1">
+            <a:avLst/>
+          </a:prstGeom>
+          <a:ln>
+            <a:solidFill>
+              <a:schemeClr val="tx1"/>
+            </a:solidFill>
+            <a:tailEnd type="triangle"/>
+          </a:ln>
+        </p:spPr>
+        <p:style>
+          <a:lnRef idx="1">
+            <a:schemeClr val="accent1"/>
+          </a:lnRef>
+          <a:fillRef idx="0">
+            <a:schemeClr val="accent1"/>
+          </a:fillRef>
+          <a:effectRef idx="0">
+            <a:schemeClr val="accent1"/>
+          </a:effectRef>
+          <a:fontRef idx="minor">
+            <a:schemeClr val="tx1"/>
+          </a:fontRef>
+        </p:style>
+      </p:cxnSp>
+      <p:sp>
+        <p:nvSpPr>
+          <p:cNvPr id="131" name="文本框 130">
+            <a:extLst>
+              <a:ext uri="{FF2B5EF4-FFF2-40B4-BE49-F238E27FC236}">
+                <a16:creationId xmlns:a16="http://schemas.microsoft.com/office/drawing/2014/main" id="{A448AD65-8A10-491D-B5D8-D2C45E29F473}"/>
+              </a:ext>
+            </a:extLst>
+          </p:cNvPr>
+          <p:cNvSpPr txBox="1"/>
+          <p:nvPr/>
+        </p:nvSpPr>
+        <p:spPr>
+          <a:xfrm>
+            <a:off x="104554" y="4665182"/>
+            <a:ext cx="1301375" cy="338554"/>
+          </a:xfrm>
+          <a:prstGeom prst="rect">
+            <a:avLst/>
+          </a:prstGeom>
+          <a:noFill/>
+        </p:spPr>
+        <p:txBody>
+          <a:bodyPr wrap="square" rtlCol="0">
+            <a:spAutoFit/>
+          </a:bodyPr>
+          <a:lstStyle/>
+          <a:p>
+            <a:pPr algn="ctr"/>
+            <a:r>
+              <a:rPr lang="zh-CN" altLang="en-US" sz="1600" dirty="0">
+                <a:latin typeface="宋体" panose="02010600030101010101" pitchFamily="2" charset="-122"/>
+                <a:ea typeface="宋体" panose="02010600030101010101" pitchFamily="2" charset="-122"/>
+              </a:rPr>
+              <a:t>期望偏航角</a:t>
+            </a:r>
+          </a:p>
+        </p:txBody>
+      </p:sp>
+      <p:cxnSp>
+        <p:nvCxnSpPr>
+          <p:cNvPr id="132" name="直接箭头连接符 131">
+            <a:extLst>
+              <a:ext uri="{FF2B5EF4-FFF2-40B4-BE49-F238E27FC236}">
+                <a16:creationId xmlns:a16="http://schemas.microsoft.com/office/drawing/2014/main" id="{EBC084D4-566F-4FB0-B66E-D00F3D94DDF6}"/>
+              </a:ext>
+            </a:extLst>
+          </p:cNvPr>
+          <p:cNvCxnSpPr>
+            <a:cxnSpLocks/>
+            <a:endCxn id="105" idx="4"/>
+          </p:cNvCxnSpPr>
+          <p:nvPr/>
+        </p:nvCxnSpPr>
+        <p:spPr>
+          <a:xfrm flipV="1">
+            <a:off x="4742667" y="5262297"/>
+            <a:ext cx="0" cy="963915"/>
+          </a:xfrm>
+          <a:prstGeom prst="straightConnector1">
+            <a:avLst/>
+          </a:prstGeom>
+          <a:ln>
+            <a:solidFill>
+              <a:schemeClr val="tx1"/>
+            </a:solidFill>
+            <a:tailEnd type="triangle"/>
+          </a:ln>
+        </p:spPr>
+        <p:style>
+          <a:lnRef idx="1">
+            <a:schemeClr val="accent1"/>
+          </a:lnRef>
+          <a:fillRef idx="0">
+            <a:schemeClr val="accent1"/>
+          </a:fillRef>
+          <a:effectRef idx="0">
+            <a:schemeClr val="accent1"/>
+          </a:effectRef>
+          <a:fontRef idx="minor">
+            <a:schemeClr val="tx1"/>
+          </a:fontRef>
+        </p:style>
+      </p:cxnSp>
+      <p:sp>
+        <p:nvSpPr>
+          <p:cNvPr id="138" name="文本框 137">
+            <a:extLst>
+              <a:ext uri="{FF2B5EF4-FFF2-40B4-BE49-F238E27FC236}">
+                <a16:creationId xmlns:a16="http://schemas.microsoft.com/office/drawing/2014/main" id="{4D664923-04CC-4DF0-A8DF-09096C0E04D0}"/>
+              </a:ext>
+            </a:extLst>
+          </p:cNvPr>
+          <p:cNvSpPr txBox="1"/>
+          <p:nvPr/>
+        </p:nvSpPr>
+        <p:spPr>
+          <a:xfrm>
+            <a:off x="8148727" y="4577676"/>
+            <a:ext cx="1087984" cy="584775"/>
+          </a:xfrm>
+          <a:prstGeom prst="rect">
+            <a:avLst/>
+          </a:prstGeom>
+          <a:noFill/>
+        </p:spPr>
+        <p:txBody>
+          <a:bodyPr wrap="square" rtlCol="0">
+            <a:spAutoFit/>
+          </a:bodyPr>
+          <a:lstStyle/>
+          <a:p>
+            <a:pPr algn="ctr"/>
+            <a:r>
+              <a:rPr lang="zh-CN" altLang="en-US" sz="1600" dirty="0">
+                <a:latin typeface="宋体" panose="02010600030101010101" pitchFamily="2" charset="-122"/>
+                <a:ea typeface="宋体" panose="02010600030101010101" pitchFamily="2" charset="-122"/>
+              </a:rPr>
+              <a:t>偏航方向</a:t>
+            </a:r>
+            <a:endParaRPr lang="en-US" altLang="zh-CN" sz="1600" dirty="0">
+              <a:latin typeface="宋体" panose="02010600030101010101" pitchFamily="2" charset="-122"/>
+              <a:ea typeface="宋体" panose="02010600030101010101" pitchFamily="2" charset="-122"/>
+            </a:endParaRPr>
+          </a:p>
+          <a:p>
+            <a:pPr algn="ctr"/>
+            <a:r>
+              <a:rPr lang="zh-CN" altLang="en-US" sz="1600" dirty="0">
+                <a:latin typeface="宋体" panose="02010600030101010101" pitchFamily="2" charset="-122"/>
+                <a:ea typeface="宋体" panose="02010600030101010101" pitchFamily="2" charset="-122"/>
+              </a:rPr>
+              <a:t>控制量</a:t>
+            </a:r>
+          </a:p>
+        </p:txBody>
+      </p:sp>
+      <p:sp>
+        <p:nvSpPr>
+          <p:cNvPr id="153" name="任意多边形: 形状 152">
+            <a:extLst>
+              <a:ext uri="{FF2B5EF4-FFF2-40B4-BE49-F238E27FC236}">
+                <a16:creationId xmlns:a16="http://schemas.microsoft.com/office/drawing/2014/main" id="{19B699D8-E195-4186-BE49-341D0EA5870B}"/>
+              </a:ext>
+            </a:extLst>
+          </p:cNvPr>
+          <p:cNvSpPr/>
+          <p:nvPr/>
+        </p:nvSpPr>
+        <p:spPr>
+          <a:xfrm>
+            <a:off x="8148727" y="4260981"/>
+            <a:ext cx="56111" cy="104503"/>
+          </a:xfrm>
+          <a:custGeom>
+            <a:avLst/>
+            <a:gdLst>
+              <a:gd name="connsiteX0" fmla="*/ 0 w 182900"/>
+              <a:gd name="connsiteY0" fmla="*/ 0 h 182880"/>
+              <a:gd name="connsiteX1" fmla="*/ 182880 w 182900"/>
+              <a:gd name="connsiteY1" fmla="*/ 104503 h 182880"/>
+              <a:gd name="connsiteX2" fmla="*/ 13063 w 182900"/>
+              <a:gd name="connsiteY2" fmla="*/ 182880 h 182880"/>
+              <a:gd name="connsiteX3" fmla="*/ 13063 w 182900"/>
+              <a:gd name="connsiteY3" fmla="*/ 182880 h 182880"/>
+            </a:gdLst>
+            <a:ahLst/>
+            <a:cxnLst>
+              <a:cxn ang="0">
+                <a:pos x="connsiteX0" y="connsiteY0"/>
+              </a:cxn>
+              <a:cxn ang="0">
+                <a:pos x="connsiteX1" y="connsiteY1"/>
+              </a:cxn>
+              <a:cxn ang="0">
+                <a:pos x="connsiteX2" y="connsiteY2"/>
+              </a:cxn>
+              <a:cxn ang="0">
+                <a:pos x="connsiteX3" y="connsiteY3"/>
+              </a:cxn>
+            </a:cxnLst>
+            <a:rect l="l" t="t" r="r" b="b"/>
+            <a:pathLst>
+              <a:path w="182900" h="182880">
+                <a:moveTo>
+                  <a:pt x="0" y="0"/>
+                </a:moveTo>
+                <a:cubicBezTo>
+                  <a:pt x="90351" y="37011"/>
+                  <a:pt x="180703" y="74023"/>
+                  <a:pt x="182880" y="104503"/>
+                </a:cubicBezTo>
+                <a:cubicBezTo>
+                  <a:pt x="185057" y="134983"/>
+                  <a:pt x="13063" y="182880"/>
+                  <a:pt x="13063" y="182880"/>
+                </a:cubicBezTo>
+                <a:lnTo>
+                  <a:pt x="13063" y="182880"/>
+                </a:lnTo>
+              </a:path>
+            </a:pathLst>
+          </a:custGeom>
+        </p:spPr>
+        <p:style>
+          <a:lnRef idx="1">
+            <a:schemeClr val="dk1"/>
+          </a:lnRef>
+          <a:fillRef idx="0">
+            <a:schemeClr val="dk1"/>
+          </a:fillRef>
+          <a:effectRef idx="0">
+            <a:schemeClr val="dk1"/>
+          </a:effectRef>
+          <a:fontRef idx="minor">
+            <a:schemeClr val="tx1"/>
+          </a:fontRef>
+        </p:style>
+        <p:txBody>
+          <a:bodyPr rtlCol="0" anchor="ctr"/>
+          <a:lstStyle/>
+          <a:p>
+            <a:pPr algn="ctr"/>
+            <a:endParaRPr lang="zh-CN" altLang="en-US"/>
+          </a:p>
+        </p:txBody>
+      </p:sp>
+      <p:cxnSp>
+        <p:nvCxnSpPr>
+          <p:cNvPr id="155" name="连接符: 肘形 154">
+            <a:extLst>
+              <a:ext uri="{FF2B5EF4-FFF2-40B4-BE49-F238E27FC236}">
+                <a16:creationId xmlns:a16="http://schemas.microsoft.com/office/drawing/2014/main" id="{F2588C46-B2E4-460D-855B-C9A927B47D76}"/>
+              </a:ext>
+            </a:extLst>
+          </p:cNvPr>
+          <p:cNvCxnSpPr>
+            <a:cxnSpLocks/>
+            <a:stCxn id="106" idx="3"/>
+            <a:endCxn id="153" idx="2"/>
+          </p:cNvCxnSpPr>
+          <p:nvPr/>
+        </p:nvCxnSpPr>
+        <p:spPr>
+          <a:xfrm flipV="1">
+            <a:off x="6948227" y="4365484"/>
+            <a:ext cx="1204508" cy="751724"/>
+          </a:xfrm>
+          <a:prstGeom prst="bentConnector3">
+            <a:avLst>
+              <a:gd name="adj1" fmla="val 99581"/>
+            </a:avLst>
+          </a:prstGeom>
+          <a:ln>
+            <a:solidFill>
+              <a:schemeClr val="tx1"/>
+            </a:solidFill>
+          </a:ln>
+        </p:spPr>
+        <p:style>
+          <a:lnRef idx="1">
+            <a:schemeClr val="accent1"/>
+          </a:lnRef>
+          <a:fillRef idx="0">
+            <a:schemeClr val="accent1"/>
+          </a:fillRef>
+          <a:effectRef idx="0">
+            <a:schemeClr val="accent1"/>
+          </a:effectRef>
+          <a:fontRef idx="minor">
+            <a:schemeClr val="tx1"/>
+          </a:fontRef>
+        </p:style>
+      </p:cxnSp>
+      <p:cxnSp>
+        <p:nvCxnSpPr>
+          <p:cNvPr id="160" name="直接箭头连接符 159">
+            <a:extLst>
+              <a:ext uri="{FF2B5EF4-FFF2-40B4-BE49-F238E27FC236}">
+                <a16:creationId xmlns:a16="http://schemas.microsoft.com/office/drawing/2014/main" id="{1D4CA116-DD89-4C46-AD46-76325D1DE1A3}"/>
+              </a:ext>
+            </a:extLst>
+          </p:cNvPr>
+          <p:cNvCxnSpPr>
+            <a:cxnSpLocks/>
+            <a:stCxn id="153" idx="0"/>
+            <a:endCxn id="20" idx="2"/>
+          </p:cNvCxnSpPr>
+          <p:nvPr/>
+        </p:nvCxnSpPr>
+        <p:spPr>
+          <a:xfrm flipV="1">
+            <a:off x="8148727" y="3724199"/>
+            <a:ext cx="192" cy="536782"/>
+          </a:xfrm>
+          <a:prstGeom prst="straightConnector1">
+            <a:avLst/>
+          </a:prstGeom>
+          <a:ln>
+            <a:solidFill>
+              <a:schemeClr val="tx1"/>
+            </a:solidFill>
+            <a:tailEnd type="triangle"/>
+          </a:ln>
+        </p:spPr>
+        <p:style>
+          <a:lnRef idx="1">
+            <a:schemeClr val="accent1"/>
+          </a:lnRef>
+          <a:fillRef idx="0">
+            <a:schemeClr val="accent1"/>
+          </a:fillRef>
+          <a:effectRef idx="0">
+            <a:schemeClr val="accent1"/>
+          </a:effectRef>
+          <a:fontRef idx="minor">
+            <a:schemeClr val="tx1"/>
+          </a:fontRef>
+        </p:style>
+      </p:cxnSp>
+      <p:sp>
+        <p:nvSpPr>
+          <p:cNvPr id="183" name="矩形 182">
+            <a:extLst>
+              <a:ext uri="{FF2B5EF4-FFF2-40B4-BE49-F238E27FC236}">
+                <a16:creationId xmlns:a16="http://schemas.microsoft.com/office/drawing/2014/main" id="{F8F57122-C603-48C2-951A-852D1CAE7034}"/>
+              </a:ext>
+            </a:extLst>
+          </p:cNvPr>
+          <p:cNvSpPr/>
+          <p:nvPr/>
+        </p:nvSpPr>
+        <p:spPr>
+          <a:xfrm>
+            <a:off x="1250321" y="5365395"/>
+            <a:ext cx="249501" cy="233039"/>
+          </a:xfrm>
+          <a:prstGeom prst="rect">
+            <a:avLst/>
+          </a:prstGeom>
+          <a:ln>
+            <a:solidFill>
+              <a:schemeClr val="bg1"/>
+            </a:solidFill>
+          </a:ln>
+        </p:spPr>
+        <p:style>
+          <a:lnRef idx="2">
+            <a:schemeClr val="dk1"/>
+          </a:lnRef>
+          <a:fillRef idx="1">
+            <a:schemeClr val="lt1"/>
+          </a:fillRef>
+          <a:effectRef idx="0">
+            <a:schemeClr val="dk1"/>
+          </a:effectRef>
+          <a:fontRef idx="minor">
+            <a:schemeClr val="dk1"/>
+          </a:fontRef>
+        </p:style>
+        <p:txBody>
+          <a:bodyPr rtlCol="0" anchor="ctr"/>
+          <a:lstStyle/>
+          <a:p>
+            <a:pPr algn="ctr"/>
+            <a:r>
+              <a:rPr lang="en-US" altLang="zh-CN" dirty="0">
+                <a:latin typeface="宋体" panose="02010600030101010101" pitchFamily="2" charset="-122"/>
+                <a:ea typeface="宋体" panose="02010600030101010101" pitchFamily="2" charset="-122"/>
+              </a:rPr>
+              <a:t>-</a:t>
+            </a:r>
+            <a:endParaRPr lang="zh-CN" altLang="en-US" dirty="0">
+              <a:latin typeface="宋体" panose="02010600030101010101" pitchFamily="2" charset="-122"/>
+              <a:ea typeface="宋体" panose="02010600030101010101" pitchFamily="2" charset="-122"/>
+            </a:endParaRPr>
+          </a:p>
+        </p:txBody>
+      </p:sp>
+      <p:sp>
+        <p:nvSpPr>
+          <p:cNvPr id="184" name="矩形 183">
+            <a:extLst>
+              <a:ext uri="{FF2B5EF4-FFF2-40B4-BE49-F238E27FC236}">
+                <a16:creationId xmlns:a16="http://schemas.microsoft.com/office/drawing/2014/main" id="{854E0689-536E-4E1A-9D7E-A4D350297DD0}"/>
+              </a:ext>
+            </a:extLst>
+          </p:cNvPr>
+          <p:cNvSpPr/>
+          <p:nvPr/>
+        </p:nvSpPr>
+        <p:spPr>
+          <a:xfrm>
+            <a:off x="4771762" y="5300466"/>
+            <a:ext cx="249501" cy="233039"/>
+          </a:xfrm>
+          <a:prstGeom prst="rect">
+            <a:avLst/>
+          </a:prstGeom>
+          <a:ln>
+            <a:solidFill>
+              <a:schemeClr val="bg1"/>
+            </a:solidFill>
+          </a:ln>
+        </p:spPr>
+        <p:style>
+          <a:lnRef idx="2">
+            <a:schemeClr val="dk1"/>
+          </a:lnRef>
+          <a:fillRef idx="1">
+            <a:schemeClr val="lt1"/>
+          </a:fillRef>
+          <a:effectRef idx="0">
+            <a:schemeClr val="dk1"/>
+          </a:effectRef>
+          <a:fontRef idx="minor">
+            <a:schemeClr val="dk1"/>
+          </a:fontRef>
+        </p:style>
+        <p:txBody>
+          <a:bodyPr rtlCol="0" anchor="ctr"/>
+          <a:lstStyle/>
+          <a:p>
+            <a:pPr algn="ctr"/>
+            <a:r>
+              <a:rPr lang="en-US" altLang="zh-CN" dirty="0">
+                <a:latin typeface="宋体" panose="02010600030101010101" pitchFamily="2" charset="-122"/>
+                <a:ea typeface="宋体" panose="02010600030101010101" pitchFamily="2" charset="-122"/>
+              </a:rPr>
+              <a:t>-</a:t>
+            </a:r>
+            <a:endParaRPr lang="zh-CN" altLang="en-US" dirty="0">
+              <a:latin typeface="宋体" panose="02010600030101010101" pitchFamily="2" charset="-122"/>
+              <a:ea typeface="宋体" panose="02010600030101010101" pitchFamily="2" charset="-122"/>
+            </a:endParaRPr>
+          </a:p>
+        </p:txBody>
+      </p:sp>
+    </p:spTree>
+    <p:extLst>
+      <p:ext uri="{BB962C8B-B14F-4D97-AF65-F5344CB8AC3E}">
+        <p14:creationId xmlns:p14="http://schemas.microsoft.com/office/powerpoint/2010/main" val="134452381"/>
+      </p:ext>
+    </p:extLst>
+  </p:cSld>
+  <p:clrMapOvr>
+    <a:masterClrMapping/>
+  </p:clrMapOvr>
+</p:sld>
+</file>
+
 <file path=ppt/slides/slide2.xml><?xml version="1.0" encoding="utf-8"?>
 <p:sld xmlns:a="http://schemas.openxmlformats.org/drawingml/2006/main" xmlns:r="http://schemas.openxmlformats.org/officeDocument/2006/relationships" xmlns:p="http://schemas.openxmlformats.org/presentationml/2006/main">
   <p:cSld>
@@ -5317,6 +9049,261 @@
           <a:chExt cx="0" cy="0"/>
         </a:xfrm>
       </p:grpSpPr>
+      <p:pic>
+        <p:nvPicPr>
+          <p:cNvPr id="3" name="图片 2">
+            <a:extLst>
+              <a:ext uri="{FF2B5EF4-FFF2-40B4-BE49-F238E27FC236}">
+                <a16:creationId xmlns:a16="http://schemas.microsoft.com/office/drawing/2014/main" id="{4D497CC2-A01B-48DC-AEBB-00902A24E1E1}"/>
+              </a:ext>
+            </a:extLst>
+          </p:cNvPr>
+          <p:cNvPicPr>
+            <a:picLocks noChangeAspect="1"/>
+          </p:cNvPicPr>
+          <p:nvPr/>
+        </p:nvPicPr>
+        <p:blipFill>
+          <a:blip r:embed="rId2">
+            <a:extLst>
+              <a:ext uri="{28A0092B-C50C-407E-A947-70E740481C1C}">
+                <a14:useLocalDpi xmlns:a14="http://schemas.microsoft.com/office/drawing/2010/main" val="0"/>
+              </a:ext>
+            </a:extLst>
+          </a:blip>
+          <a:stretch>
+            <a:fillRect/>
+          </a:stretch>
+        </p:blipFill>
+        <p:spPr>
+          <a:xfrm>
+            <a:off x="1991080" y="898206"/>
+            <a:ext cx="3934232" cy="3678011"/>
+          </a:xfrm>
+          <a:prstGeom prst="rect">
+            <a:avLst/>
+          </a:prstGeom>
+        </p:spPr>
+      </p:pic>
+      <p:pic>
+        <p:nvPicPr>
+          <p:cNvPr id="5" name="图片 4">
+            <a:extLst>
+              <a:ext uri="{FF2B5EF4-FFF2-40B4-BE49-F238E27FC236}">
+                <a16:creationId xmlns:a16="http://schemas.microsoft.com/office/drawing/2014/main" id="{D3F4D755-F73B-4A23-BF0C-C61DD8AB6376}"/>
+              </a:ext>
+            </a:extLst>
+          </p:cNvPr>
+          <p:cNvPicPr>
+            <a:picLocks noChangeAspect="1"/>
+          </p:cNvPicPr>
+          <p:nvPr/>
+        </p:nvPicPr>
+        <p:blipFill>
+          <a:blip r:embed="rId3">
+            <a:extLst>
+              <a:ext uri="{28A0092B-C50C-407E-A947-70E740481C1C}">
+                <a14:useLocalDpi xmlns:a14="http://schemas.microsoft.com/office/drawing/2010/main" val="0"/>
+              </a:ext>
+            </a:extLst>
+          </a:blip>
+          <a:stretch>
+            <a:fillRect/>
+          </a:stretch>
+        </p:blipFill>
+        <p:spPr>
+          <a:xfrm>
+            <a:off x="5925312" y="898207"/>
+            <a:ext cx="5492496" cy="3678011"/>
+          </a:xfrm>
+          <a:prstGeom prst="rect">
+            <a:avLst/>
+          </a:prstGeom>
+        </p:spPr>
+      </p:pic>
+      <p:cxnSp>
+        <p:nvCxnSpPr>
+          <p:cNvPr id="8" name="直接箭头连接符 7">
+            <a:extLst>
+              <a:ext uri="{FF2B5EF4-FFF2-40B4-BE49-F238E27FC236}">
+                <a16:creationId xmlns:a16="http://schemas.microsoft.com/office/drawing/2014/main" id="{47932960-EDB6-47F8-965D-36DA98C4562C}"/>
+              </a:ext>
+            </a:extLst>
+          </p:cNvPr>
+          <p:cNvCxnSpPr>
+            <a:cxnSpLocks/>
+          </p:cNvCxnSpPr>
+          <p:nvPr/>
+        </p:nvCxnSpPr>
+        <p:spPr>
+          <a:xfrm>
+            <a:off x="11417808" y="1625485"/>
+            <a:ext cx="0" cy="2364887"/>
+          </a:xfrm>
+          <a:prstGeom prst="straightConnector1">
+            <a:avLst/>
+          </a:prstGeom>
+          <a:ln>
+            <a:solidFill>
+              <a:schemeClr val="tx1"/>
+            </a:solidFill>
+            <a:tailEnd type="triangle"/>
+          </a:ln>
+        </p:spPr>
+        <p:style>
+          <a:lnRef idx="1">
+            <a:schemeClr val="accent1"/>
+          </a:lnRef>
+          <a:fillRef idx="0">
+            <a:schemeClr val="accent1"/>
+          </a:fillRef>
+          <a:effectRef idx="0">
+            <a:schemeClr val="accent1"/>
+          </a:effectRef>
+          <a:fontRef idx="minor">
+            <a:schemeClr val="tx1"/>
+          </a:fontRef>
+        </p:style>
+      </p:cxnSp>
+      <p:sp>
+        <p:nvSpPr>
+          <p:cNvPr id="9" name="文本框 8">
+            <a:extLst>
+              <a:ext uri="{FF2B5EF4-FFF2-40B4-BE49-F238E27FC236}">
+                <a16:creationId xmlns:a16="http://schemas.microsoft.com/office/drawing/2014/main" id="{2078F372-20B0-4253-BB03-230BA48DC42C}"/>
+              </a:ext>
+            </a:extLst>
+          </p:cNvPr>
+          <p:cNvSpPr txBox="1"/>
+          <p:nvPr/>
+        </p:nvSpPr>
+        <p:spPr>
+          <a:xfrm>
+            <a:off x="11417808" y="2044205"/>
+            <a:ext cx="517010" cy="1569660"/>
+          </a:xfrm>
+          <a:prstGeom prst="rect">
+            <a:avLst/>
+          </a:prstGeom>
+          <a:noFill/>
+        </p:spPr>
+        <p:txBody>
+          <a:bodyPr wrap="square" rtlCol="0">
+            <a:spAutoFit/>
+          </a:bodyPr>
+          <a:lstStyle/>
+          <a:p>
+            <a:pPr algn="ctr"/>
+            <a:r>
+              <a:rPr lang="zh-CN" altLang="en-US" sz="1600" dirty="0">
+                <a:latin typeface="微软雅黑" panose="020B0503020204020204" pitchFamily="34" charset="-122"/>
+                <a:ea typeface="微软雅黑" panose="020B0503020204020204" pitchFamily="34" charset="-122"/>
+              </a:rPr>
+              <a:t>往</a:t>
+            </a:r>
+            <a:endParaRPr lang="en-US" altLang="zh-CN" sz="1600" dirty="0">
+              <a:latin typeface="微软雅黑" panose="020B0503020204020204" pitchFamily="34" charset="-122"/>
+              <a:ea typeface="微软雅黑" panose="020B0503020204020204" pitchFamily="34" charset="-122"/>
+            </a:endParaRPr>
+          </a:p>
+          <a:p>
+            <a:pPr algn="ctr"/>
+            <a:r>
+              <a:rPr lang="zh-CN" altLang="en-US" sz="1600" dirty="0">
+                <a:latin typeface="微软雅黑" panose="020B0503020204020204" pitchFamily="34" charset="-122"/>
+                <a:ea typeface="微软雅黑" panose="020B0503020204020204" pitchFamily="34" charset="-122"/>
+              </a:rPr>
+              <a:t>下</a:t>
+            </a:r>
+            <a:endParaRPr lang="en-US" altLang="zh-CN" sz="1600" dirty="0">
+              <a:latin typeface="微软雅黑" panose="020B0503020204020204" pitchFamily="34" charset="-122"/>
+              <a:ea typeface="微软雅黑" panose="020B0503020204020204" pitchFamily="34" charset="-122"/>
+            </a:endParaRPr>
+          </a:p>
+          <a:p>
+            <a:pPr algn="ctr"/>
+            <a:r>
+              <a:rPr lang="zh-CN" altLang="en-US" sz="1600" dirty="0">
+                <a:latin typeface="微软雅黑" panose="020B0503020204020204" pitchFamily="34" charset="-122"/>
+                <a:ea typeface="微软雅黑" panose="020B0503020204020204" pitchFamily="34" charset="-122"/>
+              </a:rPr>
+              <a:t>进</a:t>
+            </a:r>
+            <a:endParaRPr lang="en-US" altLang="zh-CN" sz="1600" dirty="0">
+              <a:latin typeface="微软雅黑" panose="020B0503020204020204" pitchFamily="34" charset="-122"/>
+              <a:ea typeface="微软雅黑" panose="020B0503020204020204" pitchFamily="34" charset="-122"/>
+            </a:endParaRPr>
+          </a:p>
+          <a:p>
+            <a:pPr algn="ctr"/>
+            <a:r>
+              <a:rPr lang="zh-CN" altLang="en-US" sz="1600" dirty="0">
+                <a:latin typeface="微软雅黑" panose="020B0503020204020204" pitchFamily="34" charset="-122"/>
+                <a:ea typeface="微软雅黑" panose="020B0503020204020204" pitchFamily="34" charset="-122"/>
+              </a:rPr>
+              <a:t>行</a:t>
+            </a:r>
+            <a:endParaRPr lang="en-US" altLang="zh-CN" sz="1600" dirty="0">
+              <a:latin typeface="微软雅黑" panose="020B0503020204020204" pitchFamily="34" charset="-122"/>
+              <a:ea typeface="微软雅黑" panose="020B0503020204020204" pitchFamily="34" charset="-122"/>
+            </a:endParaRPr>
+          </a:p>
+          <a:p>
+            <a:pPr algn="ctr"/>
+            <a:r>
+              <a:rPr lang="zh-CN" altLang="en-US" sz="1600" dirty="0">
+                <a:latin typeface="微软雅黑" panose="020B0503020204020204" pitchFamily="34" charset="-122"/>
+                <a:ea typeface="微软雅黑" panose="020B0503020204020204" pitchFamily="34" charset="-122"/>
+              </a:rPr>
+              <a:t>细</a:t>
+            </a:r>
+            <a:endParaRPr lang="en-US" altLang="zh-CN" sz="1600" dirty="0">
+              <a:latin typeface="微软雅黑" panose="020B0503020204020204" pitchFamily="34" charset="-122"/>
+              <a:ea typeface="微软雅黑" panose="020B0503020204020204" pitchFamily="34" charset="-122"/>
+            </a:endParaRPr>
+          </a:p>
+          <a:p>
+            <a:pPr algn="ctr"/>
+            <a:r>
+              <a:rPr lang="zh-CN" altLang="en-US" sz="1600" dirty="0">
+                <a:latin typeface="微软雅黑" panose="020B0503020204020204" pitchFamily="34" charset="-122"/>
+                <a:ea typeface="微软雅黑" panose="020B0503020204020204" pitchFamily="34" charset="-122"/>
+              </a:rPr>
+              <a:t>分</a:t>
+            </a:r>
+          </a:p>
+        </p:txBody>
+      </p:sp>
+    </p:spTree>
+    <p:extLst>
+      <p:ext uri="{BB962C8B-B14F-4D97-AF65-F5344CB8AC3E}">
+        <p14:creationId xmlns:p14="http://schemas.microsoft.com/office/powerpoint/2010/main" val="3584241438"/>
+      </p:ext>
+    </p:extLst>
+  </p:cSld>
+  <p:clrMapOvr>
+    <a:masterClrMapping/>
+  </p:clrMapOvr>
+</p:sld>
+</file>
+
+<file path=ppt/slides/slide6.xml><?xml version="1.0" encoding="utf-8"?>
+<p:sld xmlns:a="http://schemas.openxmlformats.org/drawingml/2006/main" xmlns:r="http://schemas.openxmlformats.org/officeDocument/2006/relationships" xmlns:p="http://schemas.openxmlformats.org/presentationml/2006/main">
+  <p:cSld>
+    <p:spTree>
+      <p:nvGrpSpPr>
+        <p:cNvPr id="1" name=""/>
+        <p:cNvGrpSpPr/>
+        <p:nvPr/>
+      </p:nvGrpSpPr>
+      <p:grpSpPr>
+        <a:xfrm>
+          <a:off x="0" y="0"/>
+          <a:ext cx="0" cy="0"/>
+          <a:chOff x="0" y="0"/>
+          <a:chExt cx="0" cy="0"/>
+        </a:xfrm>
+      </p:grpSpPr>
       <p:sp>
         <p:nvSpPr>
           <p:cNvPr id="20" name="矩形 19">
@@ -6269,7 +10256,7 @@
 </p:sld>
 </file>
 
-<file path=ppt/slides/slide6.xml><?xml version="1.0" encoding="utf-8"?>
+<file path=ppt/slides/slide7.xml><?xml version="1.0" encoding="utf-8"?>
 <p:sld xmlns:a="http://schemas.openxmlformats.org/drawingml/2006/main" xmlns:r="http://schemas.openxmlformats.org/officeDocument/2006/relationships" xmlns:p="http://schemas.openxmlformats.org/presentationml/2006/main">
   <p:cSld>
     <p:spTree>
@@ -7975,7 +11962,7 @@
 </p:sld>
 </file>
 
-<file path=ppt/slides/slide7.xml><?xml version="1.0" encoding="utf-8"?>
+<file path=ppt/slides/slide8.xml><?xml version="1.0" encoding="utf-8"?>
 <p:sld xmlns:a="http://schemas.openxmlformats.org/drawingml/2006/main" xmlns:r="http://schemas.openxmlformats.org/officeDocument/2006/relationships" xmlns:p="http://schemas.openxmlformats.org/presentationml/2006/main">
   <p:cSld>
     <p:spTree>
@@ -9613,7 +13600,7 @@
 </p:sld>
 </file>
 
-<file path=ppt/slides/slide8.xml><?xml version="1.0" encoding="utf-8"?>
+<file path=ppt/slides/slide9.xml><?xml version="1.0" encoding="utf-8"?>
 <p:sld xmlns:a="http://schemas.openxmlformats.org/drawingml/2006/main" xmlns:r="http://schemas.openxmlformats.org/officeDocument/2006/relationships" xmlns:p="http://schemas.openxmlformats.org/presentationml/2006/main">
   <p:cSld>
     <p:spTree>
@@ -12686,3736 +16673,6 @@
     <p:extLst>
       <p:ext uri="{BB962C8B-B14F-4D97-AF65-F5344CB8AC3E}">
         <p14:creationId xmlns:p14="http://schemas.microsoft.com/office/powerpoint/2010/main" val="1711545840"/>
-      </p:ext>
-    </p:extLst>
-  </p:cSld>
-  <p:clrMapOvr>
-    <a:masterClrMapping/>
-  </p:clrMapOvr>
-</p:sld>
-</file>
-
-<file path=ppt/slides/slide9.xml><?xml version="1.0" encoding="utf-8"?>
-<p:sld xmlns:a="http://schemas.openxmlformats.org/drawingml/2006/main" xmlns:r="http://schemas.openxmlformats.org/officeDocument/2006/relationships" xmlns:p="http://schemas.openxmlformats.org/presentationml/2006/main">
-  <p:cSld>
-    <p:spTree>
-      <p:nvGrpSpPr>
-        <p:cNvPr id="1" name=""/>
-        <p:cNvGrpSpPr/>
-        <p:nvPr/>
-      </p:nvGrpSpPr>
-      <p:grpSpPr>
-        <a:xfrm>
-          <a:off x="0" y="0"/>
-          <a:ext cx="0" cy="0"/>
-          <a:chOff x="0" y="0"/>
-          <a:chExt cx="0" cy="0"/>
-        </a:xfrm>
-      </p:grpSpPr>
-      <p:sp>
-        <p:nvSpPr>
-          <p:cNvPr id="176" name="矩形 175">
-            <a:extLst>
-              <a:ext uri="{FF2B5EF4-FFF2-40B4-BE49-F238E27FC236}">
-                <a16:creationId xmlns:a16="http://schemas.microsoft.com/office/drawing/2014/main" id="{7D7EA5C9-3857-4EB3-B71E-EB845EB9746C}"/>
-              </a:ext>
-            </a:extLst>
-          </p:cNvPr>
-          <p:cNvSpPr/>
-          <p:nvPr/>
-        </p:nvSpPr>
-        <p:spPr>
-          <a:xfrm>
-            <a:off x="0" y="1"/>
-            <a:ext cx="12087445" cy="6387338"/>
-          </a:xfrm>
-          <a:prstGeom prst="rect">
-            <a:avLst/>
-          </a:prstGeom>
-          <a:solidFill>
-            <a:sysClr val="window" lastClr="FFFFFF"/>
-          </a:solidFill>
-          <a:ln w="12700" cap="flat" cmpd="sng" algn="ctr">
-            <a:noFill/>
-            <a:prstDash val="solid"/>
-            <a:miter lim="800000"/>
-          </a:ln>
-          <a:effectLst/>
-        </p:spPr>
-        <p:txBody>
-          <a:bodyPr rot="0" spcFirstLastPara="0" vertOverflow="overflow" horzOverflow="overflow" vert="horz" wrap="square" lIns="51435" tIns="25718" rIns="51435" bIns="25718" numCol="1" spcCol="0" rtlCol="0" fromWordArt="0" anchor="ctr" anchorCtr="0" forceAA="0" compatLnSpc="1">
-            <a:noAutofit/>
-          </a:bodyPr>
-          <a:lstStyle/>
-          <a:p>
-            <a:pPr marL="0" marR="0" lvl="0" indent="0" algn="ctr" defTabSz="457200" eaLnBrk="1" fontAlgn="auto" latinLnBrk="0" hangingPunct="1">
-              <a:lnSpc>
-                <a:spcPct val="100000"/>
-              </a:lnSpc>
-              <a:spcBef>
-                <a:spcPts val="0"/>
-              </a:spcBef>
-              <a:spcAft>
-                <a:spcPts val="0"/>
-              </a:spcAft>
-              <a:buClrTx/>
-              <a:buSzTx/>
-              <a:buFontTx/>
-              <a:buNone/>
-              <a:defRPr/>
-            </a:pPr>
-            <a:endParaRPr kumimoji="0" lang="zh-CN" altLang="en-US" sz="1100" i="0" u="none" strike="noStrike" kern="0" cap="none" spc="0" normalizeH="0" baseline="0" noProof="0" dirty="0">
-              <a:ln>
-                <a:noFill/>
-              </a:ln>
-              <a:solidFill>
-                <a:prstClr val="black"/>
-              </a:solidFill>
-              <a:effectLst/>
-              <a:uLnTx/>
-              <a:uFillTx/>
-              <a:latin typeface="宋体" panose="02010600030101010101" pitchFamily="2" charset="-122"/>
-              <a:ea typeface="宋体" panose="02010600030101010101" pitchFamily="2" charset="-122"/>
-            </a:endParaRPr>
-          </a:p>
-        </p:txBody>
-      </p:sp>
-      <p:sp>
-        <p:nvSpPr>
-          <p:cNvPr id="4" name="矩形 3">
-            <a:extLst>
-              <a:ext uri="{FF2B5EF4-FFF2-40B4-BE49-F238E27FC236}">
-                <a16:creationId xmlns:a16="http://schemas.microsoft.com/office/drawing/2014/main" id="{87801078-A4E4-40FC-83F9-171F915A4CE9}"/>
-              </a:ext>
-            </a:extLst>
-          </p:cNvPr>
-          <p:cNvSpPr/>
-          <p:nvPr/>
-        </p:nvSpPr>
-        <p:spPr>
-          <a:xfrm>
-            <a:off x="1648320" y="2616981"/>
-            <a:ext cx="1395272" cy="1107219"/>
-          </a:xfrm>
-          <a:prstGeom prst="rect">
-            <a:avLst/>
-          </a:prstGeom>
-          <a:ln>
-            <a:solidFill>
-              <a:schemeClr val="tx1"/>
-            </a:solidFill>
-          </a:ln>
-        </p:spPr>
-        <p:style>
-          <a:lnRef idx="2">
-            <a:schemeClr val="dk1"/>
-          </a:lnRef>
-          <a:fillRef idx="1">
-            <a:schemeClr val="lt1"/>
-          </a:fillRef>
-          <a:effectRef idx="0">
-            <a:schemeClr val="dk1"/>
-          </a:effectRef>
-          <a:fontRef idx="minor">
-            <a:schemeClr val="dk1"/>
-          </a:fontRef>
-        </p:style>
-        <p:txBody>
-          <a:bodyPr rtlCol="0" anchor="ctr"/>
-          <a:lstStyle/>
-          <a:p>
-            <a:pPr algn="ctr"/>
-            <a:r>
-              <a:rPr lang="zh-CN" altLang="en-US" dirty="0">
-                <a:latin typeface="宋体" panose="02010600030101010101" pitchFamily="2" charset="-122"/>
-                <a:ea typeface="宋体" panose="02010600030101010101" pitchFamily="2" charset="-122"/>
-              </a:rPr>
-              <a:t>角度环</a:t>
-            </a:r>
-            <a:r>
-              <a:rPr lang="en-US" altLang="zh-CN" dirty="0">
-                <a:latin typeface="宋体" panose="02010600030101010101" pitchFamily="2" charset="-122"/>
-                <a:ea typeface="宋体" panose="02010600030101010101" pitchFamily="2" charset="-122"/>
-              </a:rPr>
-              <a:t>PID</a:t>
-            </a:r>
-            <a:r>
-              <a:rPr lang="zh-CN" altLang="en-US" dirty="0">
-                <a:latin typeface="宋体" panose="02010600030101010101" pitchFamily="2" charset="-122"/>
-                <a:ea typeface="宋体" panose="02010600030101010101" pitchFamily="2" charset="-122"/>
-              </a:rPr>
-              <a:t>控制器</a:t>
-            </a:r>
-            <a:endParaRPr lang="en-US" altLang="zh-CN" dirty="0">
-              <a:latin typeface="宋体" panose="02010600030101010101" pitchFamily="2" charset="-122"/>
-              <a:ea typeface="宋体" panose="02010600030101010101" pitchFamily="2" charset="-122"/>
-            </a:endParaRPr>
-          </a:p>
-        </p:txBody>
-      </p:sp>
-      <p:sp>
-        <p:nvSpPr>
-          <p:cNvPr id="6" name="流程图: 汇总连接 5">
-            <a:extLst>
-              <a:ext uri="{FF2B5EF4-FFF2-40B4-BE49-F238E27FC236}">
-                <a16:creationId xmlns:a16="http://schemas.microsoft.com/office/drawing/2014/main" id="{EA6D7C68-1D38-4D7A-A31F-6D2EAD933D5A}"/>
-              </a:ext>
-            </a:extLst>
-          </p:cNvPr>
-          <p:cNvSpPr/>
-          <p:nvPr/>
-        </p:nvSpPr>
-        <p:spPr>
-          <a:xfrm>
-            <a:off x="4612057" y="3031224"/>
-            <a:ext cx="284456" cy="284456"/>
-          </a:xfrm>
-          <a:prstGeom prst="flowChartSummingJunction">
-            <a:avLst/>
-          </a:prstGeom>
-          <a:ln>
-            <a:solidFill>
-              <a:schemeClr val="tx1"/>
-            </a:solidFill>
-          </a:ln>
-        </p:spPr>
-        <p:style>
-          <a:lnRef idx="2">
-            <a:schemeClr val="dk1"/>
-          </a:lnRef>
-          <a:fillRef idx="1">
-            <a:schemeClr val="lt1"/>
-          </a:fillRef>
-          <a:effectRef idx="0">
-            <a:schemeClr val="dk1"/>
-          </a:effectRef>
-          <a:fontRef idx="minor">
-            <a:schemeClr val="dk1"/>
-          </a:fontRef>
-        </p:style>
-        <p:txBody>
-          <a:bodyPr rot="0" spcFirstLastPara="0" vertOverflow="overflow" horzOverflow="overflow" vert="horz" wrap="square" lIns="91440" tIns="45720" rIns="91440" bIns="45720" numCol="1" spcCol="0" rtlCol="0" fromWordArt="0" anchor="ctr" anchorCtr="0" forceAA="0" compatLnSpc="1">
-            <a:prstTxWarp prst="textNoShape">
-              <a:avLst/>
-            </a:prstTxWarp>
-            <a:noAutofit/>
-          </a:bodyPr>
-          <a:lstStyle/>
-          <a:p>
-            <a:pPr algn="ctr"/>
-            <a:endParaRPr lang="zh-CN" altLang="en-US" dirty="0">
-              <a:solidFill>
-                <a:schemeClr val="dk1"/>
-              </a:solidFill>
-              <a:latin typeface="宋体" panose="02010600030101010101" pitchFamily="2" charset="-122"/>
-              <a:ea typeface="宋体" panose="02010600030101010101" pitchFamily="2" charset="-122"/>
-            </a:endParaRPr>
-          </a:p>
-        </p:txBody>
-      </p:sp>
-      <p:sp>
-        <p:nvSpPr>
-          <p:cNvPr id="9" name="文本框 8">
-            <a:extLst>
-              <a:ext uri="{FF2B5EF4-FFF2-40B4-BE49-F238E27FC236}">
-                <a16:creationId xmlns:a16="http://schemas.microsoft.com/office/drawing/2014/main" id="{AA0CA2FD-5E20-44FE-AD50-6D928EC5D2B1}"/>
-              </a:ext>
-            </a:extLst>
-          </p:cNvPr>
-          <p:cNvSpPr txBox="1"/>
-          <p:nvPr/>
-        </p:nvSpPr>
-        <p:spPr>
-          <a:xfrm>
-            <a:off x="239263" y="1984533"/>
-            <a:ext cx="2022117" cy="584775"/>
-          </a:xfrm>
-          <a:prstGeom prst="rect">
-            <a:avLst/>
-          </a:prstGeom>
-          <a:noFill/>
-        </p:spPr>
-        <p:txBody>
-          <a:bodyPr wrap="square" rtlCol="0">
-            <a:spAutoFit/>
-          </a:bodyPr>
-          <a:lstStyle/>
-          <a:p>
-            <a:pPr algn="ctr"/>
-            <a:r>
-              <a:rPr lang="zh-CN" altLang="en-US" sz="1600" dirty="0">
-                <a:latin typeface="宋体" panose="02010600030101010101" pitchFamily="2" charset="-122"/>
-                <a:ea typeface="宋体" panose="02010600030101010101" pitchFamily="2" charset="-122"/>
-              </a:rPr>
-              <a:t>期望角度</a:t>
-            </a:r>
-            <a:endParaRPr lang="en-US" altLang="zh-CN" sz="1600" dirty="0">
-              <a:latin typeface="宋体" panose="02010600030101010101" pitchFamily="2" charset="-122"/>
-              <a:ea typeface="宋体" panose="02010600030101010101" pitchFamily="2" charset="-122"/>
-            </a:endParaRPr>
-          </a:p>
-          <a:p>
-            <a:pPr algn="ctr"/>
-            <a:r>
-              <a:rPr lang="zh-CN" altLang="en-US" sz="1600" dirty="0">
-                <a:latin typeface="宋体" panose="02010600030101010101" pitchFamily="2" charset="-122"/>
-                <a:ea typeface="宋体" panose="02010600030101010101" pitchFamily="2" charset="-122"/>
-              </a:rPr>
-              <a:t>（速度环</a:t>
-            </a:r>
-            <a:r>
-              <a:rPr lang="en-US" altLang="zh-CN" sz="1600" dirty="0">
-                <a:latin typeface="宋体" panose="02010600030101010101" pitchFamily="2" charset="-122"/>
-                <a:ea typeface="宋体" panose="02010600030101010101" pitchFamily="2" charset="-122"/>
-              </a:rPr>
-              <a:t>PID</a:t>
-            </a:r>
-            <a:r>
-              <a:rPr lang="zh-CN" altLang="en-US" sz="1600" dirty="0">
-                <a:latin typeface="宋体" panose="02010600030101010101" pitchFamily="2" charset="-122"/>
-                <a:ea typeface="宋体" panose="02010600030101010101" pitchFamily="2" charset="-122"/>
-              </a:rPr>
-              <a:t>输出）</a:t>
-            </a:r>
-          </a:p>
-        </p:txBody>
-      </p:sp>
-      <p:sp>
-        <p:nvSpPr>
-          <p:cNvPr id="17" name="矩形 16">
-            <a:extLst>
-              <a:ext uri="{FF2B5EF4-FFF2-40B4-BE49-F238E27FC236}">
-                <a16:creationId xmlns:a16="http://schemas.microsoft.com/office/drawing/2014/main" id="{44E93BB8-1788-402A-A625-D394DC96A27D}"/>
-              </a:ext>
-            </a:extLst>
-          </p:cNvPr>
-          <p:cNvSpPr/>
-          <p:nvPr/>
-        </p:nvSpPr>
-        <p:spPr>
-          <a:xfrm>
-            <a:off x="5552955" y="2616981"/>
-            <a:ext cx="1395272" cy="1107219"/>
-          </a:xfrm>
-          <a:prstGeom prst="rect">
-            <a:avLst/>
-          </a:prstGeom>
-          <a:ln>
-            <a:solidFill>
-              <a:schemeClr val="tx1"/>
-            </a:solidFill>
-          </a:ln>
-        </p:spPr>
-        <p:style>
-          <a:lnRef idx="2">
-            <a:schemeClr val="dk1"/>
-          </a:lnRef>
-          <a:fillRef idx="1">
-            <a:schemeClr val="lt1"/>
-          </a:fillRef>
-          <a:effectRef idx="0">
-            <a:schemeClr val="dk1"/>
-          </a:effectRef>
-          <a:fontRef idx="minor">
-            <a:schemeClr val="dk1"/>
-          </a:fontRef>
-        </p:style>
-        <p:txBody>
-          <a:bodyPr rtlCol="0" anchor="ctr"/>
-          <a:lstStyle/>
-          <a:p>
-            <a:pPr algn="ctr"/>
-            <a:r>
-              <a:rPr lang="zh-CN" altLang="en-US" dirty="0">
-                <a:latin typeface="宋体" panose="02010600030101010101" pitchFamily="2" charset="-122"/>
-                <a:ea typeface="宋体" panose="02010600030101010101" pitchFamily="2" charset="-122"/>
-              </a:rPr>
-              <a:t>角速度环</a:t>
-            </a:r>
-            <a:r>
-              <a:rPr lang="en-US" altLang="zh-CN" dirty="0">
-                <a:latin typeface="宋体" panose="02010600030101010101" pitchFamily="2" charset="-122"/>
-                <a:ea typeface="宋体" panose="02010600030101010101" pitchFamily="2" charset="-122"/>
-              </a:rPr>
-              <a:t>PID</a:t>
-            </a:r>
-            <a:r>
-              <a:rPr lang="zh-CN" altLang="en-US" dirty="0">
-                <a:latin typeface="宋体" panose="02010600030101010101" pitchFamily="2" charset="-122"/>
-                <a:ea typeface="宋体" panose="02010600030101010101" pitchFamily="2" charset="-122"/>
-              </a:rPr>
-              <a:t>控制器</a:t>
-            </a:r>
-            <a:endParaRPr lang="en-US" altLang="zh-CN" dirty="0">
-              <a:latin typeface="宋体" panose="02010600030101010101" pitchFamily="2" charset="-122"/>
-              <a:ea typeface="宋体" panose="02010600030101010101" pitchFamily="2" charset="-122"/>
-            </a:endParaRPr>
-          </a:p>
-        </p:txBody>
-      </p:sp>
-      <p:sp>
-        <p:nvSpPr>
-          <p:cNvPr id="19" name="矩形: 圆角 4">
-            <a:extLst>
-              <a:ext uri="{FF2B5EF4-FFF2-40B4-BE49-F238E27FC236}">
-                <a16:creationId xmlns:a16="http://schemas.microsoft.com/office/drawing/2014/main" id="{E4F3220C-7841-4AE5-8C88-C44A06273B85}"/>
-              </a:ext>
-            </a:extLst>
-          </p:cNvPr>
-          <p:cNvSpPr/>
-          <p:nvPr/>
-        </p:nvSpPr>
-        <p:spPr>
-          <a:xfrm>
-            <a:off x="8820553" y="703864"/>
-            <a:ext cx="2184346" cy="3449429"/>
-          </a:xfrm>
-          <a:prstGeom prst="roundRect">
-            <a:avLst/>
-          </a:prstGeom>
-          <a:solidFill>
-            <a:schemeClr val="bg1"/>
-          </a:solidFill>
-          <a:ln w="19050">
-            <a:solidFill>
-              <a:schemeClr val="tx1"/>
-            </a:solidFill>
-            <a:prstDash val="dash"/>
-          </a:ln>
-        </p:spPr>
-        <p:style>
-          <a:lnRef idx="2">
-            <a:schemeClr val="accent1">
-              <a:shade val="50000"/>
-            </a:schemeClr>
-          </a:lnRef>
-          <a:fillRef idx="1">
-            <a:schemeClr val="accent1"/>
-          </a:fillRef>
-          <a:effectRef idx="0">
-            <a:schemeClr val="accent1"/>
-          </a:effectRef>
-          <a:fontRef idx="minor">
-            <a:schemeClr val="lt1"/>
-          </a:fontRef>
-        </p:style>
-        <p:txBody>
-          <a:bodyPr vertOverflow="overflow" horzOverflow="overflow" vert="horz" wrap="square" numCol="1" spcCol="0" rtlCol="0" fromWordArt="0" anchor="ctr" anchorCtr="0" forceAA="0" compatLnSpc="1">
-            <a:noAutofit/>
-          </a:bodyPr>
-          <a:lstStyle/>
-          <a:p>
-            <a:pPr lvl="0" algn="ctr"/>
-            <a:endParaRPr lang="zh-CN" altLang="en-US" sz="1600" dirty="0">
-              <a:latin typeface="宋体" panose="02010600030101010101" pitchFamily="2" charset="-122"/>
-              <a:ea typeface="宋体" panose="02010600030101010101" pitchFamily="2" charset="-122"/>
-              <a:sym typeface="+mn-ea"/>
-            </a:endParaRPr>
-          </a:p>
-        </p:txBody>
-      </p:sp>
-      <p:sp>
-        <p:nvSpPr>
-          <p:cNvPr id="20" name="矩形 19">
-            <a:extLst>
-              <a:ext uri="{FF2B5EF4-FFF2-40B4-BE49-F238E27FC236}">
-                <a16:creationId xmlns:a16="http://schemas.microsoft.com/office/drawing/2014/main" id="{CE21E7BB-7ED3-4BEE-8A7D-9232D5D5B618}"/>
-              </a:ext>
-            </a:extLst>
-          </p:cNvPr>
-          <p:cNvSpPr/>
-          <p:nvPr/>
-        </p:nvSpPr>
-        <p:spPr>
-          <a:xfrm>
-            <a:off x="7698593" y="799293"/>
-            <a:ext cx="900651" cy="2924906"/>
-          </a:xfrm>
-          <a:prstGeom prst="rect">
-            <a:avLst/>
-          </a:prstGeom>
-          <a:ln>
-            <a:solidFill>
-              <a:schemeClr val="tx1"/>
-            </a:solidFill>
-          </a:ln>
-        </p:spPr>
-        <p:style>
-          <a:lnRef idx="2">
-            <a:schemeClr val="dk1"/>
-          </a:lnRef>
-          <a:fillRef idx="1">
-            <a:schemeClr val="lt1"/>
-          </a:fillRef>
-          <a:effectRef idx="0">
-            <a:schemeClr val="dk1"/>
-          </a:effectRef>
-          <a:fontRef idx="minor">
-            <a:schemeClr val="dk1"/>
-          </a:fontRef>
-        </p:style>
-        <p:txBody>
-          <a:bodyPr rtlCol="0" anchor="ctr"/>
-          <a:lstStyle/>
-          <a:p>
-            <a:pPr algn="ctr"/>
-            <a:r>
-              <a:rPr lang="zh-CN" altLang="en-US" dirty="0">
-                <a:latin typeface="宋体" panose="02010600030101010101" pitchFamily="2" charset="-122"/>
-                <a:ea typeface="宋体" panose="02010600030101010101" pitchFamily="2" charset="-122"/>
-              </a:rPr>
-              <a:t>控制</a:t>
-            </a:r>
-            <a:endParaRPr lang="en-US" altLang="zh-CN" dirty="0">
-              <a:latin typeface="宋体" panose="02010600030101010101" pitchFamily="2" charset="-122"/>
-              <a:ea typeface="宋体" panose="02010600030101010101" pitchFamily="2" charset="-122"/>
-            </a:endParaRPr>
-          </a:p>
-          <a:p>
-            <a:pPr algn="ctr"/>
-            <a:r>
-              <a:rPr lang="zh-CN" altLang="en-US" dirty="0">
-                <a:latin typeface="宋体" panose="02010600030101010101" pitchFamily="2" charset="-122"/>
-                <a:ea typeface="宋体" panose="02010600030101010101" pitchFamily="2" charset="-122"/>
-              </a:rPr>
-              <a:t>分配器</a:t>
-            </a:r>
-          </a:p>
-        </p:txBody>
-      </p:sp>
-      <p:sp>
-        <p:nvSpPr>
-          <p:cNvPr id="21" name="矩形 20">
-            <a:extLst>
-              <a:ext uri="{FF2B5EF4-FFF2-40B4-BE49-F238E27FC236}">
-                <a16:creationId xmlns:a16="http://schemas.microsoft.com/office/drawing/2014/main" id="{D86B2C2D-3980-4ADC-979A-92A0338698D9}"/>
-              </a:ext>
-            </a:extLst>
-          </p:cNvPr>
-          <p:cNvSpPr/>
-          <p:nvPr/>
-        </p:nvSpPr>
-        <p:spPr>
-          <a:xfrm>
-            <a:off x="10033659" y="2411940"/>
-            <a:ext cx="813523" cy="1311105"/>
-          </a:xfrm>
-          <a:prstGeom prst="rect">
-            <a:avLst/>
-          </a:prstGeom>
-          <a:ln>
-            <a:solidFill>
-              <a:schemeClr val="tx1"/>
-            </a:solidFill>
-          </a:ln>
-        </p:spPr>
-        <p:style>
-          <a:lnRef idx="2">
-            <a:schemeClr val="dk1"/>
-          </a:lnRef>
-          <a:fillRef idx="1">
-            <a:schemeClr val="lt1"/>
-          </a:fillRef>
-          <a:effectRef idx="0">
-            <a:schemeClr val="dk1"/>
-          </a:effectRef>
-          <a:fontRef idx="minor">
-            <a:schemeClr val="dk1"/>
-          </a:fontRef>
-        </p:style>
-        <p:txBody>
-          <a:bodyPr rtlCol="0" anchor="ctr"/>
-          <a:lstStyle/>
-          <a:p>
-            <a:pPr algn="ctr"/>
-            <a:r>
-              <a:rPr lang="zh-CN" altLang="en-US" dirty="0">
-                <a:latin typeface="宋体" panose="02010600030101010101" pitchFamily="2" charset="-122"/>
-                <a:ea typeface="宋体" panose="02010600030101010101" pitchFamily="2" charset="-122"/>
-              </a:rPr>
-              <a:t>姿态解算</a:t>
-            </a:r>
-          </a:p>
-        </p:txBody>
-      </p:sp>
-      <p:cxnSp>
-        <p:nvCxnSpPr>
-          <p:cNvPr id="23" name="直接箭头连接符 22">
-            <a:extLst>
-              <a:ext uri="{FF2B5EF4-FFF2-40B4-BE49-F238E27FC236}">
-                <a16:creationId xmlns:a16="http://schemas.microsoft.com/office/drawing/2014/main" id="{B8A789C6-9F54-4A0A-B343-9E71D4A3C874}"/>
-              </a:ext>
-            </a:extLst>
-          </p:cNvPr>
-          <p:cNvCxnSpPr>
-            <a:cxnSpLocks/>
-            <a:stCxn id="4" idx="3"/>
-            <a:endCxn id="6" idx="2"/>
-          </p:cNvCxnSpPr>
-          <p:nvPr/>
-        </p:nvCxnSpPr>
-        <p:spPr>
-          <a:xfrm>
-            <a:off x="3043592" y="3170591"/>
-            <a:ext cx="1568465" cy="2861"/>
-          </a:xfrm>
-          <a:prstGeom prst="straightConnector1">
-            <a:avLst/>
-          </a:prstGeom>
-          <a:ln>
-            <a:solidFill>
-              <a:schemeClr val="tx1"/>
-            </a:solidFill>
-            <a:tailEnd type="triangle"/>
-          </a:ln>
-        </p:spPr>
-        <p:style>
-          <a:lnRef idx="1">
-            <a:schemeClr val="accent1"/>
-          </a:lnRef>
-          <a:fillRef idx="0">
-            <a:schemeClr val="accent1"/>
-          </a:fillRef>
-          <a:effectRef idx="0">
-            <a:schemeClr val="accent1"/>
-          </a:effectRef>
-          <a:fontRef idx="minor">
-            <a:schemeClr val="tx1"/>
-          </a:fontRef>
-        </p:style>
-      </p:cxnSp>
-      <p:sp>
-        <p:nvSpPr>
-          <p:cNvPr id="27" name="文本框 26">
-            <a:extLst>
-              <a:ext uri="{FF2B5EF4-FFF2-40B4-BE49-F238E27FC236}">
-                <a16:creationId xmlns:a16="http://schemas.microsoft.com/office/drawing/2014/main" id="{F0911E38-FB77-4C31-AEEE-B2AE1EF8C6E4}"/>
-              </a:ext>
-            </a:extLst>
-          </p:cNvPr>
-          <p:cNvSpPr txBox="1"/>
-          <p:nvPr/>
-        </p:nvSpPr>
-        <p:spPr>
-          <a:xfrm>
-            <a:off x="3019295" y="2549284"/>
-            <a:ext cx="1759287" cy="584775"/>
-          </a:xfrm>
-          <a:prstGeom prst="rect">
-            <a:avLst/>
-          </a:prstGeom>
-          <a:noFill/>
-        </p:spPr>
-        <p:txBody>
-          <a:bodyPr wrap="square" rtlCol="0">
-            <a:spAutoFit/>
-          </a:bodyPr>
-          <a:lstStyle/>
-          <a:p>
-            <a:pPr algn="ctr"/>
-            <a:r>
-              <a:rPr lang="zh-CN" altLang="en-US" sz="1600" dirty="0">
-                <a:latin typeface="宋体" panose="02010600030101010101" pitchFamily="2" charset="-122"/>
-                <a:ea typeface="宋体" panose="02010600030101010101" pitchFamily="2" charset="-122"/>
-              </a:rPr>
-              <a:t>期望角速度</a:t>
-            </a:r>
-            <a:endParaRPr lang="en-US" altLang="zh-CN" sz="1600" dirty="0">
-              <a:latin typeface="宋体" panose="02010600030101010101" pitchFamily="2" charset="-122"/>
-              <a:ea typeface="宋体" panose="02010600030101010101" pitchFamily="2" charset="-122"/>
-            </a:endParaRPr>
-          </a:p>
-          <a:p>
-            <a:pPr algn="ctr"/>
-            <a:r>
-              <a:rPr lang="zh-CN" altLang="en-US" sz="1600" dirty="0">
-                <a:latin typeface="宋体" panose="02010600030101010101" pitchFamily="2" charset="-122"/>
-                <a:ea typeface="宋体" panose="02010600030101010101" pitchFamily="2" charset="-122"/>
-              </a:rPr>
-              <a:t>（角度环</a:t>
-            </a:r>
-            <a:r>
-              <a:rPr lang="en-US" altLang="zh-CN" sz="1600" dirty="0">
-                <a:latin typeface="宋体" panose="02010600030101010101" pitchFamily="2" charset="-122"/>
-                <a:ea typeface="宋体" panose="02010600030101010101" pitchFamily="2" charset="-122"/>
-              </a:rPr>
-              <a:t>PID</a:t>
-            </a:r>
-            <a:r>
-              <a:rPr lang="zh-CN" altLang="en-US" sz="1600" dirty="0">
-                <a:latin typeface="宋体" panose="02010600030101010101" pitchFamily="2" charset="-122"/>
-                <a:ea typeface="宋体" panose="02010600030101010101" pitchFamily="2" charset="-122"/>
-              </a:rPr>
-              <a:t>输出）</a:t>
-            </a:r>
-          </a:p>
-        </p:txBody>
-      </p:sp>
-      <p:sp>
-        <p:nvSpPr>
-          <p:cNvPr id="36" name="文本框 35">
-            <a:extLst>
-              <a:ext uri="{FF2B5EF4-FFF2-40B4-BE49-F238E27FC236}">
-                <a16:creationId xmlns:a16="http://schemas.microsoft.com/office/drawing/2014/main" id="{A1CF8DB0-E511-4B4C-BE50-A169F6403B01}"/>
-              </a:ext>
-            </a:extLst>
-          </p:cNvPr>
-          <p:cNvSpPr txBox="1"/>
-          <p:nvPr/>
-        </p:nvSpPr>
-        <p:spPr>
-          <a:xfrm>
-            <a:off x="4532492" y="3925110"/>
-            <a:ext cx="2317153" cy="338554"/>
-          </a:xfrm>
-          <a:prstGeom prst="rect">
-            <a:avLst/>
-          </a:prstGeom>
-          <a:noFill/>
-        </p:spPr>
-        <p:txBody>
-          <a:bodyPr wrap="square" rtlCol="0">
-            <a:spAutoFit/>
-          </a:bodyPr>
-          <a:lstStyle/>
-          <a:p>
-            <a:pPr algn="ctr"/>
-            <a:r>
-              <a:rPr lang="zh-CN" altLang="en-US" sz="1600" dirty="0">
-                <a:latin typeface="宋体" panose="02010600030101010101" pitchFamily="2" charset="-122"/>
-                <a:ea typeface="宋体" panose="02010600030101010101" pitchFamily="2" charset="-122"/>
-              </a:rPr>
-              <a:t>反馈</a:t>
-            </a:r>
-            <a:r>
-              <a:rPr lang="en-US" altLang="zh-CN" sz="1600" dirty="0">
-                <a:latin typeface="宋体" panose="02010600030101010101" pitchFamily="2" charset="-122"/>
-                <a:ea typeface="宋体" panose="02010600030101010101" pitchFamily="2" charset="-122"/>
-              </a:rPr>
-              <a:t>X</a:t>
-            </a:r>
-            <a:r>
-              <a:rPr lang="zh-CN" altLang="en-US" sz="1600" dirty="0">
-                <a:latin typeface="宋体" panose="02010600030101010101" pitchFamily="2" charset="-122"/>
-                <a:ea typeface="宋体" panose="02010600030101010101" pitchFamily="2" charset="-122"/>
-              </a:rPr>
-              <a:t>、</a:t>
-            </a:r>
-            <a:r>
-              <a:rPr lang="en-US" altLang="zh-CN" sz="1600" dirty="0">
-                <a:latin typeface="宋体" panose="02010600030101010101" pitchFamily="2" charset="-122"/>
-                <a:ea typeface="宋体" panose="02010600030101010101" pitchFamily="2" charset="-122"/>
-              </a:rPr>
-              <a:t>Y</a:t>
-            </a:r>
-            <a:r>
-              <a:rPr lang="zh-CN" altLang="en-US" sz="1600" dirty="0">
-                <a:latin typeface="宋体" panose="02010600030101010101" pitchFamily="2" charset="-122"/>
-                <a:ea typeface="宋体" panose="02010600030101010101" pitchFamily="2" charset="-122"/>
-              </a:rPr>
-              <a:t>轴角速度</a:t>
-            </a:r>
-          </a:p>
-        </p:txBody>
-      </p:sp>
-      <p:cxnSp>
-        <p:nvCxnSpPr>
-          <p:cNvPr id="39" name="连接符: 肘形 38">
-            <a:extLst>
-              <a:ext uri="{FF2B5EF4-FFF2-40B4-BE49-F238E27FC236}">
-                <a16:creationId xmlns:a16="http://schemas.microsoft.com/office/drawing/2014/main" id="{0E8CA821-58D3-4082-9B3C-507101D6E835}"/>
-              </a:ext>
-            </a:extLst>
-          </p:cNvPr>
-          <p:cNvCxnSpPr>
-            <a:cxnSpLocks/>
-            <a:stCxn id="21" idx="3"/>
-            <a:endCxn id="43" idx="4"/>
-          </p:cNvCxnSpPr>
-          <p:nvPr/>
-        </p:nvCxnSpPr>
-        <p:spPr>
-          <a:xfrm flipH="1">
-            <a:off x="1188097" y="3067493"/>
-            <a:ext cx="9659085" cy="248187"/>
-          </a:xfrm>
-          <a:prstGeom prst="bentConnector4">
-            <a:avLst>
-              <a:gd name="adj1" fmla="val -2367"/>
-              <a:gd name="adj2" fmla="val 503617"/>
-            </a:avLst>
-          </a:prstGeom>
-          <a:ln>
-            <a:solidFill>
-              <a:schemeClr val="tx1"/>
-            </a:solidFill>
-            <a:tailEnd type="triangle"/>
-          </a:ln>
-        </p:spPr>
-        <p:style>
-          <a:lnRef idx="1">
-            <a:schemeClr val="accent1"/>
-          </a:lnRef>
-          <a:fillRef idx="0">
-            <a:schemeClr val="accent1"/>
-          </a:fillRef>
-          <a:effectRef idx="0">
-            <a:schemeClr val="accent1"/>
-          </a:effectRef>
-          <a:fontRef idx="minor">
-            <a:schemeClr val="tx1"/>
-          </a:fontRef>
-        </p:style>
-      </p:cxnSp>
-      <p:sp>
-        <p:nvSpPr>
-          <p:cNvPr id="43" name="流程图: 汇总连接 42">
-            <a:extLst>
-              <a:ext uri="{FF2B5EF4-FFF2-40B4-BE49-F238E27FC236}">
-                <a16:creationId xmlns:a16="http://schemas.microsoft.com/office/drawing/2014/main" id="{EADB6137-2D53-4F65-8675-8316983DBEC7}"/>
-              </a:ext>
-            </a:extLst>
-          </p:cNvPr>
-          <p:cNvSpPr/>
-          <p:nvPr/>
-        </p:nvSpPr>
-        <p:spPr>
-          <a:xfrm>
-            <a:off x="1045869" y="3031224"/>
-            <a:ext cx="284456" cy="284456"/>
-          </a:xfrm>
-          <a:prstGeom prst="flowChartSummingJunction">
-            <a:avLst/>
-          </a:prstGeom>
-          <a:ln>
-            <a:solidFill>
-              <a:schemeClr val="tx1"/>
-            </a:solidFill>
-          </a:ln>
-        </p:spPr>
-        <p:style>
-          <a:lnRef idx="2">
-            <a:schemeClr val="dk1"/>
-          </a:lnRef>
-          <a:fillRef idx="1">
-            <a:schemeClr val="lt1"/>
-          </a:fillRef>
-          <a:effectRef idx="0">
-            <a:schemeClr val="dk1"/>
-          </a:effectRef>
-          <a:fontRef idx="minor">
-            <a:schemeClr val="dk1"/>
-          </a:fontRef>
-        </p:style>
-        <p:txBody>
-          <a:bodyPr rot="0" spcFirstLastPara="0" vertOverflow="overflow" horzOverflow="overflow" vert="horz" wrap="square" lIns="91440" tIns="45720" rIns="91440" bIns="45720" numCol="1" spcCol="0" rtlCol="0" fromWordArt="0" anchor="ctr" anchorCtr="0" forceAA="0" compatLnSpc="1">
-            <a:prstTxWarp prst="textNoShape">
-              <a:avLst/>
-            </a:prstTxWarp>
-            <a:noAutofit/>
-          </a:bodyPr>
-          <a:lstStyle/>
-          <a:p>
-            <a:pPr algn="ctr"/>
-            <a:endParaRPr lang="zh-CN" altLang="en-US" dirty="0">
-              <a:solidFill>
-                <a:schemeClr val="dk1"/>
-              </a:solidFill>
-              <a:latin typeface="宋体" panose="02010600030101010101" pitchFamily="2" charset="-122"/>
-              <a:ea typeface="宋体" panose="02010600030101010101" pitchFamily="2" charset="-122"/>
-            </a:endParaRPr>
-          </a:p>
-        </p:txBody>
-      </p:sp>
-      <p:cxnSp>
-        <p:nvCxnSpPr>
-          <p:cNvPr id="45" name="直接箭头连接符 44">
-            <a:extLst>
-              <a:ext uri="{FF2B5EF4-FFF2-40B4-BE49-F238E27FC236}">
-                <a16:creationId xmlns:a16="http://schemas.microsoft.com/office/drawing/2014/main" id="{530775E2-F437-4EC2-93F4-87650070E012}"/>
-              </a:ext>
-            </a:extLst>
-          </p:cNvPr>
-          <p:cNvCxnSpPr>
-            <a:cxnSpLocks/>
-            <a:stCxn id="43" idx="6"/>
-            <a:endCxn id="4" idx="1"/>
-          </p:cNvCxnSpPr>
-          <p:nvPr/>
-        </p:nvCxnSpPr>
-        <p:spPr>
-          <a:xfrm flipV="1">
-            <a:off x="1330325" y="3170591"/>
-            <a:ext cx="317995" cy="2861"/>
-          </a:xfrm>
-          <a:prstGeom prst="straightConnector1">
-            <a:avLst/>
-          </a:prstGeom>
-          <a:ln>
-            <a:solidFill>
-              <a:schemeClr val="tx1"/>
-            </a:solidFill>
-            <a:tailEnd type="triangle"/>
-          </a:ln>
-        </p:spPr>
-        <p:style>
-          <a:lnRef idx="1">
-            <a:schemeClr val="accent1"/>
-          </a:lnRef>
-          <a:fillRef idx="0">
-            <a:schemeClr val="accent1"/>
-          </a:fillRef>
-          <a:effectRef idx="0">
-            <a:schemeClr val="accent1"/>
-          </a:effectRef>
-          <a:fontRef idx="minor">
-            <a:schemeClr val="tx1"/>
-          </a:fontRef>
-        </p:style>
-      </p:cxnSp>
-      <p:cxnSp>
-        <p:nvCxnSpPr>
-          <p:cNvPr id="61" name="直接箭头连接符 60">
-            <a:extLst>
-              <a:ext uri="{FF2B5EF4-FFF2-40B4-BE49-F238E27FC236}">
-                <a16:creationId xmlns:a16="http://schemas.microsoft.com/office/drawing/2014/main" id="{25F6066D-A42B-406C-95E3-58BEFC350275}"/>
-              </a:ext>
-            </a:extLst>
-          </p:cNvPr>
-          <p:cNvCxnSpPr>
-            <a:cxnSpLocks/>
-            <a:stCxn id="6" idx="6"/>
-            <a:endCxn id="17" idx="1"/>
-          </p:cNvCxnSpPr>
-          <p:nvPr/>
-        </p:nvCxnSpPr>
-        <p:spPr>
-          <a:xfrm flipV="1">
-            <a:off x="4896513" y="3170591"/>
-            <a:ext cx="656442" cy="2861"/>
-          </a:xfrm>
-          <a:prstGeom prst="straightConnector1">
-            <a:avLst/>
-          </a:prstGeom>
-          <a:ln>
-            <a:solidFill>
-              <a:schemeClr val="tx1"/>
-            </a:solidFill>
-            <a:tailEnd type="triangle"/>
-          </a:ln>
-        </p:spPr>
-        <p:style>
-          <a:lnRef idx="1">
-            <a:schemeClr val="accent1"/>
-          </a:lnRef>
-          <a:fillRef idx="0">
-            <a:schemeClr val="accent1"/>
-          </a:fillRef>
-          <a:effectRef idx="0">
-            <a:schemeClr val="accent1"/>
-          </a:effectRef>
-          <a:fontRef idx="minor">
-            <a:schemeClr val="tx1"/>
-          </a:fontRef>
-        </p:style>
-      </p:cxnSp>
-      <p:sp>
-        <p:nvSpPr>
-          <p:cNvPr id="68" name="文本框 67">
-            <a:extLst>
-              <a:ext uri="{FF2B5EF4-FFF2-40B4-BE49-F238E27FC236}">
-                <a16:creationId xmlns:a16="http://schemas.microsoft.com/office/drawing/2014/main" id="{1D7FEBED-E6C1-4C23-AFF6-D50727832C7F}"/>
-              </a:ext>
-            </a:extLst>
-          </p:cNvPr>
-          <p:cNvSpPr txBox="1"/>
-          <p:nvPr/>
-        </p:nvSpPr>
-        <p:spPr>
-          <a:xfrm>
-            <a:off x="1156427" y="3938009"/>
-            <a:ext cx="2669038" cy="338554"/>
-          </a:xfrm>
-          <a:prstGeom prst="rect">
-            <a:avLst/>
-          </a:prstGeom>
-          <a:noFill/>
-        </p:spPr>
-        <p:txBody>
-          <a:bodyPr wrap="square" rtlCol="0">
-            <a:spAutoFit/>
-          </a:bodyPr>
-          <a:lstStyle/>
-          <a:p>
-            <a:pPr algn="ctr"/>
-            <a:r>
-              <a:rPr lang="zh-CN" altLang="en-US" sz="1600" dirty="0">
-                <a:latin typeface="宋体" panose="02010600030101010101" pitchFamily="2" charset="-122"/>
-                <a:ea typeface="宋体" panose="02010600030101010101" pitchFamily="2" charset="-122"/>
-              </a:rPr>
-              <a:t>反馈当前横滚角、俯仰角</a:t>
-            </a:r>
-          </a:p>
-        </p:txBody>
-      </p:sp>
-      <p:sp>
-        <p:nvSpPr>
-          <p:cNvPr id="69" name="矩形 68">
-            <a:extLst>
-              <a:ext uri="{FF2B5EF4-FFF2-40B4-BE49-F238E27FC236}">
-                <a16:creationId xmlns:a16="http://schemas.microsoft.com/office/drawing/2014/main" id="{2F6CCF93-A0C5-45C2-ACCA-041A547E4A03}"/>
-              </a:ext>
-            </a:extLst>
-          </p:cNvPr>
-          <p:cNvSpPr/>
-          <p:nvPr/>
-        </p:nvSpPr>
-        <p:spPr>
-          <a:xfrm>
-            <a:off x="4879947" y="3343139"/>
-            <a:ext cx="249501" cy="233039"/>
-          </a:xfrm>
-          <a:prstGeom prst="rect">
-            <a:avLst/>
-          </a:prstGeom>
-          <a:ln>
-            <a:solidFill>
-              <a:schemeClr val="bg1"/>
-            </a:solidFill>
-          </a:ln>
-        </p:spPr>
-        <p:style>
-          <a:lnRef idx="2">
-            <a:schemeClr val="dk1"/>
-          </a:lnRef>
-          <a:fillRef idx="1">
-            <a:schemeClr val="lt1"/>
-          </a:fillRef>
-          <a:effectRef idx="0">
-            <a:schemeClr val="dk1"/>
-          </a:effectRef>
-          <a:fontRef idx="minor">
-            <a:schemeClr val="dk1"/>
-          </a:fontRef>
-        </p:style>
-        <p:txBody>
-          <a:bodyPr rtlCol="0" anchor="ctr"/>
-          <a:lstStyle/>
-          <a:p>
-            <a:pPr algn="ctr"/>
-            <a:r>
-              <a:rPr lang="en-US" altLang="zh-CN" dirty="0">
-                <a:latin typeface="宋体" panose="02010600030101010101" pitchFamily="2" charset="-122"/>
-                <a:ea typeface="宋体" panose="02010600030101010101" pitchFamily="2" charset="-122"/>
-              </a:rPr>
-              <a:t>-</a:t>
-            </a:r>
-            <a:endParaRPr lang="zh-CN" altLang="en-US" dirty="0">
-              <a:latin typeface="宋体" panose="02010600030101010101" pitchFamily="2" charset="-122"/>
-              <a:ea typeface="宋体" panose="02010600030101010101" pitchFamily="2" charset="-122"/>
-            </a:endParaRPr>
-          </a:p>
-        </p:txBody>
-      </p:sp>
-      <p:sp>
-        <p:nvSpPr>
-          <p:cNvPr id="70" name="矩形 69">
-            <a:extLst>
-              <a:ext uri="{FF2B5EF4-FFF2-40B4-BE49-F238E27FC236}">
-                <a16:creationId xmlns:a16="http://schemas.microsoft.com/office/drawing/2014/main" id="{9CC73B75-1032-4C0A-B483-24CCF1CF5B64}"/>
-              </a:ext>
-            </a:extLst>
-          </p:cNvPr>
-          <p:cNvSpPr/>
-          <p:nvPr/>
-        </p:nvSpPr>
-        <p:spPr>
-          <a:xfrm>
-            <a:off x="1263025" y="3400805"/>
-            <a:ext cx="249501" cy="233039"/>
-          </a:xfrm>
-          <a:prstGeom prst="rect">
-            <a:avLst/>
-          </a:prstGeom>
-          <a:ln>
-            <a:solidFill>
-              <a:schemeClr val="bg1"/>
-            </a:solidFill>
-          </a:ln>
-        </p:spPr>
-        <p:style>
-          <a:lnRef idx="2">
-            <a:schemeClr val="dk1"/>
-          </a:lnRef>
-          <a:fillRef idx="1">
-            <a:schemeClr val="lt1"/>
-          </a:fillRef>
-          <a:effectRef idx="0">
-            <a:schemeClr val="dk1"/>
-          </a:effectRef>
-          <a:fontRef idx="minor">
-            <a:schemeClr val="dk1"/>
-          </a:fontRef>
-        </p:style>
-        <p:txBody>
-          <a:bodyPr rtlCol="0" anchor="ctr"/>
-          <a:lstStyle/>
-          <a:p>
-            <a:pPr algn="ctr"/>
-            <a:r>
-              <a:rPr lang="en-US" altLang="zh-CN" dirty="0">
-                <a:latin typeface="宋体" panose="02010600030101010101" pitchFamily="2" charset="-122"/>
-                <a:ea typeface="宋体" panose="02010600030101010101" pitchFamily="2" charset="-122"/>
-              </a:rPr>
-              <a:t>-</a:t>
-            </a:r>
-            <a:endParaRPr lang="zh-CN" altLang="en-US" dirty="0">
-              <a:latin typeface="宋体" panose="02010600030101010101" pitchFamily="2" charset="-122"/>
-              <a:ea typeface="宋体" panose="02010600030101010101" pitchFamily="2" charset="-122"/>
-            </a:endParaRPr>
-          </a:p>
-        </p:txBody>
-      </p:sp>
-      <p:cxnSp>
-        <p:nvCxnSpPr>
-          <p:cNvPr id="78" name="直接箭头连接符 77">
-            <a:extLst>
-              <a:ext uri="{FF2B5EF4-FFF2-40B4-BE49-F238E27FC236}">
-                <a16:creationId xmlns:a16="http://schemas.microsoft.com/office/drawing/2014/main" id="{6C2B98DE-7CA9-452E-8C7B-84FDA885B2A4}"/>
-              </a:ext>
-            </a:extLst>
-          </p:cNvPr>
-          <p:cNvCxnSpPr>
-            <a:cxnSpLocks/>
-            <a:stCxn id="21" idx="3"/>
-          </p:cNvCxnSpPr>
-          <p:nvPr/>
-        </p:nvCxnSpPr>
-        <p:spPr>
-          <a:xfrm>
-            <a:off x="10847182" y="3067493"/>
-            <a:ext cx="1000337" cy="0"/>
-          </a:xfrm>
-          <a:prstGeom prst="straightConnector1">
-            <a:avLst/>
-          </a:prstGeom>
-          <a:ln>
-            <a:solidFill>
-              <a:schemeClr val="tx1"/>
-            </a:solidFill>
-            <a:tailEnd type="triangle"/>
-          </a:ln>
-        </p:spPr>
-        <p:style>
-          <a:lnRef idx="1">
-            <a:schemeClr val="accent1"/>
-          </a:lnRef>
-          <a:fillRef idx="0">
-            <a:schemeClr val="accent1"/>
-          </a:fillRef>
-          <a:effectRef idx="0">
-            <a:schemeClr val="accent1"/>
-          </a:effectRef>
-          <a:fontRef idx="minor">
-            <a:schemeClr val="tx1"/>
-          </a:fontRef>
-        </p:style>
-      </p:cxnSp>
-      <p:sp>
-        <p:nvSpPr>
-          <p:cNvPr id="81" name="文本框 80">
-            <a:extLst>
-              <a:ext uri="{FF2B5EF4-FFF2-40B4-BE49-F238E27FC236}">
-                <a16:creationId xmlns:a16="http://schemas.microsoft.com/office/drawing/2014/main" id="{66441C7C-807E-49B5-853D-D9A4DE87FFEE}"/>
-              </a:ext>
-            </a:extLst>
-          </p:cNvPr>
-          <p:cNvSpPr txBox="1"/>
-          <p:nvPr/>
-        </p:nvSpPr>
-        <p:spPr>
-          <a:xfrm>
-            <a:off x="10988074" y="2719800"/>
-            <a:ext cx="1000337" cy="338554"/>
-          </a:xfrm>
-          <a:prstGeom prst="rect">
-            <a:avLst/>
-          </a:prstGeom>
-          <a:noFill/>
-        </p:spPr>
-        <p:txBody>
-          <a:bodyPr wrap="square" rtlCol="0">
-            <a:spAutoFit/>
-          </a:bodyPr>
-          <a:lstStyle/>
-          <a:p>
-            <a:pPr algn="ctr"/>
-            <a:r>
-              <a:rPr lang="zh-CN" altLang="en-US" sz="1600" dirty="0">
-                <a:latin typeface="宋体" panose="02010600030101010101" pitchFamily="2" charset="-122"/>
-                <a:ea typeface="宋体" panose="02010600030101010101" pitchFamily="2" charset="-122"/>
-              </a:rPr>
-              <a:t>姿态输出</a:t>
-            </a:r>
-          </a:p>
-        </p:txBody>
-      </p:sp>
-      <p:sp>
-        <p:nvSpPr>
-          <p:cNvPr id="86" name="矩形 85">
-            <a:extLst>
-              <a:ext uri="{FF2B5EF4-FFF2-40B4-BE49-F238E27FC236}">
-                <a16:creationId xmlns:a16="http://schemas.microsoft.com/office/drawing/2014/main" id="{371F1133-CCE4-4774-8A6B-E916B2684B14}"/>
-              </a:ext>
-            </a:extLst>
-          </p:cNvPr>
-          <p:cNvSpPr/>
-          <p:nvPr/>
-        </p:nvSpPr>
-        <p:spPr>
-          <a:xfrm>
-            <a:off x="1648320" y="799292"/>
-            <a:ext cx="1395272" cy="1107219"/>
-          </a:xfrm>
-          <a:prstGeom prst="rect">
-            <a:avLst/>
-          </a:prstGeom>
-          <a:ln>
-            <a:solidFill>
-              <a:schemeClr val="tx1"/>
-            </a:solidFill>
-          </a:ln>
-        </p:spPr>
-        <p:style>
-          <a:lnRef idx="2">
-            <a:schemeClr val="dk1"/>
-          </a:lnRef>
-          <a:fillRef idx="1">
-            <a:schemeClr val="lt1"/>
-          </a:fillRef>
-          <a:effectRef idx="0">
-            <a:schemeClr val="dk1"/>
-          </a:effectRef>
-          <a:fontRef idx="minor">
-            <a:schemeClr val="dk1"/>
-          </a:fontRef>
-        </p:style>
-        <p:txBody>
-          <a:bodyPr rtlCol="0" anchor="ctr"/>
-          <a:lstStyle/>
-          <a:p>
-            <a:pPr algn="ctr"/>
-            <a:r>
-              <a:rPr lang="zh-CN" altLang="en-US" dirty="0">
-                <a:latin typeface="宋体" panose="02010600030101010101" pitchFamily="2" charset="-122"/>
-                <a:ea typeface="宋体" panose="02010600030101010101" pitchFamily="2" charset="-122"/>
-              </a:rPr>
-              <a:t>位置</a:t>
-            </a:r>
-            <a:r>
-              <a:rPr lang="en-US" altLang="zh-CN" dirty="0">
-                <a:latin typeface="宋体" panose="02010600030101010101" pitchFamily="2" charset="-122"/>
-                <a:ea typeface="宋体" panose="02010600030101010101" pitchFamily="2" charset="-122"/>
-              </a:rPr>
-              <a:t>PID</a:t>
-            </a:r>
-          </a:p>
-          <a:p>
-            <a:pPr algn="ctr"/>
-            <a:r>
-              <a:rPr lang="zh-CN" altLang="en-US" dirty="0">
-                <a:latin typeface="宋体" panose="02010600030101010101" pitchFamily="2" charset="-122"/>
-                <a:ea typeface="宋体" panose="02010600030101010101" pitchFamily="2" charset="-122"/>
-              </a:rPr>
-              <a:t>控制器</a:t>
-            </a:r>
-            <a:endParaRPr lang="en-US" altLang="zh-CN" dirty="0">
-              <a:latin typeface="宋体" panose="02010600030101010101" pitchFamily="2" charset="-122"/>
-              <a:ea typeface="宋体" panose="02010600030101010101" pitchFamily="2" charset="-122"/>
-            </a:endParaRPr>
-          </a:p>
-        </p:txBody>
-      </p:sp>
-      <p:cxnSp>
-        <p:nvCxnSpPr>
-          <p:cNvPr id="87" name="直接箭头连接符 86">
-            <a:extLst>
-              <a:ext uri="{FF2B5EF4-FFF2-40B4-BE49-F238E27FC236}">
-                <a16:creationId xmlns:a16="http://schemas.microsoft.com/office/drawing/2014/main" id="{FAEAF43B-44CE-4431-9B7C-3C1BC786E1A1}"/>
-              </a:ext>
-            </a:extLst>
-          </p:cNvPr>
-          <p:cNvCxnSpPr>
-            <a:cxnSpLocks/>
-            <a:endCxn id="89" idx="2"/>
-          </p:cNvCxnSpPr>
-          <p:nvPr/>
-        </p:nvCxnSpPr>
-        <p:spPr>
-          <a:xfrm>
-            <a:off x="239263" y="1346083"/>
-            <a:ext cx="806606" cy="2862"/>
-          </a:xfrm>
-          <a:prstGeom prst="straightConnector1">
-            <a:avLst/>
-          </a:prstGeom>
-          <a:ln>
-            <a:solidFill>
-              <a:schemeClr val="tx1"/>
-            </a:solidFill>
-            <a:tailEnd type="triangle"/>
-          </a:ln>
-        </p:spPr>
-        <p:style>
-          <a:lnRef idx="1">
-            <a:schemeClr val="accent1"/>
-          </a:lnRef>
-          <a:fillRef idx="0">
-            <a:schemeClr val="accent1"/>
-          </a:fillRef>
-          <a:effectRef idx="0">
-            <a:schemeClr val="accent1"/>
-          </a:effectRef>
-          <a:fontRef idx="minor">
-            <a:schemeClr val="tx1"/>
-          </a:fontRef>
-        </p:style>
-      </p:cxnSp>
-      <p:sp>
-        <p:nvSpPr>
-          <p:cNvPr id="88" name="文本框 87">
-            <a:extLst>
-              <a:ext uri="{FF2B5EF4-FFF2-40B4-BE49-F238E27FC236}">
-                <a16:creationId xmlns:a16="http://schemas.microsoft.com/office/drawing/2014/main" id="{F3E07A47-BDCF-4311-9BAE-6F27EAFB79EA}"/>
-              </a:ext>
-            </a:extLst>
-          </p:cNvPr>
-          <p:cNvSpPr txBox="1"/>
-          <p:nvPr/>
-        </p:nvSpPr>
-        <p:spPr>
-          <a:xfrm>
-            <a:off x="100301" y="912237"/>
-            <a:ext cx="1041059" cy="348721"/>
-          </a:xfrm>
-          <a:prstGeom prst="rect">
-            <a:avLst/>
-          </a:prstGeom>
-          <a:noFill/>
-        </p:spPr>
-        <p:txBody>
-          <a:bodyPr wrap="square" rtlCol="0">
-            <a:spAutoFit/>
-          </a:bodyPr>
-          <a:lstStyle/>
-          <a:p>
-            <a:pPr algn="ctr"/>
-            <a:r>
-              <a:rPr lang="zh-CN" altLang="en-US" sz="1600" dirty="0">
-                <a:latin typeface="宋体" panose="02010600030101010101" pitchFamily="2" charset="-122"/>
-                <a:ea typeface="宋体" panose="02010600030101010101" pitchFamily="2" charset="-122"/>
-              </a:rPr>
-              <a:t>期望位置</a:t>
-            </a:r>
-          </a:p>
-        </p:txBody>
-      </p:sp>
-      <p:sp>
-        <p:nvSpPr>
-          <p:cNvPr id="89" name="流程图: 汇总连接 88">
-            <a:extLst>
-              <a:ext uri="{FF2B5EF4-FFF2-40B4-BE49-F238E27FC236}">
-                <a16:creationId xmlns:a16="http://schemas.microsoft.com/office/drawing/2014/main" id="{8735D49E-F359-4556-8104-3FEAADBD95D0}"/>
-              </a:ext>
-            </a:extLst>
-          </p:cNvPr>
-          <p:cNvSpPr/>
-          <p:nvPr/>
-        </p:nvSpPr>
-        <p:spPr>
-          <a:xfrm>
-            <a:off x="1045869" y="1206717"/>
-            <a:ext cx="284456" cy="284456"/>
-          </a:xfrm>
-          <a:prstGeom prst="flowChartSummingJunction">
-            <a:avLst/>
-          </a:prstGeom>
-          <a:ln>
-            <a:solidFill>
-              <a:schemeClr val="tx1"/>
-            </a:solidFill>
-          </a:ln>
-        </p:spPr>
-        <p:style>
-          <a:lnRef idx="2">
-            <a:schemeClr val="dk1"/>
-          </a:lnRef>
-          <a:fillRef idx="1">
-            <a:schemeClr val="lt1"/>
-          </a:fillRef>
-          <a:effectRef idx="0">
-            <a:schemeClr val="dk1"/>
-          </a:effectRef>
-          <a:fontRef idx="minor">
-            <a:schemeClr val="dk1"/>
-          </a:fontRef>
-        </p:style>
-        <p:txBody>
-          <a:bodyPr rot="0" spcFirstLastPara="0" vertOverflow="overflow" horzOverflow="overflow" vert="horz" wrap="square" lIns="91440" tIns="45720" rIns="91440" bIns="45720" numCol="1" spcCol="0" rtlCol="0" fromWordArt="0" anchor="ctr" anchorCtr="0" forceAA="0" compatLnSpc="1">
-            <a:prstTxWarp prst="textNoShape">
-              <a:avLst/>
-            </a:prstTxWarp>
-            <a:noAutofit/>
-          </a:bodyPr>
-          <a:lstStyle/>
-          <a:p>
-            <a:pPr algn="ctr"/>
-            <a:endParaRPr lang="zh-CN" altLang="en-US" dirty="0">
-              <a:solidFill>
-                <a:schemeClr val="dk1"/>
-              </a:solidFill>
-              <a:latin typeface="宋体" panose="02010600030101010101" pitchFamily="2" charset="-122"/>
-              <a:ea typeface="宋体" panose="02010600030101010101" pitchFamily="2" charset="-122"/>
-            </a:endParaRPr>
-          </a:p>
-        </p:txBody>
-      </p:sp>
-      <p:cxnSp>
-        <p:nvCxnSpPr>
-          <p:cNvPr id="90" name="直接箭头连接符 89">
-            <a:extLst>
-              <a:ext uri="{FF2B5EF4-FFF2-40B4-BE49-F238E27FC236}">
-                <a16:creationId xmlns:a16="http://schemas.microsoft.com/office/drawing/2014/main" id="{AAB4C62A-EE24-48E5-9DFA-506E7CE0FCD3}"/>
-              </a:ext>
-            </a:extLst>
-          </p:cNvPr>
-          <p:cNvCxnSpPr>
-            <a:cxnSpLocks/>
-            <a:stCxn id="89" idx="6"/>
-            <a:endCxn id="86" idx="1"/>
-          </p:cNvCxnSpPr>
-          <p:nvPr/>
-        </p:nvCxnSpPr>
-        <p:spPr>
-          <a:xfrm>
-            <a:off x="1330325" y="1348945"/>
-            <a:ext cx="317995" cy="3957"/>
-          </a:xfrm>
-          <a:prstGeom prst="straightConnector1">
-            <a:avLst/>
-          </a:prstGeom>
-          <a:ln>
-            <a:solidFill>
-              <a:schemeClr val="tx1"/>
-            </a:solidFill>
-            <a:tailEnd type="triangle"/>
-          </a:ln>
-        </p:spPr>
-        <p:style>
-          <a:lnRef idx="1">
-            <a:schemeClr val="accent1"/>
-          </a:lnRef>
-          <a:fillRef idx="0">
-            <a:schemeClr val="accent1"/>
-          </a:fillRef>
-          <a:effectRef idx="0">
-            <a:schemeClr val="accent1"/>
-          </a:effectRef>
-          <a:fontRef idx="minor">
-            <a:schemeClr val="tx1"/>
-          </a:fontRef>
-        </p:style>
-      </p:cxnSp>
-      <p:sp>
-        <p:nvSpPr>
-          <p:cNvPr id="91" name="矩形 90">
-            <a:extLst>
-              <a:ext uri="{FF2B5EF4-FFF2-40B4-BE49-F238E27FC236}">
-                <a16:creationId xmlns:a16="http://schemas.microsoft.com/office/drawing/2014/main" id="{87F27BAA-510A-4664-AB71-DA2F091546E6}"/>
-              </a:ext>
-            </a:extLst>
-          </p:cNvPr>
-          <p:cNvSpPr/>
-          <p:nvPr/>
-        </p:nvSpPr>
-        <p:spPr>
-          <a:xfrm>
-            <a:off x="1156428" y="895743"/>
-            <a:ext cx="249501" cy="233039"/>
-          </a:xfrm>
-          <a:prstGeom prst="rect">
-            <a:avLst/>
-          </a:prstGeom>
-          <a:ln>
-            <a:solidFill>
-              <a:schemeClr val="bg1"/>
-            </a:solidFill>
-          </a:ln>
-        </p:spPr>
-        <p:style>
-          <a:lnRef idx="2">
-            <a:schemeClr val="dk1"/>
-          </a:lnRef>
-          <a:fillRef idx="1">
-            <a:schemeClr val="lt1"/>
-          </a:fillRef>
-          <a:effectRef idx="0">
-            <a:schemeClr val="dk1"/>
-          </a:effectRef>
-          <a:fontRef idx="minor">
-            <a:schemeClr val="dk1"/>
-          </a:fontRef>
-        </p:style>
-        <p:txBody>
-          <a:bodyPr rtlCol="0" anchor="ctr"/>
-          <a:lstStyle/>
-          <a:p>
-            <a:pPr algn="ctr"/>
-            <a:r>
-              <a:rPr lang="en-US" altLang="zh-CN" dirty="0">
-                <a:latin typeface="宋体" panose="02010600030101010101" pitchFamily="2" charset="-122"/>
-                <a:ea typeface="宋体" panose="02010600030101010101" pitchFamily="2" charset="-122"/>
-              </a:rPr>
-              <a:t>-</a:t>
-            </a:r>
-            <a:endParaRPr lang="zh-CN" altLang="en-US" dirty="0">
-              <a:latin typeface="宋体" panose="02010600030101010101" pitchFamily="2" charset="-122"/>
-              <a:ea typeface="宋体" panose="02010600030101010101" pitchFamily="2" charset="-122"/>
-            </a:endParaRPr>
-          </a:p>
-        </p:txBody>
-      </p:sp>
-      <p:sp>
-        <p:nvSpPr>
-          <p:cNvPr id="92" name="矩形 91">
-            <a:extLst>
-              <a:ext uri="{FF2B5EF4-FFF2-40B4-BE49-F238E27FC236}">
-                <a16:creationId xmlns:a16="http://schemas.microsoft.com/office/drawing/2014/main" id="{F4C5812D-54B9-49C7-BD2D-FC66E5CFC63E}"/>
-              </a:ext>
-            </a:extLst>
-          </p:cNvPr>
-          <p:cNvSpPr/>
-          <p:nvPr/>
-        </p:nvSpPr>
-        <p:spPr>
-          <a:xfrm>
-            <a:off x="5552955" y="792473"/>
-            <a:ext cx="1395272" cy="1107219"/>
-          </a:xfrm>
-          <a:prstGeom prst="rect">
-            <a:avLst/>
-          </a:prstGeom>
-          <a:ln>
-            <a:solidFill>
-              <a:schemeClr val="tx1"/>
-            </a:solidFill>
-          </a:ln>
-        </p:spPr>
-        <p:style>
-          <a:lnRef idx="2">
-            <a:schemeClr val="dk1"/>
-          </a:lnRef>
-          <a:fillRef idx="1">
-            <a:schemeClr val="lt1"/>
-          </a:fillRef>
-          <a:effectRef idx="0">
-            <a:schemeClr val="dk1"/>
-          </a:effectRef>
-          <a:fontRef idx="minor">
-            <a:schemeClr val="dk1"/>
-          </a:fontRef>
-        </p:style>
-        <p:txBody>
-          <a:bodyPr rtlCol="0" anchor="ctr"/>
-          <a:lstStyle/>
-          <a:p>
-            <a:pPr algn="ctr"/>
-            <a:r>
-              <a:rPr lang="zh-CN" altLang="en-US" dirty="0">
-                <a:latin typeface="宋体" panose="02010600030101010101" pitchFamily="2" charset="-122"/>
-                <a:ea typeface="宋体" panose="02010600030101010101" pitchFamily="2" charset="-122"/>
-              </a:rPr>
-              <a:t>速度</a:t>
-            </a:r>
-            <a:r>
-              <a:rPr lang="en-US" altLang="zh-CN" dirty="0">
-                <a:latin typeface="宋体" panose="02010600030101010101" pitchFamily="2" charset="-122"/>
-                <a:ea typeface="宋体" panose="02010600030101010101" pitchFamily="2" charset="-122"/>
-              </a:rPr>
-              <a:t>PID</a:t>
-            </a:r>
-          </a:p>
-          <a:p>
-            <a:pPr algn="ctr"/>
-            <a:r>
-              <a:rPr lang="zh-CN" altLang="en-US" dirty="0">
-                <a:latin typeface="宋体" panose="02010600030101010101" pitchFamily="2" charset="-122"/>
-                <a:ea typeface="宋体" panose="02010600030101010101" pitchFamily="2" charset="-122"/>
-              </a:rPr>
-              <a:t>控制器</a:t>
-            </a:r>
-            <a:endParaRPr lang="en-US" altLang="zh-CN" dirty="0">
-              <a:latin typeface="宋体" panose="02010600030101010101" pitchFamily="2" charset="-122"/>
-              <a:ea typeface="宋体" panose="02010600030101010101" pitchFamily="2" charset="-122"/>
-            </a:endParaRPr>
-          </a:p>
-        </p:txBody>
-      </p:sp>
-      <p:cxnSp>
-        <p:nvCxnSpPr>
-          <p:cNvPr id="93" name="直接箭头连接符 92">
-            <a:extLst>
-              <a:ext uri="{FF2B5EF4-FFF2-40B4-BE49-F238E27FC236}">
-                <a16:creationId xmlns:a16="http://schemas.microsoft.com/office/drawing/2014/main" id="{286AD512-0C3A-460E-AED9-3D4674320CCF}"/>
-              </a:ext>
-            </a:extLst>
-          </p:cNvPr>
-          <p:cNvCxnSpPr>
-            <a:cxnSpLocks/>
-            <a:stCxn id="86" idx="3"/>
-            <a:endCxn id="107" idx="2"/>
-          </p:cNvCxnSpPr>
-          <p:nvPr/>
-        </p:nvCxnSpPr>
-        <p:spPr>
-          <a:xfrm flipV="1">
-            <a:off x="3043592" y="1348945"/>
-            <a:ext cx="1561779" cy="3957"/>
-          </a:xfrm>
-          <a:prstGeom prst="straightConnector1">
-            <a:avLst/>
-          </a:prstGeom>
-          <a:ln>
-            <a:solidFill>
-              <a:schemeClr val="tx1"/>
-            </a:solidFill>
-            <a:tailEnd type="triangle"/>
-          </a:ln>
-        </p:spPr>
-        <p:style>
-          <a:lnRef idx="1">
-            <a:schemeClr val="accent1"/>
-          </a:lnRef>
-          <a:fillRef idx="0">
-            <a:schemeClr val="accent1"/>
-          </a:fillRef>
-          <a:effectRef idx="0">
-            <a:schemeClr val="accent1"/>
-          </a:effectRef>
-          <a:fontRef idx="minor">
-            <a:schemeClr val="tx1"/>
-          </a:fontRef>
-        </p:style>
-      </p:cxnSp>
-      <p:cxnSp>
-        <p:nvCxnSpPr>
-          <p:cNvPr id="98" name="连接符: 肘形 97">
-            <a:extLst>
-              <a:ext uri="{FF2B5EF4-FFF2-40B4-BE49-F238E27FC236}">
-                <a16:creationId xmlns:a16="http://schemas.microsoft.com/office/drawing/2014/main" id="{01500292-B9AA-4A51-8211-1BD825A7D9F6}"/>
-              </a:ext>
-            </a:extLst>
-          </p:cNvPr>
-          <p:cNvCxnSpPr>
-            <a:cxnSpLocks/>
-            <a:stCxn id="92" idx="3"/>
-            <a:endCxn id="43" idx="2"/>
-          </p:cNvCxnSpPr>
-          <p:nvPr/>
-        </p:nvCxnSpPr>
-        <p:spPr>
-          <a:xfrm flipH="1">
-            <a:off x="1045869" y="1346083"/>
-            <a:ext cx="5902358" cy="1827369"/>
-          </a:xfrm>
-          <a:prstGeom prst="bentConnector5">
-            <a:avLst>
-              <a:gd name="adj1" fmla="val -6882"/>
-              <a:gd name="adj2" fmla="val 50512"/>
-              <a:gd name="adj3" fmla="val 111521"/>
-            </a:avLst>
-          </a:prstGeom>
-          <a:ln>
-            <a:solidFill>
-              <a:schemeClr val="tx1"/>
-            </a:solidFill>
-            <a:tailEnd type="triangle"/>
-          </a:ln>
-        </p:spPr>
-        <p:style>
-          <a:lnRef idx="1">
-            <a:schemeClr val="accent1"/>
-          </a:lnRef>
-          <a:fillRef idx="0">
-            <a:schemeClr val="accent1"/>
-          </a:fillRef>
-          <a:effectRef idx="0">
-            <a:schemeClr val="accent1"/>
-          </a:effectRef>
-          <a:fontRef idx="minor">
-            <a:schemeClr val="tx1"/>
-          </a:fontRef>
-        </p:style>
-      </p:cxnSp>
-      <p:sp>
-        <p:nvSpPr>
-          <p:cNvPr id="107" name="流程图: 汇总连接 106">
-            <a:extLst>
-              <a:ext uri="{FF2B5EF4-FFF2-40B4-BE49-F238E27FC236}">
-                <a16:creationId xmlns:a16="http://schemas.microsoft.com/office/drawing/2014/main" id="{3B304BC9-818F-4E2D-AF2F-87ACB164F7F3}"/>
-              </a:ext>
-            </a:extLst>
-          </p:cNvPr>
-          <p:cNvSpPr/>
-          <p:nvPr/>
-        </p:nvSpPr>
-        <p:spPr>
-          <a:xfrm>
-            <a:off x="4605371" y="1206717"/>
-            <a:ext cx="284456" cy="284456"/>
-          </a:xfrm>
-          <a:prstGeom prst="flowChartSummingJunction">
-            <a:avLst/>
-          </a:prstGeom>
-          <a:ln>
-            <a:solidFill>
-              <a:schemeClr val="tx1"/>
-            </a:solidFill>
-          </a:ln>
-        </p:spPr>
-        <p:style>
-          <a:lnRef idx="2">
-            <a:schemeClr val="dk1"/>
-          </a:lnRef>
-          <a:fillRef idx="1">
-            <a:schemeClr val="lt1"/>
-          </a:fillRef>
-          <a:effectRef idx="0">
-            <a:schemeClr val="dk1"/>
-          </a:effectRef>
-          <a:fontRef idx="minor">
-            <a:schemeClr val="dk1"/>
-          </a:fontRef>
-        </p:style>
-        <p:txBody>
-          <a:bodyPr rot="0" spcFirstLastPara="0" vertOverflow="overflow" horzOverflow="overflow" vert="horz" wrap="square" lIns="91440" tIns="45720" rIns="91440" bIns="45720" numCol="1" spcCol="0" rtlCol="0" fromWordArt="0" anchor="ctr" anchorCtr="0" forceAA="0" compatLnSpc="1">
-            <a:prstTxWarp prst="textNoShape">
-              <a:avLst/>
-            </a:prstTxWarp>
-            <a:noAutofit/>
-          </a:bodyPr>
-          <a:lstStyle/>
-          <a:p>
-            <a:pPr algn="ctr"/>
-            <a:endParaRPr lang="zh-CN" altLang="en-US" dirty="0">
-              <a:solidFill>
-                <a:schemeClr val="dk1"/>
-              </a:solidFill>
-              <a:latin typeface="宋体" panose="02010600030101010101" pitchFamily="2" charset="-122"/>
-              <a:ea typeface="宋体" panose="02010600030101010101" pitchFamily="2" charset="-122"/>
-            </a:endParaRPr>
-          </a:p>
-        </p:txBody>
-      </p:sp>
-      <p:cxnSp>
-        <p:nvCxnSpPr>
-          <p:cNvPr id="110" name="直接箭头连接符 109">
-            <a:extLst>
-              <a:ext uri="{FF2B5EF4-FFF2-40B4-BE49-F238E27FC236}">
-                <a16:creationId xmlns:a16="http://schemas.microsoft.com/office/drawing/2014/main" id="{45ED2225-E4BC-4A33-B739-781BECD0754A}"/>
-              </a:ext>
-            </a:extLst>
-          </p:cNvPr>
-          <p:cNvCxnSpPr>
-            <a:cxnSpLocks/>
-            <a:stCxn id="107" idx="6"/>
-            <a:endCxn id="92" idx="1"/>
-          </p:cNvCxnSpPr>
-          <p:nvPr/>
-        </p:nvCxnSpPr>
-        <p:spPr>
-          <a:xfrm flipV="1">
-            <a:off x="4889827" y="1346083"/>
-            <a:ext cx="663128" cy="2862"/>
-          </a:xfrm>
-          <a:prstGeom prst="straightConnector1">
-            <a:avLst/>
-          </a:prstGeom>
-          <a:ln>
-            <a:solidFill>
-              <a:schemeClr val="tx1"/>
-            </a:solidFill>
-            <a:tailEnd type="triangle"/>
-          </a:ln>
-        </p:spPr>
-        <p:style>
-          <a:lnRef idx="1">
-            <a:schemeClr val="accent1"/>
-          </a:lnRef>
-          <a:fillRef idx="0">
-            <a:schemeClr val="accent1"/>
-          </a:fillRef>
-          <a:effectRef idx="0">
-            <a:schemeClr val="accent1"/>
-          </a:effectRef>
-          <a:fontRef idx="minor">
-            <a:schemeClr val="tx1"/>
-          </a:fontRef>
-        </p:style>
-      </p:cxnSp>
-      <p:sp>
-        <p:nvSpPr>
-          <p:cNvPr id="123" name="矩形 122">
-            <a:extLst>
-              <a:ext uri="{FF2B5EF4-FFF2-40B4-BE49-F238E27FC236}">
-                <a16:creationId xmlns:a16="http://schemas.microsoft.com/office/drawing/2014/main" id="{0CFBA613-6B71-4D25-8599-72AD68BCCC55}"/>
-              </a:ext>
-            </a:extLst>
-          </p:cNvPr>
-          <p:cNvSpPr/>
-          <p:nvPr/>
-        </p:nvSpPr>
-        <p:spPr>
-          <a:xfrm>
-            <a:off x="10025641" y="792473"/>
-            <a:ext cx="813523" cy="1311105"/>
-          </a:xfrm>
-          <a:prstGeom prst="rect">
-            <a:avLst/>
-          </a:prstGeom>
-          <a:ln>
-            <a:solidFill>
-              <a:schemeClr val="tx1"/>
-            </a:solidFill>
-          </a:ln>
-        </p:spPr>
-        <p:style>
-          <a:lnRef idx="2">
-            <a:schemeClr val="dk1"/>
-          </a:lnRef>
-          <a:fillRef idx="1">
-            <a:schemeClr val="lt1"/>
-          </a:fillRef>
-          <a:effectRef idx="0">
-            <a:schemeClr val="dk1"/>
-          </a:effectRef>
-          <a:fontRef idx="minor">
-            <a:schemeClr val="dk1"/>
-          </a:fontRef>
-        </p:style>
-        <p:txBody>
-          <a:bodyPr rtlCol="0" anchor="ctr"/>
-          <a:lstStyle/>
-          <a:p>
-            <a:pPr algn="ctr"/>
-            <a:r>
-              <a:rPr lang="zh-CN" altLang="en-US" dirty="0">
-                <a:latin typeface="宋体" panose="02010600030101010101" pitchFamily="2" charset="-122"/>
-                <a:ea typeface="宋体" panose="02010600030101010101" pitchFamily="2" charset="-122"/>
-              </a:rPr>
-              <a:t>惯导融合</a:t>
-            </a:r>
-          </a:p>
-        </p:txBody>
-      </p:sp>
-      <p:cxnSp>
-        <p:nvCxnSpPr>
-          <p:cNvPr id="127" name="连接符: 肘形 126">
-            <a:extLst>
-              <a:ext uri="{FF2B5EF4-FFF2-40B4-BE49-F238E27FC236}">
-                <a16:creationId xmlns:a16="http://schemas.microsoft.com/office/drawing/2014/main" id="{243D4705-8E55-4A0B-BA9A-4B12EA533797}"/>
-              </a:ext>
-            </a:extLst>
-          </p:cNvPr>
-          <p:cNvCxnSpPr>
-            <a:cxnSpLocks/>
-            <a:stCxn id="123" idx="3"/>
-            <a:endCxn id="89" idx="0"/>
-          </p:cNvCxnSpPr>
-          <p:nvPr/>
-        </p:nvCxnSpPr>
-        <p:spPr>
-          <a:xfrm flipH="1" flipV="1">
-            <a:off x="1188097" y="1206717"/>
-            <a:ext cx="9651067" cy="241309"/>
-          </a:xfrm>
-          <a:prstGeom prst="bentConnector4">
-            <a:avLst>
-              <a:gd name="adj1" fmla="val -2369"/>
-              <a:gd name="adj2" fmla="val 561279"/>
-            </a:avLst>
-          </a:prstGeom>
-          <a:ln>
-            <a:solidFill>
-              <a:schemeClr val="tx1"/>
-            </a:solidFill>
-            <a:tailEnd type="triangle"/>
-          </a:ln>
-        </p:spPr>
-        <p:style>
-          <a:lnRef idx="1">
-            <a:schemeClr val="accent1"/>
-          </a:lnRef>
-          <a:fillRef idx="0">
-            <a:schemeClr val="accent1"/>
-          </a:fillRef>
-          <a:effectRef idx="0">
-            <a:schemeClr val="accent1"/>
-          </a:effectRef>
-          <a:fontRef idx="minor">
-            <a:schemeClr val="tx1"/>
-          </a:fontRef>
-        </p:style>
-      </p:cxnSp>
-      <p:sp>
-        <p:nvSpPr>
-          <p:cNvPr id="134" name="矩形 133">
-            <a:extLst>
-              <a:ext uri="{FF2B5EF4-FFF2-40B4-BE49-F238E27FC236}">
-                <a16:creationId xmlns:a16="http://schemas.microsoft.com/office/drawing/2014/main" id="{A52D56F6-185B-4B46-A754-B4DEE0308E23}"/>
-              </a:ext>
-            </a:extLst>
-          </p:cNvPr>
-          <p:cNvSpPr/>
-          <p:nvPr/>
-        </p:nvSpPr>
-        <p:spPr>
-          <a:xfrm>
-            <a:off x="4847140" y="872543"/>
-            <a:ext cx="249501" cy="233039"/>
-          </a:xfrm>
-          <a:prstGeom prst="rect">
-            <a:avLst/>
-          </a:prstGeom>
-          <a:ln>
-            <a:solidFill>
-              <a:schemeClr val="bg1"/>
-            </a:solidFill>
-          </a:ln>
-        </p:spPr>
-        <p:style>
-          <a:lnRef idx="2">
-            <a:schemeClr val="dk1"/>
-          </a:lnRef>
-          <a:fillRef idx="1">
-            <a:schemeClr val="lt1"/>
-          </a:fillRef>
-          <a:effectRef idx="0">
-            <a:schemeClr val="dk1"/>
-          </a:effectRef>
-          <a:fontRef idx="minor">
-            <a:schemeClr val="dk1"/>
-          </a:fontRef>
-        </p:style>
-        <p:txBody>
-          <a:bodyPr rtlCol="0" anchor="ctr"/>
-          <a:lstStyle/>
-          <a:p>
-            <a:pPr algn="ctr"/>
-            <a:r>
-              <a:rPr lang="en-US" altLang="zh-CN" dirty="0">
-                <a:latin typeface="宋体" panose="02010600030101010101" pitchFamily="2" charset="-122"/>
-                <a:ea typeface="宋体" panose="02010600030101010101" pitchFamily="2" charset="-122"/>
-              </a:rPr>
-              <a:t>-</a:t>
-            </a:r>
-            <a:endParaRPr lang="zh-CN" altLang="en-US" dirty="0">
-              <a:latin typeface="宋体" panose="02010600030101010101" pitchFamily="2" charset="-122"/>
-              <a:ea typeface="宋体" panose="02010600030101010101" pitchFamily="2" charset="-122"/>
-            </a:endParaRPr>
-          </a:p>
-        </p:txBody>
-      </p:sp>
-      <p:sp>
-        <p:nvSpPr>
-          <p:cNvPr id="135" name="文本框 134">
-            <a:extLst>
-              <a:ext uri="{FF2B5EF4-FFF2-40B4-BE49-F238E27FC236}">
-                <a16:creationId xmlns:a16="http://schemas.microsoft.com/office/drawing/2014/main" id="{882BD57D-AE75-49FA-AB9C-5F911A7206E2}"/>
-              </a:ext>
-            </a:extLst>
-          </p:cNvPr>
-          <p:cNvSpPr txBox="1"/>
-          <p:nvPr/>
-        </p:nvSpPr>
-        <p:spPr>
-          <a:xfrm>
-            <a:off x="998864" y="153618"/>
-            <a:ext cx="1803535" cy="338554"/>
-          </a:xfrm>
-          <a:prstGeom prst="rect">
-            <a:avLst/>
-          </a:prstGeom>
-          <a:noFill/>
-        </p:spPr>
-        <p:txBody>
-          <a:bodyPr wrap="square" rtlCol="0">
-            <a:spAutoFit/>
-          </a:bodyPr>
-          <a:lstStyle/>
-          <a:p>
-            <a:pPr algn="ctr"/>
-            <a:r>
-              <a:rPr lang="zh-CN" altLang="en-US" sz="1600" dirty="0">
-                <a:latin typeface="宋体" panose="02010600030101010101" pitchFamily="2" charset="-122"/>
-                <a:ea typeface="宋体" panose="02010600030101010101" pitchFamily="2" charset="-122"/>
-              </a:rPr>
-              <a:t>反馈当前位置</a:t>
-            </a:r>
-          </a:p>
-        </p:txBody>
-      </p:sp>
-      <p:sp>
-        <p:nvSpPr>
-          <p:cNvPr id="136" name="文本框 135">
-            <a:extLst>
-              <a:ext uri="{FF2B5EF4-FFF2-40B4-BE49-F238E27FC236}">
-                <a16:creationId xmlns:a16="http://schemas.microsoft.com/office/drawing/2014/main" id="{6F92F08C-F6B1-4E8D-A336-A3FB1F2BEAFD}"/>
-              </a:ext>
-            </a:extLst>
-          </p:cNvPr>
-          <p:cNvSpPr txBox="1"/>
-          <p:nvPr/>
-        </p:nvSpPr>
-        <p:spPr>
-          <a:xfrm>
-            <a:off x="4605371" y="153358"/>
-            <a:ext cx="1738100" cy="338554"/>
-          </a:xfrm>
-          <a:prstGeom prst="rect">
-            <a:avLst/>
-          </a:prstGeom>
-          <a:noFill/>
-        </p:spPr>
-        <p:txBody>
-          <a:bodyPr wrap="square" rtlCol="0">
-            <a:spAutoFit/>
-          </a:bodyPr>
-          <a:lstStyle/>
-          <a:p>
-            <a:pPr algn="ctr"/>
-            <a:r>
-              <a:rPr lang="zh-CN" altLang="en-US" sz="1600" dirty="0">
-                <a:latin typeface="宋体" panose="02010600030101010101" pitchFamily="2" charset="-122"/>
-                <a:ea typeface="宋体" panose="02010600030101010101" pitchFamily="2" charset="-122"/>
-              </a:rPr>
-              <a:t>反馈当前速度</a:t>
-            </a:r>
-          </a:p>
-        </p:txBody>
-      </p:sp>
-      <p:sp>
-        <p:nvSpPr>
-          <p:cNvPr id="146" name="文本框 145">
-            <a:extLst>
-              <a:ext uri="{FF2B5EF4-FFF2-40B4-BE49-F238E27FC236}">
-                <a16:creationId xmlns:a16="http://schemas.microsoft.com/office/drawing/2014/main" id="{9033CCF7-0A75-43DF-8A2D-7EE7B14233A8}"/>
-              </a:ext>
-            </a:extLst>
-          </p:cNvPr>
-          <p:cNvSpPr txBox="1"/>
-          <p:nvPr/>
-        </p:nvSpPr>
-        <p:spPr>
-          <a:xfrm>
-            <a:off x="10933381" y="1504272"/>
-            <a:ext cx="1000337" cy="338554"/>
-          </a:xfrm>
-          <a:prstGeom prst="rect">
-            <a:avLst/>
-          </a:prstGeom>
-          <a:noFill/>
-        </p:spPr>
-        <p:txBody>
-          <a:bodyPr wrap="square" rtlCol="0">
-            <a:spAutoFit/>
-          </a:bodyPr>
-          <a:lstStyle/>
-          <a:p>
-            <a:pPr algn="ctr"/>
-            <a:r>
-              <a:rPr lang="zh-CN" altLang="en-US" sz="1600" dirty="0">
-                <a:latin typeface="宋体" panose="02010600030101010101" pitchFamily="2" charset="-122"/>
-                <a:ea typeface="宋体" panose="02010600030101010101" pitchFamily="2" charset="-122"/>
-              </a:rPr>
-              <a:t>位置输出</a:t>
-            </a:r>
-          </a:p>
-        </p:txBody>
-      </p:sp>
-      <p:cxnSp>
-        <p:nvCxnSpPr>
-          <p:cNvPr id="156" name="直接箭头连接符 155">
-            <a:extLst>
-              <a:ext uri="{FF2B5EF4-FFF2-40B4-BE49-F238E27FC236}">
-                <a16:creationId xmlns:a16="http://schemas.microsoft.com/office/drawing/2014/main" id="{ABDDA215-A8F5-43C4-BA03-6611F3471BB0}"/>
-              </a:ext>
-            </a:extLst>
-          </p:cNvPr>
-          <p:cNvCxnSpPr>
-            <a:cxnSpLocks/>
-            <a:stCxn id="123" idx="3"/>
-          </p:cNvCxnSpPr>
-          <p:nvPr/>
-        </p:nvCxnSpPr>
-        <p:spPr>
-          <a:xfrm>
-            <a:off x="10839164" y="1448026"/>
-            <a:ext cx="1008355" cy="0"/>
-          </a:xfrm>
-          <a:prstGeom prst="straightConnector1">
-            <a:avLst/>
-          </a:prstGeom>
-          <a:ln>
-            <a:solidFill>
-              <a:schemeClr val="tx1"/>
-            </a:solidFill>
-            <a:tailEnd type="triangle"/>
-          </a:ln>
-        </p:spPr>
-        <p:style>
-          <a:lnRef idx="1">
-            <a:schemeClr val="accent1"/>
-          </a:lnRef>
-          <a:fillRef idx="0">
-            <a:schemeClr val="accent1"/>
-          </a:fillRef>
-          <a:effectRef idx="0">
-            <a:schemeClr val="accent1"/>
-          </a:effectRef>
-          <a:fontRef idx="minor">
-            <a:schemeClr val="tx1"/>
-          </a:fontRef>
-        </p:style>
-      </p:cxnSp>
-      <p:cxnSp>
-        <p:nvCxnSpPr>
-          <p:cNvPr id="162" name="直接箭头连接符 161">
-            <a:extLst>
-              <a:ext uri="{FF2B5EF4-FFF2-40B4-BE49-F238E27FC236}">
-                <a16:creationId xmlns:a16="http://schemas.microsoft.com/office/drawing/2014/main" id="{18A0448F-199D-48BE-AE82-4AEAEC5EF23D}"/>
-              </a:ext>
-            </a:extLst>
-          </p:cNvPr>
-          <p:cNvCxnSpPr>
-            <a:cxnSpLocks/>
-            <a:endCxn id="107" idx="0"/>
-          </p:cNvCxnSpPr>
-          <p:nvPr/>
-        </p:nvCxnSpPr>
-        <p:spPr>
-          <a:xfrm>
-            <a:off x="4747599" y="96183"/>
-            <a:ext cx="0" cy="1110534"/>
-          </a:xfrm>
-          <a:prstGeom prst="straightConnector1">
-            <a:avLst/>
-          </a:prstGeom>
-          <a:ln>
-            <a:solidFill>
-              <a:schemeClr val="tx1"/>
-            </a:solidFill>
-            <a:tailEnd type="triangle"/>
-          </a:ln>
-        </p:spPr>
-        <p:style>
-          <a:lnRef idx="1">
-            <a:schemeClr val="accent1"/>
-          </a:lnRef>
-          <a:fillRef idx="0">
-            <a:schemeClr val="accent1"/>
-          </a:fillRef>
-          <a:effectRef idx="0">
-            <a:schemeClr val="accent1"/>
-          </a:effectRef>
-          <a:fontRef idx="minor">
-            <a:schemeClr val="tx1"/>
-          </a:fontRef>
-        </p:style>
-      </p:cxnSp>
-      <p:sp>
-        <p:nvSpPr>
-          <p:cNvPr id="168" name="文本框 167">
-            <a:extLst>
-              <a:ext uri="{FF2B5EF4-FFF2-40B4-BE49-F238E27FC236}">
-                <a16:creationId xmlns:a16="http://schemas.microsoft.com/office/drawing/2014/main" id="{CFE7994D-8140-4756-8052-9025EEF3992C}"/>
-              </a:ext>
-            </a:extLst>
-          </p:cNvPr>
-          <p:cNvSpPr txBox="1"/>
-          <p:nvPr/>
-        </p:nvSpPr>
-        <p:spPr>
-          <a:xfrm>
-            <a:off x="2975034" y="746524"/>
-            <a:ext cx="1803548" cy="584775"/>
-          </a:xfrm>
-          <a:prstGeom prst="rect">
-            <a:avLst/>
-          </a:prstGeom>
-          <a:noFill/>
-        </p:spPr>
-        <p:txBody>
-          <a:bodyPr wrap="square" rtlCol="0">
-            <a:spAutoFit/>
-          </a:bodyPr>
-          <a:lstStyle/>
-          <a:p>
-            <a:pPr algn="ctr"/>
-            <a:r>
-              <a:rPr lang="zh-CN" altLang="en-US" sz="1600" dirty="0">
-                <a:latin typeface="宋体" panose="02010600030101010101" pitchFamily="2" charset="-122"/>
-                <a:ea typeface="宋体" panose="02010600030101010101" pitchFamily="2" charset="-122"/>
-              </a:rPr>
-              <a:t>期望速度</a:t>
-            </a:r>
-            <a:endParaRPr lang="en-US" altLang="zh-CN" sz="1600" dirty="0">
-              <a:latin typeface="宋体" panose="02010600030101010101" pitchFamily="2" charset="-122"/>
-              <a:ea typeface="宋体" panose="02010600030101010101" pitchFamily="2" charset="-122"/>
-            </a:endParaRPr>
-          </a:p>
-          <a:p>
-            <a:pPr algn="ctr"/>
-            <a:r>
-              <a:rPr lang="zh-CN" altLang="en-US" sz="1600" dirty="0">
-                <a:latin typeface="宋体" panose="02010600030101010101" pitchFamily="2" charset="-122"/>
-                <a:ea typeface="宋体" panose="02010600030101010101" pitchFamily="2" charset="-122"/>
-              </a:rPr>
-              <a:t>（位置环</a:t>
-            </a:r>
-            <a:r>
-              <a:rPr lang="en-US" altLang="zh-CN" sz="1600" dirty="0">
-                <a:latin typeface="宋体" panose="02010600030101010101" pitchFamily="2" charset="-122"/>
-                <a:ea typeface="宋体" panose="02010600030101010101" pitchFamily="2" charset="-122"/>
-              </a:rPr>
-              <a:t>PID</a:t>
-            </a:r>
-            <a:r>
-              <a:rPr lang="zh-CN" altLang="en-US" sz="1600" dirty="0">
-                <a:latin typeface="宋体" panose="02010600030101010101" pitchFamily="2" charset="-122"/>
-                <a:ea typeface="宋体" panose="02010600030101010101" pitchFamily="2" charset="-122"/>
-              </a:rPr>
-              <a:t>输出）</a:t>
-            </a:r>
-          </a:p>
-        </p:txBody>
-      </p:sp>
-      <p:sp>
-        <p:nvSpPr>
-          <p:cNvPr id="62" name="矩形 61">
-            <a:extLst>
-              <a:ext uri="{FF2B5EF4-FFF2-40B4-BE49-F238E27FC236}">
-                <a16:creationId xmlns:a16="http://schemas.microsoft.com/office/drawing/2014/main" id="{EB57C79D-2839-4A74-BD86-445CA0177C73}"/>
-              </a:ext>
-            </a:extLst>
-          </p:cNvPr>
-          <p:cNvSpPr/>
-          <p:nvPr/>
-        </p:nvSpPr>
-        <p:spPr>
-          <a:xfrm>
-            <a:off x="9003873" y="792473"/>
-            <a:ext cx="741907" cy="2931726"/>
-          </a:xfrm>
-          <a:prstGeom prst="rect">
-            <a:avLst/>
-          </a:prstGeom>
-          <a:ln>
-            <a:solidFill>
-              <a:schemeClr val="tx1"/>
-            </a:solidFill>
-          </a:ln>
-        </p:spPr>
-        <p:style>
-          <a:lnRef idx="2">
-            <a:schemeClr val="dk1"/>
-          </a:lnRef>
-          <a:fillRef idx="1">
-            <a:schemeClr val="lt1"/>
-          </a:fillRef>
-          <a:effectRef idx="0">
-            <a:schemeClr val="dk1"/>
-          </a:effectRef>
-          <a:fontRef idx="minor">
-            <a:schemeClr val="dk1"/>
-          </a:fontRef>
-        </p:style>
-        <p:txBody>
-          <a:bodyPr rtlCol="0" anchor="ctr"/>
-          <a:lstStyle/>
-          <a:p>
-            <a:pPr algn="ctr"/>
-            <a:r>
-              <a:rPr lang="zh-CN" altLang="en-US" dirty="0">
-                <a:latin typeface="宋体" panose="02010600030101010101" pitchFamily="2" charset="-122"/>
-                <a:ea typeface="宋体" panose="02010600030101010101" pitchFamily="2" charset="-122"/>
-              </a:rPr>
-              <a:t>电</a:t>
-            </a:r>
-            <a:endParaRPr lang="en-US" altLang="zh-CN" dirty="0">
-              <a:latin typeface="宋体" panose="02010600030101010101" pitchFamily="2" charset="-122"/>
-              <a:ea typeface="宋体" panose="02010600030101010101" pitchFamily="2" charset="-122"/>
-            </a:endParaRPr>
-          </a:p>
-          <a:p>
-            <a:pPr algn="ctr"/>
-            <a:endParaRPr lang="en-US" altLang="zh-CN" dirty="0">
-              <a:latin typeface="宋体" panose="02010600030101010101" pitchFamily="2" charset="-122"/>
-              <a:ea typeface="宋体" panose="02010600030101010101" pitchFamily="2" charset="-122"/>
-            </a:endParaRPr>
-          </a:p>
-          <a:p>
-            <a:pPr algn="ctr"/>
-            <a:r>
-              <a:rPr lang="zh-CN" altLang="en-US" dirty="0">
-                <a:latin typeface="宋体" panose="02010600030101010101" pitchFamily="2" charset="-122"/>
-                <a:ea typeface="宋体" panose="02010600030101010101" pitchFamily="2" charset="-122"/>
-              </a:rPr>
-              <a:t>机</a:t>
-            </a:r>
-          </a:p>
-        </p:txBody>
-      </p:sp>
-      <p:sp>
-        <p:nvSpPr>
-          <p:cNvPr id="67" name="文本框 66">
-            <a:extLst>
-              <a:ext uri="{FF2B5EF4-FFF2-40B4-BE49-F238E27FC236}">
-                <a16:creationId xmlns:a16="http://schemas.microsoft.com/office/drawing/2014/main" id="{A4F27018-73BE-4D00-B8A9-AB2D683F0E0F}"/>
-              </a:ext>
-            </a:extLst>
-          </p:cNvPr>
-          <p:cNvSpPr txBox="1"/>
-          <p:nvPr/>
-        </p:nvSpPr>
-        <p:spPr>
-          <a:xfrm>
-            <a:off x="9213213" y="3763426"/>
-            <a:ext cx="1399026" cy="338554"/>
-          </a:xfrm>
-          <a:prstGeom prst="rect">
-            <a:avLst/>
-          </a:prstGeom>
-          <a:noFill/>
-        </p:spPr>
-        <p:txBody>
-          <a:bodyPr wrap="square" rtlCol="0">
-            <a:spAutoFit/>
-          </a:bodyPr>
-          <a:lstStyle/>
-          <a:p>
-            <a:pPr algn="ctr"/>
-            <a:r>
-              <a:rPr lang="zh-CN" altLang="en-US" sz="1600" dirty="0">
-                <a:latin typeface="宋体" panose="02010600030101010101" pitchFamily="2" charset="-122"/>
-                <a:ea typeface="宋体" panose="02010600030101010101" pitchFamily="2" charset="-122"/>
-              </a:rPr>
-              <a:t>四轴</a:t>
-            </a:r>
-          </a:p>
-        </p:txBody>
-      </p:sp>
-      <p:cxnSp>
-        <p:nvCxnSpPr>
-          <p:cNvPr id="71" name="直接箭头连接符 70">
-            <a:extLst>
-              <a:ext uri="{FF2B5EF4-FFF2-40B4-BE49-F238E27FC236}">
-                <a16:creationId xmlns:a16="http://schemas.microsoft.com/office/drawing/2014/main" id="{E9DA38BB-E609-47D1-8CF4-5C5CEF0F4E07}"/>
-              </a:ext>
-            </a:extLst>
-          </p:cNvPr>
-          <p:cNvCxnSpPr>
-            <a:cxnSpLocks/>
-            <a:stCxn id="20" idx="3"/>
-            <a:endCxn id="62" idx="1"/>
-          </p:cNvCxnSpPr>
-          <p:nvPr/>
-        </p:nvCxnSpPr>
-        <p:spPr>
-          <a:xfrm flipV="1">
-            <a:off x="8599244" y="2258336"/>
-            <a:ext cx="404629" cy="3410"/>
-          </a:xfrm>
-          <a:prstGeom prst="straightConnector1">
-            <a:avLst/>
-          </a:prstGeom>
-          <a:ln>
-            <a:solidFill>
-              <a:schemeClr val="tx1"/>
-            </a:solidFill>
-            <a:tailEnd type="triangle"/>
-          </a:ln>
-        </p:spPr>
-        <p:style>
-          <a:lnRef idx="1">
-            <a:schemeClr val="accent1"/>
-          </a:lnRef>
-          <a:fillRef idx="0">
-            <a:schemeClr val="accent1"/>
-          </a:fillRef>
-          <a:effectRef idx="0">
-            <a:schemeClr val="accent1"/>
-          </a:effectRef>
-          <a:fontRef idx="minor">
-            <a:schemeClr val="tx1"/>
-          </a:fontRef>
-        </p:style>
-      </p:cxnSp>
-      <p:sp>
-        <p:nvSpPr>
-          <p:cNvPr id="77" name="文本框 76">
-            <a:extLst>
-              <a:ext uri="{FF2B5EF4-FFF2-40B4-BE49-F238E27FC236}">
-                <a16:creationId xmlns:a16="http://schemas.microsoft.com/office/drawing/2014/main" id="{EDCB7A43-66E0-48CA-982A-3E5E9D0ED2AC}"/>
-              </a:ext>
-            </a:extLst>
-          </p:cNvPr>
-          <p:cNvSpPr txBox="1"/>
-          <p:nvPr/>
-        </p:nvSpPr>
-        <p:spPr>
-          <a:xfrm>
-            <a:off x="6855973" y="470646"/>
-            <a:ext cx="953481" cy="830997"/>
-          </a:xfrm>
-          <a:prstGeom prst="rect">
-            <a:avLst/>
-          </a:prstGeom>
-          <a:noFill/>
-        </p:spPr>
-        <p:txBody>
-          <a:bodyPr wrap="square" rtlCol="0">
-            <a:spAutoFit/>
-          </a:bodyPr>
-          <a:lstStyle/>
-          <a:p>
-            <a:pPr algn="ctr"/>
-            <a:r>
-              <a:rPr lang="zh-CN" altLang="en-US" sz="1600" dirty="0">
-                <a:latin typeface="宋体" panose="02010600030101010101" pitchFamily="2" charset="-122"/>
-                <a:ea typeface="宋体" panose="02010600030101010101" pitchFamily="2" charset="-122"/>
-              </a:rPr>
-              <a:t>高度方向控制量</a:t>
-            </a:r>
-          </a:p>
-        </p:txBody>
-      </p:sp>
-      <p:sp>
-        <p:nvSpPr>
-          <p:cNvPr id="79" name="文本框 78">
-            <a:extLst>
-              <a:ext uri="{FF2B5EF4-FFF2-40B4-BE49-F238E27FC236}">
-                <a16:creationId xmlns:a16="http://schemas.microsoft.com/office/drawing/2014/main" id="{3B44E7DE-96C3-4FAA-BD5D-97F2E5301B74}"/>
-              </a:ext>
-            </a:extLst>
-          </p:cNvPr>
-          <p:cNvSpPr txBox="1"/>
-          <p:nvPr/>
-        </p:nvSpPr>
-        <p:spPr>
-          <a:xfrm>
-            <a:off x="6905564" y="3178005"/>
-            <a:ext cx="821627" cy="830997"/>
-          </a:xfrm>
-          <a:prstGeom prst="rect">
-            <a:avLst/>
-          </a:prstGeom>
-          <a:noFill/>
-        </p:spPr>
-        <p:txBody>
-          <a:bodyPr wrap="square" rtlCol="0">
-            <a:spAutoFit/>
-          </a:bodyPr>
-          <a:lstStyle/>
-          <a:p>
-            <a:pPr algn="ctr"/>
-            <a:r>
-              <a:rPr lang="zh-CN" altLang="en-US" sz="1600" dirty="0">
-                <a:latin typeface="宋体" panose="02010600030101010101" pitchFamily="2" charset="-122"/>
-                <a:ea typeface="宋体" panose="02010600030101010101" pitchFamily="2" charset="-122"/>
-              </a:rPr>
-              <a:t>水平方向控制量</a:t>
-            </a:r>
-          </a:p>
-        </p:txBody>
-      </p:sp>
-      <p:sp>
-        <p:nvSpPr>
-          <p:cNvPr id="94" name="文本框 93">
-            <a:extLst>
-              <a:ext uri="{FF2B5EF4-FFF2-40B4-BE49-F238E27FC236}">
-                <a16:creationId xmlns:a16="http://schemas.microsoft.com/office/drawing/2014/main" id="{5D1DB17C-4751-44B8-BEFC-DC5D74590AFC}"/>
-              </a:ext>
-            </a:extLst>
-          </p:cNvPr>
-          <p:cNvSpPr txBox="1"/>
-          <p:nvPr/>
-        </p:nvSpPr>
-        <p:spPr>
-          <a:xfrm>
-            <a:off x="8504593" y="2471614"/>
-            <a:ext cx="534619" cy="338554"/>
-          </a:xfrm>
-          <a:prstGeom prst="rect">
-            <a:avLst/>
-          </a:prstGeom>
-          <a:noFill/>
-        </p:spPr>
-        <p:txBody>
-          <a:bodyPr wrap="square" rtlCol="0">
-            <a:spAutoFit/>
-          </a:bodyPr>
-          <a:lstStyle/>
-          <a:p>
-            <a:pPr algn="ctr"/>
-            <a:r>
-              <a:rPr lang="en-US" altLang="zh-CN" sz="1600" dirty="0">
-                <a:latin typeface="宋体" panose="02010600030101010101" pitchFamily="2" charset="-122"/>
-                <a:ea typeface="宋体" panose="02010600030101010101" pitchFamily="2" charset="-122"/>
-              </a:rPr>
-              <a:t>PWM</a:t>
-            </a:r>
-            <a:endParaRPr lang="zh-CN" altLang="en-US" sz="1600" dirty="0">
-              <a:latin typeface="宋体" panose="02010600030101010101" pitchFamily="2" charset="-122"/>
-              <a:ea typeface="宋体" panose="02010600030101010101" pitchFamily="2" charset="-122"/>
-            </a:endParaRPr>
-          </a:p>
-        </p:txBody>
-      </p:sp>
-      <p:cxnSp>
-        <p:nvCxnSpPr>
-          <p:cNvPr id="63" name="直接箭头连接符 62">
-            <a:extLst>
-              <a:ext uri="{FF2B5EF4-FFF2-40B4-BE49-F238E27FC236}">
-                <a16:creationId xmlns:a16="http://schemas.microsoft.com/office/drawing/2014/main" id="{F2D76369-952F-4A76-8A32-4AB27E54104D}"/>
-              </a:ext>
-            </a:extLst>
-          </p:cNvPr>
-          <p:cNvCxnSpPr>
-            <a:cxnSpLocks/>
-            <a:stCxn id="92" idx="3"/>
-          </p:cNvCxnSpPr>
-          <p:nvPr/>
-        </p:nvCxnSpPr>
-        <p:spPr>
-          <a:xfrm>
-            <a:off x="6948227" y="1346083"/>
-            <a:ext cx="750366" cy="0"/>
-          </a:xfrm>
-          <a:prstGeom prst="straightConnector1">
-            <a:avLst/>
-          </a:prstGeom>
-          <a:ln>
-            <a:solidFill>
-              <a:schemeClr val="tx1"/>
-            </a:solidFill>
-            <a:tailEnd type="triangle"/>
-          </a:ln>
-        </p:spPr>
-        <p:style>
-          <a:lnRef idx="1">
-            <a:schemeClr val="accent1"/>
-          </a:lnRef>
-          <a:fillRef idx="0">
-            <a:schemeClr val="accent1"/>
-          </a:fillRef>
-          <a:effectRef idx="0">
-            <a:schemeClr val="accent1"/>
-          </a:effectRef>
-          <a:fontRef idx="minor">
-            <a:schemeClr val="tx1"/>
-          </a:fontRef>
-        </p:style>
-      </p:cxnSp>
-      <p:cxnSp>
-        <p:nvCxnSpPr>
-          <p:cNvPr id="72" name="直接箭头连接符 71">
-            <a:extLst>
-              <a:ext uri="{FF2B5EF4-FFF2-40B4-BE49-F238E27FC236}">
-                <a16:creationId xmlns:a16="http://schemas.microsoft.com/office/drawing/2014/main" id="{E8F3A441-359E-450F-812A-15AD79B3A32C}"/>
-              </a:ext>
-            </a:extLst>
-          </p:cNvPr>
-          <p:cNvCxnSpPr>
-            <a:cxnSpLocks/>
-            <a:stCxn id="17" idx="3"/>
-          </p:cNvCxnSpPr>
-          <p:nvPr/>
-        </p:nvCxnSpPr>
-        <p:spPr>
-          <a:xfrm flipV="1">
-            <a:off x="6948227" y="3167857"/>
-            <a:ext cx="750366" cy="2734"/>
-          </a:xfrm>
-          <a:prstGeom prst="straightConnector1">
-            <a:avLst/>
-          </a:prstGeom>
-          <a:ln>
-            <a:solidFill>
-              <a:schemeClr val="tx1"/>
-            </a:solidFill>
-            <a:tailEnd type="triangle"/>
-          </a:ln>
-        </p:spPr>
-        <p:style>
-          <a:lnRef idx="1">
-            <a:schemeClr val="accent1"/>
-          </a:lnRef>
-          <a:fillRef idx="0">
-            <a:schemeClr val="accent1"/>
-          </a:fillRef>
-          <a:effectRef idx="0">
-            <a:schemeClr val="accent1"/>
-          </a:effectRef>
-          <a:fontRef idx="minor">
-            <a:schemeClr val="tx1"/>
-          </a:fontRef>
-        </p:style>
-      </p:cxnSp>
-      <p:cxnSp>
-        <p:nvCxnSpPr>
-          <p:cNvPr id="95" name="直接箭头连接符 94">
-            <a:extLst>
-              <a:ext uri="{FF2B5EF4-FFF2-40B4-BE49-F238E27FC236}">
-                <a16:creationId xmlns:a16="http://schemas.microsoft.com/office/drawing/2014/main" id="{E4CC1F9F-C7B3-401E-BE80-C37F75DCFED4}"/>
-              </a:ext>
-            </a:extLst>
-          </p:cNvPr>
-          <p:cNvCxnSpPr>
-            <a:cxnSpLocks/>
-            <a:endCxn id="6" idx="4"/>
-          </p:cNvCxnSpPr>
-          <p:nvPr/>
-        </p:nvCxnSpPr>
-        <p:spPr>
-          <a:xfrm flipV="1">
-            <a:off x="4754285" y="3315680"/>
-            <a:ext cx="0" cy="999145"/>
-          </a:xfrm>
-          <a:prstGeom prst="straightConnector1">
-            <a:avLst/>
-          </a:prstGeom>
-          <a:ln>
-            <a:solidFill>
-              <a:schemeClr val="tx1"/>
-            </a:solidFill>
-            <a:tailEnd type="triangle"/>
-          </a:ln>
-        </p:spPr>
-        <p:style>
-          <a:lnRef idx="1">
-            <a:schemeClr val="accent1"/>
-          </a:lnRef>
-          <a:fillRef idx="0">
-            <a:schemeClr val="accent1"/>
-          </a:fillRef>
-          <a:effectRef idx="0">
-            <a:schemeClr val="accent1"/>
-          </a:effectRef>
-          <a:fontRef idx="minor">
-            <a:schemeClr val="tx1"/>
-          </a:fontRef>
-        </p:style>
-      </p:cxnSp>
-      <p:sp>
-        <p:nvSpPr>
-          <p:cNvPr id="104" name="矩形 103">
-            <a:extLst>
-              <a:ext uri="{FF2B5EF4-FFF2-40B4-BE49-F238E27FC236}">
-                <a16:creationId xmlns:a16="http://schemas.microsoft.com/office/drawing/2014/main" id="{D878B5EB-F7F8-4E73-92F6-AEEC870A54B9}"/>
-              </a:ext>
-            </a:extLst>
-          </p:cNvPr>
-          <p:cNvSpPr/>
-          <p:nvPr/>
-        </p:nvSpPr>
-        <p:spPr>
-          <a:xfrm>
-            <a:off x="1648320" y="4563598"/>
-            <a:ext cx="1395272" cy="1107219"/>
-          </a:xfrm>
-          <a:prstGeom prst="rect">
-            <a:avLst/>
-          </a:prstGeom>
-          <a:ln>
-            <a:solidFill>
-              <a:schemeClr val="tx1"/>
-            </a:solidFill>
-          </a:ln>
-        </p:spPr>
-        <p:style>
-          <a:lnRef idx="2">
-            <a:schemeClr val="dk1"/>
-          </a:lnRef>
-          <a:fillRef idx="1">
-            <a:schemeClr val="lt1"/>
-          </a:fillRef>
-          <a:effectRef idx="0">
-            <a:schemeClr val="dk1"/>
-          </a:effectRef>
-          <a:fontRef idx="minor">
-            <a:schemeClr val="dk1"/>
-          </a:fontRef>
-        </p:style>
-        <p:txBody>
-          <a:bodyPr rtlCol="0" anchor="ctr"/>
-          <a:lstStyle/>
-          <a:p>
-            <a:pPr algn="ctr"/>
-            <a:r>
-              <a:rPr lang="zh-CN" altLang="en-US" dirty="0">
-                <a:latin typeface="宋体" panose="02010600030101010101" pitchFamily="2" charset="-122"/>
-                <a:ea typeface="宋体" panose="02010600030101010101" pitchFamily="2" charset="-122"/>
-              </a:rPr>
-              <a:t>角度环</a:t>
-            </a:r>
-            <a:r>
-              <a:rPr lang="en-US" altLang="zh-CN" dirty="0">
-                <a:latin typeface="宋体" panose="02010600030101010101" pitchFamily="2" charset="-122"/>
-                <a:ea typeface="宋体" panose="02010600030101010101" pitchFamily="2" charset="-122"/>
-              </a:rPr>
-              <a:t>PID</a:t>
-            </a:r>
-            <a:r>
-              <a:rPr lang="zh-CN" altLang="en-US" dirty="0">
-                <a:latin typeface="宋体" panose="02010600030101010101" pitchFamily="2" charset="-122"/>
-                <a:ea typeface="宋体" panose="02010600030101010101" pitchFamily="2" charset="-122"/>
-              </a:rPr>
-              <a:t>控制器</a:t>
-            </a:r>
-            <a:endParaRPr lang="en-US" altLang="zh-CN" dirty="0">
-              <a:latin typeface="宋体" panose="02010600030101010101" pitchFamily="2" charset="-122"/>
-              <a:ea typeface="宋体" panose="02010600030101010101" pitchFamily="2" charset="-122"/>
-            </a:endParaRPr>
-          </a:p>
-        </p:txBody>
-      </p:sp>
-      <p:sp>
-        <p:nvSpPr>
-          <p:cNvPr id="105" name="流程图: 汇总连接 104">
-            <a:extLst>
-              <a:ext uri="{FF2B5EF4-FFF2-40B4-BE49-F238E27FC236}">
-                <a16:creationId xmlns:a16="http://schemas.microsoft.com/office/drawing/2014/main" id="{1FA64755-26E4-4976-A026-4B1D8BC0E007}"/>
-              </a:ext>
-            </a:extLst>
-          </p:cNvPr>
-          <p:cNvSpPr/>
-          <p:nvPr/>
-        </p:nvSpPr>
-        <p:spPr>
-          <a:xfrm>
-            <a:off x="4600439" y="4977841"/>
-            <a:ext cx="284456" cy="284456"/>
-          </a:xfrm>
-          <a:prstGeom prst="flowChartSummingJunction">
-            <a:avLst/>
-          </a:prstGeom>
-          <a:ln>
-            <a:solidFill>
-              <a:schemeClr val="tx1"/>
-            </a:solidFill>
-          </a:ln>
-        </p:spPr>
-        <p:style>
-          <a:lnRef idx="2">
-            <a:schemeClr val="dk1"/>
-          </a:lnRef>
-          <a:fillRef idx="1">
-            <a:schemeClr val="lt1"/>
-          </a:fillRef>
-          <a:effectRef idx="0">
-            <a:schemeClr val="dk1"/>
-          </a:effectRef>
-          <a:fontRef idx="minor">
-            <a:schemeClr val="dk1"/>
-          </a:fontRef>
-        </p:style>
-        <p:txBody>
-          <a:bodyPr rot="0" spcFirstLastPara="0" vertOverflow="overflow" horzOverflow="overflow" vert="horz" wrap="square" lIns="91440" tIns="45720" rIns="91440" bIns="45720" numCol="1" spcCol="0" rtlCol="0" fromWordArt="0" anchor="ctr" anchorCtr="0" forceAA="0" compatLnSpc="1">
-            <a:prstTxWarp prst="textNoShape">
-              <a:avLst/>
-            </a:prstTxWarp>
-            <a:noAutofit/>
-          </a:bodyPr>
-          <a:lstStyle/>
-          <a:p>
-            <a:pPr algn="ctr"/>
-            <a:endParaRPr lang="zh-CN" altLang="en-US" dirty="0">
-              <a:solidFill>
-                <a:schemeClr val="dk1"/>
-              </a:solidFill>
-              <a:latin typeface="宋体" panose="02010600030101010101" pitchFamily="2" charset="-122"/>
-              <a:ea typeface="宋体" panose="02010600030101010101" pitchFamily="2" charset="-122"/>
-            </a:endParaRPr>
-          </a:p>
-        </p:txBody>
-      </p:sp>
-      <p:sp>
-        <p:nvSpPr>
-          <p:cNvPr id="106" name="矩形 105">
-            <a:extLst>
-              <a:ext uri="{FF2B5EF4-FFF2-40B4-BE49-F238E27FC236}">
-                <a16:creationId xmlns:a16="http://schemas.microsoft.com/office/drawing/2014/main" id="{D06CB8C4-2FD6-4F8C-B4EB-4ECC8BC995D0}"/>
-              </a:ext>
-            </a:extLst>
-          </p:cNvPr>
-          <p:cNvSpPr/>
-          <p:nvPr/>
-        </p:nvSpPr>
-        <p:spPr>
-          <a:xfrm>
-            <a:off x="5552955" y="4563598"/>
-            <a:ext cx="1395272" cy="1107219"/>
-          </a:xfrm>
-          <a:prstGeom prst="rect">
-            <a:avLst/>
-          </a:prstGeom>
-          <a:ln>
-            <a:solidFill>
-              <a:schemeClr val="tx1"/>
-            </a:solidFill>
-          </a:ln>
-        </p:spPr>
-        <p:style>
-          <a:lnRef idx="2">
-            <a:schemeClr val="dk1"/>
-          </a:lnRef>
-          <a:fillRef idx="1">
-            <a:schemeClr val="lt1"/>
-          </a:fillRef>
-          <a:effectRef idx="0">
-            <a:schemeClr val="dk1"/>
-          </a:effectRef>
-          <a:fontRef idx="minor">
-            <a:schemeClr val="dk1"/>
-          </a:fontRef>
-        </p:style>
-        <p:txBody>
-          <a:bodyPr rtlCol="0" anchor="ctr"/>
-          <a:lstStyle/>
-          <a:p>
-            <a:pPr algn="ctr"/>
-            <a:r>
-              <a:rPr lang="zh-CN" altLang="en-US" dirty="0">
-                <a:latin typeface="宋体" panose="02010600030101010101" pitchFamily="2" charset="-122"/>
-                <a:ea typeface="宋体" panose="02010600030101010101" pitchFamily="2" charset="-122"/>
-              </a:rPr>
-              <a:t>角速度环</a:t>
-            </a:r>
-            <a:r>
-              <a:rPr lang="en-US" altLang="zh-CN" dirty="0">
-                <a:latin typeface="宋体" panose="02010600030101010101" pitchFamily="2" charset="-122"/>
-                <a:ea typeface="宋体" panose="02010600030101010101" pitchFamily="2" charset="-122"/>
-              </a:rPr>
-              <a:t>PID</a:t>
-            </a:r>
-            <a:r>
-              <a:rPr lang="zh-CN" altLang="en-US" dirty="0">
-                <a:latin typeface="宋体" panose="02010600030101010101" pitchFamily="2" charset="-122"/>
-                <a:ea typeface="宋体" panose="02010600030101010101" pitchFamily="2" charset="-122"/>
-              </a:rPr>
-              <a:t>控制器</a:t>
-            </a:r>
-            <a:endParaRPr lang="en-US" altLang="zh-CN" dirty="0">
-              <a:latin typeface="宋体" panose="02010600030101010101" pitchFamily="2" charset="-122"/>
-              <a:ea typeface="宋体" panose="02010600030101010101" pitchFamily="2" charset="-122"/>
-            </a:endParaRPr>
-          </a:p>
-        </p:txBody>
-      </p:sp>
-      <p:cxnSp>
-        <p:nvCxnSpPr>
-          <p:cNvPr id="112" name="直接箭头连接符 111">
-            <a:extLst>
-              <a:ext uri="{FF2B5EF4-FFF2-40B4-BE49-F238E27FC236}">
-                <a16:creationId xmlns:a16="http://schemas.microsoft.com/office/drawing/2014/main" id="{1CA88680-E249-42B1-A2D8-DF0D4F3A0E40}"/>
-              </a:ext>
-            </a:extLst>
-          </p:cNvPr>
-          <p:cNvCxnSpPr>
-            <a:cxnSpLocks/>
-            <a:stCxn id="104" idx="3"/>
-            <a:endCxn id="105" idx="2"/>
-          </p:cNvCxnSpPr>
-          <p:nvPr/>
-        </p:nvCxnSpPr>
-        <p:spPr>
-          <a:xfrm>
-            <a:off x="3043592" y="5117208"/>
-            <a:ext cx="1556847" cy="2861"/>
-          </a:xfrm>
-          <a:prstGeom prst="straightConnector1">
-            <a:avLst/>
-          </a:prstGeom>
-          <a:ln>
-            <a:solidFill>
-              <a:schemeClr val="tx1"/>
-            </a:solidFill>
-            <a:tailEnd type="triangle"/>
-          </a:ln>
-        </p:spPr>
-        <p:style>
-          <a:lnRef idx="1">
-            <a:schemeClr val="accent1"/>
-          </a:lnRef>
-          <a:fillRef idx="0">
-            <a:schemeClr val="accent1"/>
-          </a:fillRef>
-          <a:effectRef idx="0">
-            <a:schemeClr val="accent1"/>
-          </a:effectRef>
-          <a:fontRef idx="minor">
-            <a:schemeClr val="tx1"/>
-          </a:fontRef>
-        </p:style>
-      </p:cxnSp>
-      <p:sp>
-        <p:nvSpPr>
-          <p:cNvPr id="113" name="文本框 112">
-            <a:extLst>
-              <a:ext uri="{FF2B5EF4-FFF2-40B4-BE49-F238E27FC236}">
-                <a16:creationId xmlns:a16="http://schemas.microsoft.com/office/drawing/2014/main" id="{CA9E8321-20FE-44E6-A0BB-394A28640B5A}"/>
-              </a:ext>
-            </a:extLst>
-          </p:cNvPr>
-          <p:cNvSpPr txBox="1"/>
-          <p:nvPr/>
-        </p:nvSpPr>
-        <p:spPr>
-          <a:xfrm>
-            <a:off x="3019295" y="4469602"/>
-            <a:ext cx="1759287" cy="584775"/>
-          </a:xfrm>
-          <a:prstGeom prst="rect">
-            <a:avLst/>
-          </a:prstGeom>
-          <a:noFill/>
-        </p:spPr>
-        <p:txBody>
-          <a:bodyPr wrap="square" rtlCol="0">
-            <a:spAutoFit/>
-          </a:bodyPr>
-          <a:lstStyle/>
-          <a:p>
-            <a:pPr algn="ctr"/>
-            <a:r>
-              <a:rPr lang="zh-CN" altLang="en-US" sz="1600" dirty="0">
-                <a:latin typeface="宋体" panose="02010600030101010101" pitchFamily="2" charset="-122"/>
-                <a:ea typeface="宋体" panose="02010600030101010101" pitchFamily="2" charset="-122"/>
-              </a:rPr>
-              <a:t>期望角速度</a:t>
-            </a:r>
-            <a:endParaRPr lang="en-US" altLang="zh-CN" sz="1600" dirty="0">
-              <a:latin typeface="宋体" panose="02010600030101010101" pitchFamily="2" charset="-122"/>
-              <a:ea typeface="宋体" panose="02010600030101010101" pitchFamily="2" charset="-122"/>
-            </a:endParaRPr>
-          </a:p>
-          <a:p>
-            <a:pPr algn="ctr"/>
-            <a:r>
-              <a:rPr lang="zh-CN" altLang="en-US" sz="1600" dirty="0">
-                <a:latin typeface="宋体" panose="02010600030101010101" pitchFamily="2" charset="-122"/>
-                <a:ea typeface="宋体" panose="02010600030101010101" pitchFamily="2" charset="-122"/>
-              </a:rPr>
-              <a:t>（角度环</a:t>
-            </a:r>
-            <a:r>
-              <a:rPr lang="en-US" altLang="zh-CN" sz="1600" dirty="0">
-                <a:latin typeface="宋体" panose="02010600030101010101" pitchFamily="2" charset="-122"/>
-                <a:ea typeface="宋体" panose="02010600030101010101" pitchFamily="2" charset="-122"/>
-              </a:rPr>
-              <a:t>PID</a:t>
-            </a:r>
-            <a:r>
-              <a:rPr lang="zh-CN" altLang="en-US" sz="1600" dirty="0">
-                <a:latin typeface="宋体" panose="02010600030101010101" pitchFamily="2" charset="-122"/>
-                <a:ea typeface="宋体" panose="02010600030101010101" pitchFamily="2" charset="-122"/>
-              </a:rPr>
-              <a:t>输出）</a:t>
-            </a:r>
-          </a:p>
-        </p:txBody>
-      </p:sp>
-      <p:sp>
-        <p:nvSpPr>
-          <p:cNvPr id="116" name="文本框 115">
-            <a:extLst>
-              <a:ext uri="{FF2B5EF4-FFF2-40B4-BE49-F238E27FC236}">
-                <a16:creationId xmlns:a16="http://schemas.microsoft.com/office/drawing/2014/main" id="{BAD0DF0F-FCFA-4863-9975-182E531E96FE}"/>
-              </a:ext>
-            </a:extLst>
-          </p:cNvPr>
-          <p:cNvSpPr txBox="1"/>
-          <p:nvPr/>
-        </p:nvSpPr>
-        <p:spPr>
-          <a:xfrm>
-            <a:off x="4474176" y="5814220"/>
-            <a:ext cx="2157557" cy="338554"/>
-          </a:xfrm>
-          <a:prstGeom prst="rect">
-            <a:avLst/>
-          </a:prstGeom>
-          <a:noFill/>
-        </p:spPr>
-        <p:txBody>
-          <a:bodyPr wrap="square" rtlCol="0">
-            <a:spAutoFit/>
-          </a:bodyPr>
-          <a:lstStyle/>
-          <a:p>
-            <a:pPr algn="ctr"/>
-            <a:r>
-              <a:rPr lang="zh-CN" altLang="en-US" sz="1600" dirty="0">
-                <a:latin typeface="宋体" panose="02010600030101010101" pitchFamily="2" charset="-122"/>
-                <a:ea typeface="宋体" panose="02010600030101010101" pitchFamily="2" charset="-122"/>
-              </a:rPr>
-              <a:t>反馈</a:t>
-            </a:r>
-            <a:r>
-              <a:rPr lang="en-US" altLang="zh-CN" sz="1600" dirty="0">
-                <a:latin typeface="宋体" panose="02010600030101010101" pitchFamily="2" charset="-122"/>
-                <a:ea typeface="宋体" panose="02010600030101010101" pitchFamily="2" charset="-122"/>
-              </a:rPr>
-              <a:t>Z</a:t>
-            </a:r>
-            <a:r>
-              <a:rPr lang="zh-CN" altLang="en-US" sz="1600" dirty="0">
-                <a:latin typeface="宋体" panose="02010600030101010101" pitchFamily="2" charset="-122"/>
-                <a:ea typeface="宋体" panose="02010600030101010101" pitchFamily="2" charset="-122"/>
-              </a:rPr>
-              <a:t>轴角速度</a:t>
-            </a:r>
-          </a:p>
-        </p:txBody>
-      </p:sp>
-      <p:cxnSp>
-        <p:nvCxnSpPr>
-          <p:cNvPr id="117" name="连接符: 肘形 116">
-            <a:extLst>
-              <a:ext uri="{FF2B5EF4-FFF2-40B4-BE49-F238E27FC236}">
-                <a16:creationId xmlns:a16="http://schemas.microsoft.com/office/drawing/2014/main" id="{211596A2-0453-40BB-A5AD-806C4683AAEA}"/>
-              </a:ext>
-            </a:extLst>
-          </p:cNvPr>
-          <p:cNvCxnSpPr>
-            <a:cxnSpLocks/>
-            <a:stCxn id="21" idx="3"/>
-            <a:endCxn id="118" idx="4"/>
-          </p:cNvCxnSpPr>
-          <p:nvPr/>
-        </p:nvCxnSpPr>
-        <p:spPr>
-          <a:xfrm flipH="1">
-            <a:off x="1188097" y="3067493"/>
-            <a:ext cx="9659085" cy="2194804"/>
-          </a:xfrm>
-          <a:prstGeom prst="bentConnector4">
-            <a:avLst>
-              <a:gd name="adj1" fmla="val -2367"/>
-              <a:gd name="adj2" fmla="val 143646"/>
-            </a:avLst>
-          </a:prstGeom>
-          <a:ln>
-            <a:solidFill>
-              <a:schemeClr val="tx1"/>
-            </a:solidFill>
-            <a:tailEnd type="triangle"/>
-          </a:ln>
-        </p:spPr>
-        <p:style>
-          <a:lnRef idx="1">
-            <a:schemeClr val="accent1"/>
-          </a:lnRef>
-          <a:fillRef idx="0">
-            <a:schemeClr val="accent1"/>
-          </a:fillRef>
-          <a:effectRef idx="0">
-            <a:schemeClr val="accent1"/>
-          </a:effectRef>
-          <a:fontRef idx="minor">
-            <a:schemeClr val="tx1"/>
-          </a:fontRef>
-        </p:style>
-      </p:cxnSp>
-      <p:sp>
-        <p:nvSpPr>
-          <p:cNvPr id="118" name="流程图: 汇总连接 117">
-            <a:extLst>
-              <a:ext uri="{FF2B5EF4-FFF2-40B4-BE49-F238E27FC236}">
-                <a16:creationId xmlns:a16="http://schemas.microsoft.com/office/drawing/2014/main" id="{2251AAFD-2998-494E-B833-C50311D7221C}"/>
-              </a:ext>
-            </a:extLst>
-          </p:cNvPr>
-          <p:cNvSpPr/>
-          <p:nvPr/>
-        </p:nvSpPr>
-        <p:spPr>
-          <a:xfrm>
-            <a:off x="1045869" y="4977841"/>
-            <a:ext cx="284456" cy="284456"/>
-          </a:xfrm>
-          <a:prstGeom prst="flowChartSummingJunction">
-            <a:avLst/>
-          </a:prstGeom>
-          <a:ln>
-            <a:solidFill>
-              <a:schemeClr val="tx1"/>
-            </a:solidFill>
-          </a:ln>
-        </p:spPr>
-        <p:style>
-          <a:lnRef idx="2">
-            <a:schemeClr val="dk1"/>
-          </a:lnRef>
-          <a:fillRef idx="1">
-            <a:schemeClr val="lt1"/>
-          </a:fillRef>
-          <a:effectRef idx="0">
-            <a:schemeClr val="dk1"/>
-          </a:effectRef>
-          <a:fontRef idx="minor">
-            <a:schemeClr val="dk1"/>
-          </a:fontRef>
-        </p:style>
-        <p:txBody>
-          <a:bodyPr rot="0" spcFirstLastPara="0" vertOverflow="overflow" horzOverflow="overflow" vert="horz" wrap="square" lIns="91440" tIns="45720" rIns="91440" bIns="45720" numCol="1" spcCol="0" rtlCol="0" fromWordArt="0" anchor="ctr" anchorCtr="0" forceAA="0" compatLnSpc="1">
-            <a:prstTxWarp prst="textNoShape">
-              <a:avLst/>
-            </a:prstTxWarp>
-            <a:noAutofit/>
-          </a:bodyPr>
-          <a:lstStyle/>
-          <a:p>
-            <a:pPr algn="ctr"/>
-            <a:endParaRPr lang="zh-CN" altLang="en-US" dirty="0">
-              <a:solidFill>
-                <a:schemeClr val="dk1"/>
-              </a:solidFill>
-              <a:latin typeface="宋体" panose="02010600030101010101" pitchFamily="2" charset="-122"/>
-              <a:ea typeface="宋体" panose="02010600030101010101" pitchFamily="2" charset="-122"/>
-            </a:endParaRPr>
-          </a:p>
-        </p:txBody>
-      </p:sp>
-      <p:cxnSp>
-        <p:nvCxnSpPr>
-          <p:cNvPr id="119" name="直接箭头连接符 118">
-            <a:extLst>
-              <a:ext uri="{FF2B5EF4-FFF2-40B4-BE49-F238E27FC236}">
-                <a16:creationId xmlns:a16="http://schemas.microsoft.com/office/drawing/2014/main" id="{6344FC0D-F6FF-44E2-A47B-D0E4EB58E5AA}"/>
-              </a:ext>
-            </a:extLst>
-          </p:cNvPr>
-          <p:cNvCxnSpPr>
-            <a:cxnSpLocks/>
-            <a:stCxn id="118" idx="6"/>
-            <a:endCxn id="104" idx="1"/>
-          </p:cNvCxnSpPr>
-          <p:nvPr/>
-        </p:nvCxnSpPr>
-        <p:spPr>
-          <a:xfrm flipV="1">
-            <a:off x="1330325" y="5117208"/>
-            <a:ext cx="317995" cy="2861"/>
-          </a:xfrm>
-          <a:prstGeom prst="straightConnector1">
-            <a:avLst/>
-          </a:prstGeom>
-          <a:ln>
-            <a:solidFill>
-              <a:schemeClr val="tx1"/>
-            </a:solidFill>
-            <a:tailEnd type="triangle"/>
-          </a:ln>
-        </p:spPr>
-        <p:style>
-          <a:lnRef idx="1">
-            <a:schemeClr val="accent1"/>
-          </a:lnRef>
-          <a:fillRef idx="0">
-            <a:schemeClr val="accent1"/>
-          </a:fillRef>
-          <a:effectRef idx="0">
-            <a:schemeClr val="accent1"/>
-          </a:effectRef>
-          <a:fontRef idx="minor">
-            <a:schemeClr val="tx1"/>
-          </a:fontRef>
-        </p:style>
-      </p:cxnSp>
-      <p:cxnSp>
-        <p:nvCxnSpPr>
-          <p:cNvPr id="120" name="直接箭头连接符 119">
-            <a:extLst>
-              <a:ext uri="{FF2B5EF4-FFF2-40B4-BE49-F238E27FC236}">
-                <a16:creationId xmlns:a16="http://schemas.microsoft.com/office/drawing/2014/main" id="{5385CD2C-12B8-4655-B2D2-487D55A3D448}"/>
-              </a:ext>
-            </a:extLst>
-          </p:cNvPr>
-          <p:cNvCxnSpPr>
-            <a:cxnSpLocks/>
-            <a:stCxn id="105" idx="6"/>
-            <a:endCxn id="106" idx="1"/>
-          </p:cNvCxnSpPr>
-          <p:nvPr/>
-        </p:nvCxnSpPr>
-        <p:spPr>
-          <a:xfrm flipV="1">
-            <a:off x="4884895" y="5117208"/>
-            <a:ext cx="668060" cy="2861"/>
-          </a:xfrm>
-          <a:prstGeom prst="straightConnector1">
-            <a:avLst/>
-          </a:prstGeom>
-          <a:ln>
-            <a:solidFill>
-              <a:schemeClr val="tx1"/>
-            </a:solidFill>
-            <a:tailEnd type="triangle"/>
-          </a:ln>
-        </p:spPr>
-        <p:style>
-          <a:lnRef idx="1">
-            <a:schemeClr val="accent1"/>
-          </a:lnRef>
-          <a:fillRef idx="0">
-            <a:schemeClr val="accent1"/>
-          </a:fillRef>
-          <a:effectRef idx="0">
-            <a:schemeClr val="accent1"/>
-          </a:effectRef>
-          <a:fontRef idx="minor">
-            <a:schemeClr val="tx1"/>
-          </a:fontRef>
-        </p:style>
-      </p:cxnSp>
-      <p:sp>
-        <p:nvSpPr>
-          <p:cNvPr id="121" name="文本框 120">
-            <a:extLst>
-              <a:ext uri="{FF2B5EF4-FFF2-40B4-BE49-F238E27FC236}">
-                <a16:creationId xmlns:a16="http://schemas.microsoft.com/office/drawing/2014/main" id="{1F957929-7C27-433C-ABCC-0EA128537F50}"/>
-              </a:ext>
-            </a:extLst>
-          </p:cNvPr>
-          <p:cNvSpPr txBox="1"/>
-          <p:nvPr/>
-        </p:nvSpPr>
-        <p:spPr>
-          <a:xfrm>
-            <a:off x="1070575" y="5844381"/>
-            <a:ext cx="1973426" cy="338554"/>
-          </a:xfrm>
-          <a:prstGeom prst="rect">
-            <a:avLst/>
-          </a:prstGeom>
-          <a:noFill/>
-        </p:spPr>
-        <p:txBody>
-          <a:bodyPr wrap="square" rtlCol="0">
-            <a:spAutoFit/>
-          </a:bodyPr>
-          <a:lstStyle/>
-          <a:p>
-            <a:pPr algn="ctr"/>
-            <a:r>
-              <a:rPr lang="zh-CN" altLang="en-US" sz="1600" dirty="0">
-                <a:latin typeface="宋体" panose="02010600030101010101" pitchFamily="2" charset="-122"/>
-                <a:ea typeface="宋体" panose="02010600030101010101" pitchFamily="2" charset="-122"/>
-              </a:rPr>
-              <a:t>反馈当前偏航角</a:t>
-            </a:r>
-          </a:p>
-        </p:txBody>
-      </p:sp>
-      <p:cxnSp>
-        <p:nvCxnSpPr>
-          <p:cNvPr id="128" name="直接箭头连接符 127">
-            <a:extLst>
-              <a:ext uri="{FF2B5EF4-FFF2-40B4-BE49-F238E27FC236}">
-                <a16:creationId xmlns:a16="http://schemas.microsoft.com/office/drawing/2014/main" id="{CF39499B-9D4B-4815-BA25-7A13B1701963}"/>
-              </a:ext>
-            </a:extLst>
-          </p:cNvPr>
-          <p:cNvCxnSpPr>
-            <a:cxnSpLocks/>
-            <a:endCxn id="118" idx="2"/>
-          </p:cNvCxnSpPr>
-          <p:nvPr/>
-        </p:nvCxnSpPr>
-        <p:spPr>
-          <a:xfrm>
-            <a:off x="253048" y="5120069"/>
-            <a:ext cx="792821" cy="0"/>
-          </a:xfrm>
-          <a:prstGeom prst="straightConnector1">
-            <a:avLst/>
-          </a:prstGeom>
-          <a:ln>
-            <a:solidFill>
-              <a:schemeClr val="tx1"/>
-            </a:solidFill>
-            <a:tailEnd type="triangle"/>
-          </a:ln>
-        </p:spPr>
-        <p:style>
-          <a:lnRef idx="1">
-            <a:schemeClr val="accent1"/>
-          </a:lnRef>
-          <a:fillRef idx="0">
-            <a:schemeClr val="accent1"/>
-          </a:fillRef>
-          <a:effectRef idx="0">
-            <a:schemeClr val="accent1"/>
-          </a:effectRef>
-          <a:fontRef idx="minor">
-            <a:schemeClr val="tx1"/>
-          </a:fontRef>
-        </p:style>
-      </p:cxnSp>
-      <p:sp>
-        <p:nvSpPr>
-          <p:cNvPr id="131" name="文本框 130">
-            <a:extLst>
-              <a:ext uri="{FF2B5EF4-FFF2-40B4-BE49-F238E27FC236}">
-                <a16:creationId xmlns:a16="http://schemas.microsoft.com/office/drawing/2014/main" id="{A448AD65-8A10-491D-B5D8-D2C45E29F473}"/>
-              </a:ext>
-            </a:extLst>
-          </p:cNvPr>
-          <p:cNvSpPr txBox="1"/>
-          <p:nvPr/>
-        </p:nvSpPr>
-        <p:spPr>
-          <a:xfrm>
-            <a:off x="104554" y="4665182"/>
-            <a:ext cx="1301375" cy="338554"/>
-          </a:xfrm>
-          <a:prstGeom prst="rect">
-            <a:avLst/>
-          </a:prstGeom>
-          <a:noFill/>
-        </p:spPr>
-        <p:txBody>
-          <a:bodyPr wrap="square" rtlCol="0">
-            <a:spAutoFit/>
-          </a:bodyPr>
-          <a:lstStyle/>
-          <a:p>
-            <a:pPr algn="ctr"/>
-            <a:r>
-              <a:rPr lang="zh-CN" altLang="en-US" sz="1600" dirty="0">
-                <a:latin typeface="宋体" panose="02010600030101010101" pitchFamily="2" charset="-122"/>
-                <a:ea typeface="宋体" panose="02010600030101010101" pitchFamily="2" charset="-122"/>
-              </a:rPr>
-              <a:t>期望偏航角</a:t>
-            </a:r>
-          </a:p>
-        </p:txBody>
-      </p:sp>
-      <p:cxnSp>
-        <p:nvCxnSpPr>
-          <p:cNvPr id="132" name="直接箭头连接符 131">
-            <a:extLst>
-              <a:ext uri="{FF2B5EF4-FFF2-40B4-BE49-F238E27FC236}">
-                <a16:creationId xmlns:a16="http://schemas.microsoft.com/office/drawing/2014/main" id="{EBC084D4-566F-4FB0-B66E-D00F3D94DDF6}"/>
-              </a:ext>
-            </a:extLst>
-          </p:cNvPr>
-          <p:cNvCxnSpPr>
-            <a:cxnSpLocks/>
-            <a:endCxn id="105" idx="4"/>
-          </p:cNvCxnSpPr>
-          <p:nvPr/>
-        </p:nvCxnSpPr>
-        <p:spPr>
-          <a:xfrm flipV="1">
-            <a:off x="4742667" y="5262297"/>
-            <a:ext cx="0" cy="963915"/>
-          </a:xfrm>
-          <a:prstGeom prst="straightConnector1">
-            <a:avLst/>
-          </a:prstGeom>
-          <a:ln>
-            <a:solidFill>
-              <a:schemeClr val="tx1"/>
-            </a:solidFill>
-            <a:tailEnd type="triangle"/>
-          </a:ln>
-        </p:spPr>
-        <p:style>
-          <a:lnRef idx="1">
-            <a:schemeClr val="accent1"/>
-          </a:lnRef>
-          <a:fillRef idx="0">
-            <a:schemeClr val="accent1"/>
-          </a:fillRef>
-          <a:effectRef idx="0">
-            <a:schemeClr val="accent1"/>
-          </a:effectRef>
-          <a:fontRef idx="minor">
-            <a:schemeClr val="tx1"/>
-          </a:fontRef>
-        </p:style>
-      </p:cxnSp>
-      <p:sp>
-        <p:nvSpPr>
-          <p:cNvPr id="138" name="文本框 137">
-            <a:extLst>
-              <a:ext uri="{FF2B5EF4-FFF2-40B4-BE49-F238E27FC236}">
-                <a16:creationId xmlns:a16="http://schemas.microsoft.com/office/drawing/2014/main" id="{4D664923-04CC-4DF0-A8DF-09096C0E04D0}"/>
-              </a:ext>
-            </a:extLst>
-          </p:cNvPr>
-          <p:cNvSpPr txBox="1"/>
-          <p:nvPr/>
-        </p:nvSpPr>
-        <p:spPr>
-          <a:xfrm>
-            <a:off x="8148727" y="4577676"/>
-            <a:ext cx="1087984" cy="584775"/>
-          </a:xfrm>
-          <a:prstGeom prst="rect">
-            <a:avLst/>
-          </a:prstGeom>
-          <a:noFill/>
-        </p:spPr>
-        <p:txBody>
-          <a:bodyPr wrap="square" rtlCol="0">
-            <a:spAutoFit/>
-          </a:bodyPr>
-          <a:lstStyle/>
-          <a:p>
-            <a:pPr algn="ctr"/>
-            <a:r>
-              <a:rPr lang="zh-CN" altLang="en-US" sz="1600" dirty="0">
-                <a:latin typeface="宋体" panose="02010600030101010101" pitchFamily="2" charset="-122"/>
-                <a:ea typeface="宋体" panose="02010600030101010101" pitchFamily="2" charset="-122"/>
-              </a:rPr>
-              <a:t>偏航方向</a:t>
-            </a:r>
-            <a:endParaRPr lang="en-US" altLang="zh-CN" sz="1600" dirty="0">
-              <a:latin typeface="宋体" panose="02010600030101010101" pitchFamily="2" charset="-122"/>
-              <a:ea typeface="宋体" panose="02010600030101010101" pitchFamily="2" charset="-122"/>
-            </a:endParaRPr>
-          </a:p>
-          <a:p>
-            <a:pPr algn="ctr"/>
-            <a:r>
-              <a:rPr lang="zh-CN" altLang="en-US" sz="1600" dirty="0">
-                <a:latin typeface="宋体" panose="02010600030101010101" pitchFamily="2" charset="-122"/>
-                <a:ea typeface="宋体" panose="02010600030101010101" pitchFamily="2" charset="-122"/>
-              </a:rPr>
-              <a:t>控制量</a:t>
-            </a:r>
-          </a:p>
-        </p:txBody>
-      </p:sp>
-      <p:sp>
-        <p:nvSpPr>
-          <p:cNvPr id="153" name="任意多边形: 形状 152">
-            <a:extLst>
-              <a:ext uri="{FF2B5EF4-FFF2-40B4-BE49-F238E27FC236}">
-                <a16:creationId xmlns:a16="http://schemas.microsoft.com/office/drawing/2014/main" id="{19B699D8-E195-4186-BE49-341D0EA5870B}"/>
-              </a:ext>
-            </a:extLst>
-          </p:cNvPr>
-          <p:cNvSpPr/>
-          <p:nvPr/>
-        </p:nvSpPr>
-        <p:spPr>
-          <a:xfrm>
-            <a:off x="8148727" y="4260981"/>
-            <a:ext cx="56111" cy="104503"/>
-          </a:xfrm>
-          <a:custGeom>
-            <a:avLst/>
-            <a:gdLst>
-              <a:gd name="connsiteX0" fmla="*/ 0 w 182900"/>
-              <a:gd name="connsiteY0" fmla="*/ 0 h 182880"/>
-              <a:gd name="connsiteX1" fmla="*/ 182880 w 182900"/>
-              <a:gd name="connsiteY1" fmla="*/ 104503 h 182880"/>
-              <a:gd name="connsiteX2" fmla="*/ 13063 w 182900"/>
-              <a:gd name="connsiteY2" fmla="*/ 182880 h 182880"/>
-              <a:gd name="connsiteX3" fmla="*/ 13063 w 182900"/>
-              <a:gd name="connsiteY3" fmla="*/ 182880 h 182880"/>
-            </a:gdLst>
-            <a:ahLst/>
-            <a:cxnLst>
-              <a:cxn ang="0">
-                <a:pos x="connsiteX0" y="connsiteY0"/>
-              </a:cxn>
-              <a:cxn ang="0">
-                <a:pos x="connsiteX1" y="connsiteY1"/>
-              </a:cxn>
-              <a:cxn ang="0">
-                <a:pos x="connsiteX2" y="connsiteY2"/>
-              </a:cxn>
-              <a:cxn ang="0">
-                <a:pos x="connsiteX3" y="connsiteY3"/>
-              </a:cxn>
-            </a:cxnLst>
-            <a:rect l="l" t="t" r="r" b="b"/>
-            <a:pathLst>
-              <a:path w="182900" h="182880">
-                <a:moveTo>
-                  <a:pt x="0" y="0"/>
-                </a:moveTo>
-                <a:cubicBezTo>
-                  <a:pt x="90351" y="37011"/>
-                  <a:pt x="180703" y="74023"/>
-                  <a:pt x="182880" y="104503"/>
-                </a:cubicBezTo>
-                <a:cubicBezTo>
-                  <a:pt x="185057" y="134983"/>
-                  <a:pt x="13063" y="182880"/>
-                  <a:pt x="13063" y="182880"/>
-                </a:cubicBezTo>
-                <a:lnTo>
-                  <a:pt x="13063" y="182880"/>
-                </a:lnTo>
-              </a:path>
-            </a:pathLst>
-          </a:custGeom>
-        </p:spPr>
-        <p:style>
-          <a:lnRef idx="1">
-            <a:schemeClr val="dk1"/>
-          </a:lnRef>
-          <a:fillRef idx="0">
-            <a:schemeClr val="dk1"/>
-          </a:fillRef>
-          <a:effectRef idx="0">
-            <a:schemeClr val="dk1"/>
-          </a:effectRef>
-          <a:fontRef idx="minor">
-            <a:schemeClr val="tx1"/>
-          </a:fontRef>
-        </p:style>
-        <p:txBody>
-          <a:bodyPr rtlCol="0" anchor="ctr"/>
-          <a:lstStyle/>
-          <a:p>
-            <a:pPr algn="ctr"/>
-            <a:endParaRPr lang="zh-CN" altLang="en-US"/>
-          </a:p>
-        </p:txBody>
-      </p:sp>
-      <p:cxnSp>
-        <p:nvCxnSpPr>
-          <p:cNvPr id="155" name="连接符: 肘形 154">
-            <a:extLst>
-              <a:ext uri="{FF2B5EF4-FFF2-40B4-BE49-F238E27FC236}">
-                <a16:creationId xmlns:a16="http://schemas.microsoft.com/office/drawing/2014/main" id="{F2588C46-B2E4-460D-855B-C9A927B47D76}"/>
-              </a:ext>
-            </a:extLst>
-          </p:cNvPr>
-          <p:cNvCxnSpPr>
-            <a:cxnSpLocks/>
-            <a:stCxn id="106" idx="3"/>
-            <a:endCxn id="153" idx="2"/>
-          </p:cNvCxnSpPr>
-          <p:nvPr/>
-        </p:nvCxnSpPr>
-        <p:spPr>
-          <a:xfrm flipV="1">
-            <a:off x="6948227" y="4365484"/>
-            <a:ext cx="1204508" cy="751724"/>
-          </a:xfrm>
-          <a:prstGeom prst="bentConnector3">
-            <a:avLst>
-              <a:gd name="adj1" fmla="val 99581"/>
-            </a:avLst>
-          </a:prstGeom>
-          <a:ln>
-            <a:solidFill>
-              <a:schemeClr val="tx1"/>
-            </a:solidFill>
-          </a:ln>
-        </p:spPr>
-        <p:style>
-          <a:lnRef idx="1">
-            <a:schemeClr val="accent1"/>
-          </a:lnRef>
-          <a:fillRef idx="0">
-            <a:schemeClr val="accent1"/>
-          </a:fillRef>
-          <a:effectRef idx="0">
-            <a:schemeClr val="accent1"/>
-          </a:effectRef>
-          <a:fontRef idx="minor">
-            <a:schemeClr val="tx1"/>
-          </a:fontRef>
-        </p:style>
-      </p:cxnSp>
-      <p:cxnSp>
-        <p:nvCxnSpPr>
-          <p:cNvPr id="160" name="直接箭头连接符 159">
-            <a:extLst>
-              <a:ext uri="{FF2B5EF4-FFF2-40B4-BE49-F238E27FC236}">
-                <a16:creationId xmlns:a16="http://schemas.microsoft.com/office/drawing/2014/main" id="{1D4CA116-DD89-4C46-AD46-76325D1DE1A3}"/>
-              </a:ext>
-            </a:extLst>
-          </p:cNvPr>
-          <p:cNvCxnSpPr>
-            <a:cxnSpLocks/>
-            <a:stCxn id="153" idx="0"/>
-            <a:endCxn id="20" idx="2"/>
-          </p:cNvCxnSpPr>
-          <p:nvPr/>
-        </p:nvCxnSpPr>
-        <p:spPr>
-          <a:xfrm flipV="1">
-            <a:off x="8148727" y="3724199"/>
-            <a:ext cx="192" cy="536782"/>
-          </a:xfrm>
-          <a:prstGeom prst="straightConnector1">
-            <a:avLst/>
-          </a:prstGeom>
-          <a:ln>
-            <a:solidFill>
-              <a:schemeClr val="tx1"/>
-            </a:solidFill>
-            <a:tailEnd type="triangle"/>
-          </a:ln>
-        </p:spPr>
-        <p:style>
-          <a:lnRef idx="1">
-            <a:schemeClr val="accent1"/>
-          </a:lnRef>
-          <a:fillRef idx="0">
-            <a:schemeClr val="accent1"/>
-          </a:fillRef>
-          <a:effectRef idx="0">
-            <a:schemeClr val="accent1"/>
-          </a:effectRef>
-          <a:fontRef idx="minor">
-            <a:schemeClr val="tx1"/>
-          </a:fontRef>
-        </p:style>
-      </p:cxnSp>
-      <p:sp>
-        <p:nvSpPr>
-          <p:cNvPr id="183" name="矩形 182">
-            <a:extLst>
-              <a:ext uri="{FF2B5EF4-FFF2-40B4-BE49-F238E27FC236}">
-                <a16:creationId xmlns:a16="http://schemas.microsoft.com/office/drawing/2014/main" id="{F8F57122-C603-48C2-951A-852D1CAE7034}"/>
-              </a:ext>
-            </a:extLst>
-          </p:cNvPr>
-          <p:cNvSpPr/>
-          <p:nvPr/>
-        </p:nvSpPr>
-        <p:spPr>
-          <a:xfrm>
-            <a:off x="1250321" y="5365395"/>
-            <a:ext cx="249501" cy="233039"/>
-          </a:xfrm>
-          <a:prstGeom prst="rect">
-            <a:avLst/>
-          </a:prstGeom>
-          <a:ln>
-            <a:solidFill>
-              <a:schemeClr val="bg1"/>
-            </a:solidFill>
-          </a:ln>
-        </p:spPr>
-        <p:style>
-          <a:lnRef idx="2">
-            <a:schemeClr val="dk1"/>
-          </a:lnRef>
-          <a:fillRef idx="1">
-            <a:schemeClr val="lt1"/>
-          </a:fillRef>
-          <a:effectRef idx="0">
-            <a:schemeClr val="dk1"/>
-          </a:effectRef>
-          <a:fontRef idx="minor">
-            <a:schemeClr val="dk1"/>
-          </a:fontRef>
-        </p:style>
-        <p:txBody>
-          <a:bodyPr rtlCol="0" anchor="ctr"/>
-          <a:lstStyle/>
-          <a:p>
-            <a:pPr algn="ctr"/>
-            <a:r>
-              <a:rPr lang="en-US" altLang="zh-CN" dirty="0">
-                <a:latin typeface="宋体" panose="02010600030101010101" pitchFamily="2" charset="-122"/>
-                <a:ea typeface="宋体" panose="02010600030101010101" pitchFamily="2" charset="-122"/>
-              </a:rPr>
-              <a:t>-</a:t>
-            </a:r>
-            <a:endParaRPr lang="zh-CN" altLang="en-US" dirty="0">
-              <a:latin typeface="宋体" panose="02010600030101010101" pitchFamily="2" charset="-122"/>
-              <a:ea typeface="宋体" panose="02010600030101010101" pitchFamily="2" charset="-122"/>
-            </a:endParaRPr>
-          </a:p>
-        </p:txBody>
-      </p:sp>
-      <p:sp>
-        <p:nvSpPr>
-          <p:cNvPr id="184" name="矩形 183">
-            <a:extLst>
-              <a:ext uri="{FF2B5EF4-FFF2-40B4-BE49-F238E27FC236}">
-                <a16:creationId xmlns:a16="http://schemas.microsoft.com/office/drawing/2014/main" id="{854E0689-536E-4E1A-9D7E-A4D350297DD0}"/>
-              </a:ext>
-            </a:extLst>
-          </p:cNvPr>
-          <p:cNvSpPr/>
-          <p:nvPr/>
-        </p:nvSpPr>
-        <p:spPr>
-          <a:xfrm>
-            <a:off x="4771762" y="5300466"/>
-            <a:ext cx="249501" cy="233039"/>
-          </a:xfrm>
-          <a:prstGeom prst="rect">
-            <a:avLst/>
-          </a:prstGeom>
-          <a:ln>
-            <a:solidFill>
-              <a:schemeClr val="bg1"/>
-            </a:solidFill>
-          </a:ln>
-        </p:spPr>
-        <p:style>
-          <a:lnRef idx="2">
-            <a:schemeClr val="dk1"/>
-          </a:lnRef>
-          <a:fillRef idx="1">
-            <a:schemeClr val="lt1"/>
-          </a:fillRef>
-          <a:effectRef idx="0">
-            <a:schemeClr val="dk1"/>
-          </a:effectRef>
-          <a:fontRef idx="minor">
-            <a:schemeClr val="dk1"/>
-          </a:fontRef>
-        </p:style>
-        <p:txBody>
-          <a:bodyPr rtlCol="0" anchor="ctr"/>
-          <a:lstStyle/>
-          <a:p>
-            <a:pPr algn="ctr"/>
-            <a:r>
-              <a:rPr lang="en-US" altLang="zh-CN" dirty="0">
-                <a:latin typeface="宋体" panose="02010600030101010101" pitchFamily="2" charset="-122"/>
-                <a:ea typeface="宋体" panose="02010600030101010101" pitchFamily="2" charset="-122"/>
-              </a:rPr>
-              <a:t>-</a:t>
-            </a:r>
-            <a:endParaRPr lang="zh-CN" altLang="en-US" dirty="0">
-              <a:latin typeface="宋体" panose="02010600030101010101" pitchFamily="2" charset="-122"/>
-              <a:ea typeface="宋体" panose="02010600030101010101" pitchFamily="2" charset="-122"/>
-            </a:endParaRPr>
-          </a:p>
-        </p:txBody>
-      </p:sp>
-    </p:spTree>
-    <p:extLst>
-      <p:ext uri="{BB962C8B-B14F-4D97-AF65-F5344CB8AC3E}">
-        <p14:creationId xmlns:p14="http://schemas.microsoft.com/office/powerpoint/2010/main" val="134452381"/>
       </p:ext>
     </p:extLst>
   </p:cSld>

--- a/框图.pptx
+++ b/框图.pptx
@@ -247,7 +247,7 @@
           <a:p>
             <a:fld id="{C773181F-8EFC-4289-A938-666904BF3F64}" type="datetimeFigureOut">
               <a:rPr lang="zh-CN" altLang="en-US" smtClean="0"/>
-              <a:t>2020/11/16</a:t>
+              <a:t>2020/11/25</a:t>
             </a:fld>
             <a:endParaRPr lang="zh-CN" altLang="en-US"/>
           </a:p>
@@ -661,7 +661,7 @@
           <a:p>
             <a:fld id="{5230440D-BA63-467C-878F-1C8A9502090C}" type="datetimeFigureOut">
               <a:rPr lang="zh-CN" altLang="en-US" smtClean="0"/>
-              <a:t>2020/11/16</a:t>
+              <a:t>2020/11/25</a:t>
             </a:fld>
             <a:endParaRPr lang="zh-CN" altLang="en-US"/>
           </a:p>
@@ -859,7 +859,7 @@
           <a:p>
             <a:fld id="{5230440D-BA63-467C-878F-1C8A9502090C}" type="datetimeFigureOut">
               <a:rPr lang="zh-CN" altLang="en-US" smtClean="0"/>
-              <a:t>2020/11/16</a:t>
+              <a:t>2020/11/25</a:t>
             </a:fld>
             <a:endParaRPr lang="zh-CN" altLang="en-US"/>
           </a:p>
@@ -1067,7 +1067,7 @@
           <a:p>
             <a:fld id="{5230440D-BA63-467C-878F-1C8A9502090C}" type="datetimeFigureOut">
               <a:rPr lang="zh-CN" altLang="en-US" smtClean="0"/>
-              <a:t>2020/11/16</a:t>
+              <a:t>2020/11/25</a:t>
             </a:fld>
             <a:endParaRPr lang="zh-CN" altLang="en-US"/>
           </a:p>
@@ -1265,7 +1265,7 @@
           <a:p>
             <a:fld id="{5230440D-BA63-467C-878F-1C8A9502090C}" type="datetimeFigureOut">
               <a:rPr lang="zh-CN" altLang="en-US" smtClean="0"/>
-              <a:t>2020/11/16</a:t>
+              <a:t>2020/11/25</a:t>
             </a:fld>
             <a:endParaRPr lang="zh-CN" altLang="en-US"/>
           </a:p>
@@ -1540,7 +1540,7 @@
           <a:p>
             <a:fld id="{5230440D-BA63-467C-878F-1C8A9502090C}" type="datetimeFigureOut">
               <a:rPr lang="zh-CN" altLang="en-US" smtClean="0"/>
-              <a:t>2020/11/16</a:t>
+              <a:t>2020/11/25</a:t>
             </a:fld>
             <a:endParaRPr lang="zh-CN" altLang="en-US"/>
           </a:p>
@@ -1805,7 +1805,7 @@
           <a:p>
             <a:fld id="{5230440D-BA63-467C-878F-1C8A9502090C}" type="datetimeFigureOut">
               <a:rPr lang="zh-CN" altLang="en-US" smtClean="0"/>
-              <a:t>2020/11/16</a:t>
+              <a:t>2020/11/25</a:t>
             </a:fld>
             <a:endParaRPr lang="zh-CN" altLang="en-US"/>
           </a:p>
@@ -2217,7 +2217,7 @@
           <a:p>
             <a:fld id="{5230440D-BA63-467C-878F-1C8A9502090C}" type="datetimeFigureOut">
               <a:rPr lang="zh-CN" altLang="en-US" smtClean="0"/>
-              <a:t>2020/11/16</a:t>
+              <a:t>2020/11/25</a:t>
             </a:fld>
             <a:endParaRPr lang="zh-CN" altLang="en-US"/>
           </a:p>
@@ -2358,7 +2358,7 @@
           <a:p>
             <a:fld id="{5230440D-BA63-467C-878F-1C8A9502090C}" type="datetimeFigureOut">
               <a:rPr lang="zh-CN" altLang="en-US" smtClean="0"/>
-              <a:t>2020/11/16</a:t>
+              <a:t>2020/11/25</a:t>
             </a:fld>
             <a:endParaRPr lang="zh-CN" altLang="en-US"/>
           </a:p>
@@ -2471,7 +2471,7 @@
           <a:p>
             <a:fld id="{5230440D-BA63-467C-878F-1C8A9502090C}" type="datetimeFigureOut">
               <a:rPr lang="zh-CN" altLang="en-US" smtClean="0"/>
-              <a:t>2020/11/16</a:t>
+              <a:t>2020/11/25</a:t>
             </a:fld>
             <a:endParaRPr lang="zh-CN" altLang="en-US"/>
           </a:p>
@@ -2782,7 +2782,7 @@
           <a:p>
             <a:fld id="{5230440D-BA63-467C-878F-1C8A9502090C}" type="datetimeFigureOut">
               <a:rPr lang="zh-CN" altLang="en-US" smtClean="0"/>
-              <a:t>2020/11/16</a:t>
+              <a:t>2020/11/25</a:t>
             </a:fld>
             <a:endParaRPr lang="zh-CN" altLang="en-US"/>
           </a:p>
@@ -3070,7 +3070,7 @@
           <a:p>
             <a:fld id="{5230440D-BA63-467C-878F-1C8A9502090C}" type="datetimeFigureOut">
               <a:rPr lang="zh-CN" altLang="en-US" smtClean="0"/>
-              <a:t>2020/11/16</a:t>
+              <a:t>2020/11/25</a:t>
             </a:fld>
             <a:endParaRPr lang="zh-CN" altLang="en-US"/>
           </a:p>
@@ -3311,7 +3311,7 @@
           <a:p>
             <a:fld id="{5230440D-BA63-467C-878F-1C8A9502090C}" type="datetimeFigureOut">
               <a:rPr lang="zh-CN" altLang="en-US" smtClean="0"/>
-              <a:t>2020/11/16</a:t>
+              <a:t>2020/11/25</a:t>
             </a:fld>
             <a:endParaRPr lang="zh-CN" altLang="en-US"/>
           </a:p>
@@ -22279,6 +22279,1253 @@
           <a:chExt cx="0" cy="0"/>
         </a:xfrm>
       </p:grpSpPr>
+      <p:sp>
+        <p:nvSpPr>
+          <p:cNvPr id="3" name="矩形 2">
+            <a:extLst>
+              <a:ext uri="{FF2B5EF4-FFF2-40B4-BE49-F238E27FC236}">
+                <a16:creationId xmlns:a16="http://schemas.microsoft.com/office/drawing/2014/main" id="{1CF35BAD-B340-4EC6-8912-D640C5B6EE15}"/>
+              </a:ext>
+            </a:extLst>
+          </p:cNvPr>
+          <p:cNvSpPr/>
+          <p:nvPr/>
+        </p:nvSpPr>
+        <p:spPr>
+          <a:xfrm>
+            <a:off x="1548483" y="964844"/>
+            <a:ext cx="835999" cy="472278"/>
+          </a:xfrm>
+          <a:prstGeom prst="rect">
+            <a:avLst/>
+          </a:prstGeom>
+          <a:solidFill>
+            <a:srgbClr val="D9958F"/>
+          </a:solidFill>
+          <a:ln w="12700">
+            <a:noFill/>
+          </a:ln>
+        </p:spPr>
+        <p:style>
+          <a:lnRef idx="2">
+            <a:schemeClr val="accent6"/>
+          </a:lnRef>
+          <a:fillRef idx="1">
+            <a:schemeClr val="lt1"/>
+          </a:fillRef>
+          <a:effectRef idx="0">
+            <a:schemeClr val="accent6"/>
+          </a:effectRef>
+          <a:fontRef idx="minor">
+            <a:schemeClr val="dk1"/>
+          </a:fontRef>
+        </p:style>
+        <p:txBody>
+          <a:bodyPr vertOverflow="overflow" horzOverflow="overflow" vert="horz" wrap="square" numCol="1" spcCol="0" rtlCol="0" fromWordArt="0" anchor="ctr" anchorCtr="0" forceAA="0" compatLnSpc="1">
+            <a:noAutofit/>
+          </a:bodyPr>
+          <a:lstStyle/>
+          <a:p>
+            <a:pPr lvl="0" algn="ctr"/>
+            <a:r>
+              <a:rPr lang="en-US" altLang="zh-CN" sz="1400" dirty="0">
+                <a:solidFill>
+                  <a:schemeClr val="bg1"/>
+                </a:solidFill>
+                <a:latin typeface="微软雅黑" panose="020B0503020204020204" pitchFamily="34" charset="-122"/>
+                <a:ea typeface="微软雅黑" panose="020B0503020204020204" pitchFamily="34" charset="-122"/>
+                <a:sym typeface="+mn-ea"/>
+              </a:rPr>
+              <a:t>D</a:t>
+            </a:r>
+            <a:endParaRPr lang="zh-CN" altLang="en-US" sz="1400" dirty="0">
+              <a:solidFill>
+                <a:schemeClr val="bg1"/>
+              </a:solidFill>
+              <a:latin typeface="微软雅黑" panose="020B0503020204020204" pitchFamily="34" charset="-122"/>
+              <a:ea typeface="微软雅黑" panose="020B0503020204020204" pitchFamily="34" charset="-122"/>
+              <a:sym typeface="+mn-ea"/>
+            </a:endParaRPr>
+          </a:p>
+        </p:txBody>
+      </p:sp>
+      <p:sp>
+        <p:nvSpPr>
+          <p:cNvPr id="4" name="矩形 3">
+            <a:extLst>
+              <a:ext uri="{FF2B5EF4-FFF2-40B4-BE49-F238E27FC236}">
+                <a16:creationId xmlns:a16="http://schemas.microsoft.com/office/drawing/2014/main" id="{82AC6EB6-2489-4E9D-9851-D07EA1C2D0F2}"/>
+              </a:ext>
+            </a:extLst>
+          </p:cNvPr>
+          <p:cNvSpPr/>
+          <p:nvPr/>
+        </p:nvSpPr>
+        <p:spPr>
+          <a:xfrm>
+            <a:off x="3042345" y="1655554"/>
+            <a:ext cx="835999" cy="472278"/>
+          </a:xfrm>
+          <a:prstGeom prst="rect">
+            <a:avLst/>
+          </a:prstGeom>
+          <a:solidFill>
+            <a:srgbClr val="FFC000"/>
+          </a:solidFill>
+          <a:ln w="12700">
+            <a:noFill/>
+          </a:ln>
+        </p:spPr>
+        <p:style>
+          <a:lnRef idx="2">
+            <a:schemeClr val="accent6"/>
+          </a:lnRef>
+          <a:fillRef idx="1">
+            <a:schemeClr val="lt1"/>
+          </a:fillRef>
+          <a:effectRef idx="0">
+            <a:schemeClr val="accent6"/>
+          </a:effectRef>
+          <a:fontRef idx="minor">
+            <a:schemeClr val="dk1"/>
+          </a:fontRef>
+        </p:style>
+        <p:txBody>
+          <a:bodyPr vertOverflow="overflow" horzOverflow="overflow" vert="horz" wrap="square" numCol="1" spcCol="0" rtlCol="0" fromWordArt="0" anchor="ctr" anchorCtr="0" forceAA="0" compatLnSpc="1">
+            <a:noAutofit/>
+          </a:bodyPr>
+          <a:lstStyle/>
+          <a:p>
+            <a:pPr lvl="0" algn="ctr"/>
+            <a:r>
+              <a:rPr lang="en-US" altLang="zh-CN" sz="1400" dirty="0">
+                <a:solidFill>
+                  <a:schemeClr val="bg1"/>
+                </a:solidFill>
+                <a:latin typeface="微软雅黑" panose="020B0503020204020204" pitchFamily="34" charset="-122"/>
+                <a:ea typeface="微软雅黑" panose="020B0503020204020204" pitchFamily="34" charset="-122"/>
+                <a:sym typeface="+mn-ea"/>
+              </a:rPr>
+              <a:t>C</a:t>
+            </a:r>
+            <a:endParaRPr lang="zh-CN" altLang="en-US" sz="1400" dirty="0">
+              <a:solidFill>
+                <a:schemeClr val="bg1"/>
+              </a:solidFill>
+              <a:latin typeface="微软雅黑" panose="020B0503020204020204" pitchFamily="34" charset="-122"/>
+              <a:ea typeface="微软雅黑" panose="020B0503020204020204" pitchFamily="34" charset="-122"/>
+              <a:sym typeface="+mn-ea"/>
+            </a:endParaRPr>
+          </a:p>
+        </p:txBody>
+      </p:sp>
+      <p:sp>
+        <p:nvSpPr>
+          <p:cNvPr id="5" name="矩形 4">
+            <a:extLst>
+              <a:ext uri="{FF2B5EF4-FFF2-40B4-BE49-F238E27FC236}">
+                <a16:creationId xmlns:a16="http://schemas.microsoft.com/office/drawing/2014/main" id="{C48F934A-C5E9-4693-9136-BFCE739348DF}"/>
+              </a:ext>
+            </a:extLst>
+          </p:cNvPr>
+          <p:cNvSpPr/>
+          <p:nvPr/>
+        </p:nvSpPr>
+        <p:spPr>
+          <a:xfrm>
+            <a:off x="4185885" y="1655554"/>
+            <a:ext cx="835999" cy="472278"/>
+          </a:xfrm>
+          <a:prstGeom prst="rect">
+            <a:avLst/>
+          </a:prstGeom>
+          <a:solidFill>
+            <a:srgbClr val="FFFF00"/>
+          </a:solidFill>
+          <a:ln w="12700">
+            <a:noFill/>
+          </a:ln>
+        </p:spPr>
+        <p:style>
+          <a:lnRef idx="2">
+            <a:schemeClr val="accent6"/>
+          </a:lnRef>
+          <a:fillRef idx="1">
+            <a:schemeClr val="lt1"/>
+          </a:fillRef>
+          <a:effectRef idx="0">
+            <a:schemeClr val="accent6"/>
+          </a:effectRef>
+          <a:fontRef idx="minor">
+            <a:schemeClr val="dk1"/>
+          </a:fontRef>
+        </p:style>
+        <p:txBody>
+          <a:bodyPr vertOverflow="overflow" horzOverflow="overflow" vert="horz" wrap="square" numCol="1" spcCol="0" rtlCol="0" fromWordArt="0" anchor="ctr" anchorCtr="0" forceAA="0" compatLnSpc="1">
+            <a:noAutofit/>
+          </a:bodyPr>
+          <a:lstStyle/>
+          <a:p>
+            <a:pPr lvl="0" algn="ctr"/>
+            <a:r>
+              <a:rPr lang="en-US" altLang="zh-CN" sz="1400" dirty="0">
+                <a:latin typeface="微软雅黑" panose="020B0503020204020204" pitchFamily="34" charset="-122"/>
+                <a:ea typeface="微软雅黑" panose="020B0503020204020204" pitchFamily="34" charset="-122"/>
+                <a:sym typeface="+mn-ea"/>
+              </a:rPr>
+              <a:t>B</a:t>
+            </a:r>
+            <a:endParaRPr lang="zh-CN" altLang="en-US" sz="1400" dirty="0">
+              <a:latin typeface="微软雅黑" panose="020B0503020204020204" pitchFamily="34" charset="-122"/>
+              <a:ea typeface="微软雅黑" panose="020B0503020204020204" pitchFamily="34" charset="-122"/>
+              <a:sym typeface="+mn-ea"/>
+            </a:endParaRPr>
+          </a:p>
+        </p:txBody>
+      </p:sp>
+      <p:sp>
+        <p:nvSpPr>
+          <p:cNvPr id="6" name="矩形 5">
+            <a:extLst>
+              <a:ext uri="{FF2B5EF4-FFF2-40B4-BE49-F238E27FC236}">
+                <a16:creationId xmlns:a16="http://schemas.microsoft.com/office/drawing/2014/main" id="{73AA2D14-2E2E-4085-AB05-2B79EDDDCC8A}"/>
+              </a:ext>
+            </a:extLst>
+          </p:cNvPr>
+          <p:cNvSpPr/>
+          <p:nvPr/>
+        </p:nvSpPr>
+        <p:spPr>
+          <a:xfrm>
+            <a:off x="5329425" y="1655554"/>
+            <a:ext cx="835999" cy="472278"/>
+          </a:xfrm>
+          <a:prstGeom prst="rect">
+            <a:avLst/>
+          </a:prstGeom>
+          <a:solidFill>
+            <a:srgbClr val="92D050"/>
+          </a:solidFill>
+          <a:ln w="12700">
+            <a:noFill/>
+          </a:ln>
+        </p:spPr>
+        <p:style>
+          <a:lnRef idx="2">
+            <a:schemeClr val="accent6"/>
+          </a:lnRef>
+          <a:fillRef idx="1">
+            <a:schemeClr val="lt1"/>
+          </a:fillRef>
+          <a:effectRef idx="0">
+            <a:schemeClr val="accent6"/>
+          </a:effectRef>
+          <a:fontRef idx="minor">
+            <a:schemeClr val="dk1"/>
+          </a:fontRef>
+        </p:style>
+        <p:txBody>
+          <a:bodyPr vertOverflow="overflow" horzOverflow="overflow" vert="horz" wrap="square" numCol="1" spcCol="0" rtlCol="0" fromWordArt="0" anchor="ctr" anchorCtr="0" forceAA="0" compatLnSpc="1">
+            <a:noAutofit/>
+          </a:bodyPr>
+          <a:lstStyle/>
+          <a:p>
+            <a:pPr lvl="0" algn="ctr"/>
+            <a:r>
+              <a:rPr lang="en-US" altLang="zh-CN" sz="1400" dirty="0">
+                <a:solidFill>
+                  <a:schemeClr val="bg1"/>
+                </a:solidFill>
+                <a:latin typeface="微软雅黑" panose="020B0503020204020204" pitchFamily="34" charset="-122"/>
+                <a:ea typeface="微软雅黑" panose="020B0503020204020204" pitchFamily="34" charset="-122"/>
+                <a:sym typeface="+mn-ea"/>
+              </a:rPr>
+              <a:t>A</a:t>
+            </a:r>
+            <a:endParaRPr lang="zh-CN" altLang="en-US" sz="1400" dirty="0">
+              <a:solidFill>
+                <a:schemeClr val="bg1"/>
+              </a:solidFill>
+              <a:latin typeface="微软雅黑" panose="020B0503020204020204" pitchFamily="34" charset="-122"/>
+              <a:ea typeface="微软雅黑" panose="020B0503020204020204" pitchFamily="34" charset="-122"/>
+              <a:sym typeface="+mn-ea"/>
+            </a:endParaRPr>
+          </a:p>
+        </p:txBody>
+      </p:sp>
+      <p:cxnSp>
+        <p:nvCxnSpPr>
+          <p:cNvPr id="13" name="连接符: 曲线 12">
+            <a:extLst>
+              <a:ext uri="{FF2B5EF4-FFF2-40B4-BE49-F238E27FC236}">
+                <a16:creationId xmlns:a16="http://schemas.microsoft.com/office/drawing/2014/main" id="{47E64B40-0C78-4C51-BB9F-5F71E175963D}"/>
+              </a:ext>
+            </a:extLst>
+          </p:cNvPr>
+          <p:cNvCxnSpPr>
+            <a:cxnSpLocks/>
+            <a:stCxn id="3" idx="2"/>
+          </p:cNvCxnSpPr>
+          <p:nvPr/>
+        </p:nvCxnSpPr>
+        <p:spPr>
+          <a:xfrm rot="16200000" flipH="1">
+            <a:off x="2124865" y="1278740"/>
+            <a:ext cx="476356" cy="793120"/>
+          </a:xfrm>
+          <a:prstGeom prst="curvedConnector2">
+            <a:avLst/>
+          </a:prstGeom>
+          <a:ln>
+            <a:tailEnd type="triangle"/>
+          </a:ln>
+        </p:spPr>
+        <p:style>
+          <a:lnRef idx="1">
+            <a:schemeClr val="accent1"/>
+          </a:lnRef>
+          <a:fillRef idx="0">
+            <a:schemeClr val="accent1"/>
+          </a:fillRef>
+          <a:effectRef idx="0">
+            <a:schemeClr val="accent1"/>
+          </a:effectRef>
+          <a:fontRef idx="minor">
+            <a:schemeClr val="tx1"/>
+          </a:fontRef>
+        </p:style>
+      </p:cxnSp>
+      <p:cxnSp>
+        <p:nvCxnSpPr>
+          <p:cNvPr id="16" name="连接符: 曲线 15">
+            <a:extLst>
+              <a:ext uri="{FF2B5EF4-FFF2-40B4-BE49-F238E27FC236}">
+                <a16:creationId xmlns:a16="http://schemas.microsoft.com/office/drawing/2014/main" id="{88846A83-1F9F-4FB8-BC30-D74E0BB0FAB6}"/>
+              </a:ext>
+            </a:extLst>
+          </p:cNvPr>
+          <p:cNvCxnSpPr>
+            <a:cxnSpLocks/>
+            <a:stCxn id="6" idx="3"/>
+          </p:cNvCxnSpPr>
+          <p:nvPr/>
+        </p:nvCxnSpPr>
+        <p:spPr>
+          <a:xfrm>
+            <a:off x="6165424" y="1891693"/>
+            <a:ext cx="524936" cy="645767"/>
+          </a:xfrm>
+          <a:prstGeom prst="curvedConnector2">
+            <a:avLst/>
+          </a:prstGeom>
+          <a:ln>
+            <a:tailEnd type="triangle"/>
+          </a:ln>
+        </p:spPr>
+        <p:style>
+          <a:lnRef idx="1">
+            <a:schemeClr val="accent1"/>
+          </a:lnRef>
+          <a:fillRef idx="0">
+            <a:schemeClr val="accent1"/>
+          </a:fillRef>
+          <a:effectRef idx="0">
+            <a:schemeClr val="accent1"/>
+          </a:effectRef>
+          <a:fontRef idx="minor">
+            <a:schemeClr val="tx1"/>
+          </a:fontRef>
+        </p:style>
+      </p:cxnSp>
+      <p:sp>
+        <p:nvSpPr>
+          <p:cNvPr id="23" name="文本框 22">
+            <a:extLst>
+              <a:ext uri="{FF2B5EF4-FFF2-40B4-BE49-F238E27FC236}">
+                <a16:creationId xmlns:a16="http://schemas.microsoft.com/office/drawing/2014/main" id="{670E4FF8-A013-4D9B-B409-02021182B951}"/>
+              </a:ext>
+            </a:extLst>
+          </p:cNvPr>
+          <p:cNvSpPr txBox="1"/>
+          <p:nvPr/>
+        </p:nvSpPr>
+        <p:spPr>
+          <a:xfrm>
+            <a:off x="1489447" y="1778615"/>
+            <a:ext cx="1277862" cy="523220"/>
+          </a:xfrm>
+          <a:prstGeom prst="rect">
+            <a:avLst/>
+          </a:prstGeom>
+          <a:noFill/>
+        </p:spPr>
+        <p:txBody>
+          <a:bodyPr wrap="square" rtlCol="0">
+            <a:spAutoFit/>
+          </a:bodyPr>
+          <a:lstStyle/>
+          <a:p>
+            <a:pPr algn="ctr"/>
+            <a:r>
+              <a:rPr lang="zh-CN" altLang="en-US" sz="1400" dirty="0">
+                <a:latin typeface="微软雅黑" panose="020B0503020204020204" pitchFamily="34" charset="-122"/>
+                <a:ea typeface="微软雅黑" panose="020B0503020204020204" pitchFamily="34" charset="-122"/>
+              </a:rPr>
+              <a:t>入队</a:t>
+            </a:r>
+            <a:endParaRPr lang="en-US" altLang="zh-CN" sz="1400" dirty="0">
+              <a:latin typeface="微软雅黑" panose="020B0503020204020204" pitchFamily="34" charset="-122"/>
+              <a:ea typeface="微软雅黑" panose="020B0503020204020204" pitchFamily="34" charset="-122"/>
+            </a:endParaRPr>
+          </a:p>
+          <a:p>
+            <a:pPr algn="ctr"/>
+            <a:r>
+              <a:rPr lang="en-US" altLang="zh-CN" sz="1400" dirty="0">
+                <a:latin typeface="微软雅黑" panose="020B0503020204020204" pitchFamily="34" charset="-122"/>
+                <a:ea typeface="微软雅黑" panose="020B0503020204020204" pitchFamily="34" charset="-122"/>
+              </a:rPr>
+              <a:t>Enqueue</a:t>
+            </a:r>
+            <a:endParaRPr lang="zh-CN" altLang="en-US" sz="1400" dirty="0">
+              <a:latin typeface="微软雅黑" panose="020B0503020204020204" pitchFamily="34" charset="-122"/>
+              <a:ea typeface="微软雅黑" panose="020B0503020204020204" pitchFamily="34" charset="-122"/>
+            </a:endParaRPr>
+          </a:p>
+        </p:txBody>
+      </p:sp>
+      <p:cxnSp>
+        <p:nvCxnSpPr>
+          <p:cNvPr id="25" name="直接箭头连接符 24">
+            <a:extLst>
+              <a:ext uri="{FF2B5EF4-FFF2-40B4-BE49-F238E27FC236}">
+                <a16:creationId xmlns:a16="http://schemas.microsoft.com/office/drawing/2014/main" id="{FED10B1F-EDCA-42A9-A6E3-425CE200CF59}"/>
+              </a:ext>
+            </a:extLst>
+          </p:cNvPr>
+          <p:cNvCxnSpPr>
+            <a:cxnSpLocks/>
+          </p:cNvCxnSpPr>
+          <p:nvPr/>
+        </p:nvCxnSpPr>
+        <p:spPr>
+          <a:xfrm>
+            <a:off x="2688336" y="1508760"/>
+            <a:ext cx="3642933" cy="0"/>
+          </a:xfrm>
+          <a:prstGeom prst="straightConnector1">
+            <a:avLst/>
+          </a:prstGeom>
+          <a:ln>
+            <a:tailEnd type="triangle"/>
+          </a:ln>
+        </p:spPr>
+        <p:style>
+          <a:lnRef idx="1">
+            <a:schemeClr val="accent1"/>
+          </a:lnRef>
+          <a:fillRef idx="0">
+            <a:schemeClr val="accent1"/>
+          </a:fillRef>
+          <a:effectRef idx="0">
+            <a:schemeClr val="accent1"/>
+          </a:effectRef>
+          <a:fontRef idx="minor">
+            <a:schemeClr val="tx1"/>
+          </a:fontRef>
+        </p:style>
+      </p:cxnSp>
+      <p:sp>
+        <p:nvSpPr>
+          <p:cNvPr id="27" name="文本框 26">
+            <a:extLst>
+              <a:ext uri="{FF2B5EF4-FFF2-40B4-BE49-F238E27FC236}">
+                <a16:creationId xmlns:a16="http://schemas.microsoft.com/office/drawing/2014/main" id="{B6120CE3-FFFF-4721-B127-DFD7DB399492}"/>
+              </a:ext>
+            </a:extLst>
+          </p:cNvPr>
+          <p:cNvSpPr txBox="1"/>
+          <p:nvPr/>
+        </p:nvSpPr>
+        <p:spPr>
+          <a:xfrm>
+            <a:off x="6331269" y="1932818"/>
+            <a:ext cx="1277862" cy="523220"/>
+          </a:xfrm>
+          <a:prstGeom prst="rect">
+            <a:avLst/>
+          </a:prstGeom>
+          <a:noFill/>
+        </p:spPr>
+        <p:txBody>
+          <a:bodyPr wrap="square" rtlCol="0">
+            <a:spAutoFit/>
+          </a:bodyPr>
+          <a:lstStyle/>
+          <a:p>
+            <a:pPr algn="ctr"/>
+            <a:r>
+              <a:rPr lang="zh-CN" altLang="en-US" sz="1400" dirty="0">
+                <a:latin typeface="微软雅黑" panose="020B0503020204020204" pitchFamily="34" charset="-122"/>
+                <a:ea typeface="微软雅黑" panose="020B0503020204020204" pitchFamily="34" charset="-122"/>
+              </a:rPr>
+              <a:t>出队</a:t>
+            </a:r>
+            <a:endParaRPr lang="en-US" altLang="zh-CN" sz="1400" dirty="0">
+              <a:latin typeface="微软雅黑" panose="020B0503020204020204" pitchFamily="34" charset="-122"/>
+              <a:ea typeface="微软雅黑" panose="020B0503020204020204" pitchFamily="34" charset="-122"/>
+            </a:endParaRPr>
+          </a:p>
+          <a:p>
+            <a:pPr algn="ctr"/>
+            <a:r>
+              <a:rPr lang="en-US" altLang="zh-CN" sz="1400" dirty="0">
+                <a:latin typeface="微软雅黑" panose="020B0503020204020204" pitchFamily="34" charset="-122"/>
+                <a:ea typeface="微软雅黑" panose="020B0503020204020204" pitchFamily="34" charset="-122"/>
+              </a:rPr>
+              <a:t>Dequeue</a:t>
+            </a:r>
+            <a:endParaRPr lang="zh-CN" altLang="en-US" sz="1400" dirty="0">
+              <a:latin typeface="微软雅黑" panose="020B0503020204020204" pitchFamily="34" charset="-122"/>
+              <a:ea typeface="微软雅黑" panose="020B0503020204020204" pitchFamily="34" charset="-122"/>
+            </a:endParaRPr>
+          </a:p>
+        </p:txBody>
+      </p:sp>
+      <p:sp>
+        <p:nvSpPr>
+          <p:cNvPr id="28" name="文本框 27">
+            <a:extLst>
+              <a:ext uri="{FF2B5EF4-FFF2-40B4-BE49-F238E27FC236}">
+                <a16:creationId xmlns:a16="http://schemas.microsoft.com/office/drawing/2014/main" id="{A0838825-0FB9-4D6A-846C-F4A0EB2B4AEE}"/>
+              </a:ext>
+            </a:extLst>
+          </p:cNvPr>
+          <p:cNvSpPr txBox="1"/>
+          <p:nvPr/>
+        </p:nvSpPr>
+        <p:spPr>
+          <a:xfrm>
+            <a:off x="3964953" y="1200983"/>
+            <a:ext cx="1277862" cy="307777"/>
+          </a:xfrm>
+          <a:prstGeom prst="rect">
+            <a:avLst/>
+          </a:prstGeom>
+          <a:noFill/>
+        </p:spPr>
+        <p:txBody>
+          <a:bodyPr wrap="square" rtlCol="0">
+            <a:spAutoFit/>
+          </a:bodyPr>
+          <a:lstStyle/>
+          <a:p>
+            <a:pPr algn="ctr"/>
+            <a:r>
+              <a:rPr lang="zh-CN" altLang="en-US" sz="1400" dirty="0">
+                <a:latin typeface="微软雅黑" panose="020B0503020204020204" pitchFamily="34" charset="-122"/>
+                <a:ea typeface="微软雅黑" panose="020B0503020204020204" pitchFamily="34" charset="-122"/>
+              </a:rPr>
+              <a:t>队列</a:t>
+            </a:r>
+            <a:r>
+              <a:rPr lang="en-US" altLang="zh-CN" sz="1400" dirty="0">
+                <a:latin typeface="微软雅黑" panose="020B0503020204020204" pitchFamily="34" charset="-122"/>
+                <a:ea typeface="微软雅黑" panose="020B0503020204020204" pitchFamily="34" charset="-122"/>
+              </a:rPr>
+              <a:t>Queue</a:t>
+            </a:r>
+            <a:endParaRPr lang="zh-CN" altLang="en-US" sz="1400" dirty="0">
+              <a:latin typeface="微软雅黑" panose="020B0503020204020204" pitchFamily="34" charset="-122"/>
+              <a:ea typeface="微软雅黑" panose="020B0503020204020204" pitchFamily="34" charset="-122"/>
+            </a:endParaRPr>
+          </a:p>
+        </p:txBody>
+      </p:sp>
+      <p:cxnSp>
+        <p:nvCxnSpPr>
+          <p:cNvPr id="42" name="直接箭头连接符 41">
+            <a:extLst>
+              <a:ext uri="{FF2B5EF4-FFF2-40B4-BE49-F238E27FC236}">
+                <a16:creationId xmlns:a16="http://schemas.microsoft.com/office/drawing/2014/main" id="{CC7DBFD1-EA3A-4154-BA3B-2620E6B8F956}"/>
+              </a:ext>
+            </a:extLst>
+          </p:cNvPr>
+          <p:cNvCxnSpPr>
+            <a:cxnSpLocks/>
+          </p:cNvCxnSpPr>
+          <p:nvPr/>
+        </p:nvCxnSpPr>
+        <p:spPr>
+          <a:xfrm>
+            <a:off x="2703880" y="2281720"/>
+            <a:ext cx="3642933" cy="0"/>
+          </a:xfrm>
+          <a:prstGeom prst="straightConnector1">
+            <a:avLst/>
+          </a:prstGeom>
+          <a:ln>
+            <a:tailEnd type="triangle"/>
+          </a:ln>
+        </p:spPr>
+        <p:style>
+          <a:lnRef idx="1">
+            <a:schemeClr val="accent1"/>
+          </a:lnRef>
+          <a:fillRef idx="0">
+            <a:schemeClr val="accent1"/>
+          </a:fillRef>
+          <a:effectRef idx="0">
+            <a:schemeClr val="accent1"/>
+          </a:effectRef>
+          <a:fontRef idx="minor">
+            <a:schemeClr val="tx1"/>
+          </a:fontRef>
+        </p:style>
+      </p:cxnSp>
+      <p:cxnSp>
+        <p:nvCxnSpPr>
+          <p:cNvPr id="44" name="直接连接符 43">
+            <a:extLst>
+              <a:ext uri="{FF2B5EF4-FFF2-40B4-BE49-F238E27FC236}">
+                <a16:creationId xmlns:a16="http://schemas.microsoft.com/office/drawing/2014/main" id="{ECF8B97E-B88E-43EC-A1C2-93DBE9A79E3C}"/>
+              </a:ext>
+            </a:extLst>
+          </p:cNvPr>
+          <p:cNvCxnSpPr>
+            <a:cxnSpLocks/>
+          </p:cNvCxnSpPr>
+          <p:nvPr/>
+        </p:nvCxnSpPr>
+        <p:spPr>
+          <a:xfrm flipH="1">
+            <a:off x="2804725" y="3428698"/>
+            <a:ext cx="7706" cy="1592580"/>
+          </a:xfrm>
+          <a:prstGeom prst="line">
+            <a:avLst/>
+          </a:prstGeom>
+        </p:spPr>
+        <p:style>
+          <a:lnRef idx="1">
+            <a:schemeClr val="accent1"/>
+          </a:lnRef>
+          <a:fillRef idx="0">
+            <a:schemeClr val="accent1"/>
+          </a:fillRef>
+          <a:effectRef idx="0">
+            <a:schemeClr val="accent1"/>
+          </a:effectRef>
+          <a:fontRef idx="minor">
+            <a:schemeClr val="tx1"/>
+          </a:fontRef>
+        </p:style>
+      </p:cxnSp>
+      <p:cxnSp>
+        <p:nvCxnSpPr>
+          <p:cNvPr id="45" name="直接连接符 44">
+            <a:extLst>
+              <a:ext uri="{FF2B5EF4-FFF2-40B4-BE49-F238E27FC236}">
+                <a16:creationId xmlns:a16="http://schemas.microsoft.com/office/drawing/2014/main" id="{930F8330-5103-4EAC-8896-66A06697323A}"/>
+              </a:ext>
+            </a:extLst>
+          </p:cNvPr>
+          <p:cNvCxnSpPr>
+            <a:cxnSpLocks/>
+          </p:cNvCxnSpPr>
+          <p:nvPr/>
+        </p:nvCxnSpPr>
+        <p:spPr>
+          <a:xfrm>
+            <a:off x="2804725" y="5021278"/>
+            <a:ext cx="890377" cy="0"/>
+          </a:xfrm>
+          <a:prstGeom prst="line">
+            <a:avLst/>
+          </a:prstGeom>
+        </p:spPr>
+        <p:style>
+          <a:lnRef idx="1">
+            <a:schemeClr val="accent1"/>
+          </a:lnRef>
+          <a:fillRef idx="0">
+            <a:schemeClr val="accent1"/>
+          </a:fillRef>
+          <a:effectRef idx="0">
+            <a:schemeClr val="accent1"/>
+          </a:effectRef>
+          <a:fontRef idx="minor">
+            <a:schemeClr val="tx1"/>
+          </a:fontRef>
+        </p:style>
+      </p:cxnSp>
+      <p:sp>
+        <p:nvSpPr>
+          <p:cNvPr id="48" name="矩形 47">
+            <a:extLst>
+              <a:ext uri="{FF2B5EF4-FFF2-40B4-BE49-F238E27FC236}">
+                <a16:creationId xmlns:a16="http://schemas.microsoft.com/office/drawing/2014/main" id="{B6550DAA-EE28-41E9-A6A7-7A850F39D586}"/>
+              </a:ext>
+            </a:extLst>
+          </p:cNvPr>
+          <p:cNvSpPr/>
+          <p:nvPr/>
+        </p:nvSpPr>
+        <p:spPr>
+          <a:xfrm>
+            <a:off x="2955735" y="3600920"/>
+            <a:ext cx="609885" cy="304890"/>
+          </a:xfrm>
+          <a:prstGeom prst="rect">
+            <a:avLst/>
+          </a:prstGeom>
+          <a:solidFill>
+            <a:srgbClr val="FFC000"/>
+          </a:solidFill>
+          <a:ln w="12700">
+            <a:noFill/>
+          </a:ln>
+        </p:spPr>
+        <p:style>
+          <a:lnRef idx="2">
+            <a:schemeClr val="accent6"/>
+          </a:lnRef>
+          <a:fillRef idx="1">
+            <a:schemeClr val="lt1"/>
+          </a:fillRef>
+          <a:effectRef idx="0">
+            <a:schemeClr val="accent6"/>
+          </a:effectRef>
+          <a:fontRef idx="minor">
+            <a:schemeClr val="dk1"/>
+          </a:fontRef>
+        </p:style>
+        <p:txBody>
+          <a:bodyPr vertOverflow="overflow" horzOverflow="overflow" vert="horz" wrap="square" numCol="1" spcCol="0" rtlCol="0" fromWordArt="0" anchor="ctr" anchorCtr="0" forceAA="0" compatLnSpc="1">
+            <a:noAutofit/>
+          </a:bodyPr>
+          <a:lstStyle/>
+          <a:p>
+            <a:pPr lvl="0" algn="ctr"/>
+            <a:r>
+              <a:rPr lang="en-US" altLang="zh-CN" sz="1400" dirty="0">
+                <a:solidFill>
+                  <a:schemeClr val="bg1"/>
+                </a:solidFill>
+                <a:latin typeface="微软雅黑" panose="020B0503020204020204" pitchFamily="34" charset="-122"/>
+                <a:ea typeface="微软雅黑" panose="020B0503020204020204" pitchFamily="34" charset="-122"/>
+                <a:sym typeface="+mn-ea"/>
+              </a:rPr>
+              <a:t>C</a:t>
+            </a:r>
+            <a:endParaRPr lang="zh-CN" altLang="en-US" sz="1400" dirty="0">
+              <a:solidFill>
+                <a:schemeClr val="bg1"/>
+              </a:solidFill>
+              <a:latin typeface="微软雅黑" panose="020B0503020204020204" pitchFamily="34" charset="-122"/>
+              <a:ea typeface="微软雅黑" panose="020B0503020204020204" pitchFamily="34" charset="-122"/>
+              <a:sym typeface="+mn-ea"/>
+            </a:endParaRPr>
+          </a:p>
+        </p:txBody>
+      </p:sp>
+      <p:sp>
+        <p:nvSpPr>
+          <p:cNvPr id="49" name="矩形 48">
+            <a:extLst>
+              <a:ext uri="{FF2B5EF4-FFF2-40B4-BE49-F238E27FC236}">
+                <a16:creationId xmlns:a16="http://schemas.microsoft.com/office/drawing/2014/main" id="{ECB252C2-1846-48BC-9A00-208EEBC092A3}"/>
+              </a:ext>
+            </a:extLst>
+          </p:cNvPr>
+          <p:cNvSpPr/>
+          <p:nvPr/>
+        </p:nvSpPr>
+        <p:spPr>
+          <a:xfrm>
+            <a:off x="2955735" y="4096175"/>
+            <a:ext cx="609885" cy="304890"/>
+          </a:xfrm>
+          <a:prstGeom prst="rect">
+            <a:avLst/>
+          </a:prstGeom>
+          <a:solidFill>
+            <a:srgbClr val="FFFF00"/>
+          </a:solidFill>
+          <a:ln w="12700">
+            <a:noFill/>
+          </a:ln>
+        </p:spPr>
+        <p:style>
+          <a:lnRef idx="2">
+            <a:schemeClr val="accent6"/>
+          </a:lnRef>
+          <a:fillRef idx="1">
+            <a:schemeClr val="lt1"/>
+          </a:fillRef>
+          <a:effectRef idx="0">
+            <a:schemeClr val="accent6"/>
+          </a:effectRef>
+          <a:fontRef idx="minor">
+            <a:schemeClr val="dk1"/>
+          </a:fontRef>
+        </p:style>
+        <p:txBody>
+          <a:bodyPr vertOverflow="overflow" horzOverflow="overflow" vert="horz" wrap="square" numCol="1" spcCol="0" rtlCol="0" fromWordArt="0" anchor="ctr" anchorCtr="0" forceAA="0" compatLnSpc="1">
+            <a:noAutofit/>
+          </a:bodyPr>
+          <a:lstStyle/>
+          <a:p>
+            <a:pPr lvl="0" algn="ctr"/>
+            <a:r>
+              <a:rPr lang="en-US" altLang="zh-CN" sz="1400" dirty="0">
+                <a:latin typeface="微软雅黑" panose="020B0503020204020204" pitchFamily="34" charset="-122"/>
+                <a:ea typeface="微软雅黑" panose="020B0503020204020204" pitchFamily="34" charset="-122"/>
+                <a:sym typeface="+mn-ea"/>
+              </a:rPr>
+              <a:t>B</a:t>
+            </a:r>
+            <a:endParaRPr lang="zh-CN" altLang="en-US" sz="1400" dirty="0">
+              <a:latin typeface="微软雅黑" panose="020B0503020204020204" pitchFamily="34" charset="-122"/>
+              <a:ea typeface="微软雅黑" panose="020B0503020204020204" pitchFamily="34" charset="-122"/>
+              <a:sym typeface="+mn-ea"/>
+            </a:endParaRPr>
+          </a:p>
+        </p:txBody>
+      </p:sp>
+      <p:sp>
+        <p:nvSpPr>
+          <p:cNvPr id="50" name="矩形 49">
+            <a:extLst>
+              <a:ext uri="{FF2B5EF4-FFF2-40B4-BE49-F238E27FC236}">
+                <a16:creationId xmlns:a16="http://schemas.microsoft.com/office/drawing/2014/main" id="{7AA16F3A-E513-40A2-AD6C-87DD6D258EA2}"/>
+              </a:ext>
+            </a:extLst>
+          </p:cNvPr>
+          <p:cNvSpPr/>
+          <p:nvPr/>
+        </p:nvSpPr>
+        <p:spPr>
+          <a:xfrm>
+            <a:off x="2955734" y="4565365"/>
+            <a:ext cx="609885" cy="304890"/>
+          </a:xfrm>
+          <a:prstGeom prst="rect">
+            <a:avLst/>
+          </a:prstGeom>
+          <a:solidFill>
+            <a:srgbClr val="92D050"/>
+          </a:solidFill>
+          <a:ln w="12700">
+            <a:noFill/>
+          </a:ln>
+        </p:spPr>
+        <p:style>
+          <a:lnRef idx="2">
+            <a:schemeClr val="accent6"/>
+          </a:lnRef>
+          <a:fillRef idx="1">
+            <a:schemeClr val="lt1"/>
+          </a:fillRef>
+          <a:effectRef idx="0">
+            <a:schemeClr val="accent6"/>
+          </a:effectRef>
+          <a:fontRef idx="minor">
+            <a:schemeClr val="dk1"/>
+          </a:fontRef>
+        </p:style>
+        <p:txBody>
+          <a:bodyPr vertOverflow="overflow" horzOverflow="overflow" vert="horz" wrap="square" numCol="1" spcCol="0" rtlCol="0" fromWordArt="0" anchor="ctr" anchorCtr="0" forceAA="0" compatLnSpc="1">
+            <a:noAutofit/>
+          </a:bodyPr>
+          <a:lstStyle/>
+          <a:p>
+            <a:pPr lvl="0" algn="ctr"/>
+            <a:r>
+              <a:rPr lang="en-US" altLang="zh-CN" sz="1400" dirty="0">
+                <a:solidFill>
+                  <a:schemeClr val="bg1"/>
+                </a:solidFill>
+                <a:latin typeface="微软雅黑" panose="020B0503020204020204" pitchFamily="34" charset="-122"/>
+                <a:ea typeface="微软雅黑" panose="020B0503020204020204" pitchFamily="34" charset="-122"/>
+                <a:sym typeface="+mn-ea"/>
+              </a:rPr>
+              <a:t>A</a:t>
+            </a:r>
+            <a:endParaRPr lang="zh-CN" altLang="en-US" sz="1400" dirty="0">
+              <a:solidFill>
+                <a:schemeClr val="bg1"/>
+              </a:solidFill>
+              <a:latin typeface="微软雅黑" panose="020B0503020204020204" pitchFamily="34" charset="-122"/>
+              <a:ea typeface="微软雅黑" panose="020B0503020204020204" pitchFamily="34" charset="-122"/>
+              <a:sym typeface="+mn-ea"/>
+            </a:endParaRPr>
+          </a:p>
+        </p:txBody>
+      </p:sp>
+      <p:cxnSp>
+        <p:nvCxnSpPr>
+          <p:cNvPr id="54" name="直接连接符 53">
+            <a:extLst>
+              <a:ext uri="{FF2B5EF4-FFF2-40B4-BE49-F238E27FC236}">
+                <a16:creationId xmlns:a16="http://schemas.microsoft.com/office/drawing/2014/main" id="{B11FBE6E-9769-4AC6-844C-B2AC2C97897F}"/>
+              </a:ext>
+            </a:extLst>
+          </p:cNvPr>
+          <p:cNvCxnSpPr>
+            <a:cxnSpLocks/>
+          </p:cNvCxnSpPr>
+          <p:nvPr/>
+        </p:nvCxnSpPr>
+        <p:spPr>
+          <a:xfrm flipH="1">
+            <a:off x="3695102" y="3428698"/>
+            <a:ext cx="7706" cy="1592580"/>
+          </a:xfrm>
+          <a:prstGeom prst="line">
+            <a:avLst/>
+          </a:prstGeom>
+        </p:spPr>
+        <p:style>
+          <a:lnRef idx="1">
+            <a:schemeClr val="accent1"/>
+          </a:lnRef>
+          <a:fillRef idx="0">
+            <a:schemeClr val="accent1"/>
+          </a:fillRef>
+          <a:effectRef idx="0">
+            <a:schemeClr val="accent1"/>
+          </a:effectRef>
+          <a:fontRef idx="minor">
+            <a:schemeClr val="tx1"/>
+          </a:fontRef>
+        </p:style>
+      </p:cxnSp>
+      <p:sp>
+        <p:nvSpPr>
+          <p:cNvPr id="55" name="矩形 54">
+            <a:extLst>
+              <a:ext uri="{FF2B5EF4-FFF2-40B4-BE49-F238E27FC236}">
+                <a16:creationId xmlns:a16="http://schemas.microsoft.com/office/drawing/2014/main" id="{F16B54B3-C493-456A-AFC1-BF01ABD60FD9}"/>
+              </a:ext>
+            </a:extLst>
+          </p:cNvPr>
+          <p:cNvSpPr/>
+          <p:nvPr/>
+        </p:nvSpPr>
+        <p:spPr>
+          <a:xfrm>
+            <a:off x="2058100" y="2968494"/>
+            <a:ext cx="609885" cy="304856"/>
+          </a:xfrm>
+          <a:prstGeom prst="rect">
+            <a:avLst/>
+          </a:prstGeom>
+          <a:solidFill>
+            <a:srgbClr val="D9958F"/>
+          </a:solidFill>
+          <a:ln w="12700">
+            <a:noFill/>
+          </a:ln>
+        </p:spPr>
+        <p:style>
+          <a:lnRef idx="2">
+            <a:schemeClr val="accent6"/>
+          </a:lnRef>
+          <a:fillRef idx="1">
+            <a:schemeClr val="lt1"/>
+          </a:fillRef>
+          <a:effectRef idx="0">
+            <a:schemeClr val="accent6"/>
+          </a:effectRef>
+          <a:fontRef idx="minor">
+            <a:schemeClr val="dk1"/>
+          </a:fontRef>
+        </p:style>
+        <p:txBody>
+          <a:bodyPr vertOverflow="overflow" horzOverflow="overflow" vert="horz" wrap="square" numCol="1" spcCol="0" rtlCol="0" fromWordArt="0" anchor="ctr" anchorCtr="0" forceAA="0" compatLnSpc="1">
+            <a:noAutofit/>
+          </a:bodyPr>
+          <a:lstStyle/>
+          <a:p>
+            <a:pPr lvl="0" algn="ctr"/>
+            <a:r>
+              <a:rPr lang="en-US" altLang="zh-CN" sz="1400" dirty="0">
+                <a:solidFill>
+                  <a:schemeClr val="bg1"/>
+                </a:solidFill>
+                <a:latin typeface="微软雅黑" panose="020B0503020204020204" pitchFamily="34" charset="-122"/>
+                <a:ea typeface="微软雅黑" panose="020B0503020204020204" pitchFamily="34" charset="-122"/>
+                <a:sym typeface="+mn-ea"/>
+              </a:rPr>
+              <a:t>D</a:t>
+            </a:r>
+            <a:endParaRPr lang="zh-CN" altLang="en-US" sz="1400" dirty="0">
+              <a:solidFill>
+                <a:schemeClr val="bg1"/>
+              </a:solidFill>
+              <a:latin typeface="微软雅黑" panose="020B0503020204020204" pitchFamily="34" charset="-122"/>
+              <a:ea typeface="微软雅黑" panose="020B0503020204020204" pitchFamily="34" charset="-122"/>
+              <a:sym typeface="+mn-ea"/>
+            </a:endParaRPr>
+          </a:p>
+        </p:txBody>
+      </p:sp>
+      <p:cxnSp>
+        <p:nvCxnSpPr>
+          <p:cNvPr id="56" name="连接符: 曲线 55">
+            <a:extLst>
+              <a:ext uri="{FF2B5EF4-FFF2-40B4-BE49-F238E27FC236}">
+                <a16:creationId xmlns:a16="http://schemas.microsoft.com/office/drawing/2014/main" id="{EB7A03A7-C875-4540-9145-4F71ACC6AFCA}"/>
+              </a:ext>
+            </a:extLst>
+          </p:cNvPr>
+          <p:cNvCxnSpPr>
+            <a:cxnSpLocks/>
+            <a:stCxn id="55" idx="3"/>
+          </p:cNvCxnSpPr>
+          <p:nvPr/>
+        </p:nvCxnSpPr>
+        <p:spPr>
+          <a:xfrm>
+            <a:off x="2667985" y="3120922"/>
+            <a:ext cx="337376" cy="385136"/>
+          </a:xfrm>
+          <a:prstGeom prst="curvedConnector2">
+            <a:avLst/>
+          </a:prstGeom>
+          <a:ln>
+            <a:tailEnd type="triangle"/>
+          </a:ln>
+        </p:spPr>
+        <p:style>
+          <a:lnRef idx="1">
+            <a:schemeClr val="accent1"/>
+          </a:lnRef>
+          <a:fillRef idx="0">
+            <a:schemeClr val="accent1"/>
+          </a:fillRef>
+          <a:effectRef idx="0">
+            <a:schemeClr val="accent1"/>
+          </a:effectRef>
+          <a:fontRef idx="minor">
+            <a:schemeClr val="tx1"/>
+          </a:fontRef>
+        </p:style>
+      </p:cxnSp>
+      <p:cxnSp>
+        <p:nvCxnSpPr>
+          <p:cNvPr id="59" name="连接符: 曲线 58">
+            <a:extLst>
+              <a:ext uri="{FF2B5EF4-FFF2-40B4-BE49-F238E27FC236}">
+                <a16:creationId xmlns:a16="http://schemas.microsoft.com/office/drawing/2014/main" id="{999D69E1-F817-4C56-B156-2457F0438EC2}"/>
+              </a:ext>
+            </a:extLst>
+          </p:cNvPr>
+          <p:cNvCxnSpPr>
+            <a:cxnSpLocks/>
+            <a:stCxn id="62" idx="0"/>
+          </p:cNvCxnSpPr>
+          <p:nvPr/>
+        </p:nvCxnSpPr>
+        <p:spPr>
+          <a:xfrm rot="5400000" flipH="1" flipV="1">
+            <a:off x="3517433" y="3062067"/>
+            <a:ext cx="385136" cy="502844"/>
+          </a:xfrm>
+          <a:prstGeom prst="curvedConnector2">
+            <a:avLst/>
+          </a:prstGeom>
+          <a:ln>
+            <a:tailEnd type="triangle"/>
+          </a:ln>
+        </p:spPr>
+        <p:style>
+          <a:lnRef idx="1">
+            <a:schemeClr val="accent1"/>
+          </a:lnRef>
+          <a:fillRef idx="0">
+            <a:schemeClr val="accent1"/>
+          </a:fillRef>
+          <a:effectRef idx="0">
+            <a:schemeClr val="accent1"/>
+          </a:effectRef>
+          <a:fontRef idx="minor">
+            <a:schemeClr val="tx1"/>
+          </a:fontRef>
+        </p:style>
+      </p:cxnSp>
+      <p:sp>
+        <p:nvSpPr>
+          <p:cNvPr id="62" name="矩形 61">
+            <a:extLst>
+              <a:ext uri="{FF2B5EF4-FFF2-40B4-BE49-F238E27FC236}">
+                <a16:creationId xmlns:a16="http://schemas.microsoft.com/office/drawing/2014/main" id="{4B58A58B-67F9-4F00-AA0F-590A06E8378D}"/>
+              </a:ext>
+            </a:extLst>
+          </p:cNvPr>
+          <p:cNvSpPr/>
+          <p:nvPr/>
+        </p:nvSpPr>
+        <p:spPr>
+          <a:xfrm>
+            <a:off x="3359246" y="3506057"/>
+            <a:ext cx="198666" cy="127415"/>
+          </a:xfrm>
+          <a:prstGeom prst="rect">
+            <a:avLst/>
+          </a:prstGeom>
+          <a:noFill/>
+          <a:ln w="12700">
+            <a:noFill/>
+          </a:ln>
+        </p:spPr>
+        <p:style>
+          <a:lnRef idx="2">
+            <a:schemeClr val="accent6"/>
+          </a:lnRef>
+          <a:fillRef idx="1">
+            <a:schemeClr val="lt1"/>
+          </a:fillRef>
+          <a:effectRef idx="0">
+            <a:schemeClr val="accent6"/>
+          </a:effectRef>
+          <a:fontRef idx="minor">
+            <a:schemeClr val="dk1"/>
+          </a:fontRef>
+        </p:style>
+        <p:txBody>
+          <a:bodyPr vertOverflow="overflow" horzOverflow="overflow" vert="horz" wrap="square" numCol="1" spcCol="0" rtlCol="0" fromWordArt="0" anchor="ctr" anchorCtr="0" forceAA="0" compatLnSpc="1">
+            <a:noAutofit/>
+          </a:bodyPr>
+          <a:lstStyle/>
+          <a:p>
+            <a:pPr lvl="0" algn="ctr"/>
+            <a:endParaRPr lang="zh-CN" altLang="en-US" sz="1400" dirty="0">
+              <a:solidFill>
+                <a:schemeClr val="bg1"/>
+              </a:solidFill>
+              <a:latin typeface="微软雅黑" panose="020B0503020204020204" pitchFamily="34" charset="-122"/>
+              <a:ea typeface="微软雅黑" panose="020B0503020204020204" pitchFamily="34" charset="-122"/>
+              <a:sym typeface="+mn-ea"/>
+            </a:endParaRPr>
+          </a:p>
+        </p:txBody>
+      </p:sp>
+      <p:sp>
+        <p:nvSpPr>
+          <p:cNvPr id="71" name="文本框 70">
+            <a:extLst>
+              <a:ext uri="{FF2B5EF4-FFF2-40B4-BE49-F238E27FC236}">
+                <a16:creationId xmlns:a16="http://schemas.microsoft.com/office/drawing/2014/main" id="{055C25A9-464F-4193-9AA2-C0B31406A27B}"/>
+              </a:ext>
+            </a:extLst>
+          </p:cNvPr>
+          <p:cNvSpPr txBox="1"/>
+          <p:nvPr/>
+        </p:nvSpPr>
+        <p:spPr>
+          <a:xfrm>
+            <a:off x="2465871" y="2873969"/>
+            <a:ext cx="1277862" cy="523220"/>
+          </a:xfrm>
+          <a:prstGeom prst="rect">
+            <a:avLst/>
+          </a:prstGeom>
+          <a:noFill/>
+        </p:spPr>
+        <p:txBody>
+          <a:bodyPr wrap="square" rtlCol="0">
+            <a:spAutoFit/>
+          </a:bodyPr>
+          <a:lstStyle/>
+          <a:p>
+            <a:pPr algn="ctr"/>
+            <a:r>
+              <a:rPr lang="zh-CN" altLang="en-US" sz="1400" dirty="0">
+                <a:latin typeface="微软雅黑" panose="020B0503020204020204" pitchFamily="34" charset="-122"/>
+                <a:ea typeface="微软雅黑" panose="020B0503020204020204" pitchFamily="34" charset="-122"/>
+              </a:rPr>
+              <a:t>入栈</a:t>
+            </a:r>
+            <a:endParaRPr lang="en-US" altLang="zh-CN" sz="1400" dirty="0">
+              <a:latin typeface="微软雅黑" panose="020B0503020204020204" pitchFamily="34" charset="-122"/>
+              <a:ea typeface="微软雅黑" panose="020B0503020204020204" pitchFamily="34" charset="-122"/>
+            </a:endParaRPr>
+          </a:p>
+          <a:p>
+            <a:pPr algn="ctr"/>
+            <a:r>
+              <a:rPr lang="en-US" altLang="zh-CN" sz="1400" dirty="0">
+                <a:latin typeface="微软雅黑" panose="020B0503020204020204" pitchFamily="34" charset="-122"/>
+                <a:ea typeface="微软雅黑" panose="020B0503020204020204" pitchFamily="34" charset="-122"/>
+              </a:rPr>
+              <a:t>Push</a:t>
+            </a:r>
+            <a:endParaRPr lang="zh-CN" altLang="en-US" sz="1400" dirty="0">
+              <a:latin typeface="微软雅黑" panose="020B0503020204020204" pitchFamily="34" charset="-122"/>
+              <a:ea typeface="微软雅黑" panose="020B0503020204020204" pitchFamily="34" charset="-122"/>
+            </a:endParaRPr>
+          </a:p>
+        </p:txBody>
+      </p:sp>
+      <p:sp>
+        <p:nvSpPr>
+          <p:cNvPr id="72" name="文本框 71">
+            <a:extLst>
+              <a:ext uri="{FF2B5EF4-FFF2-40B4-BE49-F238E27FC236}">
+                <a16:creationId xmlns:a16="http://schemas.microsoft.com/office/drawing/2014/main" id="{7731AFCE-4AEE-460F-B7BE-286373FFE9A7}"/>
+              </a:ext>
+            </a:extLst>
+          </p:cNvPr>
+          <p:cNvSpPr txBox="1"/>
+          <p:nvPr/>
+        </p:nvSpPr>
+        <p:spPr>
+          <a:xfrm>
+            <a:off x="3843066" y="2884362"/>
+            <a:ext cx="609885" cy="523220"/>
+          </a:xfrm>
+          <a:prstGeom prst="rect">
+            <a:avLst/>
+          </a:prstGeom>
+          <a:noFill/>
+        </p:spPr>
+        <p:txBody>
+          <a:bodyPr wrap="square" rtlCol="0">
+            <a:spAutoFit/>
+          </a:bodyPr>
+          <a:lstStyle/>
+          <a:p>
+            <a:pPr algn="ctr"/>
+            <a:r>
+              <a:rPr lang="zh-CN" altLang="en-US" sz="1400" dirty="0">
+                <a:latin typeface="微软雅黑" panose="020B0503020204020204" pitchFamily="34" charset="-122"/>
+                <a:ea typeface="微软雅黑" panose="020B0503020204020204" pitchFamily="34" charset="-122"/>
+              </a:rPr>
+              <a:t>出栈</a:t>
+            </a:r>
+            <a:endParaRPr lang="en-US" altLang="zh-CN" sz="1400" dirty="0">
+              <a:latin typeface="微软雅黑" panose="020B0503020204020204" pitchFamily="34" charset="-122"/>
+              <a:ea typeface="微软雅黑" panose="020B0503020204020204" pitchFamily="34" charset="-122"/>
+            </a:endParaRPr>
+          </a:p>
+          <a:p>
+            <a:pPr algn="ctr"/>
+            <a:r>
+              <a:rPr lang="en-US" altLang="zh-CN" sz="1400" dirty="0">
+                <a:latin typeface="微软雅黑" panose="020B0503020204020204" pitchFamily="34" charset="-122"/>
+                <a:ea typeface="微软雅黑" panose="020B0503020204020204" pitchFamily="34" charset="-122"/>
+              </a:rPr>
+              <a:t>Pop</a:t>
+            </a:r>
+            <a:endParaRPr lang="zh-CN" altLang="en-US" sz="1400" dirty="0">
+              <a:latin typeface="微软雅黑" panose="020B0503020204020204" pitchFamily="34" charset="-122"/>
+              <a:ea typeface="微软雅黑" panose="020B0503020204020204" pitchFamily="34" charset="-122"/>
+            </a:endParaRPr>
+          </a:p>
+        </p:txBody>
+      </p:sp>
     </p:spTree>
     <p:extLst>
       <p:ext uri="{BB962C8B-B14F-4D97-AF65-F5344CB8AC3E}">
